--- a/Signum Framework Introduction.pptx
+++ b/Signum Framework Introduction.pptx
@@ -5,7 +5,7 @@
     <p:sldMasterId id="2147483648" r:id="rId1"/>
   </p:sldMasterIdLst>
   <p:notesMasterIdLst>
-    <p:notesMasterId r:id="rId19"/>
+    <p:notesMasterId r:id="rId18"/>
   </p:notesMasterIdLst>
   <p:sldIdLst>
     <p:sldId id="256" r:id="rId2"/>
@@ -22,9 +22,8 @@
     <p:sldId id="293" r:id="rId13"/>
     <p:sldId id="294" r:id="rId14"/>
     <p:sldId id="270" r:id="rId15"/>
-    <p:sldId id="268" r:id="rId16"/>
-    <p:sldId id="273" r:id="rId17"/>
-    <p:sldId id="282" r:id="rId18"/>
+    <p:sldId id="273" r:id="rId16"/>
+    <p:sldId id="282" r:id="rId17"/>
   </p:sldIdLst>
   <p:sldSz cx="12192000" cy="6858000"/>
   <p:notesSz cx="6858000" cy="9144000"/>
@@ -224,7 +223,7 @@
           <a:p>
             <a:fld id="{760B0559-D72B-483A-967B-0FFBB38787CA}" type="datetimeFigureOut">
               <a:rPr lang="en-US" smtClean="0"/>
-              <a:t>11/7/2017</a:t>
+              <a:t>11/20/2018</a:t>
             </a:fld>
             <a:endParaRPr lang="en-US"/>
           </a:p>
@@ -383,7 +382,7 @@
           <a:p>
             <a:fld id="{C8181B3D-485C-4DF8-A60D-D3D3CDF76B0F}" type="slidenum">
               <a:rPr lang="en-US" smtClean="0"/>
-              <a:t>‹#›</a:t>
+              <a:t>‹Nr.›</a:t>
             </a:fld>
             <a:endParaRPr lang="en-US"/>
           </a:p>
@@ -791,7 +790,7 @@
           <a:p>
             <a:fld id="{870F4FFB-FEBA-4846-9E66-ADC655F8FBDA}" type="datetimeFigureOut">
               <a:rPr lang="en-US" smtClean="0"/>
-              <a:t>11/7/2017</a:t>
+              <a:t>11/20/2018</a:t>
             </a:fld>
             <a:endParaRPr lang="en-US"/>
           </a:p>
@@ -833,7 +832,7 @@
           <a:p>
             <a:fld id="{EAD8DC12-D42B-4B06-88CD-47FEA905AD5D}" type="slidenum">
               <a:rPr lang="en-US" smtClean="0"/>
-              <a:t>‹#›</a:t>
+              <a:t>‹Nr.›</a:t>
             </a:fld>
             <a:endParaRPr lang="en-US"/>
           </a:p>
@@ -961,7 +960,7 @@
           <a:p>
             <a:fld id="{870F4FFB-FEBA-4846-9E66-ADC655F8FBDA}" type="datetimeFigureOut">
               <a:rPr lang="en-US" smtClean="0"/>
-              <a:t>11/7/2017</a:t>
+              <a:t>11/20/2018</a:t>
             </a:fld>
             <a:endParaRPr lang="en-US"/>
           </a:p>
@@ -1003,7 +1002,7 @@
           <a:p>
             <a:fld id="{EAD8DC12-D42B-4B06-88CD-47FEA905AD5D}" type="slidenum">
               <a:rPr lang="en-US" smtClean="0"/>
-              <a:t>‹#›</a:t>
+              <a:t>‹Nr.›</a:t>
             </a:fld>
             <a:endParaRPr lang="en-US"/>
           </a:p>
@@ -1141,7 +1140,7 @@
           <a:p>
             <a:fld id="{870F4FFB-FEBA-4846-9E66-ADC655F8FBDA}" type="datetimeFigureOut">
               <a:rPr lang="en-US" smtClean="0"/>
-              <a:t>11/7/2017</a:t>
+              <a:t>11/20/2018</a:t>
             </a:fld>
             <a:endParaRPr lang="en-US"/>
           </a:p>
@@ -1183,7 +1182,7 @@
           <a:p>
             <a:fld id="{EAD8DC12-D42B-4B06-88CD-47FEA905AD5D}" type="slidenum">
               <a:rPr lang="en-US" smtClean="0"/>
-              <a:t>‹#›</a:t>
+              <a:t>‹Nr.›</a:t>
             </a:fld>
             <a:endParaRPr lang="en-US"/>
           </a:p>
@@ -1311,7 +1310,7 @@
           <a:p>
             <a:fld id="{870F4FFB-FEBA-4846-9E66-ADC655F8FBDA}" type="datetimeFigureOut">
               <a:rPr lang="en-US" smtClean="0"/>
-              <a:t>11/7/2017</a:t>
+              <a:t>11/20/2018</a:t>
             </a:fld>
             <a:endParaRPr lang="en-US"/>
           </a:p>
@@ -1353,7 +1352,7 @@
           <a:p>
             <a:fld id="{EAD8DC12-D42B-4B06-88CD-47FEA905AD5D}" type="slidenum">
               <a:rPr lang="en-US" smtClean="0"/>
-              <a:t>‹#›</a:t>
+              <a:t>‹Nr.›</a:t>
             </a:fld>
             <a:endParaRPr lang="en-US"/>
           </a:p>
@@ -1557,7 +1556,7 @@
           <a:p>
             <a:fld id="{870F4FFB-FEBA-4846-9E66-ADC655F8FBDA}" type="datetimeFigureOut">
               <a:rPr lang="en-US" smtClean="0"/>
-              <a:t>11/7/2017</a:t>
+              <a:t>11/20/2018</a:t>
             </a:fld>
             <a:endParaRPr lang="en-US"/>
           </a:p>
@@ -1599,7 +1598,7 @@
           <a:p>
             <a:fld id="{EAD8DC12-D42B-4B06-88CD-47FEA905AD5D}" type="slidenum">
               <a:rPr lang="en-US" smtClean="0"/>
-              <a:t>‹#›</a:t>
+              <a:t>‹Nr.›</a:t>
             </a:fld>
             <a:endParaRPr lang="en-US"/>
           </a:p>
@@ -1789,7 +1788,7 @@
           <a:p>
             <a:fld id="{870F4FFB-FEBA-4846-9E66-ADC655F8FBDA}" type="datetimeFigureOut">
               <a:rPr lang="en-US" smtClean="0"/>
-              <a:t>11/7/2017</a:t>
+              <a:t>11/20/2018</a:t>
             </a:fld>
             <a:endParaRPr lang="en-US"/>
           </a:p>
@@ -1831,7 +1830,7 @@
           <a:p>
             <a:fld id="{EAD8DC12-D42B-4B06-88CD-47FEA905AD5D}" type="slidenum">
               <a:rPr lang="en-US" smtClean="0"/>
-              <a:t>‹#›</a:t>
+              <a:t>‹Nr.›</a:t>
             </a:fld>
             <a:endParaRPr lang="en-US"/>
           </a:p>
@@ -2156,7 +2155,7 @@
           <a:p>
             <a:fld id="{870F4FFB-FEBA-4846-9E66-ADC655F8FBDA}" type="datetimeFigureOut">
               <a:rPr lang="en-US" smtClean="0"/>
-              <a:t>11/7/2017</a:t>
+              <a:t>11/20/2018</a:t>
             </a:fld>
             <a:endParaRPr lang="en-US"/>
           </a:p>
@@ -2198,7 +2197,7 @@
           <a:p>
             <a:fld id="{EAD8DC12-D42B-4B06-88CD-47FEA905AD5D}" type="slidenum">
               <a:rPr lang="en-US" smtClean="0"/>
-              <a:t>‹#›</a:t>
+              <a:t>‹Nr.›</a:t>
             </a:fld>
             <a:endParaRPr lang="en-US"/>
           </a:p>
@@ -2274,7 +2273,7 @@
           <a:p>
             <a:fld id="{870F4FFB-FEBA-4846-9E66-ADC655F8FBDA}" type="datetimeFigureOut">
               <a:rPr lang="en-US" smtClean="0"/>
-              <a:t>11/7/2017</a:t>
+              <a:t>11/20/2018</a:t>
             </a:fld>
             <a:endParaRPr lang="en-US"/>
           </a:p>
@@ -2316,7 +2315,7 @@
           <a:p>
             <a:fld id="{EAD8DC12-D42B-4B06-88CD-47FEA905AD5D}" type="slidenum">
               <a:rPr lang="en-US" smtClean="0"/>
-              <a:t>‹#›</a:t>
+              <a:t>‹Nr.›</a:t>
             </a:fld>
             <a:endParaRPr lang="en-US"/>
           </a:p>
@@ -2369,7 +2368,7 @@
           <a:p>
             <a:fld id="{870F4FFB-FEBA-4846-9E66-ADC655F8FBDA}" type="datetimeFigureOut">
               <a:rPr lang="en-US" smtClean="0"/>
-              <a:t>11/7/2017</a:t>
+              <a:t>11/20/2018</a:t>
             </a:fld>
             <a:endParaRPr lang="en-US"/>
           </a:p>
@@ -2411,7 +2410,7 @@
           <a:p>
             <a:fld id="{EAD8DC12-D42B-4B06-88CD-47FEA905AD5D}" type="slidenum">
               <a:rPr lang="en-US" smtClean="0"/>
-              <a:t>‹#›</a:t>
+              <a:t>‹Nr.›</a:t>
             </a:fld>
             <a:endParaRPr lang="en-US"/>
           </a:p>
@@ -2646,7 +2645,7 @@
           <a:p>
             <a:fld id="{870F4FFB-FEBA-4846-9E66-ADC655F8FBDA}" type="datetimeFigureOut">
               <a:rPr lang="en-US" smtClean="0"/>
-              <a:t>11/7/2017</a:t>
+              <a:t>11/20/2018</a:t>
             </a:fld>
             <a:endParaRPr lang="en-US"/>
           </a:p>
@@ -2688,7 +2687,7 @@
           <a:p>
             <a:fld id="{EAD8DC12-D42B-4B06-88CD-47FEA905AD5D}" type="slidenum">
               <a:rPr lang="en-US" smtClean="0"/>
-              <a:t>‹#›</a:t>
+              <a:t>‹Nr.›</a:t>
             </a:fld>
             <a:endParaRPr lang="en-US"/>
           </a:p>
@@ -2899,7 +2898,7 @@
           <a:p>
             <a:fld id="{870F4FFB-FEBA-4846-9E66-ADC655F8FBDA}" type="datetimeFigureOut">
               <a:rPr lang="en-US" smtClean="0"/>
-              <a:t>11/7/2017</a:t>
+              <a:t>11/20/2018</a:t>
             </a:fld>
             <a:endParaRPr lang="en-US"/>
           </a:p>
@@ -2941,7 +2940,7 @@
           <a:p>
             <a:fld id="{EAD8DC12-D42B-4B06-88CD-47FEA905AD5D}" type="slidenum">
               <a:rPr lang="en-US" smtClean="0"/>
-              <a:t>‹#›</a:t>
+              <a:t>‹Nr.›</a:t>
             </a:fld>
             <a:endParaRPr lang="en-US"/>
           </a:p>
@@ -3112,7 +3111,7 @@
           <a:p>
             <a:fld id="{870F4FFB-FEBA-4846-9E66-ADC655F8FBDA}" type="datetimeFigureOut">
               <a:rPr lang="en-US" smtClean="0"/>
-              <a:t>11/7/2017</a:t>
+              <a:t>11/20/2018</a:t>
             </a:fld>
             <a:endParaRPr lang="en-US"/>
           </a:p>
@@ -3190,7 +3189,7 @@
           <a:p>
             <a:fld id="{EAD8DC12-D42B-4B06-88CD-47FEA905AD5D}" type="slidenum">
               <a:rPr lang="en-US" smtClean="0"/>
-              <a:t>‹#›</a:t>
+              <a:t>‹Nr.›</a:t>
             </a:fld>
             <a:endParaRPr lang="en-US"/>
           </a:p>
@@ -3539,7 +3538,7 @@
           <a:graphicData uri="http://schemas.openxmlformats.org/presentationml/2006/ole">
             <mc:AlternateContent xmlns:mc="http://schemas.openxmlformats.org/markup-compatibility/2006">
               <mc:Choice xmlns:v="urn:schemas-microsoft-com:vml" Requires="v">
-                <p:oleObj spid="_x0000_s1066" r:id="rId3" imgW="10856880" imgH="12533040" progId="">
+                <p:oleObj spid="_x0000_s1069" r:id="rId3" imgW="10856880" imgH="12533040" progId="">
                   <p:embed/>
                 </p:oleObj>
               </mc:Choice>
@@ -3854,21 +3853,21 @@
                 <a:gridCol w="2828916">
                   <a:extLst>
                     <a:ext uri="{9D8B030D-6E8A-4147-A177-3AD203B41FA5}">
-                      <a16:colId xmlns:a16="http://schemas.microsoft.com/office/drawing/2014/main" xmlns="" val="20000"/>
+                      <a16:colId xmlns:a16="http://schemas.microsoft.com/office/drawing/2014/main" val="20000"/>
                     </a:ext>
                   </a:extLst>
                 </a:gridCol>
                 <a:gridCol w="2571768">
                   <a:extLst>
                     <a:ext uri="{9D8B030D-6E8A-4147-A177-3AD203B41FA5}">
-                      <a16:colId xmlns:a16="http://schemas.microsoft.com/office/drawing/2014/main" xmlns="" val="20001"/>
+                      <a16:colId xmlns:a16="http://schemas.microsoft.com/office/drawing/2014/main" val="20001"/>
                     </a:ext>
                   </a:extLst>
                 </a:gridCol>
                 <a:gridCol w="2928957">
                   <a:extLst>
                     <a:ext uri="{9D8B030D-6E8A-4147-A177-3AD203B41FA5}">
-                      <a16:colId xmlns:a16="http://schemas.microsoft.com/office/drawing/2014/main" xmlns="" val="20002"/>
+                      <a16:colId xmlns:a16="http://schemas.microsoft.com/office/drawing/2014/main" val="20002"/>
                     </a:ext>
                   </a:extLst>
                 </a:gridCol>
@@ -4254,7 +4253,7 @@
                 </a:tc>
                 <a:extLst>
                   <a:ext uri="{0D108BD9-81ED-4DB2-BD59-A6C34878D82A}">
-                    <a16:rowId xmlns:a16="http://schemas.microsoft.com/office/drawing/2014/main" xmlns="" val="10000"/>
+                    <a16:rowId xmlns:a16="http://schemas.microsoft.com/office/drawing/2014/main" val="10000"/>
                   </a:ext>
                 </a:extLst>
               </a:tr>
@@ -4593,7 +4592,7 @@
                 </a:tc>
                 <a:extLst>
                   <a:ext uri="{0D108BD9-81ED-4DB2-BD59-A6C34878D82A}">
-                    <a16:rowId xmlns:a16="http://schemas.microsoft.com/office/drawing/2014/main" xmlns="" val="10001"/>
+                    <a16:rowId xmlns:a16="http://schemas.microsoft.com/office/drawing/2014/main" val="10001"/>
                   </a:ext>
                 </a:extLst>
               </a:tr>
@@ -5079,7 +5078,7 @@
                 </a:tc>
                 <a:extLst>
                   <a:ext uri="{0D108BD9-81ED-4DB2-BD59-A6C34878D82A}">
-                    <a16:rowId xmlns:a16="http://schemas.microsoft.com/office/drawing/2014/main" xmlns="" val="10002"/>
+                    <a16:rowId xmlns:a16="http://schemas.microsoft.com/office/drawing/2014/main" val="10002"/>
                   </a:ext>
                 </a:extLst>
               </a:tr>
@@ -8092,7 +8091,7 @@
         </p:nvSpPr>
         <p:spPr>
           <a:xfrm>
-            <a:off x="1688105" y="6421016"/>
+            <a:off x="1626986" y="6428499"/>
             <a:ext cx="652743" cy="369332"/>
           </a:xfrm>
           <a:prstGeom prst="rect">
@@ -8122,7 +8121,7 @@
         </p:nvSpPr>
         <p:spPr>
           <a:xfrm>
-            <a:off x="2735956" y="6435983"/>
+            <a:off x="2613718" y="6428499"/>
             <a:ext cx="652743" cy="369332"/>
           </a:xfrm>
           <a:prstGeom prst="rect">
@@ -8152,7 +8151,7 @@
         </p:nvSpPr>
         <p:spPr>
           <a:xfrm>
-            <a:off x="3783807" y="6435983"/>
+            <a:off x="3600450" y="6428499"/>
             <a:ext cx="652743" cy="369332"/>
           </a:xfrm>
           <a:prstGeom prst="rect">
@@ -8181,7 +8180,7 @@
         </p:nvSpPr>
         <p:spPr>
           <a:xfrm>
-            <a:off x="4831658" y="6435983"/>
+            <a:off x="4587182" y="6428499"/>
             <a:ext cx="652743" cy="369332"/>
           </a:xfrm>
           <a:prstGeom prst="rect">
@@ -8210,7 +8209,7 @@
         </p:nvSpPr>
         <p:spPr>
           <a:xfrm>
-            <a:off x="5879509" y="6435983"/>
+            <a:off x="5573914" y="6428499"/>
             <a:ext cx="652743" cy="369332"/>
           </a:xfrm>
           <a:prstGeom prst="rect">
@@ -8239,7 +8238,7 @@
         </p:nvSpPr>
         <p:spPr>
           <a:xfrm>
-            <a:off x="6927360" y="6435983"/>
+            <a:off x="6560646" y="6428499"/>
             <a:ext cx="652743" cy="369332"/>
           </a:xfrm>
           <a:prstGeom prst="rect">
@@ -8268,7 +8267,7 @@
         </p:nvSpPr>
         <p:spPr>
           <a:xfrm>
-            <a:off x="7975211" y="6435983"/>
+            <a:off x="7547378" y="6428499"/>
             <a:ext cx="652743" cy="369332"/>
           </a:xfrm>
           <a:prstGeom prst="rect">
@@ -8297,7 +8296,7 @@
         </p:nvSpPr>
         <p:spPr>
           <a:xfrm>
-            <a:off x="9023062" y="6430148"/>
+            <a:off x="8534110" y="6428499"/>
             <a:ext cx="652743" cy="369332"/>
           </a:xfrm>
           <a:prstGeom prst="rect">
@@ -8373,8 +8372,8 @@
         </p:nvSpPr>
         <p:spPr>
           <a:xfrm>
-            <a:off x="1604865" y="5571135"/>
-            <a:ext cx="3655274" cy="345233"/>
+            <a:off x="1626985" y="5564101"/>
+            <a:ext cx="2985731" cy="345233"/>
           </a:xfrm>
           <a:prstGeom prst="rect">
             <a:avLst/>
@@ -8420,7 +8419,7 @@
         </p:nvSpPr>
         <p:spPr>
           <a:xfrm>
-            <a:off x="5290458" y="5571135"/>
+            <a:off x="4643036" y="5564101"/>
             <a:ext cx="2753248" cy="345233"/>
           </a:xfrm>
           <a:prstGeom prst="rect">
@@ -8466,7 +8465,7 @@
         </p:nvSpPr>
         <p:spPr>
           <a:xfrm>
-            <a:off x="640254" y="6430148"/>
+            <a:off x="640254" y="6428499"/>
             <a:ext cx="652743" cy="369332"/>
           </a:xfrm>
           <a:prstGeom prst="rect">
@@ -8496,7 +8495,7 @@
         </p:nvSpPr>
         <p:spPr>
           <a:xfrm>
-            <a:off x="9611844" y="5571135"/>
+            <a:off x="8964422" y="5564101"/>
             <a:ext cx="1576719" cy="345233"/>
           </a:xfrm>
           <a:prstGeom prst="rect">
@@ -8542,7 +8541,7 @@
         </p:nvSpPr>
         <p:spPr>
           <a:xfrm>
-            <a:off x="10070914" y="6425582"/>
+            <a:off x="9520842" y="6428499"/>
             <a:ext cx="652743" cy="369332"/>
           </a:xfrm>
           <a:prstGeom prst="rect">
@@ -8571,7 +8570,7 @@
         </p:nvSpPr>
         <p:spPr>
           <a:xfrm>
-            <a:off x="8074025" y="5571135"/>
+            <a:off x="7426603" y="5564101"/>
             <a:ext cx="1507501" cy="345233"/>
           </a:xfrm>
           <a:prstGeom prst="rect">
@@ -8625,8 +8624,8 @@
         </p:nvSpPr>
         <p:spPr>
           <a:xfrm>
-            <a:off x="244446" y="5962857"/>
-            <a:ext cx="3847281" cy="345233"/>
+            <a:off x="244447" y="5962857"/>
+            <a:ext cx="3680132" cy="345233"/>
           </a:xfrm>
           <a:prstGeom prst="rect">
             <a:avLst/>
@@ -8672,8 +8671,8 @@
         </p:nvSpPr>
         <p:spPr>
           <a:xfrm>
-            <a:off x="4121511" y="5962857"/>
-            <a:ext cx="3200400" cy="345233"/>
+            <a:off x="3931699" y="5962857"/>
+            <a:ext cx="3183268" cy="345233"/>
           </a:xfrm>
           <a:prstGeom prst="rect">
             <a:avLst/>
@@ -8719,8 +8718,8 @@
         </p:nvSpPr>
         <p:spPr>
           <a:xfrm>
-            <a:off x="7349901" y="5962857"/>
-            <a:ext cx="4716357" cy="345233"/>
+            <a:off x="7144751" y="5962857"/>
+            <a:ext cx="4921508" cy="345233"/>
           </a:xfrm>
           <a:prstGeom prst="rect">
             <a:avLst/>
@@ -8813,8 +8812,8 @@
         </p:nvSpPr>
         <p:spPr>
           <a:xfrm>
-            <a:off x="1604865" y="5190797"/>
-            <a:ext cx="10465832" cy="345233"/>
+            <a:off x="1626986" y="5183763"/>
+            <a:ext cx="9784338" cy="345233"/>
           </a:xfrm>
           <a:prstGeom prst="rect">
             <a:avLst/>
@@ -8925,8 +8924,8 @@
         </p:nvSpPr>
         <p:spPr>
           <a:xfrm>
-            <a:off x="1604865" y="4804767"/>
-            <a:ext cx="10465832" cy="345233"/>
+            <a:off x="1626986" y="4797733"/>
+            <a:ext cx="9784338" cy="345233"/>
           </a:xfrm>
           <a:prstGeom prst="rect">
             <a:avLst/>
@@ -8994,7 +8993,7 @@
         </p:nvSpPr>
         <p:spPr>
           <a:xfrm>
-            <a:off x="2810657" y="2922377"/>
+            <a:off x="2163235" y="2915343"/>
             <a:ext cx="2441893" cy="345233"/>
           </a:xfrm>
           <a:prstGeom prst="rect">
@@ -9044,7 +9043,7 @@
         </p:nvSpPr>
         <p:spPr>
           <a:xfrm>
-            <a:off x="5289702" y="2932451"/>
+            <a:off x="4642280" y="2925417"/>
             <a:ext cx="3082995" cy="335159"/>
           </a:xfrm>
           <a:prstGeom prst="rect">
@@ -9094,7 +9093,7 @@
         </p:nvSpPr>
         <p:spPr>
           <a:xfrm>
-            <a:off x="8411085" y="2926478"/>
+            <a:off x="7763663" y="2919444"/>
             <a:ext cx="2611935" cy="341132"/>
           </a:xfrm>
           <a:prstGeom prst="rect">
@@ -9132,9 +9131,8 @@
             <a:pPr algn="ctr"/>
             <a:r>
               <a:rPr lang="en-US" dirty="0" smtClean="0"/>
-              <a:t>Bootstrap</a:t>
-            </a:r>
-            <a:endParaRPr lang="de-DE" dirty="0"/>
+              <a:t>Bootstrap 3</a:t>
+            </a:r>
           </a:p>
         </p:txBody>
       </p:sp>
@@ -9193,7 +9191,7 @@
         </p:nvSpPr>
         <p:spPr>
           <a:xfrm>
-            <a:off x="2818169" y="4418057"/>
+            <a:off x="2170747" y="4411023"/>
             <a:ext cx="1591451" cy="338200"/>
           </a:xfrm>
           <a:prstGeom prst="rect">
@@ -9247,7 +9245,7 @@
         </p:nvSpPr>
         <p:spPr>
           <a:xfrm>
-            <a:off x="4440722" y="4418055"/>
+            <a:off x="3793300" y="4411021"/>
             <a:ext cx="821093" cy="338201"/>
           </a:xfrm>
           <a:prstGeom prst="rect">
@@ -9297,7 +9295,7 @@
         </p:nvSpPr>
         <p:spPr>
           <a:xfrm>
-            <a:off x="5290457" y="4418055"/>
+            <a:off x="4643035" y="4411021"/>
             <a:ext cx="1082388" cy="341132"/>
           </a:xfrm>
           <a:prstGeom prst="rect">
@@ -9347,7 +9345,7 @@
         </p:nvSpPr>
         <p:spPr>
           <a:xfrm>
-            <a:off x="6400801" y="4418056"/>
+            <a:off x="5753379" y="4411022"/>
             <a:ext cx="1828800" cy="341132"/>
           </a:xfrm>
           <a:prstGeom prst="rect">
@@ -9397,7 +9395,7 @@
         </p:nvSpPr>
         <p:spPr>
           <a:xfrm>
-            <a:off x="8262484" y="4418056"/>
+            <a:off x="7615062" y="4411022"/>
             <a:ext cx="1958298" cy="341132"/>
           </a:xfrm>
           <a:prstGeom prst="rect">
@@ -9447,7 +9445,7 @@
         </p:nvSpPr>
         <p:spPr>
           <a:xfrm>
-            <a:off x="4256329" y="4034431"/>
+            <a:off x="3608907" y="4027397"/>
             <a:ext cx="5964453" cy="335159"/>
           </a:xfrm>
           <a:prstGeom prst="rect">
@@ -9510,8 +9508,8 @@
         </p:nvSpPr>
         <p:spPr>
           <a:xfrm>
-            <a:off x="6708598" y="2545552"/>
-            <a:ext cx="5350148" cy="335159"/>
+            <a:off x="6061175" y="2538518"/>
+            <a:ext cx="6085870" cy="335159"/>
           </a:xfrm>
           <a:prstGeom prst="rect">
             <a:avLst/>
@@ -9560,7 +9558,7 @@
         </p:nvSpPr>
         <p:spPr>
           <a:xfrm>
-            <a:off x="4093912" y="2545551"/>
+            <a:off x="3446490" y="2538517"/>
             <a:ext cx="2583155" cy="335159"/>
           </a:xfrm>
           <a:prstGeom prst="rect">
@@ -9610,8 +9608,8 @@
         </p:nvSpPr>
         <p:spPr>
           <a:xfrm>
-            <a:off x="10276121" y="4058712"/>
-            <a:ext cx="1782625" cy="335159"/>
+            <a:off x="9628699" y="4051678"/>
+            <a:ext cx="2518346" cy="335159"/>
           </a:xfrm>
           <a:prstGeom prst="rect">
             <a:avLst/>
@@ -9707,7 +9705,7 @@
         </p:nvSpPr>
         <p:spPr>
           <a:xfrm>
-            <a:off x="10276343" y="4434668"/>
+            <a:off x="9628921" y="4427634"/>
             <a:ext cx="1782403" cy="335159"/>
           </a:xfrm>
           <a:prstGeom prst="rect">
@@ -9761,7 +9759,7 @@
         </p:nvSpPr>
         <p:spPr>
           <a:xfrm>
-            <a:off x="2810657" y="3301747"/>
+            <a:off x="2163235" y="3294713"/>
             <a:ext cx="4521688" cy="335159"/>
           </a:xfrm>
           <a:prstGeom prst="rect">
@@ -9811,7 +9809,7 @@
         </p:nvSpPr>
         <p:spPr>
           <a:xfrm>
-            <a:off x="7379665" y="3301747"/>
+            <a:off x="6732243" y="3294713"/>
             <a:ext cx="1508963" cy="335159"/>
           </a:xfrm>
           <a:prstGeom prst="rect">
@@ -9861,7 +9859,7 @@
         </p:nvSpPr>
         <p:spPr>
           <a:xfrm>
-            <a:off x="9459706" y="3301747"/>
+            <a:off x="8812284" y="3294713"/>
             <a:ext cx="476438" cy="335159"/>
           </a:xfrm>
           <a:prstGeom prst="rect">
@@ -9911,7 +9909,7 @@
         </p:nvSpPr>
         <p:spPr>
           <a:xfrm>
-            <a:off x="9988201" y="3301747"/>
+            <a:off x="9340779" y="3294713"/>
             <a:ext cx="498160" cy="335159"/>
           </a:xfrm>
           <a:prstGeom prst="rect">
@@ -9961,7 +9959,7 @@
         </p:nvSpPr>
         <p:spPr>
           <a:xfrm>
-            <a:off x="10533681" y="3301747"/>
+            <a:off x="9886259" y="3294713"/>
             <a:ext cx="498160" cy="335159"/>
           </a:xfrm>
           <a:prstGeom prst="rect">
@@ -10011,7 +10009,7 @@
         </p:nvSpPr>
         <p:spPr>
           <a:xfrm>
-            <a:off x="8935948" y="3301747"/>
+            <a:off x="8288526" y="3294713"/>
             <a:ext cx="476438" cy="335159"/>
           </a:xfrm>
           <a:prstGeom prst="rect">
@@ -10061,7 +10059,7 @@
         </p:nvSpPr>
         <p:spPr>
           <a:xfrm>
-            <a:off x="11058141" y="3301747"/>
+            <a:off x="10410719" y="3294713"/>
             <a:ext cx="498160" cy="335159"/>
           </a:xfrm>
           <a:prstGeom prst="rect">
@@ -10111,7 +10109,7 @@
         </p:nvSpPr>
         <p:spPr>
           <a:xfrm>
-            <a:off x="11582601" y="3303437"/>
+            <a:off x="10935179" y="3296403"/>
             <a:ext cx="476146" cy="335159"/>
           </a:xfrm>
           <a:prstGeom prst="rect">
@@ -10161,7 +10159,7 @@
         </p:nvSpPr>
         <p:spPr>
           <a:xfrm>
-            <a:off x="8448127" y="3682186"/>
+            <a:off x="7800705" y="3675152"/>
             <a:ext cx="1796895" cy="335159"/>
           </a:xfrm>
           <a:prstGeom prst="rect">
@@ -10213,8 +10211,8 @@
         </p:nvSpPr>
         <p:spPr>
           <a:xfrm>
-            <a:off x="10276121" y="3682756"/>
-            <a:ext cx="1782626" cy="335159"/>
+            <a:off x="9628698" y="3675722"/>
+            <a:ext cx="2518347" cy="335159"/>
           </a:xfrm>
           <a:prstGeom prst="rect">
             <a:avLst/>
@@ -10300,7 +10298,7 @@
         </p:nvSpPr>
         <p:spPr>
           <a:xfrm>
-            <a:off x="10988361" y="6421016"/>
+            <a:off x="10507574" y="6428499"/>
             <a:ext cx="652743" cy="369332"/>
           </a:xfrm>
           <a:prstGeom prst="rect">
@@ -10329,8 +10327,8 @@
         </p:nvSpPr>
         <p:spPr>
           <a:xfrm>
-            <a:off x="11050997" y="2923145"/>
-            <a:ext cx="1007749" cy="341132"/>
+            <a:off x="10403575" y="2916111"/>
+            <a:ext cx="1743470" cy="341132"/>
           </a:xfrm>
           <a:prstGeom prst="rect">
             <a:avLst/>
@@ -10366,10 +10364,14 @@
           <a:p>
             <a:pPr algn="ctr"/>
             <a:r>
+              <a:rPr lang="en-US" dirty="0"/>
+              <a:t>Bootstrap </a:t>
+            </a:r>
+            <a:r>
               <a:rPr lang="en-US" dirty="0" smtClean="0"/>
-              <a:t>4.0 Beta</a:t>
-            </a:r>
-            <a:endParaRPr lang="de-DE" dirty="0"/>
+              <a:t>4</a:t>
+            </a:r>
+            <a:endParaRPr lang="en-US" dirty="0"/>
           </a:p>
         </p:txBody>
       </p:sp>
@@ -10381,8 +10383,8 @@
         </p:nvSpPr>
         <p:spPr>
           <a:xfrm>
-            <a:off x="11218881" y="5571135"/>
-            <a:ext cx="839865" cy="345233"/>
+            <a:off x="10571459" y="5564101"/>
+            <a:ext cx="1459414" cy="345233"/>
           </a:xfrm>
           <a:prstGeom prst="rect">
             <a:avLst/>
@@ -10427,7 +10429,7 @@
         </p:nvCxnSpPr>
         <p:spPr>
           <a:xfrm>
-            <a:off x="10251144" y="3679557"/>
+            <a:off x="9603722" y="3672523"/>
             <a:ext cx="0" cy="1105944"/>
           </a:xfrm>
           <a:prstGeom prst="line">
@@ -10454,6 +10456,170 @@
           </a:fontRef>
         </p:style>
       </p:cxnSp>
+      <p:sp>
+        <p:nvSpPr>
+          <p:cNvPr id="58" name="TextBox 52"/>
+          <p:cNvSpPr txBox="1"/>
+          <p:nvPr/>
+        </p:nvSpPr>
+        <p:spPr>
+          <a:xfrm>
+            <a:off x="11494302" y="6428499"/>
+            <a:ext cx="652743" cy="369332"/>
+          </a:xfrm>
+          <a:prstGeom prst="rect">
+            <a:avLst/>
+          </a:prstGeom>
+          <a:noFill/>
+        </p:spPr>
+        <p:txBody>
+          <a:bodyPr wrap="none" rtlCol="0">
+            <a:spAutoFit/>
+          </a:bodyPr>
+          <a:lstStyle/>
+          <a:p>
+            <a:r>
+              <a:rPr lang="en-US" dirty="0" smtClean="0"/>
+              <a:t>2018</a:t>
+            </a:r>
+          </a:p>
+        </p:txBody>
+      </p:sp>
+      <p:sp>
+        <p:nvSpPr>
+          <p:cNvPr id="59" name="Rectangle 77"/>
+          <p:cNvSpPr/>
+          <p:nvPr/>
+        </p:nvSpPr>
+        <p:spPr>
+          <a:xfrm>
+            <a:off x="11458936" y="3294713"/>
+            <a:ext cx="688109" cy="335159"/>
+          </a:xfrm>
+          <a:prstGeom prst="rect">
+            <a:avLst/>
+          </a:prstGeom>
+          <a:solidFill>
+            <a:srgbClr val="92D050"/>
+          </a:solidFill>
+          <a:ln>
+            <a:noFill/>
+          </a:ln>
+        </p:spPr>
+        <p:style>
+          <a:lnRef idx="2">
+            <a:schemeClr val="accent1">
+              <a:shade val="50000"/>
+            </a:schemeClr>
+          </a:lnRef>
+          <a:fillRef idx="1">
+            <a:schemeClr val="accent1"/>
+          </a:fillRef>
+          <a:effectRef idx="0">
+            <a:schemeClr val="accent1"/>
+          </a:effectRef>
+          <a:fontRef idx="minor">
+            <a:schemeClr val="lt1"/>
+          </a:fontRef>
+        </p:style>
+        <p:txBody>
+          <a:bodyPr rtlCol="0" anchor="ctr"/>
+          <a:lstStyle/>
+          <a:p>
+            <a:pPr algn="ctr"/>
+            <a:r>
+              <a:rPr lang="en-US" dirty="0" smtClean="0"/>
+              <a:t>3.0</a:t>
+            </a:r>
+            <a:endParaRPr lang="de-DE" dirty="0"/>
+          </a:p>
+        </p:txBody>
+      </p:sp>
+      <p:cxnSp>
+        <p:nvCxnSpPr>
+          <p:cNvPr id="61" name="Straight Connector 59"/>
+          <p:cNvCxnSpPr/>
+          <p:nvPr/>
+        </p:nvCxnSpPr>
+        <p:spPr>
+          <a:xfrm>
+            <a:off x="11411324" y="4427634"/>
+            <a:ext cx="0" cy="1105944"/>
+          </a:xfrm>
+          <a:prstGeom prst="line">
+            <a:avLst/>
+          </a:prstGeom>
+          <a:ln w="38100">
+            <a:solidFill>
+              <a:schemeClr val="tx1"/>
+            </a:solidFill>
+          </a:ln>
+        </p:spPr>
+        <p:style>
+          <a:lnRef idx="1">
+            <a:schemeClr val="accent1"/>
+          </a:lnRef>
+          <a:fillRef idx="0">
+            <a:schemeClr val="accent1"/>
+          </a:fillRef>
+          <a:effectRef idx="0">
+            <a:schemeClr val="accent1"/>
+          </a:effectRef>
+          <a:fontRef idx="minor">
+            <a:schemeClr val="tx1"/>
+          </a:fontRef>
+        </p:style>
+      </p:cxnSp>
+      <p:sp>
+        <p:nvSpPr>
+          <p:cNvPr id="62" name="Rectangle 67"/>
+          <p:cNvSpPr/>
+          <p:nvPr/>
+        </p:nvSpPr>
+        <p:spPr>
+          <a:xfrm>
+            <a:off x="11451858" y="4432048"/>
+            <a:ext cx="695188" cy="335159"/>
+          </a:xfrm>
+          <a:prstGeom prst="rect">
+            <a:avLst/>
+          </a:prstGeom>
+          <a:solidFill>
+            <a:srgbClr val="D8229B"/>
+          </a:solidFill>
+          <a:ln>
+            <a:noFill/>
+          </a:ln>
+        </p:spPr>
+        <p:style>
+          <a:lnRef idx="2">
+            <a:schemeClr val="accent1">
+              <a:shade val="50000"/>
+            </a:schemeClr>
+          </a:lnRef>
+          <a:fillRef idx="1">
+            <a:schemeClr val="accent1"/>
+          </a:fillRef>
+          <a:effectRef idx="0">
+            <a:schemeClr val="accent1"/>
+          </a:effectRef>
+          <a:fontRef idx="minor">
+            <a:schemeClr val="lt1"/>
+          </a:fontRef>
+        </p:style>
+        <p:txBody>
+          <a:bodyPr rtlCol="0" anchor="ctr"/>
+          <a:lstStyle/>
+          <a:p>
+            <a:pPr algn="ctr"/>
+            <a:r>
+              <a:rPr lang="en-US" dirty="0" smtClean="0"/>
+              <a:t>Core</a:t>
+            </a:r>
+            <a:endParaRPr lang="de-DE" dirty="0"/>
+          </a:p>
+        </p:txBody>
+      </p:sp>
     </p:spTree>
     <p:extLst>
       <p:ext uri="{BB962C8B-B14F-4D97-AF65-F5344CB8AC3E}">
@@ -11483,6 +11649,87 @@
                                   </p:childTnLst>
                                 </p:cTn>
                               </p:par>
+                              <p:par>
+                                <p:cTn id="81" presetID="1" presetClass="entr" presetSubtype="0" fill="hold" grpId="0" nodeType="withEffect">
+                                  <p:stCondLst>
+                                    <p:cond delay="0"/>
+                                  </p:stCondLst>
+                                  <p:childTnLst>
+                                    <p:set>
+                                      <p:cBhvr>
+                                        <p:cTn id="82" dur="1" fill="hold">
+                                          <p:stCondLst>
+                                            <p:cond delay="0"/>
+                                          </p:stCondLst>
+                                        </p:cTn>
+                                        <p:tgtEl>
+                                          <p:spTgt spid="59"/>
+                                        </p:tgtEl>
+                                        <p:attrNameLst>
+                                          <p:attrName>style.visibility</p:attrName>
+                                        </p:attrNameLst>
+                                      </p:cBhvr>
+                                      <p:to>
+                                        <p:strVal val="visible"/>
+                                      </p:to>
+                                    </p:set>
+                                  </p:childTnLst>
+                                </p:cTn>
+                              </p:par>
+                              <p:par>
+                                <p:cTn id="83" presetID="1" presetClass="entr" presetSubtype="0" fill="hold" nodeType="withEffect">
+                                  <p:stCondLst>
+                                    <p:cond delay="0"/>
+                                  </p:stCondLst>
+                                  <p:childTnLst>
+                                    <p:set>
+                                      <p:cBhvr>
+                                        <p:cTn id="84" dur="1" fill="hold">
+                                          <p:stCondLst>
+                                            <p:cond delay="0"/>
+                                          </p:stCondLst>
+                                        </p:cTn>
+                                        <p:tgtEl>
+                                          <p:spTgt spid="61"/>
+                                        </p:tgtEl>
+                                        <p:attrNameLst>
+                                          <p:attrName>style.visibility</p:attrName>
+                                        </p:attrNameLst>
+                                      </p:cBhvr>
+                                      <p:to>
+                                        <p:strVal val="visible"/>
+                                      </p:to>
+                                    </p:set>
+                                  </p:childTnLst>
+                                </p:cTn>
+                              </p:par>
+                              <p:par>
+                                <p:cTn id="85" presetID="1" presetClass="entr" presetSubtype="0" fill="hold" grpId="0" nodeType="withEffect">
+                                  <p:stCondLst>
+                                    <p:cond delay="0"/>
+                                  </p:stCondLst>
+                                  <p:childTnLst>
+                                    <p:set>
+                                      <p:cBhvr>
+                                        <p:cTn id="86" dur="1" fill="hold">
+                                          <p:stCondLst>
+                                            <p:cond delay="0"/>
+                                          </p:stCondLst>
+                                        </p:cTn>
+                                        <p:tgtEl>
+                                          <p:spTgt spid="62"/>
+                                        </p:tgtEl>
+                                        <p:attrNameLst>
+                                          <p:attrName>style.visibility</p:attrName>
+                                        </p:attrNameLst>
+                                      </p:cBhvr>
+                                      <p:to>
+                                        <p:strVal val="visible"/>
+                                      </p:to>
+                                    </p:set>
+                                  </p:childTnLst>
+                                </p:cTn>
+                              </p:par>
                             </p:childTnLst>
                           </p:cTn>
                         </p:par>
@@ -11545,6 +11792,8 @@
       <p:bldP spid="80" grpId="0" animBg="1"/>
       <p:bldP spid="56" grpId="0" animBg="1"/>
       <p:bldP spid="57" grpId="0" animBg="1"/>
+      <p:bldP spid="59" grpId="0" animBg="1"/>
+      <p:bldP spid="62" grpId="0" animBg="1"/>
     </p:bldLst>
   </p:timing>
 </p:sld>
@@ -11615,7 +11864,7 @@
         </p:nvSpPr>
         <p:spPr>
           <a:xfrm>
-            <a:off x="5277554" y="3598544"/>
+            <a:off x="5277554" y="3144732"/>
             <a:ext cx="1708152" cy="1294063"/>
           </a:xfrm>
           <a:prstGeom prst="rect">
@@ -11664,7 +11913,7 @@
         </p:nvSpPr>
         <p:spPr>
           <a:xfrm>
-            <a:off x="7607300" y="2884522"/>
+            <a:off x="7607300" y="2430710"/>
             <a:ext cx="1491544" cy="714022"/>
           </a:xfrm>
           <a:prstGeom prst="rect">
@@ -11713,7 +11962,7 @@
         </p:nvSpPr>
         <p:spPr>
           <a:xfrm>
-            <a:off x="7607299" y="3888565"/>
+            <a:off x="7607299" y="3434753"/>
             <a:ext cx="2135011" cy="714022"/>
           </a:xfrm>
           <a:prstGeom prst="rect">
@@ -11762,7 +12011,7 @@
         </p:nvSpPr>
         <p:spPr>
           <a:xfrm>
-            <a:off x="7607300" y="4892608"/>
+            <a:off x="7607300" y="4438796"/>
             <a:ext cx="1491544" cy="714022"/>
           </a:xfrm>
           <a:prstGeom prst="rect">
@@ -11811,7 +12060,7 @@
         </p:nvSpPr>
         <p:spPr>
           <a:xfrm>
-            <a:off x="4767262" y="5789559"/>
+            <a:off x="4789088" y="5338053"/>
             <a:ext cx="2681555" cy="714022"/>
           </a:xfrm>
           <a:prstGeom prst="rect">
@@ -11854,111 +12103,13 @@
       </p:sp>
       <p:sp>
         <p:nvSpPr>
-          <p:cNvPr id="10" name="Rectangle 9"/>
-          <p:cNvSpPr/>
-          <p:nvPr/>
-        </p:nvSpPr>
-        <p:spPr>
-          <a:xfrm>
-            <a:off x="6185873" y="1106294"/>
-            <a:ext cx="1330678" cy="714022"/>
-          </a:xfrm>
-          <a:prstGeom prst="rect">
-            <a:avLst/>
-          </a:prstGeom>
-        </p:spPr>
-        <p:style>
-          <a:lnRef idx="0">
-            <a:schemeClr val="accent6"/>
-          </a:lnRef>
-          <a:fillRef idx="3">
-            <a:schemeClr val="accent6"/>
-          </a:fillRef>
-          <a:effectRef idx="3">
-            <a:schemeClr val="accent6"/>
-          </a:effectRef>
-          <a:fontRef idx="minor">
-            <a:schemeClr val="lt1"/>
-          </a:fontRef>
-        </p:style>
-        <p:txBody>
-          <a:bodyPr rtlCol="0" anchor="ctr"/>
-          <a:lstStyle/>
-          <a:p>
-            <a:pPr algn="ctr"/>
-            <a:r>
-              <a:rPr lang="en-US" dirty="0" smtClean="0"/>
-              <a:t>Web</a:t>
-            </a:r>
-            <a:br>
-              <a:rPr lang="en-US" dirty="0" smtClean="0"/>
-            </a:br>
-            <a:r>
-              <a:rPr lang="en-US" dirty="0" smtClean="0"/>
-              <a:t>(Razor/C#)</a:t>
-            </a:r>
-            <a:endParaRPr lang="en-US" dirty="0"/>
-          </a:p>
-        </p:txBody>
-      </p:sp>
-      <p:sp>
-        <p:nvSpPr>
-          <p:cNvPr id="11" name="Rectangle 10"/>
-          <p:cNvSpPr/>
-          <p:nvPr/>
-        </p:nvSpPr>
-        <p:spPr>
-          <a:xfrm>
-            <a:off x="4723694" y="1106294"/>
-            <a:ext cx="1275271" cy="714022"/>
-          </a:xfrm>
-          <a:prstGeom prst="rect">
-            <a:avLst/>
-          </a:prstGeom>
-        </p:spPr>
-        <p:style>
-          <a:lnRef idx="0">
-            <a:schemeClr val="accent2"/>
-          </a:lnRef>
-          <a:fillRef idx="3">
-            <a:schemeClr val="accent2"/>
-          </a:fillRef>
-          <a:effectRef idx="3">
-            <a:schemeClr val="accent2"/>
-          </a:effectRef>
-          <a:fontRef idx="minor">
-            <a:schemeClr val="lt1"/>
-          </a:fontRef>
-        </p:style>
-        <p:txBody>
-          <a:bodyPr rtlCol="0" anchor="ctr"/>
-          <a:lstStyle/>
-          <a:p>
-            <a:pPr algn="ctr"/>
-            <a:r>
-              <a:rPr lang="en-US" dirty="0" smtClean="0"/>
-              <a:t>Windows</a:t>
-            </a:r>
-            <a:br>
-              <a:rPr lang="en-US" dirty="0" smtClean="0"/>
-            </a:br>
-            <a:r>
-              <a:rPr lang="en-US" dirty="0" smtClean="0"/>
-              <a:t>(XAML)</a:t>
-            </a:r>
-            <a:endParaRPr lang="en-US" dirty="0"/>
-          </a:p>
-        </p:txBody>
-      </p:sp>
-      <p:sp>
-        <p:nvSpPr>
           <p:cNvPr id="12" name="Rectangle 11"/>
           <p:cNvSpPr/>
           <p:nvPr/>
         </p:nvSpPr>
         <p:spPr>
           <a:xfrm>
-            <a:off x="3244143" y="2884522"/>
+            <a:off x="3244143" y="2430710"/>
             <a:ext cx="1411817" cy="714022"/>
           </a:xfrm>
           <a:prstGeom prst="rect">
@@ -12007,7 +12158,7 @@
         </p:nvSpPr>
         <p:spPr>
           <a:xfrm>
-            <a:off x="2921703" y="3888564"/>
+            <a:off x="2921703" y="3434752"/>
             <a:ext cx="1734257" cy="714022"/>
           </a:xfrm>
           <a:prstGeom prst="rect">
@@ -12056,7 +12207,7 @@
         </p:nvSpPr>
         <p:spPr>
           <a:xfrm>
-            <a:off x="3244143" y="4892608"/>
+            <a:off x="3244143" y="4438796"/>
             <a:ext cx="1411817" cy="714022"/>
           </a:xfrm>
           <a:prstGeom prst="rect">
@@ -12099,111 +12250,13 @@
       </p:sp>
       <p:sp>
         <p:nvSpPr>
-          <p:cNvPr id="15" name="Rectangle 14"/>
-          <p:cNvSpPr/>
-          <p:nvPr/>
-        </p:nvSpPr>
-        <p:spPr>
-          <a:xfrm>
-            <a:off x="6185874" y="1965327"/>
-            <a:ext cx="1330678" cy="714022"/>
-          </a:xfrm>
-          <a:prstGeom prst="rect">
-            <a:avLst/>
-          </a:prstGeom>
-        </p:spPr>
-        <p:style>
-          <a:lnRef idx="0">
-            <a:schemeClr val="accent2"/>
-          </a:lnRef>
-          <a:fillRef idx="3">
-            <a:schemeClr val="accent2"/>
-          </a:fillRef>
-          <a:effectRef idx="3">
-            <a:schemeClr val="accent2"/>
-          </a:effectRef>
-          <a:fontRef idx="minor">
-            <a:schemeClr val="lt1"/>
-          </a:fontRef>
-        </p:style>
-        <p:txBody>
-          <a:bodyPr rtlCol="0" anchor="ctr"/>
-          <a:lstStyle/>
-          <a:p>
-            <a:pPr algn="ctr"/>
-            <a:r>
-              <a:rPr lang="en-US" dirty="0" smtClean="0"/>
-              <a:t>Web</a:t>
-            </a:r>
-            <a:br>
-              <a:rPr lang="en-US" dirty="0" smtClean="0"/>
-            </a:br>
-            <a:r>
-              <a:rPr lang="en-US" dirty="0" smtClean="0"/>
-              <a:t>(TS)</a:t>
-            </a:r>
-            <a:endParaRPr lang="en-US" dirty="0"/>
-          </a:p>
-        </p:txBody>
-      </p:sp>
-      <p:sp>
-        <p:nvSpPr>
-          <p:cNvPr id="16" name="Rectangle 15"/>
-          <p:cNvSpPr/>
-          <p:nvPr/>
-        </p:nvSpPr>
-        <p:spPr>
-          <a:xfrm>
-            <a:off x="4723694" y="1969595"/>
-            <a:ext cx="1275271" cy="714022"/>
-          </a:xfrm>
-          <a:prstGeom prst="rect">
-            <a:avLst/>
-          </a:prstGeom>
-        </p:spPr>
-        <p:style>
-          <a:lnRef idx="0">
-            <a:schemeClr val="accent6"/>
-          </a:lnRef>
-          <a:fillRef idx="3">
-            <a:schemeClr val="accent6"/>
-          </a:fillRef>
-          <a:effectRef idx="3">
-            <a:schemeClr val="accent6"/>
-          </a:effectRef>
-          <a:fontRef idx="minor">
-            <a:schemeClr val="lt1"/>
-          </a:fontRef>
-        </p:style>
-        <p:txBody>
-          <a:bodyPr rtlCol="0" anchor="ctr"/>
-          <a:lstStyle/>
-          <a:p>
-            <a:pPr algn="ctr"/>
-            <a:r>
-              <a:rPr lang="en-US" dirty="0" smtClean="0"/>
-              <a:t>Windows</a:t>
-            </a:r>
-            <a:br>
-              <a:rPr lang="en-US" dirty="0" smtClean="0"/>
-            </a:br>
-            <a:r>
-              <a:rPr lang="en-US" dirty="0" smtClean="0"/>
-              <a:t>(C#)</a:t>
-            </a:r>
-            <a:endParaRPr lang="en-US" dirty="0"/>
-          </a:p>
-        </p:txBody>
-      </p:sp>
-      <p:sp>
-        <p:nvSpPr>
           <p:cNvPr id="17" name="Up-Down Arrow 16"/>
           <p:cNvSpPr/>
           <p:nvPr/>
         </p:nvSpPr>
         <p:spPr>
           <a:xfrm>
-            <a:off x="5931231" y="5057425"/>
+            <a:off x="5931231" y="4603613"/>
             <a:ext cx="334102" cy="549205"/>
           </a:xfrm>
           <a:prstGeom prst="upDownArrow">
@@ -12243,7 +12296,7 @@
         </p:nvSpPr>
         <p:spPr>
           <a:xfrm rot="5400000">
-            <a:off x="4808667" y="3972092"/>
+            <a:off x="4808667" y="3518280"/>
             <a:ext cx="334102" cy="549205"/>
           </a:xfrm>
           <a:prstGeom prst="upDownArrow">
@@ -12283,7 +12336,7 @@
         </p:nvSpPr>
         <p:spPr>
           <a:xfrm rot="3069368">
-            <a:off x="4819994" y="4882551"/>
+            <a:off x="4819994" y="4428739"/>
             <a:ext cx="334102" cy="549205"/>
           </a:xfrm>
           <a:prstGeom prst="upDownArrow">
@@ -12317,13 +12370,13 @@
       </p:sp>
       <p:sp>
         <p:nvSpPr>
-          <p:cNvPr id="22" name="Up-Down Arrow 21"/>
+          <p:cNvPr id="24" name="Up-Down Arrow 23"/>
           <p:cNvSpPr/>
           <p:nvPr/>
         </p:nvSpPr>
         <p:spPr>
-          <a:xfrm rot="900000">
-            <a:off x="6466319" y="2899639"/>
+          <a:xfrm rot="5400000">
+            <a:off x="7129451" y="3517161"/>
             <a:ext cx="334102" cy="549205"/>
           </a:xfrm>
           <a:prstGeom prst="upDownArrow">
@@ -12357,13 +12410,13 @@
       </p:sp>
       <p:sp>
         <p:nvSpPr>
-          <p:cNvPr id="23" name="Up-Down Arrow 22"/>
+          <p:cNvPr id="25" name="Up-Down Arrow 24"/>
           <p:cNvSpPr/>
           <p:nvPr/>
         </p:nvSpPr>
         <p:spPr>
-          <a:xfrm rot="20700000">
-            <a:off x="5415053" y="2888816"/>
+          <a:xfrm rot="8100000">
+            <a:off x="7024464" y="4457887"/>
             <a:ext cx="334102" cy="549205"/>
           </a:xfrm>
           <a:prstGeom prst="upDownArrow">
@@ -12397,13 +12450,53 @@
       </p:sp>
       <p:sp>
         <p:nvSpPr>
-          <p:cNvPr id="24" name="Up-Down Arrow 23"/>
+          <p:cNvPr id="26" name="Up-Down Arrow 25"/>
           <p:cNvSpPr/>
           <p:nvPr/>
         </p:nvSpPr>
         <p:spPr>
-          <a:xfrm rot="5400000">
-            <a:off x="7129451" y="3970973"/>
+          <a:xfrm rot="7793968">
+            <a:off x="4771063" y="2655084"/>
+            <a:ext cx="334102" cy="549205"/>
+          </a:xfrm>
+          <a:prstGeom prst="upDownArrow">
+            <a:avLst/>
+          </a:prstGeom>
+        </p:spPr>
+        <p:style>
+          <a:lnRef idx="2">
+            <a:schemeClr val="accent4">
+              <a:shade val="50000"/>
+            </a:schemeClr>
+          </a:lnRef>
+          <a:fillRef idx="1">
+            <a:schemeClr val="accent4"/>
+          </a:fillRef>
+          <a:effectRef idx="0">
+            <a:schemeClr val="accent4"/>
+          </a:effectRef>
+          <a:fontRef idx="minor">
+            <a:schemeClr val="lt1"/>
+          </a:fontRef>
+        </p:style>
+        <p:txBody>
+          <a:bodyPr rtlCol="0" anchor="ctr"/>
+          <a:lstStyle/>
+          <a:p>
+            <a:pPr algn="ctr"/>
+            <a:endParaRPr lang="en-US"/>
+          </a:p>
+        </p:txBody>
+      </p:sp>
+      <p:sp>
+        <p:nvSpPr>
+          <p:cNvPr id="27" name="Up-Down Arrow 26"/>
+          <p:cNvSpPr/>
+          <p:nvPr/>
+        </p:nvSpPr>
+        <p:spPr>
+          <a:xfrm rot="14045778">
+            <a:off x="7118173" y="2671444"/>
             <a:ext cx="334102" cy="549205"/>
           </a:xfrm>
           <a:prstGeom prst="upDownArrow">
@@ -12437,30 +12530,172 @@
       </p:sp>
       <p:sp>
         <p:nvSpPr>
-          <p:cNvPr id="25" name="Up-Down Arrow 24"/>
+          <p:cNvPr id="28" name="Rectangle 27"/>
           <p:cNvSpPr/>
           <p:nvPr/>
         </p:nvSpPr>
         <p:spPr>
-          <a:xfrm rot="8100000">
-            <a:off x="7024464" y="4911699"/>
-            <a:ext cx="334102" cy="549205"/>
+          <a:xfrm>
+            <a:off x="9568590" y="2799964"/>
+            <a:ext cx="2623410" cy="1569660"/>
           </a:xfrm>
-          <a:prstGeom prst="upDownArrow">
+          <a:prstGeom prst="rect">
+            <a:avLst/>
+          </a:prstGeom>
+        </p:spPr>
+        <p:txBody>
+          <a:bodyPr wrap="none">
+            <a:spAutoFit/>
+          </a:bodyPr>
+          <a:lstStyle/>
+          <a:p>
+            <a:pPr algn="ctr"/>
+            <a:r>
+              <a:rPr lang="en-US" sz="3200" dirty="0" smtClean="0">
+                <a:solidFill>
+                  <a:schemeClr val="accent6"/>
+                </a:solidFill>
+                <a:latin typeface="Myriad Pro" panose="020B0503030403020204" pitchFamily="34" charset="0"/>
+              </a:rPr>
+              <a:t>Compile-time </a:t>
+            </a:r>
+            <a:br>
+              <a:rPr lang="en-US" sz="3200" dirty="0" smtClean="0">
+                <a:solidFill>
+                  <a:schemeClr val="accent6"/>
+                </a:solidFill>
+                <a:latin typeface="Myriad Pro" panose="020B0503030403020204" pitchFamily="34" charset="0"/>
+              </a:rPr>
+            </a:br>
+            <a:r>
+              <a:rPr lang="en-US" sz="3200" dirty="0" smtClean="0">
+                <a:solidFill>
+                  <a:schemeClr val="accent6"/>
+                </a:solidFill>
+                <a:latin typeface="Myriad Pro" panose="020B0503030403020204" pitchFamily="34" charset="0"/>
+              </a:rPr>
+              <a:t>checked </a:t>
+            </a:r>
+            <a:br>
+              <a:rPr lang="en-US" sz="3200" dirty="0" smtClean="0">
+                <a:solidFill>
+                  <a:schemeClr val="accent6"/>
+                </a:solidFill>
+                <a:latin typeface="Myriad Pro" panose="020B0503030403020204" pitchFamily="34" charset="0"/>
+              </a:rPr>
+            </a:br>
+            <a:r>
+              <a:rPr lang="en-US" sz="3200" dirty="0" smtClean="0">
+                <a:solidFill>
+                  <a:schemeClr val="accent6"/>
+                </a:solidFill>
+                <a:latin typeface="Myriad Pro" panose="020B0503030403020204" pitchFamily="34" charset="0"/>
+                <a:sym typeface="Wingdings" panose="05000000000000000000" pitchFamily="2" charset="2"/>
+              </a:rPr>
+              <a:t></a:t>
+            </a:r>
+            <a:endParaRPr lang="en-US" sz="3200" dirty="0"/>
+          </a:p>
+        </p:txBody>
+      </p:sp>
+      <p:sp>
+        <p:nvSpPr>
+          <p:cNvPr id="29" name="Rectangle 28"/>
+          <p:cNvSpPr/>
+          <p:nvPr/>
+        </p:nvSpPr>
+        <p:spPr>
+          <a:xfrm>
+            <a:off x="35796" y="2799964"/>
+            <a:ext cx="2593339" cy="1569660"/>
+          </a:xfrm>
+          <a:prstGeom prst="rect">
+            <a:avLst/>
+          </a:prstGeom>
+        </p:spPr>
+        <p:txBody>
+          <a:bodyPr wrap="none">
+            <a:spAutoFit/>
+          </a:bodyPr>
+          <a:lstStyle/>
+          <a:p>
+            <a:pPr algn="ctr"/>
+            <a:r>
+              <a:rPr lang="en-US" sz="3200" dirty="0" smtClean="0">
+                <a:solidFill>
+                  <a:schemeClr val="accent4"/>
+                </a:solidFill>
+                <a:latin typeface="Myriad Pro" panose="020B0503030403020204" pitchFamily="34" charset="0"/>
+              </a:rPr>
+              <a:t>Generated &amp;</a:t>
+            </a:r>
+            <a:br>
+              <a:rPr lang="en-US" sz="3200" dirty="0" smtClean="0">
+                <a:solidFill>
+                  <a:schemeClr val="accent4"/>
+                </a:solidFill>
+                <a:latin typeface="Myriad Pro" panose="020B0503030403020204" pitchFamily="34" charset="0"/>
+              </a:rPr>
+            </a:br>
+            <a:r>
+              <a:rPr lang="en-US" sz="3200" dirty="0" smtClean="0">
+                <a:solidFill>
+                  <a:schemeClr val="accent4"/>
+                </a:solidFill>
+                <a:latin typeface="Myriad Pro" panose="020B0503030403020204" pitchFamily="34" charset="0"/>
+              </a:rPr>
+              <a:t>Synchronized </a:t>
+            </a:r>
+            <a:br>
+              <a:rPr lang="en-US" sz="3200" dirty="0" smtClean="0">
+                <a:solidFill>
+                  <a:schemeClr val="accent4"/>
+                </a:solidFill>
+                <a:latin typeface="Myriad Pro" panose="020B0503030403020204" pitchFamily="34" charset="0"/>
+              </a:rPr>
+            </a:br>
+            <a:r>
+              <a:rPr lang="en-US" sz="3200" dirty="0" smtClean="0">
+                <a:solidFill>
+                  <a:schemeClr val="accent4"/>
+                </a:solidFill>
+                <a:latin typeface="Myriad Pro" panose="020B0503030403020204" pitchFamily="34" charset="0"/>
+                <a:sym typeface="Wingdings" panose="05000000000000000000" pitchFamily="2" charset="2"/>
+              </a:rPr>
+              <a:t></a:t>
+            </a:r>
+            <a:endParaRPr lang="en-US" sz="3200" dirty="0">
+              <a:solidFill>
+                <a:schemeClr val="accent4"/>
+              </a:solidFill>
+            </a:endParaRPr>
+          </a:p>
+        </p:txBody>
+      </p:sp>
+      <p:sp>
+        <p:nvSpPr>
+          <p:cNvPr id="32" name="Rectangle 11"/>
+          <p:cNvSpPr/>
+          <p:nvPr/>
+        </p:nvSpPr>
+        <p:spPr>
+          <a:xfrm>
+            <a:off x="4944533" y="1429547"/>
+            <a:ext cx="2370667" cy="822634"/>
+          </a:xfrm>
+          <a:prstGeom prst="rect">
             <a:avLst/>
           </a:prstGeom>
         </p:spPr>
         <p:style>
-          <a:lnRef idx="2">
-            <a:schemeClr val="accent6">
-              <a:shade val="50000"/>
-            </a:schemeClr>
+          <a:lnRef idx="0">
+            <a:schemeClr val="accent4"/>
           </a:lnRef>
-          <a:fillRef idx="1">
-            <a:schemeClr val="accent6"/>
+          <a:fillRef idx="3">
+            <a:schemeClr val="accent4"/>
           </a:fillRef>
-          <a:effectRef idx="0">
-            <a:schemeClr val="accent6"/>
+          <a:effectRef idx="3">
+            <a:schemeClr val="accent4"/>
           </a:effectRef>
           <a:fontRef idx="minor">
             <a:schemeClr val="lt1"/>
@@ -12471,19 +12706,29 @@
           <a:lstStyle/>
           <a:p>
             <a:pPr algn="ctr"/>
-            <a:endParaRPr lang="en-US"/>
+            <a:r>
+              <a:rPr lang="en-US" dirty="0" smtClean="0"/>
+              <a:t>Web User Interface</a:t>
+            </a:r>
+            <a:br>
+              <a:rPr lang="en-US" dirty="0" smtClean="0"/>
+            </a:br>
+            <a:r>
+              <a:rPr lang="en-US" dirty="0"/>
+              <a:t>(React &amp; Typescript)</a:t>
+            </a:r>
           </a:p>
         </p:txBody>
       </p:sp>
       <p:sp>
         <p:nvSpPr>
-          <p:cNvPr id="26" name="Up-Down Arrow 25"/>
+          <p:cNvPr id="33" name="Up-Down Arrow 25"/>
           <p:cNvSpPr/>
           <p:nvPr/>
         </p:nvSpPr>
         <p:spPr>
-          <a:xfrm rot="7793968">
-            <a:off x="4771063" y="3108896"/>
+          <a:xfrm rot="10800000">
+            <a:off x="5964579" y="2430710"/>
             <a:ext cx="334102" cy="549205"/>
           </a:xfrm>
           <a:prstGeom prst="upDownArrow">
@@ -12501,284 +12746,6 @@
           </a:fillRef>
           <a:effectRef idx="0">
             <a:schemeClr val="accent4"/>
-          </a:effectRef>
-          <a:fontRef idx="minor">
-            <a:schemeClr val="lt1"/>
-          </a:fontRef>
-        </p:style>
-        <p:txBody>
-          <a:bodyPr rtlCol="0" anchor="ctr"/>
-          <a:lstStyle/>
-          <a:p>
-            <a:pPr algn="ctr"/>
-            <a:endParaRPr lang="en-US"/>
-          </a:p>
-        </p:txBody>
-      </p:sp>
-      <p:sp>
-        <p:nvSpPr>
-          <p:cNvPr id="27" name="Up-Down Arrow 26"/>
-          <p:cNvSpPr/>
-          <p:nvPr/>
-        </p:nvSpPr>
-        <p:spPr>
-          <a:xfrm rot="14045778">
-            <a:off x="7118173" y="3125256"/>
-            <a:ext cx="334102" cy="549205"/>
-          </a:xfrm>
-          <a:prstGeom prst="upDownArrow">
-            <a:avLst/>
-          </a:prstGeom>
-        </p:spPr>
-        <p:style>
-          <a:lnRef idx="2">
-            <a:schemeClr val="accent6">
-              <a:shade val="50000"/>
-            </a:schemeClr>
-          </a:lnRef>
-          <a:fillRef idx="1">
-            <a:schemeClr val="accent6"/>
-          </a:fillRef>
-          <a:effectRef idx="0">
-            <a:schemeClr val="accent6"/>
-          </a:effectRef>
-          <a:fontRef idx="minor">
-            <a:schemeClr val="lt1"/>
-          </a:fontRef>
-        </p:style>
-        <p:txBody>
-          <a:bodyPr rtlCol="0" anchor="ctr"/>
-          <a:lstStyle/>
-          <a:p>
-            <a:pPr algn="ctr"/>
-            <a:endParaRPr lang="en-US"/>
-          </a:p>
-        </p:txBody>
-      </p:sp>
-      <p:sp>
-        <p:nvSpPr>
-          <p:cNvPr id="28" name="Rectangle 27"/>
-          <p:cNvSpPr/>
-          <p:nvPr/>
-        </p:nvSpPr>
-        <p:spPr>
-          <a:xfrm>
-            <a:off x="9568590" y="3253776"/>
-            <a:ext cx="2623410" cy="1569660"/>
-          </a:xfrm>
-          <a:prstGeom prst="rect">
-            <a:avLst/>
-          </a:prstGeom>
-        </p:spPr>
-        <p:txBody>
-          <a:bodyPr wrap="none">
-            <a:spAutoFit/>
-          </a:bodyPr>
-          <a:lstStyle/>
-          <a:p>
-            <a:pPr algn="ctr"/>
-            <a:r>
-              <a:rPr lang="en-US" sz="3200" dirty="0" smtClean="0">
-                <a:solidFill>
-                  <a:schemeClr val="accent6"/>
-                </a:solidFill>
-                <a:latin typeface="Myriad Pro" panose="020B0503030403020204" pitchFamily="34" charset="0"/>
-              </a:rPr>
-              <a:t>Compile-time </a:t>
-            </a:r>
-            <a:br>
-              <a:rPr lang="en-US" sz="3200" dirty="0" smtClean="0">
-                <a:solidFill>
-                  <a:schemeClr val="accent6"/>
-                </a:solidFill>
-                <a:latin typeface="Myriad Pro" panose="020B0503030403020204" pitchFamily="34" charset="0"/>
-              </a:rPr>
-            </a:br>
-            <a:r>
-              <a:rPr lang="en-US" sz="3200" dirty="0" smtClean="0">
-                <a:solidFill>
-                  <a:schemeClr val="accent6"/>
-                </a:solidFill>
-                <a:latin typeface="Myriad Pro" panose="020B0503030403020204" pitchFamily="34" charset="0"/>
-              </a:rPr>
-              <a:t>checked </a:t>
-            </a:r>
-            <a:br>
-              <a:rPr lang="en-US" sz="3200" dirty="0" smtClean="0">
-                <a:solidFill>
-                  <a:schemeClr val="accent6"/>
-                </a:solidFill>
-                <a:latin typeface="Myriad Pro" panose="020B0503030403020204" pitchFamily="34" charset="0"/>
-              </a:rPr>
-            </a:br>
-            <a:r>
-              <a:rPr lang="en-US" sz="3200" dirty="0" smtClean="0">
-                <a:solidFill>
-                  <a:schemeClr val="accent6"/>
-                </a:solidFill>
-                <a:latin typeface="Myriad Pro" panose="020B0503030403020204" pitchFamily="34" charset="0"/>
-                <a:sym typeface="Wingdings" panose="05000000000000000000" pitchFamily="2" charset="2"/>
-              </a:rPr>
-              <a:t></a:t>
-            </a:r>
-            <a:endParaRPr lang="en-US" sz="3200" dirty="0"/>
-          </a:p>
-        </p:txBody>
-      </p:sp>
-      <p:sp>
-        <p:nvSpPr>
-          <p:cNvPr id="29" name="Rectangle 28"/>
-          <p:cNvSpPr/>
-          <p:nvPr/>
-        </p:nvSpPr>
-        <p:spPr>
-          <a:xfrm>
-            <a:off x="35796" y="3253776"/>
-            <a:ext cx="2593339" cy="1569660"/>
-          </a:xfrm>
-          <a:prstGeom prst="rect">
-            <a:avLst/>
-          </a:prstGeom>
-        </p:spPr>
-        <p:txBody>
-          <a:bodyPr wrap="none">
-            <a:spAutoFit/>
-          </a:bodyPr>
-          <a:lstStyle/>
-          <a:p>
-            <a:pPr algn="ctr"/>
-            <a:r>
-              <a:rPr lang="en-US" sz="3200" dirty="0" smtClean="0">
-                <a:solidFill>
-                  <a:schemeClr val="accent4"/>
-                </a:solidFill>
-                <a:latin typeface="Myriad Pro" panose="020B0503030403020204" pitchFamily="34" charset="0"/>
-              </a:rPr>
-              <a:t>Generated &amp;</a:t>
-            </a:r>
-            <a:br>
-              <a:rPr lang="en-US" sz="3200" dirty="0" smtClean="0">
-                <a:solidFill>
-                  <a:schemeClr val="accent4"/>
-                </a:solidFill>
-                <a:latin typeface="Myriad Pro" panose="020B0503030403020204" pitchFamily="34" charset="0"/>
-              </a:rPr>
-            </a:br>
-            <a:r>
-              <a:rPr lang="en-US" sz="3200" dirty="0" smtClean="0">
-                <a:solidFill>
-                  <a:schemeClr val="accent4"/>
-                </a:solidFill>
-                <a:latin typeface="Myriad Pro" panose="020B0503030403020204" pitchFamily="34" charset="0"/>
-              </a:rPr>
-              <a:t>Synchronized </a:t>
-            </a:r>
-            <a:br>
-              <a:rPr lang="en-US" sz="3200" dirty="0" smtClean="0">
-                <a:solidFill>
-                  <a:schemeClr val="accent4"/>
-                </a:solidFill>
-                <a:latin typeface="Myriad Pro" panose="020B0503030403020204" pitchFamily="34" charset="0"/>
-              </a:rPr>
-            </a:br>
-            <a:r>
-              <a:rPr lang="en-US" sz="3200" dirty="0" smtClean="0">
-                <a:solidFill>
-                  <a:schemeClr val="accent4"/>
-                </a:solidFill>
-                <a:latin typeface="Myriad Pro" panose="020B0503030403020204" pitchFamily="34" charset="0"/>
-                <a:sym typeface="Wingdings" panose="05000000000000000000" pitchFamily="2" charset="2"/>
-              </a:rPr>
-              <a:t></a:t>
-            </a:r>
-            <a:endParaRPr lang="en-US" sz="3200" dirty="0">
-              <a:solidFill>
-                <a:schemeClr val="accent4"/>
-              </a:solidFill>
-            </a:endParaRPr>
-          </a:p>
-        </p:txBody>
-      </p:sp>
-      <p:sp>
-        <p:nvSpPr>
-          <p:cNvPr id="30" name="Rectangle 29"/>
-          <p:cNvSpPr/>
-          <p:nvPr/>
-        </p:nvSpPr>
-        <p:spPr>
-          <a:xfrm>
-            <a:off x="2401101" y="1064211"/>
-            <a:ext cx="2010935" cy="1077218"/>
-          </a:xfrm>
-          <a:prstGeom prst="rect">
-            <a:avLst/>
-          </a:prstGeom>
-        </p:spPr>
-        <p:txBody>
-          <a:bodyPr wrap="none">
-            <a:spAutoFit/>
-          </a:bodyPr>
-          <a:lstStyle/>
-          <a:p>
-            <a:pPr algn="ctr"/>
-            <a:r>
-              <a:rPr lang="en-US" sz="3200" dirty="0" smtClean="0">
-                <a:solidFill>
-                  <a:schemeClr val="accent2"/>
-                </a:solidFill>
-              </a:rPr>
-              <a:t>Take care…</a:t>
-            </a:r>
-            <a:br>
-              <a:rPr lang="en-US" sz="3200" dirty="0" smtClean="0">
-                <a:solidFill>
-                  <a:schemeClr val="accent2"/>
-                </a:solidFill>
-              </a:rPr>
-            </a:br>
-            <a:r>
-              <a:rPr lang="en-US" sz="3200" dirty="0" smtClean="0">
-                <a:solidFill>
-                  <a:schemeClr val="accent2"/>
-                </a:solidFill>
-                <a:sym typeface="Wingdings" panose="05000000000000000000" pitchFamily="2" charset="2"/>
-              </a:rPr>
-              <a:t></a:t>
-            </a:r>
-            <a:endParaRPr lang="en-US" sz="3200" dirty="0">
-              <a:solidFill>
-                <a:schemeClr val="accent2"/>
-              </a:solidFill>
-            </a:endParaRPr>
-          </a:p>
-        </p:txBody>
-      </p:sp>
-      <p:sp>
-        <p:nvSpPr>
-          <p:cNvPr id="31" name="Up-Down Arrow 30"/>
-          <p:cNvSpPr/>
-          <p:nvPr/>
-        </p:nvSpPr>
-        <p:spPr>
-          <a:xfrm>
-            <a:off x="5941400" y="2871025"/>
-            <a:ext cx="334102" cy="549205"/>
-          </a:xfrm>
-          <a:prstGeom prst="upDownArrow">
-            <a:avLst/>
-          </a:prstGeom>
-        </p:spPr>
-        <p:style>
-          <a:lnRef idx="2">
-            <a:schemeClr val="accent2">
-              <a:shade val="50000"/>
-            </a:schemeClr>
-          </a:lnRef>
-          <a:fillRef idx="1">
-            <a:schemeClr val="accent2"/>
-          </a:fillRef>
-          <a:effectRef idx="0">
-            <a:schemeClr val="accent2"/>
           </a:effectRef>
           <a:fontRef idx="minor">
             <a:schemeClr val="lt1"/>
@@ -12931,21 +12898,39 @@
                                   </p:childTnLst>
                                 </p:cTn>
                               </p:par>
+                            </p:childTnLst>
+                          </p:cTn>
+                        </p:par>
+                      </p:childTnLst>
+                    </p:cTn>
+                  </p:par>
+                  <p:par>
+                    <p:cTn id="13" fill="hold">
+                      <p:stCondLst>
+                        <p:cond delay="indefinite"/>
+                      </p:stCondLst>
+                      <p:childTnLst>
+                        <p:par>
+                          <p:cTn id="14" fill="hold">
+                            <p:stCondLst>
+                              <p:cond delay="0"/>
+                            </p:stCondLst>
+                            <p:childTnLst>
                               <p:par>
-                                <p:cTn id="13" presetID="1" presetClass="entr" presetSubtype="0" fill="hold" grpId="0" nodeType="withEffect">
+                                <p:cTn id="15" presetID="1" presetClass="entr" presetSubtype="0" fill="hold" grpId="0" nodeType="clickEffect">
                                   <p:stCondLst>
                                     <p:cond delay="0"/>
                                   </p:stCondLst>
                                   <p:childTnLst>
                                     <p:set>
                                       <p:cBhvr>
-                                        <p:cTn id="14" dur="1" fill="hold">
+                                        <p:cTn id="16" dur="1" fill="hold">
                                           <p:stCondLst>
                                             <p:cond delay="0"/>
                                           </p:stCondLst>
                                         </p:cTn>
                                         <p:tgtEl>
-                                          <p:spTgt spid="22"/>
+                                          <p:spTgt spid="26"/>
                                         </p:tgtEl>
                                         <p:attrNameLst>
                                           <p:attrName>style.visibility</p:attrName>
@@ -12959,20 +12944,20 @@
                                 </p:cTn>
                               </p:par>
                               <p:par>
-                                <p:cTn id="15" presetID="1" presetClass="entr" presetSubtype="0" fill="hold" grpId="0" nodeType="withEffect">
+                                <p:cTn id="17" presetID="1" presetClass="entr" presetSubtype="0" fill="hold" grpId="0" nodeType="withEffect">
                                   <p:stCondLst>
                                     <p:cond delay="0"/>
                                   </p:stCondLst>
                                   <p:childTnLst>
                                     <p:set>
                                       <p:cBhvr>
-                                        <p:cTn id="16" dur="1" fill="hold">
+                                        <p:cTn id="18" dur="1" fill="hold">
                                           <p:stCondLst>
                                             <p:cond delay="0"/>
                                           </p:stCondLst>
                                         </p:cTn>
                                         <p:tgtEl>
-                                          <p:spTgt spid="23"/>
+                                          <p:spTgt spid="20"/>
                                         </p:tgtEl>
                                         <p:attrNameLst>
                                           <p:attrName>style.visibility</p:attrName>
@@ -12985,26 +12970,8 @@
                                   </p:childTnLst>
                                 </p:cTn>
                               </p:par>
-                            </p:childTnLst>
-                          </p:cTn>
-                        </p:par>
-                      </p:childTnLst>
-                    </p:cTn>
-                  </p:par>
-                  <p:par>
-                    <p:cTn id="17" fill="hold">
-                      <p:stCondLst>
-                        <p:cond delay="indefinite"/>
-                      </p:stCondLst>
-                      <p:childTnLst>
-                        <p:par>
-                          <p:cTn id="18" fill="hold">
-                            <p:stCondLst>
-                              <p:cond delay="0"/>
-                            </p:stCondLst>
-                            <p:childTnLst>
                               <p:par>
-                                <p:cTn id="19" presetID="1" presetClass="entr" presetSubtype="0" fill="hold" grpId="0" nodeType="clickEffect">
+                                <p:cTn id="19" presetID="1" presetClass="entr" presetSubtype="0" fill="hold" grpId="0" nodeType="withEffect">
                                   <p:stCondLst>
                                     <p:cond delay="0"/>
                                   </p:stCondLst>
@@ -13017,7 +12984,7 @@
                                           </p:stCondLst>
                                         </p:cTn>
                                         <p:tgtEl>
-                                          <p:spTgt spid="26"/>
+                                          <p:spTgt spid="21"/>
                                         </p:tgtEl>
                                         <p:attrNameLst>
                                           <p:attrName>style.visibility</p:attrName>
@@ -13044,7 +13011,7 @@
                                           </p:stCondLst>
                                         </p:cTn>
                                         <p:tgtEl>
-                                          <p:spTgt spid="20"/>
+                                          <p:spTgt spid="17"/>
                                         </p:tgtEl>
                                         <p:attrNameLst>
                                           <p:attrName>style.visibility</p:attrName>
@@ -13071,60 +13038,6 @@
                                           </p:stCondLst>
                                         </p:cTn>
                                         <p:tgtEl>
-                                          <p:spTgt spid="21"/>
-                                        </p:tgtEl>
-                                        <p:attrNameLst>
-                                          <p:attrName>style.visibility</p:attrName>
-                                        </p:attrNameLst>
-                                      </p:cBhvr>
-                                      <p:to>
-                                        <p:strVal val="visible"/>
-                                      </p:to>
-                                    </p:set>
-                                  </p:childTnLst>
-                                </p:cTn>
-                              </p:par>
-                              <p:par>
-                                <p:cTn id="25" presetID="1" presetClass="entr" presetSubtype="0" fill="hold" grpId="0" nodeType="withEffect">
-                                  <p:stCondLst>
-                                    <p:cond delay="0"/>
-                                  </p:stCondLst>
-                                  <p:childTnLst>
-                                    <p:set>
-                                      <p:cBhvr>
-                                        <p:cTn id="26" dur="1" fill="hold">
-                                          <p:stCondLst>
-                                            <p:cond delay="0"/>
-                                          </p:stCondLst>
-                                        </p:cTn>
-                                        <p:tgtEl>
-                                          <p:spTgt spid="17"/>
-                                        </p:tgtEl>
-                                        <p:attrNameLst>
-                                          <p:attrName>style.visibility</p:attrName>
-                                        </p:attrNameLst>
-                                      </p:cBhvr>
-                                      <p:to>
-                                        <p:strVal val="visible"/>
-                                      </p:to>
-                                    </p:set>
-                                  </p:childTnLst>
-                                </p:cTn>
-                              </p:par>
-                              <p:par>
-                                <p:cTn id="27" presetID="1" presetClass="entr" presetSubtype="0" fill="hold" grpId="0" nodeType="withEffect">
-                                  <p:stCondLst>
-                                    <p:cond delay="0"/>
-                                  </p:stCondLst>
-                                  <p:childTnLst>
-                                    <p:set>
-                                      <p:cBhvr>
-                                        <p:cTn id="28" dur="1" fill="hold">
-                                          <p:stCondLst>
-                                            <p:cond delay="0"/>
-                                          </p:stCondLst>
-                                        </p:cTn>
-                                        <p:tgtEl>
                                           <p:spTgt spid="29"/>
                                         </p:tgtEl>
                                         <p:attrNameLst>
@@ -13145,59 +13058,32 @@
                     </p:cTn>
                   </p:par>
                   <p:par>
-                    <p:cTn id="29" fill="hold">
+                    <p:cTn id="25" fill="hold">
                       <p:stCondLst>
                         <p:cond delay="indefinite"/>
                       </p:stCondLst>
                       <p:childTnLst>
                         <p:par>
-                          <p:cTn id="30" fill="hold">
+                          <p:cTn id="26" fill="hold">
                             <p:stCondLst>
                               <p:cond delay="0"/>
                             </p:stCondLst>
                             <p:childTnLst>
                               <p:par>
-                                <p:cTn id="31" presetID="1" presetClass="entr" presetSubtype="0" fill="hold" grpId="0" nodeType="clickEffect">
+                                <p:cTn id="27" presetID="1" presetClass="entr" presetSubtype="0" fill="hold" grpId="0" nodeType="clickEffect">
                                   <p:stCondLst>
                                     <p:cond delay="0"/>
                                   </p:stCondLst>
                                   <p:childTnLst>
                                     <p:set>
                                       <p:cBhvr>
-                                        <p:cTn id="32" dur="1" fill="hold">
+                                        <p:cTn id="28" dur="1" fill="hold">
                                           <p:stCondLst>
                                             <p:cond delay="0"/>
                                           </p:stCondLst>
                                         </p:cTn>
                                         <p:tgtEl>
-                                          <p:spTgt spid="30"/>
-                                        </p:tgtEl>
-                                        <p:attrNameLst>
-                                          <p:attrName>style.visibility</p:attrName>
-                                        </p:attrNameLst>
-                                      </p:cBhvr>
-                                      <p:to>
-                                        <p:strVal val="visible"/>
-                                      </p:to>
-                                    </p:set>
-                                  </p:childTnLst>
-                                </p:cTn>
-                              </p:par>
-                              <p:par>
-                                <p:cTn id="33" presetID="1" presetClass="entr" presetSubtype="0" fill="hold" grpId="0" nodeType="withEffect">
-                                  <p:stCondLst>
-                                    <p:cond delay="0"/>
-                                  </p:stCondLst>
-                                  <p:childTnLst>
-                                    <p:set>
-                                      <p:cBhvr>
-                                        <p:cTn id="34" dur="1" fill="hold">
-                                          <p:stCondLst>
-                                            <p:cond delay="0"/>
-                                          </p:stCondLst>
-                                        </p:cTn>
-                                        <p:tgtEl>
-                                          <p:spTgt spid="31"/>
+                                          <p:spTgt spid="33"/>
                                         </p:tgtEl>
                                         <p:attrNameLst>
                                           <p:attrName>style.visibility</p:attrName>
@@ -13241,16 +13127,13 @@
       <p:bldP spid="17" grpId="0" animBg="1"/>
       <p:bldP spid="20" grpId="0" animBg="1"/>
       <p:bldP spid="21" grpId="0" animBg="1"/>
-      <p:bldP spid="22" grpId="0" animBg="1"/>
-      <p:bldP spid="23" grpId="0" animBg="1"/>
       <p:bldP spid="24" grpId="0" animBg="1"/>
       <p:bldP spid="25" grpId="0" animBg="1"/>
       <p:bldP spid="26" grpId="0" animBg="1"/>
       <p:bldP spid="27" grpId="0" animBg="1"/>
       <p:bldP spid="28" grpId="0"/>
       <p:bldP spid="29" grpId="0"/>
-      <p:bldP spid="30" grpId="0"/>
-      <p:bldP spid="31" grpId="0" animBg="1"/>
+      <p:bldP spid="33" grpId="0" animBg="1"/>
     </p:bldLst>
   </p:timing>
 </p:sld>
@@ -13335,7 +13218,7 @@
           <a:graphicData uri="http://schemas.openxmlformats.org/presentationml/2006/ole">
             <mc:AlternateContent xmlns:mc="http://schemas.openxmlformats.org/markup-compatibility/2006">
               <mc:Choice xmlns:v="urn:schemas-microsoft-com:vml" Requires="v">
-                <p:oleObj spid="_x0000_s8231" r:id="rId3" imgW="8685360" imgH="5917320" progId="">
+                <p:oleObj spid="_x0000_s8234" r:id="rId3" imgW="8685360" imgH="5917320" progId="">
                   <p:embed/>
                 </p:oleObj>
               </mc:Choice>
@@ -14046,1301 +13929,6 @@
           <a:chExt cx="0" cy="0"/>
         </a:xfrm>
       </p:grpSpPr>
-      <p:pic>
-        <p:nvPicPr>
-          <p:cNvPr id="43" name="Picture 2" descr="G:\kk\freameworkMap.png"/>
-          <p:cNvPicPr>
-            <a:picLocks noGrp="1" noChangeAspect="1" noChangeArrowheads="1"/>
-          </p:cNvPicPr>
-          <p:nvPr>
-            <p:ph idx="1"/>
-          </p:nvPr>
-        </p:nvPicPr>
-        <p:blipFill>
-          <a:blip r:embed="rId2" cstate="print"/>
-          <a:srcRect/>
-          <a:stretch>
-            <a:fillRect/>
-          </a:stretch>
-        </p:blipFill>
-        <p:spPr bwMode="auto">
-          <a:xfrm>
-            <a:off x="1726020" y="747182"/>
-            <a:ext cx="9077446" cy="6714772"/>
-          </a:xfrm>
-          <a:prstGeom prst="rect">
-            <a:avLst/>
-          </a:prstGeom>
-          <a:noFill/>
-        </p:spPr>
-      </p:pic>
-      <p:sp>
-        <p:nvSpPr>
-          <p:cNvPr id="47" name="Title 1"/>
-          <p:cNvSpPr>
-            <a:spLocks noGrp="1"/>
-          </p:cNvSpPr>
-          <p:nvPr>
-            <p:ph type="title"/>
-          </p:nvPr>
-        </p:nvSpPr>
-        <p:spPr>
-          <a:xfrm>
-            <a:off x="3681392" y="-121905"/>
-            <a:ext cx="10515600" cy="1325563"/>
-          </a:xfrm>
-        </p:spPr>
-        <p:txBody>
-          <a:bodyPr>
-            <a:normAutofit/>
-          </a:bodyPr>
-          <a:lstStyle/>
-          <a:p>
-            <a:r>
-              <a:rPr lang="en-US" dirty="0" smtClean="0">
-                <a:solidFill>
-                  <a:srgbClr val="A0A0A0"/>
-                </a:solidFill>
-                <a:latin typeface="Myriad Pro" panose="020B0503030403020204" pitchFamily="34" charset="0"/>
-              </a:rPr>
-              <a:t>Application Architecture</a:t>
-            </a:r>
-            <a:endParaRPr lang="en-US" dirty="0">
-              <a:solidFill>
-                <a:srgbClr val="A0A0A0"/>
-              </a:solidFill>
-              <a:latin typeface="Myriad Pro" panose="020B0503030403020204" pitchFamily="34" charset="0"/>
-            </a:endParaRPr>
-          </a:p>
-        </p:txBody>
-      </p:sp>
-      <p:grpSp>
-        <p:nvGrpSpPr>
-          <p:cNvPr id="7" name="Group 6"/>
-          <p:cNvGrpSpPr/>
-          <p:nvPr/>
-        </p:nvGrpSpPr>
-        <p:grpSpPr>
-          <a:xfrm>
-            <a:off x="79022" y="4104568"/>
-            <a:ext cx="3386667" cy="2031325"/>
-            <a:chOff x="79022" y="4104568"/>
-            <a:chExt cx="3386667" cy="2031325"/>
-          </a:xfrm>
-        </p:grpSpPr>
-        <p:sp>
-          <p:nvSpPr>
-            <p:cNvPr id="2" name="TextBox 1"/>
-            <p:cNvSpPr txBox="1"/>
-            <p:nvPr/>
-          </p:nvSpPr>
-          <p:spPr>
-            <a:xfrm>
-              <a:off x="79022" y="4104568"/>
-              <a:ext cx="2296075" cy="2031325"/>
-            </a:xfrm>
-            <a:prstGeom prst="rect">
-              <a:avLst/>
-            </a:prstGeom>
-            <a:ln w="38100"/>
-          </p:spPr>
-          <p:style>
-            <a:lnRef idx="2">
-              <a:schemeClr val="accent2"/>
-            </a:lnRef>
-            <a:fillRef idx="1">
-              <a:schemeClr val="lt1"/>
-            </a:fillRef>
-            <a:effectRef idx="0">
-              <a:schemeClr val="accent2"/>
-            </a:effectRef>
-            <a:fontRef idx="minor">
-              <a:schemeClr val="dk1"/>
-            </a:fontRef>
-          </p:style>
-          <p:txBody>
-            <a:bodyPr wrap="square" rtlCol="0">
-              <a:spAutoFit/>
-            </a:bodyPr>
-            <a:lstStyle/>
-            <a:p>
-              <a:r>
-                <a:rPr lang="en-US" b="1" dirty="0" err="1" smtClean="0"/>
-                <a:t>Signum.Utilities</a:t>
-              </a:r>
-              <a:endParaRPr lang="en-US" b="1" dirty="0" smtClean="0"/>
-            </a:p>
-            <a:p>
-              <a:pPr marL="285750" indent="-285750">
-                <a:buFont typeface="Arial" panose="020B0604020202020204" pitchFamily="34" charset="0"/>
-                <a:buChar char="•"/>
-              </a:pPr>
-              <a:r>
-                <a:rPr lang="en-US" dirty="0" smtClean="0"/>
-                <a:t>Extension methods</a:t>
-              </a:r>
-            </a:p>
-            <a:p>
-              <a:pPr marL="285750" indent="-285750">
-                <a:buFont typeface="Arial" panose="020B0604020202020204" pitchFamily="34" charset="0"/>
-                <a:buChar char="•"/>
-              </a:pPr>
-              <a:r>
-                <a:rPr lang="en-US" dirty="0" smtClean="0"/>
-                <a:t>Strongly-typed Reflection</a:t>
-              </a:r>
-            </a:p>
-            <a:p>
-              <a:pPr marL="285750" indent="-285750">
-                <a:buFont typeface="Arial" panose="020B0604020202020204" pitchFamily="34" charset="0"/>
-                <a:buChar char="•"/>
-              </a:pPr>
-              <a:r>
-                <a:rPr lang="en-US" dirty="0" smtClean="0"/>
-                <a:t>Directed Graphs</a:t>
-              </a:r>
-            </a:p>
-            <a:p>
-              <a:pPr marL="285750" indent="-285750">
-                <a:buFont typeface="Arial" panose="020B0604020202020204" pitchFamily="34" charset="0"/>
-                <a:buChar char="•"/>
-              </a:pPr>
-              <a:r>
-                <a:rPr lang="en-US" dirty="0" smtClean="0"/>
-                <a:t>Localization</a:t>
-              </a:r>
-            </a:p>
-            <a:p>
-              <a:pPr marL="285750" indent="-285750">
-                <a:buFont typeface="Arial" panose="020B0604020202020204" pitchFamily="34" charset="0"/>
-                <a:buChar char="•"/>
-              </a:pPr>
-              <a:r>
-                <a:rPr lang="en-US" dirty="0" smtClean="0"/>
-                <a:t>CSV</a:t>
-              </a:r>
-            </a:p>
-          </p:txBody>
-        </p:sp>
-        <p:cxnSp>
-          <p:nvCxnSpPr>
-            <p:cNvPr id="5" name="Straight Arrow Connector 4"/>
-            <p:cNvCxnSpPr/>
-            <p:nvPr/>
-          </p:nvCxnSpPr>
-          <p:spPr>
-            <a:xfrm>
-              <a:off x="2375097" y="5249333"/>
-              <a:ext cx="1090592" cy="293511"/>
-            </a:xfrm>
-            <a:prstGeom prst="straightConnector1">
-              <a:avLst/>
-            </a:prstGeom>
-            <a:ln w="57150">
-              <a:prstDash val="sysDash"/>
-              <a:headEnd type="none" w="med" len="med"/>
-              <a:tailEnd type="none" w="med" len="med"/>
-            </a:ln>
-          </p:spPr>
-          <p:style>
-            <a:lnRef idx="3">
-              <a:schemeClr val="accent2"/>
-            </a:lnRef>
-            <a:fillRef idx="0">
-              <a:schemeClr val="accent2"/>
-            </a:fillRef>
-            <a:effectRef idx="2">
-              <a:schemeClr val="accent2"/>
-            </a:effectRef>
-            <a:fontRef idx="minor">
-              <a:schemeClr val="tx1"/>
-            </a:fontRef>
-          </p:style>
-        </p:cxnSp>
-      </p:grpSp>
-      <p:grpSp>
-        <p:nvGrpSpPr>
-          <p:cNvPr id="10" name="Group 9"/>
-          <p:cNvGrpSpPr/>
-          <p:nvPr/>
-        </p:nvGrpSpPr>
-        <p:grpSpPr>
-          <a:xfrm>
-            <a:off x="5768623" y="4369327"/>
-            <a:ext cx="5463821" cy="2031325"/>
-            <a:chOff x="-3291512" y="4104568"/>
-            <a:chExt cx="5463821" cy="2031325"/>
-          </a:xfrm>
-        </p:grpSpPr>
-        <p:sp>
-          <p:nvSpPr>
-            <p:cNvPr id="11" name="TextBox 10"/>
-            <p:cNvSpPr txBox="1"/>
-            <p:nvPr/>
-          </p:nvSpPr>
-          <p:spPr>
-            <a:xfrm>
-              <a:off x="79022" y="4104568"/>
-              <a:ext cx="2093287" cy="2031325"/>
-            </a:xfrm>
-            <a:prstGeom prst="rect">
-              <a:avLst/>
-            </a:prstGeom>
-            <a:ln w="38100"/>
-          </p:spPr>
-          <p:style>
-            <a:lnRef idx="2">
-              <a:schemeClr val="accent2"/>
-            </a:lnRef>
-            <a:fillRef idx="1">
-              <a:schemeClr val="lt1"/>
-            </a:fillRef>
-            <a:effectRef idx="0">
-              <a:schemeClr val="accent2"/>
-            </a:effectRef>
-            <a:fontRef idx="minor">
-              <a:schemeClr val="dk1"/>
-            </a:fontRef>
-          </p:style>
-          <p:txBody>
-            <a:bodyPr wrap="square" rtlCol="0">
-              <a:spAutoFit/>
-            </a:bodyPr>
-            <a:lstStyle/>
-            <a:p>
-              <a:r>
-                <a:rPr lang="en-US" b="1" dirty="0" err="1" smtClean="0"/>
-                <a:t>Signum.Entities</a:t>
-              </a:r>
-              <a:endParaRPr lang="en-US" b="1" dirty="0" smtClean="0"/>
-            </a:p>
-            <a:p>
-              <a:pPr marL="285750" indent="-285750">
-                <a:buFont typeface="Arial" panose="020B0604020202020204" pitchFamily="34" charset="0"/>
-                <a:buChar char="•"/>
-              </a:pPr>
-              <a:r>
-                <a:rPr lang="en-US" dirty="0" smtClean="0"/>
-                <a:t>Base Entities &amp; Attributes</a:t>
-              </a:r>
-            </a:p>
-            <a:p>
-              <a:pPr marL="285750" indent="-285750">
-                <a:buFont typeface="Arial" panose="020B0604020202020204" pitchFamily="34" charset="0"/>
-                <a:buChar char="•"/>
-              </a:pPr>
-              <a:r>
-                <a:rPr lang="en-US" dirty="0" smtClean="0"/>
-                <a:t>Validation</a:t>
-              </a:r>
-              <a:endParaRPr lang="en-US" dirty="0"/>
-            </a:p>
-            <a:p>
-              <a:pPr marL="285750" indent="-285750">
-                <a:buFont typeface="Arial" panose="020B0604020202020204" pitchFamily="34" charset="0"/>
-                <a:buChar char="•"/>
-              </a:pPr>
-              <a:r>
-                <a:rPr lang="en-US" dirty="0" err="1" smtClean="0"/>
-                <a:t>Serializable</a:t>
-              </a:r>
-              <a:endParaRPr lang="en-US" dirty="0" smtClean="0"/>
-            </a:p>
-            <a:p>
-              <a:pPr marL="285750" indent="-285750">
-                <a:buFont typeface="Arial" panose="020B0604020202020204" pitchFamily="34" charset="0"/>
-                <a:buChar char="•"/>
-              </a:pPr>
-              <a:r>
-                <a:rPr lang="en-US" dirty="0" smtClean="0"/>
-                <a:t>Concurrency</a:t>
-              </a:r>
-            </a:p>
-            <a:p>
-              <a:pPr marL="285750" indent="-285750">
-                <a:buFont typeface="Arial" panose="020B0604020202020204" pitchFamily="34" charset="0"/>
-                <a:buChar char="•"/>
-              </a:pPr>
-              <a:r>
-                <a:rPr lang="en-US" dirty="0" smtClean="0"/>
-                <a:t>State machines</a:t>
-              </a:r>
-            </a:p>
-          </p:txBody>
-        </p:sp>
-        <p:cxnSp>
-          <p:nvCxnSpPr>
-            <p:cNvPr id="12" name="Straight Arrow Connector 11"/>
-            <p:cNvCxnSpPr/>
-            <p:nvPr/>
-          </p:nvCxnSpPr>
-          <p:spPr>
-            <a:xfrm flipH="1">
-              <a:off x="-3291512" y="5571597"/>
-              <a:ext cx="3370534" cy="299537"/>
-            </a:xfrm>
-            <a:prstGeom prst="straightConnector1">
-              <a:avLst/>
-            </a:prstGeom>
-            <a:ln w="57150">
-              <a:prstDash val="sysDash"/>
-              <a:headEnd type="none" w="med" len="med"/>
-              <a:tailEnd type="none" w="med" len="med"/>
-            </a:ln>
-          </p:spPr>
-          <p:style>
-            <a:lnRef idx="3">
-              <a:schemeClr val="accent2"/>
-            </a:lnRef>
-            <a:fillRef idx="0">
-              <a:schemeClr val="accent2"/>
-            </a:fillRef>
-            <a:effectRef idx="2">
-              <a:schemeClr val="accent2"/>
-            </a:effectRef>
-            <a:fontRef idx="minor">
-              <a:schemeClr val="tx1"/>
-            </a:fontRef>
-          </p:style>
-        </p:cxnSp>
-      </p:grpSp>
-      <p:grpSp>
-        <p:nvGrpSpPr>
-          <p:cNvPr id="17" name="Group 16"/>
-          <p:cNvGrpSpPr/>
-          <p:nvPr/>
-        </p:nvGrpSpPr>
-        <p:grpSpPr>
-          <a:xfrm>
-            <a:off x="8500533" y="2743729"/>
-            <a:ext cx="3409246" cy="2225924"/>
-            <a:chOff x="-1072445" y="4104568"/>
-            <a:chExt cx="3409246" cy="2225924"/>
-          </a:xfrm>
-        </p:grpSpPr>
-        <p:sp>
-          <p:nvSpPr>
-            <p:cNvPr id="18" name="TextBox 17"/>
-            <p:cNvSpPr txBox="1"/>
-            <p:nvPr/>
-          </p:nvSpPr>
-          <p:spPr>
-            <a:xfrm>
-              <a:off x="248355" y="4104568"/>
-              <a:ext cx="2088446" cy="1754326"/>
-            </a:xfrm>
-            <a:prstGeom prst="rect">
-              <a:avLst/>
-            </a:prstGeom>
-            <a:ln w="38100"/>
-          </p:spPr>
-          <p:style>
-            <a:lnRef idx="2">
-              <a:schemeClr val="accent2"/>
-            </a:lnRef>
-            <a:fillRef idx="1">
-              <a:schemeClr val="lt1"/>
-            </a:fillRef>
-            <a:effectRef idx="0">
-              <a:schemeClr val="accent2"/>
-            </a:effectRef>
-            <a:fontRef idx="minor">
-              <a:schemeClr val="dk1"/>
-            </a:fontRef>
-          </p:style>
-          <p:txBody>
-            <a:bodyPr wrap="square" rtlCol="0">
-              <a:spAutoFit/>
-            </a:bodyPr>
-            <a:lstStyle/>
-            <a:p>
-              <a:r>
-                <a:rPr lang="en-US" b="1" dirty="0" err="1" smtClean="0"/>
-                <a:t>Signum.Engine</a:t>
-              </a:r>
-              <a:endParaRPr lang="en-US" b="1" dirty="0" smtClean="0"/>
-            </a:p>
-            <a:p>
-              <a:pPr marL="285750" indent="-285750">
-                <a:buFont typeface="Arial" panose="020B0604020202020204" pitchFamily="34" charset="0"/>
-                <a:buChar char="•"/>
-              </a:pPr>
-              <a:r>
-                <a:rPr lang="en-US" dirty="0" smtClean="0"/>
-                <a:t>ORM</a:t>
-              </a:r>
-            </a:p>
-            <a:p>
-              <a:pPr marL="285750" indent="-285750">
-                <a:buFont typeface="Arial" panose="020B0604020202020204" pitchFamily="34" charset="0"/>
-                <a:buChar char="•"/>
-              </a:pPr>
-              <a:r>
-                <a:rPr lang="en-US" dirty="0" smtClean="0"/>
-                <a:t>LINQ</a:t>
-              </a:r>
-              <a:endParaRPr lang="en-US" dirty="0"/>
-            </a:p>
-            <a:p>
-              <a:pPr marL="285750" indent="-285750">
-                <a:buFont typeface="Arial" panose="020B0604020202020204" pitchFamily="34" charset="0"/>
-                <a:buChar char="•"/>
-              </a:pPr>
-              <a:r>
-                <a:rPr lang="en-US" dirty="0" smtClean="0"/>
-                <a:t>Schema Sync</a:t>
-              </a:r>
-            </a:p>
-            <a:p>
-              <a:pPr marL="285750" indent="-285750">
-                <a:buFont typeface="Arial" panose="020B0604020202020204" pitchFamily="34" charset="0"/>
-                <a:buChar char="•"/>
-              </a:pPr>
-              <a:r>
-                <a:rPr lang="en-US" dirty="0" smtClean="0"/>
-                <a:t>Transactions</a:t>
-              </a:r>
-            </a:p>
-            <a:p>
-              <a:pPr marL="285750" indent="-285750">
-                <a:buFont typeface="Arial" panose="020B0604020202020204" pitchFamily="34" charset="0"/>
-                <a:buChar char="•"/>
-              </a:pPr>
-              <a:r>
-                <a:rPr lang="en-US" dirty="0" smtClean="0"/>
-                <a:t>Operations</a:t>
-              </a:r>
-            </a:p>
-          </p:txBody>
-        </p:sp>
-        <p:cxnSp>
-          <p:nvCxnSpPr>
-            <p:cNvPr id="19" name="Straight Arrow Connector 18"/>
-            <p:cNvCxnSpPr/>
-            <p:nvPr/>
-          </p:nvCxnSpPr>
-          <p:spPr>
-            <a:xfrm flipH="1">
-              <a:off x="-1072445" y="5616750"/>
-              <a:ext cx="1320799" cy="713742"/>
-            </a:xfrm>
-            <a:prstGeom prst="straightConnector1">
-              <a:avLst/>
-            </a:prstGeom>
-            <a:ln w="57150">
-              <a:prstDash val="sysDash"/>
-              <a:headEnd type="none" w="med" len="med"/>
-              <a:tailEnd type="none" w="med" len="med"/>
-            </a:ln>
-          </p:spPr>
-          <p:style>
-            <a:lnRef idx="3">
-              <a:schemeClr val="accent2"/>
-            </a:lnRef>
-            <a:fillRef idx="0">
-              <a:schemeClr val="accent2"/>
-            </a:fillRef>
-            <a:effectRef idx="2">
-              <a:schemeClr val="accent2"/>
-            </a:effectRef>
-            <a:fontRef idx="minor">
-              <a:schemeClr val="tx1"/>
-            </a:fontRef>
-          </p:style>
-        </p:cxnSp>
-      </p:grpSp>
-      <p:grpSp>
-        <p:nvGrpSpPr>
-          <p:cNvPr id="25" name="Group 24"/>
-          <p:cNvGrpSpPr/>
-          <p:nvPr/>
-        </p:nvGrpSpPr>
-        <p:grpSpPr>
-          <a:xfrm>
-            <a:off x="92505" y="1910526"/>
-            <a:ext cx="2707139" cy="2194042"/>
-            <a:chOff x="248355" y="4104568"/>
-            <a:chExt cx="2707139" cy="2194042"/>
-          </a:xfrm>
-        </p:grpSpPr>
-        <p:sp>
-          <p:nvSpPr>
-            <p:cNvPr id="26" name="TextBox 25"/>
-            <p:cNvSpPr txBox="1"/>
-            <p:nvPr/>
-          </p:nvSpPr>
-          <p:spPr>
-            <a:xfrm>
-              <a:off x="248355" y="4104568"/>
-              <a:ext cx="2088446" cy="1754326"/>
-            </a:xfrm>
-            <a:prstGeom prst="rect">
-              <a:avLst/>
-            </a:prstGeom>
-            <a:ln w="38100"/>
-          </p:spPr>
-          <p:style>
-            <a:lnRef idx="2">
-              <a:schemeClr val="accent2"/>
-            </a:lnRef>
-            <a:fillRef idx="1">
-              <a:schemeClr val="lt1"/>
-            </a:fillRef>
-            <a:effectRef idx="0">
-              <a:schemeClr val="accent2"/>
-            </a:effectRef>
-            <a:fontRef idx="minor">
-              <a:schemeClr val="dk1"/>
-            </a:fontRef>
-          </p:style>
-          <p:txBody>
-            <a:bodyPr wrap="square" rtlCol="0">
-              <a:spAutoFit/>
-            </a:bodyPr>
-            <a:lstStyle/>
-            <a:p>
-              <a:r>
-                <a:rPr lang="en-US" b="1" dirty="0" err="1" smtClean="0"/>
-                <a:t>Signum.Windows</a:t>
-              </a:r>
-              <a:endParaRPr lang="en-US" b="1" dirty="0" smtClean="0"/>
-            </a:p>
-            <a:p>
-              <a:pPr marL="285750" indent="-285750">
-                <a:buFont typeface="Arial" panose="020B0604020202020204" pitchFamily="34" charset="0"/>
-                <a:buChar char="•"/>
-              </a:pPr>
-              <a:r>
-                <a:rPr lang="en-US" dirty="0" smtClean="0"/>
-                <a:t>Navigator</a:t>
-              </a:r>
-            </a:p>
-            <a:p>
-              <a:pPr marL="285750" indent="-285750">
-                <a:buFont typeface="Arial" panose="020B0604020202020204" pitchFamily="34" charset="0"/>
-                <a:buChar char="•"/>
-              </a:pPr>
-              <a:r>
-                <a:rPr lang="en-US" dirty="0" smtClean="0"/>
-                <a:t>Entity controls</a:t>
-              </a:r>
-              <a:endParaRPr lang="en-US" dirty="0"/>
-            </a:p>
-            <a:p>
-              <a:pPr marL="285750" indent="-285750">
-                <a:buFont typeface="Arial" panose="020B0604020202020204" pitchFamily="34" charset="0"/>
-                <a:buChar char="•"/>
-              </a:pPr>
-              <a:r>
-                <a:rPr lang="en-US" dirty="0" smtClean="0"/>
-                <a:t>Validation</a:t>
-              </a:r>
-            </a:p>
-            <a:p>
-              <a:pPr marL="285750" indent="-285750">
-                <a:buFont typeface="Arial" panose="020B0604020202020204" pitchFamily="34" charset="0"/>
-                <a:buChar char="•"/>
-              </a:pPr>
-              <a:r>
-                <a:rPr lang="en-US" dirty="0" smtClean="0"/>
-                <a:t>Autocomplete</a:t>
-              </a:r>
-              <a:endParaRPr lang="en-US" dirty="0"/>
-            </a:p>
-            <a:p>
-              <a:pPr marL="285750" indent="-285750">
-                <a:buFont typeface="Arial" panose="020B0604020202020204" pitchFamily="34" charset="0"/>
-                <a:buChar char="•"/>
-              </a:pPr>
-              <a:r>
-                <a:rPr lang="en-US" dirty="0" smtClean="0"/>
-                <a:t>Search Control</a:t>
-              </a:r>
-            </a:p>
-          </p:txBody>
-        </p:sp>
-        <p:cxnSp>
-          <p:nvCxnSpPr>
-            <p:cNvPr id="27" name="Straight Arrow Connector 26"/>
-            <p:cNvCxnSpPr/>
-            <p:nvPr/>
-          </p:nvCxnSpPr>
-          <p:spPr>
-            <a:xfrm>
-              <a:off x="2381956" y="5884560"/>
-              <a:ext cx="573538" cy="414050"/>
-            </a:xfrm>
-            <a:prstGeom prst="straightConnector1">
-              <a:avLst/>
-            </a:prstGeom>
-            <a:ln w="57150">
-              <a:prstDash val="sysDash"/>
-              <a:headEnd type="none" w="med" len="med"/>
-              <a:tailEnd type="none" w="med" len="med"/>
-            </a:ln>
-          </p:spPr>
-          <p:style>
-            <a:lnRef idx="3">
-              <a:schemeClr val="accent2"/>
-            </a:lnRef>
-            <a:fillRef idx="0">
-              <a:schemeClr val="accent2"/>
-            </a:fillRef>
-            <a:effectRef idx="2">
-              <a:schemeClr val="accent2"/>
-            </a:effectRef>
-            <a:fontRef idx="minor">
-              <a:schemeClr val="tx1"/>
-            </a:fontRef>
-          </p:style>
-        </p:cxnSp>
-      </p:grpSp>
-      <p:grpSp>
-        <p:nvGrpSpPr>
-          <p:cNvPr id="32" name="Group 31"/>
-          <p:cNvGrpSpPr/>
-          <p:nvPr/>
-        </p:nvGrpSpPr>
-        <p:grpSpPr>
-          <a:xfrm>
-            <a:off x="7453890" y="1946758"/>
-            <a:ext cx="4595902" cy="2091780"/>
-            <a:chOff x="-2259101" y="4104568"/>
-            <a:chExt cx="4595902" cy="2091780"/>
-          </a:xfrm>
-        </p:grpSpPr>
-        <p:sp>
-          <p:nvSpPr>
-            <p:cNvPr id="33" name="TextBox 32"/>
-            <p:cNvSpPr txBox="1"/>
-            <p:nvPr/>
-          </p:nvSpPr>
-          <p:spPr>
-            <a:xfrm>
-              <a:off x="248355" y="4104568"/>
-              <a:ext cx="2088446" cy="1754326"/>
-            </a:xfrm>
-            <a:prstGeom prst="rect">
-              <a:avLst/>
-            </a:prstGeom>
-            <a:ln w="38100"/>
-          </p:spPr>
-          <p:style>
-            <a:lnRef idx="2">
-              <a:schemeClr val="accent2"/>
-            </a:lnRef>
-            <a:fillRef idx="1">
-              <a:schemeClr val="lt1"/>
-            </a:fillRef>
-            <a:effectRef idx="0">
-              <a:schemeClr val="accent2"/>
-            </a:effectRef>
-            <a:fontRef idx="minor">
-              <a:schemeClr val="dk1"/>
-            </a:fontRef>
-          </p:style>
-          <p:txBody>
-            <a:bodyPr wrap="square" rtlCol="0">
-              <a:spAutoFit/>
-            </a:bodyPr>
-            <a:lstStyle/>
-            <a:p>
-              <a:r>
-                <a:rPr lang="en-US" b="1" dirty="0" err="1" smtClean="0"/>
-                <a:t>Signum.Web</a:t>
-              </a:r>
-              <a:endParaRPr lang="en-US" b="1" dirty="0" smtClean="0"/>
-            </a:p>
-            <a:p>
-              <a:pPr marL="285750" indent="-285750">
-                <a:buFont typeface="Arial" panose="020B0604020202020204" pitchFamily="34" charset="0"/>
-                <a:buChar char="•"/>
-              </a:pPr>
-              <a:r>
-                <a:rPr lang="en-US" dirty="0" smtClean="0"/>
-                <a:t>Navigator</a:t>
-              </a:r>
-            </a:p>
-            <a:p>
-              <a:pPr marL="285750" indent="-285750">
-                <a:buFont typeface="Arial" panose="020B0604020202020204" pitchFamily="34" charset="0"/>
-                <a:buChar char="•"/>
-              </a:pPr>
-              <a:r>
-                <a:rPr lang="en-US" dirty="0" smtClean="0"/>
-                <a:t>Entity controls</a:t>
-              </a:r>
-              <a:endParaRPr lang="en-US" dirty="0"/>
-            </a:p>
-            <a:p>
-              <a:pPr marL="285750" indent="-285750">
-                <a:buFont typeface="Arial" panose="020B0604020202020204" pitchFamily="34" charset="0"/>
-                <a:buChar char="•"/>
-              </a:pPr>
-              <a:r>
-                <a:rPr lang="en-US" dirty="0" smtClean="0"/>
-                <a:t>Validation</a:t>
-              </a:r>
-            </a:p>
-            <a:p>
-              <a:pPr marL="285750" indent="-285750">
-                <a:buFont typeface="Arial" panose="020B0604020202020204" pitchFamily="34" charset="0"/>
-                <a:buChar char="•"/>
-              </a:pPr>
-              <a:r>
-                <a:rPr lang="en-US" dirty="0" smtClean="0"/>
-                <a:t>Autocomplete</a:t>
-              </a:r>
-              <a:endParaRPr lang="en-US" dirty="0"/>
-            </a:p>
-            <a:p>
-              <a:pPr marL="285750" indent="-285750">
-                <a:buFont typeface="Arial" panose="020B0604020202020204" pitchFamily="34" charset="0"/>
-                <a:buChar char="•"/>
-              </a:pPr>
-              <a:r>
-                <a:rPr lang="en-US" dirty="0" smtClean="0"/>
-                <a:t>Search Control</a:t>
-              </a:r>
-            </a:p>
-          </p:txBody>
-        </p:sp>
-        <p:cxnSp>
-          <p:nvCxnSpPr>
-            <p:cNvPr id="34" name="Straight Arrow Connector 33"/>
-            <p:cNvCxnSpPr/>
-            <p:nvPr/>
-          </p:nvCxnSpPr>
-          <p:spPr>
-            <a:xfrm flipH="1">
-              <a:off x="-2259101" y="5356479"/>
-              <a:ext cx="2507456" cy="839869"/>
-            </a:xfrm>
-            <a:prstGeom prst="straightConnector1">
-              <a:avLst/>
-            </a:prstGeom>
-            <a:ln w="57150">
-              <a:prstDash val="sysDash"/>
-              <a:headEnd type="none" w="med" len="med"/>
-              <a:tailEnd type="none" w="med" len="med"/>
-            </a:ln>
-          </p:spPr>
-          <p:style>
-            <a:lnRef idx="3">
-              <a:schemeClr val="accent2"/>
-            </a:lnRef>
-            <a:fillRef idx="0">
-              <a:schemeClr val="accent2"/>
-            </a:fillRef>
-            <a:effectRef idx="2">
-              <a:schemeClr val="accent2"/>
-            </a:effectRef>
-            <a:fontRef idx="minor">
-              <a:schemeClr val="tx1"/>
-            </a:fontRef>
-          </p:style>
-        </p:cxnSp>
-      </p:grpSp>
-    </p:spTree>
-    <p:extLst>
-      <p:ext uri="{BB962C8B-B14F-4D97-AF65-F5344CB8AC3E}">
-        <p14:creationId xmlns:p14="http://schemas.microsoft.com/office/powerpoint/2010/main" val="3019907057"/>
-      </p:ext>
-    </p:extLst>
-  </p:cSld>
-  <p:clrMapOvr>
-    <a:masterClrMapping/>
-  </p:clrMapOvr>
-  <p:timing>
-    <p:tnLst>
-      <p:par>
-        <p:cTn id="1" dur="indefinite" restart="never" nodeType="tmRoot">
-          <p:childTnLst>
-            <p:seq concurrent="1" nextAc="seek">
-              <p:cTn id="2" dur="indefinite" nodeType="mainSeq">
-                <p:childTnLst>
-                  <p:par>
-                    <p:cTn id="3" fill="hold">
-                      <p:stCondLst>
-                        <p:cond delay="indefinite"/>
-                      </p:stCondLst>
-                      <p:childTnLst>
-                        <p:par>
-                          <p:cTn id="4" fill="hold">
-                            <p:stCondLst>
-                              <p:cond delay="0"/>
-                            </p:stCondLst>
-                            <p:childTnLst>
-                              <p:par>
-                                <p:cTn id="5" presetID="10" presetClass="entr" presetSubtype="0" fill="hold" nodeType="clickEffect">
-                                  <p:stCondLst>
-                                    <p:cond delay="0"/>
-                                  </p:stCondLst>
-                                  <p:childTnLst>
-                                    <p:set>
-                                      <p:cBhvr>
-                                        <p:cTn id="6" dur="1" fill="hold">
-                                          <p:stCondLst>
-                                            <p:cond delay="0"/>
-                                          </p:stCondLst>
-                                        </p:cTn>
-                                        <p:tgtEl>
-                                          <p:spTgt spid="7"/>
-                                        </p:tgtEl>
-                                        <p:attrNameLst>
-                                          <p:attrName>style.visibility</p:attrName>
-                                        </p:attrNameLst>
-                                      </p:cBhvr>
-                                      <p:to>
-                                        <p:strVal val="visible"/>
-                                      </p:to>
-                                    </p:set>
-                                    <p:animEffect transition="in" filter="fade">
-                                      <p:cBhvr>
-                                        <p:cTn id="7" dur="500"/>
-                                        <p:tgtEl>
-                                          <p:spTgt spid="7"/>
-                                        </p:tgtEl>
-                                      </p:cBhvr>
-                                    </p:animEffect>
-                                  </p:childTnLst>
-                                </p:cTn>
-                              </p:par>
-                            </p:childTnLst>
-                          </p:cTn>
-                        </p:par>
-                      </p:childTnLst>
-                    </p:cTn>
-                  </p:par>
-                  <p:par>
-                    <p:cTn id="8" fill="hold">
-                      <p:stCondLst>
-                        <p:cond delay="indefinite"/>
-                      </p:stCondLst>
-                      <p:childTnLst>
-                        <p:par>
-                          <p:cTn id="9" fill="hold">
-                            <p:stCondLst>
-                              <p:cond delay="0"/>
-                            </p:stCondLst>
-                            <p:childTnLst>
-                              <p:par>
-                                <p:cTn id="10" presetID="10" presetClass="entr" presetSubtype="0" fill="hold" nodeType="clickEffect">
-                                  <p:stCondLst>
-                                    <p:cond delay="0"/>
-                                  </p:stCondLst>
-                                  <p:childTnLst>
-                                    <p:set>
-                                      <p:cBhvr>
-                                        <p:cTn id="11" dur="1" fill="hold">
-                                          <p:stCondLst>
-                                            <p:cond delay="0"/>
-                                          </p:stCondLst>
-                                        </p:cTn>
-                                        <p:tgtEl>
-                                          <p:spTgt spid="10"/>
-                                        </p:tgtEl>
-                                        <p:attrNameLst>
-                                          <p:attrName>style.visibility</p:attrName>
-                                        </p:attrNameLst>
-                                      </p:cBhvr>
-                                      <p:to>
-                                        <p:strVal val="visible"/>
-                                      </p:to>
-                                    </p:set>
-                                    <p:animEffect transition="in" filter="fade">
-                                      <p:cBhvr>
-                                        <p:cTn id="12" dur="500"/>
-                                        <p:tgtEl>
-                                          <p:spTgt spid="10"/>
-                                        </p:tgtEl>
-                                      </p:cBhvr>
-                                    </p:animEffect>
-                                  </p:childTnLst>
-                                </p:cTn>
-                              </p:par>
-                              <p:par>
-                                <p:cTn id="13" presetID="10" presetClass="exit" presetSubtype="0" fill="hold" nodeType="withEffect">
-                                  <p:stCondLst>
-                                    <p:cond delay="0"/>
-                                  </p:stCondLst>
-                                  <p:childTnLst>
-                                    <p:animEffect transition="out" filter="fade">
-                                      <p:cBhvr>
-                                        <p:cTn id="14" dur="500"/>
-                                        <p:tgtEl>
-                                          <p:spTgt spid="7"/>
-                                        </p:tgtEl>
-                                      </p:cBhvr>
-                                    </p:animEffect>
-                                    <p:set>
-                                      <p:cBhvr>
-                                        <p:cTn id="15" dur="1" fill="hold">
-                                          <p:stCondLst>
-                                            <p:cond delay="499"/>
-                                          </p:stCondLst>
-                                        </p:cTn>
-                                        <p:tgtEl>
-                                          <p:spTgt spid="7"/>
-                                        </p:tgtEl>
-                                        <p:attrNameLst>
-                                          <p:attrName>style.visibility</p:attrName>
-                                        </p:attrNameLst>
-                                      </p:cBhvr>
-                                      <p:to>
-                                        <p:strVal val="hidden"/>
-                                      </p:to>
-                                    </p:set>
-                                  </p:childTnLst>
-                                </p:cTn>
-                              </p:par>
-                            </p:childTnLst>
-                          </p:cTn>
-                        </p:par>
-                      </p:childTnLst>
-                    </p:cTn>
-                  </p:par>
-                  <p:par>
-                    <p:cTn id="16" fill="hold">
-                      <p:stCondLst>
-                        <p:cond delay="indefinite"/>
-                      </p:stCondLst>
-                      <p:childTnLst>
-                        <p:par>
-                          <p:cTn id="17" fill="hold">
-                            <p:stCondLst>
-                              <p:cond delay="0"/>
-                            </p:stCondLst>
-                            <p:childTnLst>
-                              <p:par>
-                                <p:cTn id="18" presetID="10" presetClass="entr" presetSubtype="0" fill="hold" nodeType="clickEffect">
-                                  <p:stCondLst>
-                                    <p:cond delay="0"/>
-                                  </p:stCondLst>
-                                  <p:childTnLst>
-                                    <p:set>
-                                      <p:cBhvr>
-                                        <p:cTn id="19" dur="1" fill="hold">
-                                          <p:stCondLst>
-                                            <p:cond delay="0"/>
-                                          </p:stCondLst>
-                                        </p:cTn>
-                                        <p:tgtEl>
-                                          <p:spTgt spid="17"/>
-                                        </p:tgtEl>
-                                        <p:attrNameLst>
-                                          <p:attrName>style.visibility</p:attrName>
-                                        </p:attrNameLst>
-                                      </p:cBhvr>
-                                      <p:to>
-                                        <p:strVal val="visible"/>
-                                      </p:to>
-                                    </p:set>
-                                    <p:animEffect transition="in" filter="fade">
-                                      <p:cBhvr>
-                                        <p:cTn id="20" dur="500"/>
-                                        <p:tgtEl>
-                                          <p:spTgt spid="17"/>
-                                        </p:tgtEl>
-                                      </p:cBhvr>
-                                    </p:animEffect>
-                                  </p:childTnLst>
-                                </p:cTn>
-                              </p:par>
-                              <p:par>
-                                <p:cTn id="21" presetID="10" presetClass="exit" presetSubtype="0" fill="hold" nodeType="withEffect">
-                                  <p:stCondLst>
-                                    <p:cond delay="0"/>
-                                  </p:stCondLst>
-                                  <p:childTnLst>
-                                    <p:animEffect transition="out" filter="fade">
-                                      <p:cBhvr>
-                                        <p:cTn id="22" dur="500"/>
-                                        <p:tgtEl>
-                                          <p:spTgt spid="10"/>
-                                        </p:tgtEl>
-                                      </p:cBhvr>
-                                    </p:animEffect>
-                                    <p:set>
-                                      <p:cBhvr>
-                                        <p:cTn id="23" dur="1" fill="hold">
-                                          <p:stCondLst>
-                                            <p:cond delay="499"/>
-                                          </p:stCondLst>
-                                        </p:cTn>
-                                        <p:tgtEl>
-                                          <p:spTgt spid="10"/>
-                                        </p:tgtEl>
-                                        <p:attrNameLst>
-                                          <p:attrName>style.visibility</p:attrName>
-                                        </p:attrNameLst>
-                                      </p:cBhvr>
-                                      <p:to>
-                                        <p:strVal val="hidden"/>
-                                      </p:to>
-                                    </p:set>
-                                  </p:childTnLst>
-                                </p:cTn>
-                              </p:par>
-                            </p:childTnLst>
-                          </p:cTn>
-                        </p:par>
-                      </p:childTnLst>
-                    </p:cTn>
-                  </p:par>
-                  <p:par>
-                    <p:cTn id="24" fill="hold">
-                      <p:stCondLst>
-                        <p:cond delay="indefinite"/>
-                      </p:stCondLst>
-                      <p:childTnLst>
-                        <p:par>
-                          <p:cTn id="25" fill="hold">
-                            <p:stCondLst>
-                              <p:cond delay="0"/>
-                            </p:stCondLst>
-                            <p:childTnLst>
-                              <p:par>
-                                <p:cTn id="26" presetID="10" presetClass="entr" presetSubtype="0" fill="hold" nodeType="clickEffect">
-                                  <p:stCondLst>
-                                    <p:cond delay="0"/>
-                                  </p:stCondLst>
-                                  <p:childTnLst>
-                                    <p:set>
-                                      <p:cBhvr>
-                                        <p:cTn id="27" dur="1" fill="hold">
-                                          <p:stCondLst>
-                                            <p:cond delay="0"/>
-                                          </p:stCondLst>
-                                        </p:cTn>
-                                        <p:tgtEl>
-                                          <p:spTgt spid="25"/>
-                                        </p:tgtEl>
-                                        <p:attrNameLst>
-                                          <p:attrName>style.visibility</p:attrName>
-                                        </p:attrNameLst>
-                                      </p:cBhvr>
-                                      <p:to>
-                                        <p:strVal val="visible"/>
-                                      </p:to>
-                                    </p:set>
-                                    <p:animEffect transition="in" filter="fade">
-                                      <p:cBhvr>
-                                        <p:cTn id="28" dur="500"/>
-                                        <p:tgtEl>
-                                          <p:spTgt spid="25"/>
-                                        </p:tgtEl>
-                                      </p:cBhvr>
-                                    </p:animEffect>
-                                  </p:childTnLst>
-                                </p:cTn>
-                              </p:par>
-                              <p:par>
-                                <p:cTn id="29" presetID="10" presetClass="entr" presetSubtype="0" fill="hold" nodeType="withEffect">
-                                  <p:stCondLst>
-                                    <p:cond delay="0"/>
-                                  </p:stCondLst>
-                                  <p:childTnLst>
-                                    <p:set>
-                                      <p:cBhvr>
-                                        <p:cTn id="30" dur="1" fill="hold">
-                                          <p:stCondLst>
-                                            <p:cond delay="0"/>
-                                          </p:stCondLst>
-                                        </p:cTn>
-                                        <p:tgtEl>
-                                          <p:spTgt spid="32"/>
-                                        </p:tgtEl>
-                                        <p:attrNameLst>
-                                          <p:attrName>style.visibility</p:attrName>
-                                        </p:attrNameLst>
-                                      </p:cBhvr>
-                                      <p:to>
-                                        <p:strVal val="visible"/>
-                                      </p:to>
-                                    </p:set>
-                                    <p:animEffect transition="in" filter="fade">
-                                      <p:cBhvr>
-                                        <p:cTn id="31" dur="500"/>
-                                        <p:tgtEl>
-                                          <p:spTgt spid="32"/>
-                                        </p:tgtEl>
-                                      </p:cBhvr>
-                                    </p:animEffect>
-                                  </p:childTnLst>
-                                </p:cTn>
-                              </p:par>
-                              <p:par>
-                                <p:cTn id="32" presetID="10" presetClass="exit" presetSubtype="0" fill="hold" nodeType="withEffect">
-                                  <p:stCondLst>
-                                    <p:cond delay="0"/>
-                                  </p:stCondLst>
-                                  <p:childTnLst>
-                                    <p:animEffect transition="out" filter="fade">
-                                      <p:cBhvr>
-                                        <p:cTn id="33" dur="500"/>
-                                        <p:tgtEl>
-                                          <p:spTgt spid="17"/>
-                                        </p:tgtEl>
-                                      </p:cBhvr>
-                                    </p:animEffect>
-                                    <p:set>
-                                      <p:cBhvr>
-                                        <p:cTn id="34" dur="1" fill="hold">
-                                          <p:stCondLst>
-                                            <p:cond delay="499"/>
-                                          </p:stCondLst>
-                                        </p:cTn>
-                                        <p:tgtEl>
-                                          <p:spTgt spid="17"/>
-                                        </p:tgtEl>
-                                        <p:attrNameLst>
-                                          <p:attrName>style.visibility</p:attrName>
-                                        </p:attrNameLst>
-                                      </p:cBhvr>
-                                      <p:to>
-                                        <p:strVal val="hidden"/>
-                                      </p:to>
-                                    </p:set>
-                                  </p:childTnLst>
-                                </p:cTn>
-                              </p:par>
-                            </p:childTnLst>
-                          </p:cTn>
-                        </p:par>
-                      </p:childTnLst>
-                    </p:cTn>
-                  </p:par>
-                  <p:par>
-                    <p:cTn id="35" fill="hold">
-                      <p:stCondLst>
-                        <p:cond delay="indefinite"/>
-                      </p:stCondLst>
-                      <p:childTnLst>
-                        <p:par>
-                          <p:cTn id="36" fill="hold">
-                            <p:stCondLst>
-                              <p:cond delay="0"/>
-                            </p:stCondLst>
-                            <p:childTnLst>
-                              <p:par>
-                                <p:cTn id="37" presetID="10" presetClass="exit" presetSubtype="0" fill="hold" nodeType="clickEffect">
-                                  <p:stCondLst>
-                                    <p:cond delay="0"/>
-                                  </p:stCondLst>
-                                  <p:childTnLst>
-                                    <p:animEffect transition="out" filter="fade">
-                                      <p:cBhvr>
-                                        <p:cTn id="38" dur="500"/>
-                                        <p:tgtEl>
-                                          <p:spTgt spid="25"/>
-                                        </p:tgtEl>
-                                      </p:cBhvr>
-                                    </p:animEffect>
-                                    <p:set>
-                                      <p:cBhvr>
-                                        <p:cTn id="39" dur="1" fill="hold">
-                                          <p:stCondLst>
-                                            <p:cond delay="499"/>
-                                          </p:stCondLst>
-                                        </p:cTn>
-                                        <p:tgtEl>
-                                          <p:spTgt spid="25"/>
-                                        </p:tgtEl>
-                                        <p:attrNameLst>
-                                          <p:attrName>style.visibility</p:attrName>
-                                        </p:attrNameLst>
-                                      </p:cBhvr>
-                                      <p:to>
-                                        <p:strVal val="hidden"/>
-                                      </p:to>
-                                    </p:set>
-                                  </p:childTnLst>
-                                </p:cTn>
-                              </p:par>
-                              <p:par>
-                                <p:cTn id="40" presetID="10" presetClass="exit" presetSubtype="0" fill="hold" nodeType="withEffect">
-                                  <p:stCondLst>
-                                    <p:cond delay="0"/>
-                                  </p:stCondLst>
-                                  <p:childTnLst>
-                                    <p:animEffect transition="out" filter="fade">
-                                      <p:cBhvr>
-                                        <p:cTn id="41" dur="500"/>
-                                        <p:tgtEl>
-                                          <p:spTgt spid="32"/>
-                                        </p:tgtEl>
-                                      </p:cBhvr>
-                                    </p:animEffect>
-                                    <p:set>
-                                      <p:cBhvr>
-                                        <p:cTn id="42" dur="1" fill="hold">
-                                          <p:stCondLst>
-                                            <p:cond delay="499"/>
-                                          </p:stCondLst>
-                                        </p:cTn>
-                                        <p:tgtEl>
-                                          <p:spTgt spid="32"/>
-                                        </p:tgtEl>
-                                        <p:attrNameLst>
-                                          <p:attrName>style.visibility</p:attrName>
-                                        </p:attrNameLst>
-                                      </p:cBhvr>
-                                      <p:to>
-                                        <p:strVal val="hidden"/>
-                                      </p:to>
-                                    </p:set>
-                                  </p:childTnLst>
-                                </p:cTn>
-                              </p:par>
-                            </p:childTnLst>
-                          </p:cTn>
-                        </p:par>
-                      </p:childTnLst>
-                    </p:cTn>
-                  </p:par>
-                </p:childTnLst>
-              </p:cTn>
-              <p:prevCondLst>
-                <p:cond evt="onPrev" delay="0">
-                  <p:tgtEl>
-                    <p:sldTgt/>
-                  </p:tgtEl>
-                </p:cond>
-              </p:prevCondLst>
-              <p:nextCondLst>
-                <p:cond evt="onNext" delay="0">
-                  <p:tgtEl>
-                    <p:sldTgt/>
-                  </p:tgtEl>
-                </p:cond>
-              </p:nextCondLst>
-            </p:seq>
-          </p:childTnLst>
-        </p:cTn>
-      </p:par>
-    </p:tnLst>
-  </p:timing>
-</p:sld>
-</file>
-
-<file path=ppt/slides/slide16.xml><?xml version="1.0" encoding="utf-8"?>
-<p:sld xmlns:a="http://schemas.openxmlformats.org/drawingml/2006/main" xmlns:r="http://schemas.openxmlformats.org/officeDocument/2006/relationships" xmlns:p="http://schemas.openxmlformats.org/presentationml/2006/main">
-  <p:cSld>
-    <p:spTree>
-      <p:nvGrpSpPr>
-        <p:cNvPr id="1" name=""/>
-        <p:cNvGrpSpPr/>
-        <p:nvPr/>
-      </p:nvGrpSpPr>
-      <p:grpSpPr>
-        <a:xfrm>
-          <a:off x="0" y="0"/>
-          <a:ext cx="0" cy="0"/>
-          <a:chOff x="0" y="0"/>
-          <a:chExt cx="0" cy="0"/>
-        </a:xfrm>
-      </p:grpSpPr>
       <p:sp>
         <p:nvSpPr>
           <p:cNvPr id="2" name="Title 1"/>
@@ -15552,7 +14140,7 @@
         <p:spPr>
           <a:xfrm>
             <a:off x="6164655" y="3585934"/>
-            <a:ext cx="4861222" cy="369332"/>
+            <a:ext cx="4861222" cy="646331"/>
           </a:xfrm>
           <a:prstGeom prst="rect">
             <a:avLst/>
@@ -15568,7 +14156,7 @@
               <a:rPr lang="en-US" dirty="0">
                 <a:hlinkClick r:id="rId4"/>
               </a:rPr>
-              <a:t>http://</a:t>
+              <a:t>https://github.com/signumsoftware/docs http://</a:t>
             </a:r>
             <a:r>
               <a:rPr lang="en-US" dirty="0" smtClean="0">
@@ -15767,7 +14355,7 @@
 </p:sld>
 </file>
 
-<file path=ppt/slides/slide17.xml><?xml version="1.0" encoding="utf-8"?>
+<file path=ppt/slides/slide16.xml><?xml version="1.0" encoding="utf-8"?>
 <p:sld xmlns:a="http://schemas.openxmlformats.org/drawingml/2006/main" xmlns:r="http://schemas.openxmlformats.org/officeDocument/2006/relationships" xmlns:p="http://schemas.openxmlformats.org/presentationml/2006/main">
   <p:cSld>
     <p:spTree>
@@ -15806,7 +14394,7 @@
           <a:graphicData uri="http://schemas.openxmlformats.org/presentationml/2006/ole">
             <mc:AlternateContent xmlns:mc="http://schemas.openxmlformats.org/markup-compatibility/2006">
               <mc:Choice xmlns:v="urn:schemas-microsoft-com:vml" Requires="v">
-                <p:oleObj spid="_x0000_s15392" r:id="rId3" imgW="10856880" imgH="12533040" progId="">
+                <p:oleObj spid="_x0000_s15395" r:id="rId3" imgW="10856880" imgH="12533040" progId="">
                   <p:embed/>
                 </p:oleObj>
               </mc:Choice>
@@ -16349,7 +14937,7 @@
           <a:graphicData uri="http://schemas.openxmlformats.org/presentationml/2006/ole">
             <mc:AlternateContent xmlns:mc="http://schemas.openxmlformats.org/markup-compatibility/2006">
               <mc:Choice xmlns:v="urn:schemas-microsoft-com:vml" Requires="v">
-                <p:oleObj spid="_x0000_s16434" r:id="rId3" imgW="3250440" imgH="3263400" progId="">
+                <p:oleObj spid="_x0000_s16446" r:id="rId3" imgW="3250440" imgH="3263400" progId="">
                   <p:embed/>
                 </p:oleObj>
               </mc:Choice>
@@ -16402,7 +14990,7 @@
           <a:graphicData uri="http://schemas.openxmlformats.org/presentationml/2006/ole">
             <mc:AlternateContent xmlns:mc="http://schemas.openxmlformats.org/markup-compatibility/2006">
               <mc:Choice xmlns:v="urn:schemas-microsoft-com:vml" Requires="v">
-                <p:oleObj spid="_x0000_s16435" r:id="rId5" imgW="3060000" imgH="3072960" progId="">
+                <p:oleObj spid="_x0000_s16447" r:id="rId5" imgW="3060000" imgH="3072960" progId="">
                   <p:embed/>
                 </p:oleObj>
               </mc:Choice>
@@ -16455,7 +15043,7 @@
           <a:graphicData uri="http://schemas.openxmlformats.org/presentationml/2006/ole">
             <mc:AlternateContent xmlns:mc="http://schemas.openxmlformats.org/markup-compatibility/2006">
               <mc:Choice xmlns:v="urn:schemas-microsoft-com:vml" Requires="v">
-                <p:oleObj spid="_x0000_s16436" r:id="rId7" imgW="3314160" imgH="3072960" progId="">
+                <p:oleObj spid="_x0000_s16448" r:id="rId7" imgW="3314160" imgH="3072960" progId="">
                   <p:embed/>
                 </p:oleObj>
               </mc:Choice>
@@ -16508,7 +15096,7 @@
           <a:graphicData uri="http://schemas.openxmlformats.org/presentationml/2006/ole">
             <mc:AlternateContent xmlns:mc="http://schemas.openxmlformats.org/markup-compatibility/2006">
               <mc:Choice xmlns:v="urn:schemas-microsoft-com:vml" Requires="v">
-                <p:oleObj spid="_x0000_s16437" r:id="rId9" imgW="3060000" imgH="3072960" progId="">
+                <p:oleObj spid="_x0000_s16449" r:id="rId9" imgW="3060000" imgH="3072960" progId="">
                   <p:embed/>
                 </p:oleObj>
               </mc:Choice>
@@ -19123,7 +17711,7 @@
           <a:graphicData uri="http://schemas.openxmlformats.org/presentationml/2006/ole">
             <mc:AlternateContent xmlns:mc="http://schemas.openxmlformats.org/markup-compatibility/2006">
               <mc:Choice xmlns:v="urn:schemas-microsoft-com:vml" Requires="v">
-                <p:oleObj spid="_x0000_s18451" r:id="rId18" imgW="10856880" imgH="12533040" progId="">
+                <p:oleObj spid="_x0000_s18454" r:id="rId18" imgW="10856880" imgH="12533040" progId="">
                   <p:embed/>
                 </p:oleObj>
               </mc:Choice>

--- a/Signum Framework Introduction.pptx
+++ b/Signum Framework Introduction.pptx
@@ -223,7 +223,7 @@
           <a:p>
             <a:fld id="{760B0559-D72B-483A-967B-0FFBB38787CA}" type="datetimeFigureOut">
               <a:rPr lang="en-US" smtClean="0"/>
-              <a:t>11/20/2018</a:t>
+              <a:t>8/23/2019</a:t>
             </a:fld>
             <a:endParaRPr lang="en-US"/>
           </a:p>
@@ -287,38 +287,37 @@
           <a:p>
             <a:pPr lvl="0"/>
             <a:r>
-              <a:rPr lang="en-US" smtClean="0"/>
+              <a:rPr lang="en-US"/>
               <a:t>Click to edit Master text styles</a:t>
             </a:r>
           </a:p>
           <a:p>
             <a:pPr lvl="1"/>
             <a:r>
-              <a:rPr lang="en-US" smtClean="0"/>
+              <a:rPr lang="en-US"/>
               <a:t>Second level</a:t>
             </a:r>
           </a:p>
           <a:p>
             <a:pPr lvl="2"/>
             <a:r>
-              <a:rPr lang="en-US" smtClean="0"/>
+              <a:rPr lang="en-US"/>
               <a:t>Third level</a:t>
             </a:r>
           </a:p>
           <a:p>
             <a:pPr lvl="3"/>
             <a:r>
-              <a:rPr lang="en-US" smtClean="0"/>
+              <a:rPr lang="en-US"/>
               <a:t>Fourth level</a:t>
             </a:r>
           </a:p>
           <a:p>
             <a:pPr lvl="4"/>
             <a:r>
-              <a:rPr lang="en-US" smtClean="0"/>
+              <a:rPr lang="en-US"/>
               <a:t>Fifth level</a:t>
             </a:r>
-            <a:endParaRPr lang="en-US"/>
           </a:p>
         </p:txBody>
       </p:sp>
@@ -382,7 +381,7 @@
           <a:p>
             <a:fld id="{C8181B3D-485C-4DF8-A60D-D3D3CDF76B0F}" type="slidenum">
               <a:rPr lang="en-US" smtClean="0"/>
-              <a:t>‹Nr.›</a:t>
+              <a:t>‹#›</a:t>
             </a:fld>
             <a:endParaRPr lang="en-US"/>
           </a:p>
@@ -701,10 +700,9 @@
           </a:lstStyle>
           <a:p>
             <a:r>
-              <a:rPr lang="en-US" smtClean="0"/>
+              <a:rPr lang="en-US"/>
               <a:t>Click to edit Master title style</a:t>
             </a:r>
-            <a:endParaRPr lang="en-US"/>
           </a:p>
         </p:txBody>
       </p:sp>
@@ -766,10 +764,9 @@
           </a:lstStyle>
           <a:p>
             <a:r>
-              <a:rPr lang="en-US" smtClean="0"/>
+              <a:rPr lang="en-US"/>
               <a:t>Click to edit Master subtitle style</a:t>
             </a:r>
-            <a:endParaRPr lang="en-US"/>
           </a:p>
         </p:txBody>
       </p:sp>
@@ -790,7 +787,7 @@
           <a:p>
             <a:fld id="{870F4FFB-FEBA-4846-9E66-ADC655F8FBDA}" type="datetimeFigureOut">
               <a:rPr lang="en-US" smtClean="0"/>
-              <a:t>11/20/2018</a:t>
+              <a:t>8/23/2019</a:t>
             </a:fld>
             <a:endParaRPr lang="en-US"/>
           </a:p>
@@ -832,7 +829,7 @@
           <a:p>
             <a:fld id="{EAD8DC12-D42B-4B06-88CD-47FEA905AD5D}" type="slidenum">
               <a:rPr lang="en-US" smtClean="0"/>
-              <a:t>‹Nr.›</a:t>
+              <a:t>‹#›</a:t>
             </a:fld>
             <a:endParaRPr lang="en-US"/>
           </a:p>
@@ -884,10 +881,9 @@
           <a:lstStyle/>
           <a:p>
             <a:r>
-              <a:rPr lang="en-US" smtClean="0"/>
+              <a:rPr lang="en-US"/>
               <a:t>Click to edit Master title style</a:t>
             </a:r>
-            <a:endParaRPr lang="en-US"/>
           </a:p>
         </p:txBody>
       </p:sp>
@@ -908,38 +904,37 @@
           <a:p>
             <a:pPr lvl="0"/>
             <a:r>
-              <a:rPr lang="en-US" smtClean="0"/>
+              <a:rPr lang="en-US"/>
               <a:t>Click to edit Master text styles</a:t>
             </a:r>
           </a:p>
           <a:p>
             <a:pPr lvl="1"/>
             <a:r>
-              <a:rPr lang="en-US" smtClean="0"/>
+              <a:rPr lang="en-US"/>
               <a:t>Second level</a:t>
             </a:r>
           </a:p>
           <a:p>
             <a:pPr lvl="2"/>
             <a:r>
-              <a:rPr lang="en-US" smtClean="0"/>
+              <a:rPr lang="en-US"/>
               <a:t>Third level</a:t>
             </a:r>
           </a:p>
           <a:p>
             <a:pPr lvl="3"/>
             <a:r>
-              <a:rPr lang="en-US" smtClean="0"/>
+              <a:rPr lang="en-US"/>
               <a:t>Fourth level</a:t>
             </a:r>
           </a:p>
           <a:p>
             <a:pPr lvl="4"/>
             <a:r>
-              <a:rPr lang="en-US" smtClean="0"/>
+              <a:rPr lang="en-US"/>
               <a:t>Fifth level</a:t>
             </a:r>
-            <a:endParaRPr lang="en-US"/>
           </a:p>
         </p:txBody>
       </p:sp>
@@ -960,7 +955,7 @@
           <a:p>
             <a:fld id="{870F4FFB-FEBA-4846-9E66-ADC655F8FBDA}" type="datetimeFigureOut">
               <a:rPr lang="en-US" smtClean="0"/>
-              <a:t>11/20/2018</a:t>
+              <a:t>8/23/2019</a:t>
             </a:fld>
             <a:endParaRPr lang="en-US"/>
           </a:p>
@@ -1002,7 +997,7 @@
           <a:p>
             <a:fld id="{EAD8DC12-D42B-4B06-88CD-47FEA905AD5D}" type="slidenum">
               <a:rPr lang="en-US" smtClean="0"/>
-              <a:t>‹Nr.›</a:t>
+              <a:t>‹#›</a:t>
             </a:fld>
             <a:endParaRPr lang="en-US"/>
           </a:p>
@@ -1059,10 +1054,9 @@
           <a:lstStyle/>
           <a:p>
             <a:r>
-              <a:rPr lang="en-US" smtClean="0"/>
+              <a:rPr lang="en-US"/>
               <a:t>Click to edit Master title style</a:t>
             </a:r>
-            <a:endParaRPr lang="en-US"/>
           </a:p>
         </p:txBody>
       </p:sp>
@@ -1088,38 +1082,37 @@
           <a:p>
             <a:pPr lvl="0"/>
             <a:r>
-              <a:rPr lang="en-US" smtClean="0"/>
+              <a:rPr lang="en-US"/>
               <a:t>Click to edit Master text styles</a:t>
             </a:r>
           </a:p>
           <a:p>
             <a:pPr lvl="1"/>
             <a:r>
-              <a:rPr lang="en-US" smtClean="0"/>
+              <a:rPr lang="en-US"/>
               <a:t>Second level</a:t>
             </a:r>
           </a:p>
           <a:p>
             <a:pPr lvl="2"/>
             <a:r>
-              <a:rPr lang="en-US" smtClean="0"/>
+              <a:rPr lang="en-US"/>
               <a:t>Third level</a:t>
             </a:r>
           </a:p>
           <a:p>
             <a:pPr lvl="3"/>
             <a:r>
-              <a:rPr lang="en-US" smtClean="0"/>
+              <a:rPr lang="en-US"/>
               <a:t>Fourth level</a:t>
             </a:r>
           </a:p>
           <a:p>
             <a:pPr lvl="4"/>
             <a:r>
-              <a:rPr lang="en-US" smtClean="0"/>
+              <a:rPr lang="en-US"/>
               <a:t>Fifth level</a:t>
             </a:r>
-            <a:endParaRPr lang="en-US"/>
           </a:p>
         </p:txBody>
       </p:sp>
@@ -1140,7 +1133,7 @@
           <a:p>
             <a:fld id="{870F4FFB-FEBA-4846-9E66-ADC655F8FBDA}" type="datetimeFigureOut">
               <a:rPr lang="en-US" smtClean="0"/>
-              <a:t>11/20/2018</a:t>
+              <a:t>8/23/2019</a:t>
             </a:fld>
             <a:endParaRPr lang="en-US"/>
           </a:p>
@@ -1182,7 +1175,7 @@
           <a:p>
             <a:fld id="{EAD8DC12-D42B-4B06-88CD-47FEA905AD5D}" type="slidenum">
               <a:rPr lang="en-US" smtClean="0"/>
-              <a:t>‹Nr.›</a:t>
+              <a:t>‹#›</a:t>
             </a:fld>
             <a:endParaRPr lang="en-US"/>
           </a:p>
@@ -1234,10 +1227,9 @@
           <a:lstStyle/>
           <a:p>
             <a:r>
-              <a:rPr lang="en-US" smtClean="0"/>
+              <a:rPr lang="en-US"/>
               <a:t>Click to edit Master title style</a:t>
             </a:r>
-            <a:endParaRPr lang="en-US"/>
           </a:p>
         </p:txBody>
       </p:sp>
@@ -1258,38 +1250,37 @@
           <a:p>
             <a:pPr lvl="0"/>
             <a:r>
-              <a:rPr lang="en-US" smtClean="0"/>
+              <a:rPr lang="en-US"/>
               <a:t>Click to edit Master text styles</a:t>
             </a:r>
           </a:p>
           <a:p>
             <a:pPr lvl="1"/>
             <a:r>
-              <a:rPr lang="en-US" smtClean="0"/>
+              <a:rPr lang="en-US"/>
               <a:t>Second level</a:t>
             </a:r>
           </a:p>
           <a:p>
             <a:pPr lvl="2"/>
             <a:r>
-              <a:rPr lang="en-US" smtClean="0"/>
+              <a:rPr lang="en-US"/>
               <a:t>Third level</a:t>
             </a:r>
           </a:p>
           <a:p>
             <a:pPr lvl="3"/>
             <a:r>
-              <a:rPr lang="en-US" smtClean="0"/>
+              <a:rPr lang="en-US"/>
               <a:t>Fourth level</a:t>
             </a:r>
           </a:p>
           <a:p>
             <a:pPr lvl="4"/>
             <a:r>
-              <a:rPr lang="en-US" smtClean="0"/>
+              <a:rPr lang="en-US"/>
               <a:t>Fifth level</a:t>
             </a:r>
-            <a:endParaRPr lang="en-US"/>
           </a:p>
         </p:txBody>
       </p:sp>
@@ -1310,7 +1301,7 @@
           <a:p>
             <a:fld id="{870F4FFB-FEBA-4846-9E66-ADC655F8FBDA}" type="datetimeFigureOut">
               <a:rPr lang="en-US" smtClean="0"/>
-              <a:t>11/20/2018</a:t>
+              <a:t>8/23/2019</a:t>
             </a:fld>
             <a:endParaRPr lang="en-US"/>
           </a:p>
@@ -1352,7 +1343,7 @@
           <a:p>
             <a:fld id="{EAD8DC12-D42B-4B06-88CD-47FEA905AD5D}" type="slidenum">
               <a:rPr lang="en-US" smtClean="0"/>
-              <a:t>‹Nr.›</a:t>
+              <a:t>‹#›</a:t>
             </a:fld>
             <a:endParaRPr lang="en-US"/>
           </a:p>
@@ -1413,10 +1404,9 @@
           </a:lstStyle>
           <a:p>
             <a:r>
-              <a:rPr lang="en-US" smtClean="0"/>
+              <a:rPr lang="en-US"/>
               <a:t>Click to edit Master title style</a:t>
             </a:r>
-            <a:endParaRPr lang="en-US"/>
           </a:p>
         </p:txBody>
       </p:sp>
@@ -1533,7 +1523,7 @@
           <a:p>
             <a:pPr lvl="0"/>
             <a:r>
-              <a:rPr lang="en-US" smtClean="0"/>
+              <a:rPr lang="en-US"/>
               <a:t>Click to edit Master text styles</a:t>
             </a:r>
           </a:p>
@@ -1556,7 +1546,7 @@
           <a:p>
             <a:fld id="{870F4FFB-FEBA-4846-9E66-ADC655F8FBDA}" type="datetimeFigureOut">
               <a:rPr lang="en-US" smtClean="0"/>
-              <a:t>11/20/2018</a:t>
+              <a:t>8/23/2019</a:t>
             </a:fld>
             <a:endParaRPr lang="en-US"/>
           </a:p>
@@ -1598,7 +1588,7 @@
           <a:p>
             <a:fld id="{EAD8DC12-D42B-4B06-88CD-47FEA905AD5D}" type="slidenum">
               <a:rPr lang="en-US" smtClean="0"/>
-              <a:t>‹Nr.›</a:t>
+              <a:t>‹#›</a:t>
             </a:fld>
             <a:endParaRPr lang="en-US"/>
           </a:p>
@@ -1650,10 +1640,9 @@
           <a:lstStyle/>
           <a:p>
             <a:r>
-              <a:rPr lang="en-US" smtClean="0"/>
+              <a:rPr lang="en-US"/>
               <a:t>Click to edit Master title style</a:t>
             </a:r>
-            <a:endParaRPr lang="en-US"/>
           </a:p>
         </p:txBody>
       </p:sp>
@@ -1679,38 +1668,37 @@
           <a:p>
             <a:pPr lvl="0"/>
             <a:r>
-              <a:rPr lang="en-US" smtClean="0"/>
+              <a:rPr lang="en-US"/>
               <a:t>Click to edit Master text styles</a:t>
             </a:r>
           </a:p>
           <a:p>
             <a:pPr lvl="1"/>
             <a:r>
-              <a:rPr lang="en-US" smtClean="0"/>
+              <a:rPr lang="en-US"/>
               <a:t>Second level</a:t>
             </a:r>
           </a:p>
           <a:p>
             <a:pPr lvl="2"/>
             <a:r>
-              <a:rPr lang="en-US" smtClean="0"/>
+              <a:rPr lang="en-US"/>
               <a:t>Third level</a:t>
             </a:r>
           </a:p>
           <a:p>
             <a:pPr lvl="3"/>
             <a:r>
-              <a:rPr lang="en-US" smtClean="0"/>
+              <a:rPr lang="en-US"/>
               <a:t>Fourth level</a:t>
             </a:r>
           </a:p>
           <a:p>
             <a:pPr lvl="4"/>
             <a:r>
-              <a:rPr lang="en-US" smtClean="0"/>
+              <a:rPr lang="en-US"/>
               <a:t>Fifth level</a:t>
             </a:r>
-            <a:endParaRPr lang="en-US"/>
           </a:p>
         </p:txBody>
       </p:sp>
@@ -1736,38 +1724,37 @@
           <a:p>
             <a:pPr lvl="0"/>
             <a:r>
-              <a:rPr lang="en-US" smtClean="0"/>
+              <a:rPr lang="en-US"/>
               <a:t>Click to edit Master text styles</a:t>
             </a:r>
           </a:p>
           <a:p>
             <a:pPr lvl="1"/>
             <a:r>
-              <a:rPr lang="en-US" smtClean="0"/>
+              <a:rPr lang="en-US"/>
               <a:t>Second level</a:t>
             </a:r>
           </a:p>
           <a:p>
             <a:pPr lvl="2"/>
             <a:r>
-              <a:rPr lang="en-US" smtClean="0"/>
+              <a:rPr lang="en-US"/>
               <a:t>Third level</a:t>
             </a:r>
           </a:p>
           <a:p>
             <a:pPr lvl="3"/>
             <a:r>
-              <a:rPr lang="en-US" smtClean="0"/>
+              <a:rPr lang="en-US"/>
               <a:t>Fourth level</a:t>
             </a:r>
           </a:p>
           <a:p>
             <a:pPr lvl="4"/>
             <a:r>
-              <a:rPr lang="en-US" smtClean="0"/>
+              <a:rPr lang="en-US"/>
               <a:t>Fifth level</a:t>
             </a:r>
-            <a:endParaRPr lang="en-US"/>
           </a:p>
         </p:txBody>
       </p:sp>
@@ -1788,7 +1775,7 @@
           <a:p>
             <a:fld id="{870F4FFB-FEBA-4846-9E66-ADC655F8FBDA}" type="datetimeFigureOut">
               <a:rPr lang="en-US" smtClean="0"/>
-              <a:t>11/20/2018</a:t>
+              <a:t>8/23/2019</a:t>
             </a:fld>
             <a:endParaRPr lang="en-US"/>
           </a:p>
@@ -1830,7 +1817,7 @@
           <a:p>
             <a:fld id="{EAD8DC12-D42B-4B06-88CD-47FEA905AD5D}" type="slidenum">
               <a:rPr lang="en-US" smtClean="0"/>
-              <a:t>‹Nr.›</a:t>
+              <a:t>‹#›</a:t>
             </a:fld>
             <a:endParaRPr lang="en-US"/>
           </a:p>
@@ -1887,10 +1874,9 @@
           <a:lstStyle/>
           <a:p>
             <a:r>
-              <a:rPr lang="en-US" smtClean="0"/>
+              <a:rPr lang="en-US"/>
               <a:t>Click to edit Master title style</a:t>
             </a:r>
-            <a:endParaRPr lang="en-US"/>
           </a:p>
         </p:txBody>
       </p:sp>
@@ -1953,7 +1939,7 @@
           <a:p>
             <a:pPr lvl="0"/>
             <a:r>
-              <a:rPr lang="en-US" smtClean="0"/>
+              <a:rPr lang="en-US"/>
               <a:t>Click to edit Master text styles</a:t>
             </a:r>
           </a:p>
@@ -1981,38 +1967,37 @@
           <a:p>
             <a:pPr lvl="0"/>
             <a:r>
-              <a:rPr lang="en-US" smtClean="0"/>
+              <a:rPr lang="en-US"/>
               <a:t>Click to edit Master text styles</a:t>
             </a:r>
           </a:p>
           <a:p>
             <a:pPr lvl="1"/>
             <a:r>
-              <a:rPr lang="en-US" smtClean="0"/>
+              <a:rPr lang="en-US"/>
               <a:t>Second level</a:t>
             </a:r>
           </a:p>
           <a:p>
             <a:pPr lvl="2"/>
             <a:r>
-              <a:rPr lang="en-US" smtClean="0"/>
+              <a:rPr lang="en-US"/>
               <a:t>Third level</a:t>
             </a:r>
           </a:p>
           <a:p>
             <a:pPr lvl="3"/>
             <a:r>
-              <a:rPr lang="en-US" smtClean="0"/>
+              <a:rPr lang="en-US"/>
               <a:t>Fourth level</a:t>
             </a:r>
           </a:p>
           <a:p>
             <a:pPr lvl="4"/>
             <a:r>
-              <a:rPr lang="en-US" smtClean="0"/>
+              <a:rPr lang="en-US"/>
               <a:t>Fifth level</a:t>
             </a:r>
-            <a:endParaRPr lang="en-US"/>
           </a:p>
         </p:txBody>
       </p:sp>
@@ -2075,7 +2060,7 @@
           <a:p>
             <a:pPr lvl="0"/>
             <a:r>
-              <a:rPr lang="en-US" smtClean="0"/>
+              <a:rPr lang="en-US"/>
               <a:t>Click to edit Master text styles</a:t>
             </a:r>
           </a:p>
@@ -2103,38 +2088,37 @@
           <a:p>
             <a:pPr lvl="0"/>
             <a:r>
-              <a:rPr lang="en-US" smtClean="0"/>
+              <a:rPr lang="en-US"/>
               <a:t>Click to edit Master text styles</a:t>
             </a:r>
           </a:p>
           <a:p>
             <a:pPr lvl="1"/>
             <a:r>
-              <a:rPr lang="en-US" smtClean="0"/>
+              <a:rPr lang="en-US"/>
               <a:t>Second level</a:t>
             </a:r>
           </a:p>
           <a:p>
             <a:pPr lvl="2"/>
             <a:r>
-              <a:rPr lang="en-US" smtClean="0"/>
+              <a:rPr lang="en-US"/>
               <a:t>Third level</a:t>
             </a:r>
           </a:p>
           <a:p>
             <a:pPr lvl="3"/>
             <a:r>
-              <a:rPr lang="en-US" smtClean="0"/>
+              <a:rPr lang="en-US"/>
               <a:t>Fourth level</a:t>
             </a:r>
           </a:p>
           <a:p>
             <a:pPr lvl="4"/>
             <a:r>
-              <a:rPr lang="en-US" smtClean="0"/>
+              <a:rPr lang="en-US"/>
               <a:t>Fifth level</a:t>
             </a:r>
-            <a:endParaRPr lang="en-US"/>
           </a:p>
         </p:txBody>
       </p:sp>
@@ -2155,7 +2139,7 @@
           <a:p>
             <a:fld id="{870F4FFB-FEBA-4846-9E66-ADC655F8FBDA}" type="datetimeFigureOut">
               <a:rPr lang="en-US" smtClean="0"/>
-              <a:t>11/20/2018</a:t>
+              <a:t>8/23/2019</a:t>
             </a:fld>
             <a:endParaRPr lang="en-US"/>
           </a:p>
@@ -2197,7 +2181,7 @@
           <a:p>
             <a:fld id="{EAD8DC12-D42B-4B06-88CD-47FEA905AD5D}" type="slidenum">
               <a:rPr lang="en-US" smtClean="0"/>
-              <a:t>‹Nr.›</a:t>
+              <a:t>‹#›</a:t>
             </a:fld>
             <a:endParaRPr lang="en-US"/>
           </a:p>
@@ -2249,10 +2233,9 @@
           <a:lstStyle/>
           <a:p>
             <a:r>
-              <a:rPr lang="en-US" smtClean="0"/>
+              <a:rPr lang="en-US"/>
               <a:t>Click to edit Master title style</a:t>
             </a:r>
-            <a:endParaRPr lang="en-US"/>
           </a:p>
         </p:txBody>
       </p:sp>
@@ -2273,7 +2256,7 @@
           <a:p>
             <a:fld id="{870F4FFB-FEBA-4846-9E66-ADC655F8FBDA}" type="datetimeFigureOut">
               <a:rPr lang="en-US" smtClean="0"/>
-              <a:t>11/20/2018</a:t>
+              <a:t>8/23/2019</a:t>
             </a:fld>
             <a:endParaRPr lang="en-US"/>
           </a:p>
@@ -2315,7 +2298,7 @@
           <a:p>
             <a:fld id="{EAD8DC12-D42B-4B06-88CD-47FEA905AD5D}" type="slidenum">
               <a:rPr lang="en-US" smtClean="0"/>
-              <a:t>‹Nr.›</a:t>
+              <a:t>‹#›</a:t>
             </a:fld>
             <a:endParaRPr lang="en-US"/>
           </a:p>
@@ -2368,7 +2351,7 @@
           <a:p>
             <a:fld id="{870F4FFB-FEBA-4846-9E66-ADC655F8FBDA}" type="datetimeFigureOut">
               <a:rPr lang="en-US" smtClean="0"/>
-              <a:t>11/20/2018</a:t>
+              <a:t>8/23/2019</a:t>
             </a:fld>
             <a:endParaRPr lang="en-US"/>
           </a:p>
@@ -2410,7 +2393,7 @@
           <a:p>
             <a:fld id="{EAD8DC12-D42B-4B06-88CD-47FEA905AD5D}" type="slidenum">
               <a:rPr lang="en-US" smtClean="0"/>
-              <a:t>‹Nr.›</a:t>
+              <a:t>‹#›</a:t>
             </a:fld>
             <a:endParaRPr lang="en-US"/>
           </a:p>
@@ -2471,10 +2454,9 @@
           </a:lstStyle>
           <a:p>
             <a:r>
-              <a:rPr lang="en-US" smtClean="0"/>
+              <a:rPr lang="en-US"/>
               <a:t>Click to edit Master title style</a:t>
             </a:r>
-            <a:endParaRPr lang="en-US"/>
           </a:p>
         </p:txBody>
       </p:sp>
@@ -2528,38 +2510,37 @@
           <a:p>
             <a:pPr lvl="0"/>
             <a:r>
-              <a:rPr lang="en-US" smtClean="0"/>
+              <a:rPr lang="en-US"/>
               <a:t>Click to edit Master text styles</a:t>
             </a:r>
           </a:p>
           <a:p>
             <a:pPr lvl="1"/>
             <a:r>
-              <a:rPr lang="en-US" smtClean="0"/>
+              <a:rPr lang="en-US"/>
               <a:t>Second level</a:t>
             </a:r>
           </a:p>
           <a:p>
             <a:pPr lvl="2"/>
             <a:r>
-              <a:rPr lang="en-US" smtClean="0"/>
+              <a:rPr lang="en-US"/>
               <a:t>Third level</a:t>
             </a:r>
           </a:p>
           <a:p>
             <a:pPr lvl="3"/>
             <a:r>
-              <a:rPr lang="en-US" smtClean="0"/>
+              <a:rPr lang="en-US"/>
               <a:t>Fourth level</a:t>
             </a:r>
           </a:p>
           <a:p>
             <a:pPr lvl="4"/>
             <a:r>
-              <a:rPr lang="en-US" smtClean="0"/>
+              <a:rPr lang="en-US"/>
               <a:t>Fifth level</a:t>
             </a:r>
-            <a:endParaRPr lang="en-US"/>
           </a:p>
         </p:txBody>
       </p:sp>
@@ -2622,7 +2603,7 @@
           <a:p>
             <a:pPr lvl="0"/>
             <a:r>
-              <a:rPr lang="en-US" smtClean="0"/>
+              <a:rPr lang="en-US"/>
               <a:t>Click to edit Master text styles</a:t>
             </a:r>
           </a:p>
@@ -2645,7 +2626,7 @@
           <a:p>
             <a:fld id="{870F4FFB-FEBA-4846-9E66-ADC655F8FBDA}" type="datetimeFigureOut">
               <a:rPr lang="en-US" smtClean="0"/>
-              <a:t>11/20/2018</a:t>
+              <a:t>8/23/2019</a:t>
             </a:fld>
             <a:endParaRPr lang="en-US"/>
           </a:p>
@@ -2687,7 +2668,7 @@
           <a:p>
             <a:fld id="{EAD8DC12-D42B-4B06-88CD-47FEA905AD5D}" type="slidenum">
               <a:rPr lang="en-US" smtClean="0"/>
-              <a:t>‹Nr.›</a:t>
+              <a:t>‹#›</a:t>
             </a:fld>
             <a:endParaRPr lang="en-US"/>
           </a:p>
@@ -2748,10 +2729,9 @@
           </a:lstStyle>
           <a:p>
             <a:r>
-              <a:rPr lang="en-US" smtClean="0"/>
+              <a:rPr lang="en-US"/>
               <a:t>Click to edit Master title style</a:t>
             </a:r>
-            <a:endParaRPr lang="en-US"/>
           </a:p>
         </p:txBody>
       </p:sp>
@@ -2875,7 +2855,7 @@
           <a:p>
             <a:pPr lvl="0"/>
             <a:r>
-              <a:rPr lang="en-US" smtClean="0"/>
+              <a:rPr lang="en-US"/>
               <a:t>Click to edit Master text styles</a:t>
             </a:r>
           </a:p>
@@ -2898,7 +2878,7 @@
           <a:p>
             <a:fld id="{870F4FFB-FEBA-4846-9E66-ADC655F8FBDA}" type="datetimeFigureOut">
               <a:rPr lang="en-US" smtClean="0"/>
-              <a:t>11/20/2018</a:t>
+              <a:t>8/23/2019</a:t>
             </a:fld>
             <a:endParaRPr lang="en-US"/>
           </a:p>
@@ -2940,7 +2920,7 @@
           <a:p>
             <a:fld id="{EAD8DC12-D42B-4B06-88CD-47FEA905AD5D}" type="slidenum">
               <a:rPr lang="en-US" smtClean="0"/>
-              <a:t>‹Nr.›</a:t>
+              <a:t>‹#›</a:t>
             </a:fld>
             <a:endParaRPr lang="en-US"/>
           </a:p>
@@ -3007,10 +2987,9 @@
           <a:lstStyle/>
           <a:p>
             <a:r>
-              <a:rPr lang="en-US" smtClean="0"/>
+              <a:rPr lang="en-US"/>
               <a:t>Click to edit Master title style</a:t>
             </a:r>
-            <a:endParaRPr lang="en-US"/>
           </a:p>
         </p:txBody>
       </p:sp>
@@ -3041,38 +3020,37 @@
           <a:p>
             <a:pPr lvl="0"/>
             <a:r>
-              <a:rPr lang="en-US" smtClean="0"/>
+              <a:rPr lang="en-US"/>
               <a:t>Click to edit Master text styles</a:t>
             </a:r>
           </a:p>
           <a:p>
             <a:pPr lvl="1"/>
             <a:r>
-              <a:rPr lang="en-US" smtClean="0"/>
+              <a:rPr lang="en-US"/>
               <a:t>Second level</a:t>
             </a:r>
           </a:p>
           <a:p>
             <a:pPr lvl="2"/>
             <a:r>
-              <a:rPr lang="en-US" smtClean="0"/>
+              <a:rPr lang="en-US"/>
               <a:t>Third level</a:t>
             </a:r>
           </a:p>
           <a:p>
             <a:pPr lvl="3"/>
             <a:r>
-              <a:rPr lang="en-US" smtClean="0"/>
+              <a:rPr lang="en-US"/>
               <a:t>Fourth level</a:t>
             </a:r>
           </a:p>
           <a:p>
             <a:pPr lvl="4"/>
             <a:r>
-              <a:rPr lang="en-US" smtClean="0"/>
+              <a:rPr lang="en-US"/>
               <a:t>Fifth level</a:t>
             </a:r>
-            <a:endParaRPr lang="en-US"/>
           </a:p>
         </p:txBody>
       </p:sp>
@@ -3111,7 +3089,7 @@
           <a:p>
             <a:fld id="{870F4FFB-FEBA-4846-9E66-ADC655F8FBDA}" type="datetimeFigureOut">
               <a:rPr lang="en-US" smtClean="0"/>
-              <a:t>11/20/2018</a:t>
+              <a:t>8/23/2019</a:t>
             </a:fld>
             <a:endParaRPr lang="en-US"/>
           </a:p>
@@ -3189,7 +3167,7 @@
           <a:p>
             <a:fld id="{EAD8DC12-D42B-4B06-88CD-47FEA905AD5D}" type="slidenum">
               <a:rPr lang="en-US" smtClean="0"/>
-              <a:t>‹Nr.›</a:t>
+              <a:t>‹#›</a:t>
             </a:fld>
             <a:endParaRPr lang="en-US"/>
           </a:p>
@@ -3538,7 +3516,7 @@
           <a:graphicData uri="http://schemas.openxmlformats.org/presentationml/2006/ole">
             <mc:AlternateContent xmlns:mc="http://schemas.openxmlformats.org/markup-compatibility/2006">
               <mc:Choice xmlns:v="urn:schemas-microsoft-com:vml" Requires="v">
-                <p:oleObj spid="_x0000_s1069" r:id="rId3" imgW="10856880" imgH="12533040" progId="">
+                <p:oleObj spid="_x0000_s1071" r:id="rId3" imgW="10856880" imgH="12533040" progId="">
                   <p:embed/>
                 </p:oleObj>
               </mc:Choice>
@@ -3596,7 +3574,7 @@
           <a:lstStyle/>
           <a:p>
             <a:r>
-              <a:rPr lang="en-US" sz="13800" dirty="0" err="1" smtClean="0">
+              <a:rPr lang="en-US" sz="13800" dirty="0" err="1">
                 <a:solidFill>
                   <a:srgbClr val="606060"/>
                 </a:solidFill>
@@ -3637,7 +3615,7 @@
           <a:p>
             <a:pPr algn="l"/>
             <a:r>
-              <a:rPr lang="en-US" sz="2000" dirty="0" smtClean="0">
+              <a:rPr lang="en-US" sz="2000" dirty="0">
                 <a:solidFill>
                   <a:schemeClr val="bg1">
                     <a:lumMod val="50000"/>
@@ -3651,7 +3629,7 @@
           <a:p>
             <a:pPr algn="l"/>
             <a:r>
-              <a:rPr lang="en-US" sz="2000" dirty="0" smtClean="0">
+              <a:rPr lang="en-US" sz="2000" dirty="0">
                 <a:solidFill>
                   <a:schemeClr val="bg1">
                     <a:lumMod val="50000"/>
@@ -3661,14 +3639,6 @@
               </a:rPr>
               <a:t>olmo@signumsoftware.com</a:t>
             </a:r>
-            <a:endParaRPr lang="en-US" sz="2000" dirty="0">
-              <a:solidFill>
-                <a:schemeClr val="bg1">
-                  <a:lumMod val="50000"/>
-                </a:schemeClr>
-              </a:solidFill>
-              <a:latin typeface="Myriad Pro" panose="020B0503030403020204" pitchFamily="34" charset="0"/>
-            </a:endParaRPr>
           </a:p>
         </p:txBody>
       </p:sp>
@@ -3714,7 +3684,7 @@
           </a:lstStyle>
           <a:p>
             <a:r>
-              <a:rPr lang="en-US" sz="4800" dirty="0" smtClean="0">
+              <a:rPr lang="en-US" sz="4800" dirty="0">
                 <a:solidFill>
                   <a:srgbClr val="A0A0A0"/>
                 </a:solidFill>
@@ -3741,13 +3711,6 @@
   <p:clrMapOvr>
     <a:masterClrMapping/>
   </p:clrMapOvr>
-  <p:timing>
-    <p:tnLst>
-      <p:par>
-        <p:cTn id="1" dur="indefinite" restart="never" nodeType="tmRoot"/>
-      </p:par>
-    </p:tnLst>
-  </p:timing>
 </p:sld>
 </file>
 
@@ -3810,7 +3773,7 @@
           </a:lstStyle>
           <a:p>
             <a:r>
-              <a:rPr lang="en-US" dirty="0" smtClean="0">
+              <a:rPr lang="en-US" dirty="0">
                 <a:solidFill>
                   <a:srgbClr val="A0A0A0"/>
                 </a:solidFill>
@@ -3818,12 +3781,6 @@
               </a:rPr>
               <a:t>Modular Framework</a:t>
             </a:r>
-            <a:endParaRPr lang="en-US" dirty="0">
-              <a:solidFill>
-                <a:srgbClr val="A0A0A0"/>
-              </a:solidFill>
-              <a:latin typeface="Myriad Pro" panose="020B0503030403020204" pitchFamily="34" charset="0"/>
-            </a:endParaRPr>
           </a:p>
         </p:txBody>
       </p:sp>
@@ -3953,7 +3910,7 @@
                     <a:p>
                       <a:pPr algn="ctr"/>
                       <a:r>
-                        <a:rPr lang="en-US" sz="2400" noProof="0" dirty="0" smtClean="0">
+                        <a:rPr lang="en-US" sz="2400" noProof="0" dirty="0">
                           <a:solidFill>
                             <a:schemeClr val="bg1">
                               <a:lumMod val="50000"/>
@@ -3962,13 +3919,6 @@
                         </a:rPr>
                         <a:t>Database First</a:t>
                       </a:r>
-                      <a:endParaRPr lang="en-US" sz="2400" noProof="0" dirty="0">
-                        <a:solidFill>
-                          <a:schemeClr val="bg1">
-                            <a:lumMod val="50000"/>
-                          </a:schemeClr>
-                        </a:solidFill>
-                      </a:endParaRPr>
                     </a:p>
                   </a:txBody>
                   <a:tcPr>
@@ -4079,7 +4029,7 @@
                     <a:p>
                       <a:pPr algn="ctr"/>
                       <a:r>
-                        <a:rPr lang="es-ES" sz="2400" dirty="0" smtClean="0">
+                        <a:rPr lang="es-ES" sz="2400" dirty="0">
                           <a:solidFill>
                             <a:schemeClr val="bg1">
                               <a:lumMod val="50000"/>
@@ -4205,7 +4155,7 @@
                     <a:p>
                       <a:pPr algn="ctr"/>
                       <a:r>
-                        <a:rPr lang="en-US" sz="2400" noProof="0" dirty="0" smtClean="0">
+                        <a:rPr lang="en-US" sz="2400" noProof="0" dirty="0">
                           <a:solidFill>
                             <a:schemeClr val="bg1">
                               <a:lumMod val="50000"/>
@@ -4214,13 +4164,6 @@
                         </a:rPr>
                         <a:t>Code First</a:t>
                       </a:r>
-                      <a:endParaRPr lang="en-US" sz="2400" noProof="0" dirty="0">
-                        <a:solidFill>
-                          <a:schemeClr val="bg1">
-                            <a:lumMod val="50000"/>
-                          </a:schemeClr>
-                        </a:solidFill>
-                      </a:endParaRPr>
                     </a:p>
                   </a:txBody>
                   <a:tcPr>
@@ -4677,7 +4620,7 @@
                     <a:p>
                       <a:pPr algn="ctr"/>
                       <a:r>
-                        <a:rPr lang="es-ES" sz="2000" dirty="0" smtClean="0">
+                        <a:rPr lang="es-ES" sz="2000" dirty="0">
                           <a:solidFill>
                             <a:schemeClr val="bg1">
                               <a:lumMod val="50000"/>
@@ -4687,7 +4630,7 @@
                         <a:t>LINQ</a:t>
                       </a:r>
                       <a:r>
-                        <a:rPr lang="es-ES" sz="2000" baseline="0" dirty="0" smtClean="0">
+                        <a:rPr lang="es-ES" sz="2000" baseline="0" dirty="0">
                           <a:solidFill>
                             <a:schemeClr val="bg1">
                               <a:lumMod val="50000"/>
@@ -4697,7 +4640,7 @@
                         <a:t> </a:t>
                       </a:r>
                       <a:r>
-                        <a:rPr lang="es-ES" sz="2000" baseline="0" dirty="0" err="1" smtClean="0">
+                        <a:rPr lang="es-ES" sz="2000" baseline="0" dirty="0" err="1">
                           <a:solidFill>
                             <a:schemeClr val="bg1">
                               <a:lumMod val="50000"/>
@@ -4707,7 +4650,7 @@
                         <a:t>to</a:t>
                       </a:r>
                       <a:r>
-                        <a:rPr lang="es-ES" sz="2000" baseline="0" dirty="0" smtClean="0">
+                        <a:rPr lang="es-ES" sz="2000" baseline="0" dirty="0">
                           <a:solidFill>
                             <a:schemeClr val="bg1">
                               <a:lumMod val="50000"/>
@@ -4717,7 +4660,7 @@
                         <a:t> SQL</a:t>
                       </a:r>
                       <a:br>
-                        <a:rPr lang="es-ES" sz="2000" baseline="0" dirty="0" smtClean="0">
+                        <a:rPr lang="es-ES" sz="2000" baseline="0" dirty="0">
                           <a:solidFill>
                             <a:schemeClr val="bg1">
                               <a:lumMod val="50000"/>
@@ -4726,7 +4669,7 @@
                         </a:rPr>
                       </a:br>
                       <a:r>
-                        <a:rPr lang="es-ES" sz="2000" baseline="0" dirty="0" err="1" smtClean="0">
+                        <a:rPr lang="es-ES" sz="2000" baseline="0" dirty="0" err="1">
                           <a:solidFill>
                             <a:schemeClr val="bg1">
                               <a:lumMod val="50000"/>
@@ -4736,7 +4679,7 @@
                         <a:t>Ruby</a:t>
                       </a:r>
                       <a:r>
-                        <a:rPr lang="es-ES" sz="2000" baseline="0" dirty="0" smtClean="0">
+                        <a:rPr lang="es-ES" sz="2000" baseline="0" dirty="0">
                           <a:solidFill>
                             <a:schemeClr val="bg1">
                               <a:lumMod val="50000"/>
@@ -4746,7 +4689,7 @@
                         <a:t> </a:t>
                       </a:r>
                       <a:r>
-                        <a:rPr lang="es-ES" sz="2000" baseline="0" dirty="0" err="1" smtClean="0">
+                        <a:rPr lang="es-ES" sz="2000" baseline="0" dirty="0" err="1">
                           <a:solidFill>
                             <a:schemeClr val="bg1">
                               <a:lumMod val="50000"/>
@@ -4756,7 +4699,7 @@
                         <a:t>on</a:t>
                       </a:r>
                       <a:r>
-                        <a:rPr lang="es-ES" sz="2000" baseline="0" dirty="0" smtClean="0">
+                        <a:rPr lang="es-ES" sz="2000" baseline="0" dirty="0">
                           <a:solidFill>
                             <a:schemeClr val="bg1">
                               <a:lumMod val="50000"/>
@@ -4766,7 +4709,7 @@
                         <a:t> </a:t>
                       </a:r>
                       <a:r>
-                        <a:rPr lang="es-ES" sz="2000" baseline="0" dirty="0" err="1" smtClean="0">
+                        <a:rPr lang="es-ES" sz="2000" baseline="0" dirty="0" err="1">
                           <a:solidFill>
                             <a:schemeClr val="bg1">
                               <a:lumMod val="50000"/>
@@ -4894,7 +4837,7 @@
                     <a:p>
                       <a:pPr algn="ctr"/>
                       <a:r>
-                        <a:rPr lang="es-ES" sz="2000" dirty="0" err="1" smtClean="0">
+                        <a:rPr lang="es-ES" sz="2000" dirty="0" err="1">
                           <a:solidFill>
                             <a:schemeClr val="bg1">
                               <a:lumMod val="50000"/>
@@ -5018,7 +4961,7 @@
                     <a:p>
                       <a:pPr algn="ctr"/>
                       <a:r>
-                        <a:rPr lang="es-ES" sz="2000" dirty="0" smtClean="0">
+                        <a:rPr lang="es-ES" sz="2000" dirty="0">
                           <a:solidFill>
                             <a:schemeClr val="bg1">
                               <a:lumMod val="50000"/>
@@ -5028,7 +4971,7 @@
                         <a:t>Django</a:t>
                       </a:r>
                       <a:r>
-                        <a:rPr lang="es-ES" sz="2000" baseline="0" dirty="0" smtClean="0">
+                        <a:rPr lang="es-ES" sz="2000" baseline="0" dirty="0">
                           <a:solidFill>
                             <a:schemeClr val="bg1">
                               <a:lumMod val="50000"/>
@@ -5470,7 +5413,7 @@
               <a:defRPr/>
             </a:pPr>
             <a:r>
-              <a:rPr lang="en-US" dirty="0" smtClean="0">
+              <a:rPr lang="en-US" dirty="0">
                 <a:solidFill>
                   <a:schemeClr val="bg1">
                     <a:lumMod val="50000"/>
@@ -5481,15 +5424,6 @@
               </a:rPr>
               <a:t>&lt;XML&gt;</a:t>
             </a:r>
-            <a:endParaRPr lang="en-US" dirty="0">
-              <a:solidFill>
-                <a:schemeClr val="bg1">
-                  <a:lumMod val="50000"/>
-                </a:schemeClr>
-              </a:solidFill>
-              <a:latin typeface="Consolas" panose="020B0609020204030204" pitchFamily="49" charset="0"/>
-              <a:cs typeface="Consolas" panose="020B0609020204030204" pitchFamily="49" charset="0"/>
-            </a:endParaRPr>
           </a:p>
         </p:txBody>
       </p:sp>
@@ -5695,7 +5629,7 @@
               <a:defRPr/>
             </a:pPr>
             <a:r>
-              <a:rPr kumimoji="0" lang="en-US" sz="1800" b="0" i="0" u="none" strike="noStrike" kern="0" cap="none" spc="0" normalizeH="0" baseline="0" noProof="0" dirty="0" smtClean="0">
+              <a:rPr kumimoji="0" lang="en-US" sz="1800" b="0" i="0" u="none" strike="noStrike" kern="0" cap="none" spc="0" normalizeH="0" baseline="0" noProof="0" dirty="0">
                 <a:ln>
                   <a:noFill/>
                 </a:ln>
@@ -5776,7 +5710,7 @@
               <a:defRPr/>
             </a:pPr>
             <a:r>
-              <a:rPr kumimoji="0" lang="en-US" sz="1800" b="0" i="0" u="none" strike="noStrike" kern="0" cap="none" spc="0" normalizeH="0" baseline="0" noProof="0" dirty="0" smtClean="0">
+              <a:rPr kumimoji="0" lang="en-US" sz="1800" b="0" i="0" u="none" strike="noStrike" kern="0" cap="none" spc="0" normalizeH="0" baseline="0" noProof="0" dirty="0">
                 <a:ln>
                   <a:noFill/>
                 </a:ln>
@@ -6881,7 +6815,7 @@
             <a:p>
               <a:pPr algn="ctr"/>
               <a:r>
-                <a:rPr lang="en-US" dirty="0" smtClean="0"/>
+                <a:rPr lang="en-US" dirty="0"/>
                 <a:t>Custom Application</a:t>
               </a:r>
               <a:endParaRPr lang="de-DE" dirty="0"/>
@@ -6931,15 +6865,15 @@
             <a:p>
               <a:pPr algn="ctr"/>
               <a:r>
-                <a:rPr lang="en-US" dirty="0" err="1" smtClean="0"/>
+                <a:rPr lang="en-US" dirty="0" err="1"/>
                 <a:t>ASP.Net</a:t>
               </a:r>
               <a:r>
-                <a:rPr lang="en-US" dirty="0" smtClean="0"/>
+                <a:rPr lang="en-US" dirty="0"/>
                 <a:t> </a:t>
               </a:r>
               <a:r>
-                <a:rPr lang="en-US" dirty="0" err="1" smtClean="0"/>
+                <a:rPr lang="en-US" dirty="0" err="1"/>
                 <a:t>Web.API</a:t>
               </a:r>
               <a:endParaRPr lang="de-DE" dirty="0"/>
@@ -6989,7 +6923,7 @@
             <a:p>
               <a:pPr algn="ctr"/>
               <a:r>
-                <a:rPr lang="en-US" dirty="0" smtClean="0"/>
+                <a:rPr lang="en-US" dirty="0"/>
                 <a:t>Angular</a:t>
               </a:r>
               <a:endParaRPr lang="de-DE" dirty="0"/>
@@ -7041,7 +6975,7 @@
             <a:p>
               <a:pPr algn="ctr"/>
               <a:r>
-                <a:rPr lang="en-US" dirty="0" smtClean="0"/>
+                <a:rPr lang="en-US" dirty="0"/>
                 <a:t>Entity Framework</a:t>
               </a:r>
               <a:endParaRPr lang="de-DE" dirty="0"/>
@@ -7247,7 +7181,7 @@
           </a:lstStyle>
           <a:p>
             <a:r>
-              <a:rPr lang="en-US" dirty="0" smtClean="0">
+              <a:rPr lang="en-US" dirty="0">
                 <a:solidFill>
                   <a:srgbClr val="A0A0A0"/>
                 </a:solidFill>
@@ -7255,12 +7189,6 @@
               </a:rPr>
               <a:t>Controlling Dependencies</a:t>
             </a:r>
-            <a:endParaRPr lang="en-US" dirty="0">
-              <a:solidFill>
-                <a:srgbClr val="A0A0A0"/>
-              </a:solidFill>
-              <a:latin typeface="Myriad Pro" panose="020B0503030403020204" pitchFamily="34" charset="0"/>
-            </a:endParaRPr>
           </a:p>
         </p:txBody>
       </p:sp>
@@ -7335,7 +7263,7 @@
               <a:p>
                 <a:pPr algn="ctr"/>
                 <a:r>
-                  <a:rPr lang="en-US" sz="1400" dirty="0" smtClean="0"/>
+                  <a:rPr lang="en-US" sz="1400" dirty="0"/>
                   <a:t>Custom Application</a:t>
                 </a:r>
                 <a:endParaRPr lang="de-DE" sz="1400" dirty="0"/>
@@ -7385,15 +7313,15 @@
               <a:p>
                 <a:pPr algn="ctr"/>
                 <a:r>
-                  <a:rPr lang="en-US" dirty="0" err="1" smtClean="0"/>
+                  <a:rPr lang="en-US" dirty="0" err="1"/>
                   <a:t>ASP.Net</a:t>
                 </a:r>
                 <a:r>
-                  <a:rPr lang="en-US" dirty="0" smtClean="0"/>
+                  <a:rPr lang="en-US" dirty="0"/>
                   <a:t> </a:t>
                 </a:r>
                 <a:r>
-                  <a:rPr lang="en-US" dirty="0" err="1" smtClean="0"/>
+                  <a:rPr lang="en-US" dirty="0" err="1"/>
                   <a:t>Web.API</a:t>
                 </a:r>
                 <a:endParaRPr lang="de-DE" dirty="0"/>
@@ -7443,7 +7371,7 @@
               <a:p>
                 <a:pPr algn="ctr"/>
                 <a:r>
-                  <a:rPr lang="en-US" dirty="0" smtClean="0"/>
+                  <a:rPr lang="en-US" dirty="0"/>
                   <a:t>React</a:t>
                 </a:r>
                 <a:endParaRPr lang="de-DE" dirty="0"/>
@@ -7546,11 +7474,11 @@
             <a:p>
               <a:pPr algn="ctr"/>
               <a:r>
-                <a:rPr lang="en-US" sz="1600" dirty="0" err="1" smtClean="0"/>
+                <a:rPr lang="en-US" sz="1600" dirty="0" err="1"/>
                 <a:t>Signum</a:t>
               </a:r>
               <a:r>
-                <a:rPr lang="en-US" sz="1600" dirty="0" smtClean="0"/>
+                <a:rPr lang="en-US" sz="1600" dirty="0"/>
                 <a:t> Framework</a:t>
               </a:r>
               <a:endParaRPr lang="de-DE" sz="1600" dirty="0"/>
@@ -7789,7 +7717,7 @@
           <a:lstStyle/>
           <a:p>
             <a:r>
-              <a:rPr lang="en-US" sz="2400" dirty="0" smtClean="0"/>
+              <a:rPr lang="en-US" sz="2400" dirty="0"/>
               <a:t>Don’t Repeat Yourself</a:t>
             </a:r>
             <a:endParaRPr lang="de-DE" sz="2400" dirty="0"/>
@@ -8036,7 +7964,7 @@
           </a:lstStyle>
           <a:p>
             <a:r>
-              <a:rPr lang="en-US" dirty="0" smtClean="0">
+              <a:rPr lang="en-US" dirty="0">
                 <a:solidFill>
                   <a:srgbClr val="A0A0A0"/>
                 </a:solidFill>
@@ -8044,12 +7972,6 @@
               </a:rPr>
               <a:t>Technology Evolution</a:t>
             </a:r>
-            <a:endParaRPr lang="en-US" dirty="0">
-              <a:solidFill>
-                <a:srgbClr val="A0A0A0"/>
-              </a:solidFill>
-              <a:latin typeface="Myriad Pro" panose="020B0503030403020204" pitchFamily="34" charset="0"/>
-            </a:endParaRPr>
           </a:p>
         </p:txBody>
       </p:sp>
@@ -8091,7 +8013,7 @@
         </p:nvSpPr>
         <p:spPr>
           <a:xfrm>
-            <a:off x="1626986" y="6428499"/>
+            <a:off x="1544758" y="6443211"/>
             <a:ext cx="652743" cy="369332"/>
           </a:xfrm>
           <a:prstGeom prst="rect">
@@ -8106,7 +8028,7 @@
           <a:lstStyle/>
           <a:p>
             <a:r>
-              <a:rPr lang="en-US" dirty="0" smtClean="0"/>
+              <a:rPr lang="en-US" dirty="0"/>
               <a:t>2008</a:t>
             </a:r>
             <a:endParaRPr lang="de-DE" dirty="0"/>
@@ -8121,7 +8043,7 @@
         </p:nvSpPr>
         <p:spPr>
           <a:xfrm>
-            <a:off x="2613718" y="6428499"/>
+            <a:off x="2449262" y="6443211"/>
             <a:ext cx="652743" cy="369332"/>
           </a:xfrm>
           <a:prstGeom prst="rect">
@@ -8136,7 +8058,7 @@
           <a:lstStyle/>
           <a:p>
             <a:r>
-              <a:rPr lang="en-US" dirty="0" smtClean="0"/>
+              <a:rPr lang="en-US" dirty="0"/>
               <a:t>2009</a:t>
             </a:r>
             <a:endParaRPr lang="de-DE" dirty="0"/>
@@ -8151,7 +8073,7 @@
         </p:nvSpPr>
         <p:spPr>
           <a:xfrm>
-            <a:off x="3600450" y="6428499"/>
+            <a:off x="3353766" y="6443211"/>
             <a:ext cx="652743" cy="369332"/>
           </a:xfrm>
           <a:prstGeom prst="rect">
@@ -8166,7 +8088,7 @@
           <a:lstStyle/>
           <a:p>
             <a:r>
-              <a:rPr lang="en-US" dirty="0" smtClean="0"/>
+              <a:rPr lang="en-US" dirty="0"/>
               <a:t>2010</a:t>
             </a:r>
           </a:p>
@@ -8180,7 +8102,7 @@
         </p:nvSpPr>
         <p:spPr>
           <a:xfrm>
-            <a:off x="4587182" y="6428499"/>
+            <a:off x="4258270" y="6443211"/>
             <a:ext cx="652743" cy="369332"/>
           </a:xfrm>
           <a:prstGeom prst="rect">
@@ -8195,7 +8117,7 @@
           <a:lstStyle/>
           <a:p>
             <a:r>
-              <a:rPr lang="en-US" dirty="0" smtClean="0"/>
+              <a:rPr lang="en-US" dirty="0"/>
               <a:t>2011</a:t>
             </a:r>
           </a:p>
@@ -8209,7 +8131,7 @@
         </p:nvSpPr>
         <p:spPr>
           <a:xfrm>
-            <a:off x="5573914" y="6428499"/>
+            <a:off x="5162774" y="6443211"/>
             <a:ext cx="652743" cy="369332"/>
           </a:xfrm>
           <a:prstGeom prst="rect">
@@ -8224,7 +8146,7 @@
           <a:lstStyle/>
           <a:p>
             <a:r>
-              <a:rPr lang="en-US" dirty="0" smtClean="0"/>
+              <a:rPr lang="en-US" dirty="0"/>
               <a:t>2012</a:t>
             </a:r>
           </a:p>
@@ -8238,7 +8160,7 @@
         </p:nvSpPr>
         <p:spPr>
           <a:xfrm>
-            <a:off x="6560646" y="6428499"/>
+            <a:off x="6067278" y="6443211"/>
             <a:ext cx="652743" cy="369332"/>
           </a:xfrm>
           <a:prstGeom prst="rect">
@@ -8253,7 +8175,7 @@
           <a:lstStyle/>
           <a:p>
             <a:r>
-              <a:rPr lang="en-US" dirty="0" smtClean="0"/>
+              <a:rPr lang="en-US" dirty="0"/>
               <a:t>2013</a:t>
             </a:r>
           </a:p>
@@ -8267,7 +8189,7 @@
         </p:nvSpPr>
         <p:spPr>
           <a:xfrm>
-            <a:off x="7547378" y="6428499"/>
+            <a:off x="6971782" y="6443211"/>
             <a:ext cx="652743" cy="369332"/>
           </a:xfrm>
           <a:prstGeom prst="rect">
@@ -8282,7 +8204,7 @@
           <a:lstStyle/>
           <a:p>
             <a:r>
-              <a:rPr lang="en-US" dirty="0" smtClean="0"/>
+              <a:rPr lang="en-US" dirty="0"/>
               <a:t>2014</a:t>
             </a:r>
           </a:p>
@@ -8296,7 +8218,7 @@
         </p:nvSpPr>
         <p:spPr>
           <a:xfrm>
-            <a:off x="8534110" y="6428499"/>
+            <a:off x="7876286" y="6443211"/>
             <a:ext cx="652743" cy="369332"/>
           </a:xfrm>
           <a:prstGeom prst="rect">
@@ -8311,7 +8233,7 @@
           <a:lstStyle/>
           <a:p>
             <a:r>
-              <a:rPr lang="en-US" dirty="0" smtClean="0"/>
+              <a:rPr lang="en-US" dirty="0"/>
               <a:t>2015</a:t>
             </a:r>
           </a:p>
@@ -8357,7 +8279,7 @@
           <a:p>
             <a:pPr algn="ctr"/>
             <a:r>
-              <a:rPr lang="en-US" dirty="0" smtClean="0"/>
+              <a:rPr lang="en-US" dirty="0"/>
               <a:t>VB/C# 2.0</a:t>
             </a:r>
             <a:endParaRPr lang="de-DE" dirty="0"/>
@@ -8372,8 +8294,8 @@
         </p:nvSpPr>
         <p:spPr>
           <a:xfrm>
-            <a:off x="1626985" y="5564101"/>
-            <a:ext cx="2985731" cy="345233"/>
+            <a:off x="1626986" y="5564101"/>
+            <a:ext cx="2304713" cy="345233"/>
           </a:xfrm>
           <a:prstGeom prst="rect">
             <a:avLst/>
@@ -8404,7 +8326,7 @@
           <a:p>
             <a:pPr algn="ctr"/>
             <a:r>
-              <a:rPr lang="en-US" dirty="0" smtClean="0"/>
+              <a:rPr lang="en-US" dirty="0"/>
               <a:t>C# 3.0 (LINQ)</a:t>
             </a:r>
             <a:endParaRPr lang="de-DE" dirty="0"/>
@@ -8419,8 +8341,8 @@
         </p:nvSpPr>
         <p:spPr>
           <a:xfrm>
-            <a:off x="4643036" y="5564101"/>
-            <a:ext cx="2753248" cy="345233"/>
+            <a:off x="4006509" y="5564101"/>
+            <a:ext cx="1923706" cy="345233"/>
           </a:xfrm>
           <a:prstGeom prst="rect">
             <a:avLst/>
@@ -8451,7 +8373,7 @@
           <a:p>
             <a:pPr algn="ctr"/>
             <a:r>
-              <a:rPr lang="en-US" dirty="0" smtClean="0"/>
+              <a:rPr lang="en-US" dirty="0"/>
               <a:t>C# 4.0 (dynamic)</a:t>
             </a:r>
           </a:p>
@@ -8465,7 +8387,7 @@
         </p:nvSpPr>
         <p:spPr>
           <a:xfrm>
-            <a:off x="640254" y="6428499"/>
+            <a:off x="640254" y="6443211"/>
             <a:ext cx="652743" cy="369332"/>
           </a:xfrm>
           <a:prstGeom prst="rect">
@@ -8480,7 +8402,7 @@
           <a:lstStyle/>
           <a:p>
             <a:r>
-              <a:rPr lang="en-US" dirty="0" smtClean="0"/>
+              <a:rPr lang="en-US" dirty="0"/>
               <a:t>2007</a:t>
             </a:r>
             <a:endParaRPr lang="de-DE" dirty="0"/>
@@ -8495,8 +8417,8 @@
         </p:nvSpPr>
         <p:spPr>
           <a:xfrm>
-            <a:off x="8964422" y="5564101"/>
-            <a:ext cx="1576719" cy="345233"/>
+            <a:off x="8649388" y="5564101"/>
+            <a:ext cx="1688649" cy="345233"/>
           </a:xfrm>
           <a:prstGeom prst="rect">
             <a:avLst/>
@@ -8527,7 +8449,7 @@
           <a:p>
             <a:pPr algn="ctr"/>
             <a:r>
-              <a:rPr lang="en-US" dirty="0" smtClean="0"/>
+              <a:rPr lang="en-US" dirty="0"/>
               <a:t>C# 6.0 (Roslyn)</a:t>
             </a:r>
           </a:p>
@@ -8541,7 +8463,7 @@
         </p:nvSpPr>
         <p:spPr>
           <a:xfrm>
-            <a:off x="9520842" y="6428499"/>
+            <a:off x="8780790" y="6443211"/>
             <a:ext cx="652743" cy="369332"/>
           </a:xfrm>
           <a:prstGeom prst="rect">
@@ -8556,7 +8478,7 @@
           <a:lstStyle/>
           <a:p>
             <a:r>
-              <a:rPr lang="en-US" dirty="0" smtClean="0"/>
+              <a:rPr lang="en-US" dirty="0"/>
               <a:t>2016</a:t>
             </a:r>
           </a:p>
@@ -8570,8 +8492,8 @@
         </p:nvSpPr>
         <p:spPr>
           <a:xfrm>
-            <a:off x="7426603" y="5564101"/>
-            <a:ext cx="1507501" cy="345233"/>
+            <a:off x="5960534" y="5564101"/>
+            <a:ext cx="2658534" cy="345233"/>
           </a:xfrm>
           <a:prstGeom prst="rect">
             <a:avLst/>
@@ -8602,15 +8524,15 @@
           <a:p>
             <a:pPr algn="ctr"/>
             <a:r>
-              <a:rPr lang="en-US" dirty="0" smtClean="0"/>
+              <a:rPr lang="en-US" dirty="0"/>
               <a:t>C# 5.0 (</a:t>
             </a:r>
             <a:r>
-              <a:rPr lang="en-US" dirty="0" err="1" smtClean="0"/>
+              <a:rPr lang="en-US" dirty="0" err="1"/>
               <a:t>async</a:t>
             </a:r>
             <a:r>
-              <a:rPr lang="en-US" dirty="0" smtClean="0"/>
+              <a:rPr lang="en-US" dirty="0"/>
               <a:t>)</a:t>
             </a:r>
           </a:p>
@@ -8656,7 +8578,7 @@
           <a:p>
             <a:pPr algn="ctr"/>
             <a:r>
-              <a:rPr lang="en-US" dirty="0" smtClean="0"/>
+              <a:rPr lang="en-US" dirty="0"/>
               <a:t>Team Foundation Server</a:t>
             </a:r>
             <a:endParaRPr lang="de-DE" dirty="0"/>
@@ -8703,7 +8625,7 @@
           <a:p>
             <a:pPr algn="ctr"/>
             <a:r>
-              <a:rPr lang="en-US" dirty="0" smtClean="0"/>
+              <a:rPr lang="en-US" dirty="0"/>
               <a:t>GIT</a:t>
             </a:r>
             <a:endParaRPr lang="de-DE" dirty="0"/>
@@ -8750,7 +8672,7 @@
           <a:p>
             <a:pPr algn="ctr"/>
             <a:r>
-              <a:rPr lang="en-US" dirty="0" smtClean="0"/>
+              <a:rPr lang="en-US" dirty="0"/>
               <a:t>GIT with Submodules</a:t>
             </a:r>
             <a:endParaRPr lang="de-DE" dirty="0"/>
@@ -8797,7 +8719,7 @@
           <a:p>
             <a:pPr algn="ctr"/>
             <a:r>
-              <a:rPr lang="en-US" dirty="0" err="1" smtClean="0"/>
+              <a:rPr lang="en-US" dirty="0" err="1"/>
               <a:t>WinForms</a:t>
             </a:r>
             <a:endParaRPr lang="de-DE" dirty="0"/>
@@ -8813,7 +8735,7 @@
         <p:spPr>
           <a:xfrm>
             <a:off x="1626986" y="5183763"/>
-            <a:ext cx="9784338" cy="345233"/>
+            <a:ext cx="9084206" cy="345233"/>
           </a:xfrm>
           <a:prstGeom prst="rect">
             <a:avLst/>
@@ -8859,11 +8781,7 @@
             <a:pPr algn="ctr"/>
             <a:r>
               <a:rPr lang="en-US" dirty="0"/>
-              <a:t>Windows Presentation </a:t>
-            </a:r>
-            <a:r>
-              <a:rPr lang="en-US" dirty="0" smtClean="0"/>
-              <a:t>Foundation (XAML)</a:t>
+              <a:t>Windows Presentation Foundation (XAML)</a:t>
             </a:r>
             <a:endParaRPr lang="de-DE" dirty="0"/>
           </a:p>
@@ -8925,7 +8843,7 @@
         <p:spPr>
           <a:xfrm>
             <a:off x="1626986" y="4797733"/>
-            <a:ext cx="9784338" cy="345233"/>
+            <a:ext cx="9084206" cy="345233"/>
           </a:xfrm>
           <a:prstGeom prst="rect">
             <a:avLst/>
@@ -8970,15 +8888,15 @@
           <a:p>
             <a:pPr algn="ctr"/>
             <a:r>
-              <a:rPr lang="en-US" dirty="0" smtClean="0"/>
+              <a:rPr lang="en-US" dirty="0"/>
               <a:t>Windows </a:t>
             </a:r>
             <a:r>
-              <a:rPr lang="en-US" dirty="0" err="1" smtClean="0"/>
+              <a:rPr lang="en-US" dirty="0" err="1"/>
               <a:t>Comunication</a:t>
             </a:r>
             <a:r>
-              <a:rPr lang="en-US" dirty="0" smtClean="0"/>
+              <a:rPr lang="en-US" dirty="0"/>
               <a:t> Foundation</a:t>
             </a:r>
             <a:endParaRPr lang="de-DE" dirty="0"/>
@@ -9028,7 +8946,7 @@
           <a:p>
             <a:pPr algn="ctr"/>
             <a:r>
-              <a:rPr lang="en-US" dirty="0" smtClean="0"/>
+              <a:rPr lang="en-US" dirty="0"/>
               <a:t>Custom CSS</a:t>
             </a:r>
             <a:endParaRPr lang="de-DE" dirty="0"/>
@@ -9078,7 +8996,7 @@
           <a:p>
             <a:pPr algn="ctr"/>
             <a:r>
-              <a:rPr lang="en-US" dirty="0" smtClean="0"/>
+              <a:rPr lang="en-US" dirty="0"/>
               <a:t>jQuery UI</a:t>
             </a:r>
             <a:endParaRPr lang="de-DE" dirty="0"/>
@@ -9130,7 +9048,7 @@
           <a:p>
             <a:pPr algn="ctr"/>
             <a:r>
-              <a:rPr lang="en-US" dirty="0" smtClean="0"/>
+              <a:rPr lang="en-US" dirty="0"/>
               <a:t>Bootstrap 3</a:t>
             </a:r>
           </a:p>
@@ -9176,7 +9094,7 @@
           <a:p>
             <a:pPr algn="ctr"/>
             <a:r>
-              <a:rPr lang="en-US" dirty="0" err="1" smtClean="0"/>
+              <a:rPr lang="en-US" dirty="0" err="1"/>
               <a:t>ASP.Net</a:t>
             </a:r>
             <a:endParaRPr lang="de-DE" dirty="0"/>
@@ -9226,11 +9144,11 @@
           <a:p>
             <a:pPr algn="ctr"/>
             <a:r>
-              <a:rPr lang="en-US" dirty="0" err="1" smtClean="0"/>
+              <a:rPr lang="en-US" dirty="0" err="1"/>
               <a:t>ASP.Net</a:t>
             </a:r>
             <a:r>
-              <a:rPr lang="en-US" dirty="0" smtClean="0"/>
+              <a:rPr lang="en-US" dirty="0"/>
               <a:t> MVC 1</a:t>
             </a:r>
             <a:endParaRPr lang="de-DE" dirty="0"/>
@@ -9280,7 +9198,7 @@
           <a:p>
             <a:pPr algn="ctr"/>
             <a:r>
-              <a:rPr lang="en-US" dirty="0" smtClean="0"/>
+              <a:rPr lang="en-US" dirty="0"/>
               <a:t>MVC 2</a:t>
             </a:r>
             <a:endParaRPr lang="de-DE" dirty="0"/>
@@ -9330,7 +9248,7 @@
           <a:p>
             <a:pPr algn="ctr"/>
             <a:r>
-              <a:rPr lang="en-US" dirty="0" smtClean="0"/>
+              <a:rPr lang="en-US" dirty="0"/>
               <a:t>MVC 3</a:t>
             </a:r>
             <a:endParaRPr lang="de-DE" dirty="0"/>
@@ -9346,7 +9264,7 @@
         <p:spPr>
           <a:xfrm>
             <a:off x="5753379" y="4411022"/>
-            <a:ext cx="1828800" cy="341132"/>
+            <a:ext cx="1591451" cy="341132"/>
           </a:xfrm>
           <a:prstGeom prst="rect">
             <a:avLst/>
@@ -9380,7 +9298,7 @@
           <a:p>
             <a:pPr algn="ctr"/>
             <a:r>
-              <a:rPr lang="en-US" dirty="0" smtClean="0"/>
+              <a:rPr lang="en-US" dirty="0"/>
               <a:t>MVC 4</a:t>
             </a:r>
             <a:endParaRPr lang="de-DE" dirty="0"/>
@@ -9395,8 +9313,8 @@
         </p:nvSpPr>
         <p:spPr>
           <a:xfrm>
-            <a:off x="7615062" y="4411022"/>
-            <a:ext cx="1958298" cy="341132"/>
+            <a:off x="7385363" y="4411021"/>
+            <a:ext cx="1903358" cy="341132"/>
           </a:xfrm>
           <a:prstGeom prst="rect">
             <a:avLst/>
@@ -9430,7 +9348,7 @@
           <a:p>
             <a:pPr algn="ctr"/>
             <a:r>
-              <a:rPr lang="en-US" dirty="0" smtClean="0"/>
+              <a:rPr lang="en-US" dirty="0"/>
               <a:t>MVC 5</a:t>
             </a:r>
             <a:endParaRPr lang="de-DE" dirty="0"/>
@@ -9445,8 +9363,8 @@
         </p:nvSpPr>
         <p:spPr>
           <a:xfrm>
-            <a:off x="3608907" y="4027397"/>
-            <a:ext cx="5964453" cy="335159"/>
+            <a:off x="3608908" y="4027397"/>
+            <a:ext cx="5679814" cy="335159"/>
           </a:xfrm>
           <a:prstGeom prst="rect">
             <a:avLst/>
@@ -9493,7 +9411,7 @@
           <a:p>
             <a:pPr algn="ctr"/>
             <a:r>
-              <a:rPr lang="en-US" dirty="0" smtClean="0"/>
+              <a:rPr lang="en-US" dirty="0"/>
               <a:t>jQuery</a:t>
             </a:r>
             <a:endParaRPr lang="de-DE" dirty="0"/>
@@ -9543,7 +9461,7 @@
           <a:p>
             <a:pPr algn="ctr"/>
             <a:r>
-              <a:rPr lang="en-US" dirty="0" smtClean="0"/>
+              <a:rPr lang="en-US" dirty="0"/>
               <a:t>D3.js</a:t>
             </a:r>
             <a:endParaRPr lang="de-DE" dirty="0"/>
@@ -9593,7 +9511,7 @@
           <a:p>
             <a:pPr algn="ctr"/>
             <a:r>
-              <a:rPr lang="en-US" dirty="0" err="1" smtClean="0"/>
+              <a:rPr lang="en-US" dirty="0" err="1"/>
               <a:t>Visifire</a:t>
             </a:r>
             <a:endParaRPr lang="de-DE" dirty="0"/>
@@ -9608,8 +9526,8 @@
         </p:nvSpPr>
         <p:spPr>
           <a:xfrm>
-            <a:off x="9628699" y="4051678"/>
-            <a:ext cx="2518346" cy="335159"/>
+            <a:off x="9348117" y="4043124"/>
+            <a:ext cx="2798923" cy="335159"/>
           </a:xfrm>
           <a:prstGeom prst="rect">
             <a:avLst/>
@@ -9643,8 +9561,8 @@
           <a:p>
             <a:pPr algn="ctr"/>
             <a:r>
-              <a:rPr lang="en-US" dirty="0" smtClean="0"/>
-              <a:t>React.js</a:t>
+              <a:rPr lang="en-US" dirty="0"/>
+              <a:t>React           Hooks</a:t>
             </a:r>
             <a:endParaRPr lang="de-DE" dirty="0"/>
           </a:p>
@@ -9690,7 +9608,7 @@
           <a:p>
             <a:pPr algn="ctr"/>
             <a:r>
-              <a:rPr lang="en-US" dirty="0" smtClean="0"/>
+              <a:rPr lang="en-US" dirty="0"/>
               <a:t>MS AJAX</a:t>
             </a:r>
             <a:endParaRPr lang="de-DE" dirty="0"/>
@@ -9705,8 +9623,8 @@
         </p:nvSpPr>
         <p:spPr>
           <a:xfrm>
-            <a:off x="9628921" y="4427634"/>
-            <a:ext cx="1782403" cy="335159"/>
+            <a:off x="9348341" y="4419080"/>
+            <a:ext cx="1362852" cy="335159"/>
           </a:xfrm>
           <a:prstGeom prst="rect">
             <a:avLst/>
@@ -9740,12 +9658,8 @@
           <a:p>
             <a:pPr algn="ctr"/>
             <a:r>
-              <a:rPr lang="en-US" dirty="0" err="1" smtClean="0"/>
-              <a:t>ASP.Net</a:t>
-            </a:r>
-            <a:r>
-              <a:rPr lang="en-US" dirty="0" smtClean="0"/>
-              <a:t> Web API</a:t>
+              <a:rPr lang="en-US" dirty="0" err="1"/>
+              <a:t>Web.API</a:t>
             </a:r>
             <a:endParaRPr lang="de-DE" dirty="0"/>
           </a:p>
@@ -9760,7 +9674,7 @@
         <p:spPr>
           <a:xfrm>
             <a:off x="2163235" y="3294713"/>
-            <a:ext cx="4521688" cy="335159"/>
+            <a:ext cx="4189564" cy="335159"/>
           </a:xfrm>
           <a:prstGeom prst="rect">
             <a:avLst/>
@@ -9794,7 +9708,7 @@
           <a:p>
             <a:pPr algn="ctr"/>
             <a:r>
-              <a:rPr lang="en-US" dirty="0" err="1" smtClean="0"/>
+              <a:rPr lang="en-US" dirty="0" err="1"/>
               <a:t>Javascript</a:t>
             </a:r>
             <a:endParaRPr lang="de-DE" dirty="0"/>
@@ -9809,7 +9723,7 @@
         </p:nvSpPr>
         <p:spPr>
           <a:xfrm>
-            <a:off x="6732243" y="3294713"/>
+            <a:off x="6364505" y="3293781"/>
             <a:ext cx="1508963" cy="335159"/>
           </a:xfrm>
           <a:prstGeom prst="rect">
@@ -9844,7 +9758,7 @@
           <a:p>
             <a:pPr algn="ctr"/>
             <a:r>
-              <a:rPr lang="en-US" dirty="0" smtClean="0"/>
+              <a:rPr lang="en-US" dirty="0"/>
               <a:t>Typescript 0.9 </a:t>
             </a:r>
             <a:endParaRPr lang="de-DE" dirty="0"/>
@@ -9859,7 +9773,7 @@
         </p:nvSpPr>
         <p:spPr>
           <a:xfrm>
-            <a:off x="8812284" y="3294713"/>
+            <a:off x="8444546" y="3293781"/>
             <a:ext cx="476438" cy="335159"/>
           </a:xfrm>
           <a:prstGeom prst="rect">
@@ -9894,7 +9808,7 @@
           <a:p>
             <a:pPr algn="ctr"/>
             <a:r>
-              <a:rPr lang="en-US" dirty="0" smtClean="0"/>
+              <a:rPr lang="en-US" dirty="0"/>
               <a:t>1.1 </a:t>
             </a:r>
             <a:endParaRPr lang="de-DE" dirty="0"/>
@@ -9909,7 +9823,7 @@
         </p:nvSpPr>
         <p:spPr>
           <a:xfrm>
-            <a:off x="9340779" y="3294713"/>
+            <a:off x="8973041" y="3293781"/>
             <a:ext cx="498160" cy="335159"/>
           </a:xfrm>
           <a:prstGeom prst="rect">
@@ -9944,7 +9858,7 @@
           <a:p>
             <a:pPr algn="ctr"/>
             <a:r>
-              <a:rPr lang="en-US" dirty="0" smtClean="0"/>
+              <a:rPr lang="en-US" dirty="0"/>
               <a:t>1.5 </a:t>
             </a:r>
             <a:endParaRPr lang="de-DE" dirty="0"/>
@@ -9959,7 +9873,7 @@
         </p:nvSpPr>
         <p:spPr>
           <a:xfrm>
-            <a:off x="9886259" y="3294713"/>
+            <a:off x="9518521" y="3293781"/>
             <a:ext cx="498160" cy="335159"/>
           </a:xfrm>
           <a:prstGeom prst="rect">
@@ -9994,7 +9908,7 @@
           <a:p>
             <a:pPr algn="ctr"/>
             <a:r>
-              <a:rPr lang="en-US" dirty="0" smtClean="0"/>
+              <a:rPr lang="en-US" dirty="0"/>
               <a:t>2.0 </a:t>
             </a:r>
             <a:endParaRPr lang="de-DE" dirty="0"/>
@@ -10009,7 +9923,7 @@
         </p:nvSpPr>
         <p:spPr>
           <a:xfrm>
-            <a:off x="8288526" y="3294713"/>
+            <a:off x="7920788" y="3293781"/>
             <a:ext cx="476438" cy="335159"/>
           </a:xfrm>
           <a:prstGeom prst="rect">
@@ -10044,7 +9958,7 @@
           <a:p>
             <a:pPr algn="ctr"/>
             <a:r>
-              <a:rPr lang="en-US" dirty="0" smtClean="0"/>
+              <a:rPr lang="en-US" dirty="0"/>
               <a:t>1.0 </a:t>
             </a:r>
             <a:endParaRPr lang="de-DE" dirty="0"/>
@@ -10059,7 +9973,7 @@
         </p:nvSpPr>
         <p:spPr>
           <a:xfrm>
-            <a:off x="10410719" y="3294713"/>
+            <a:off x="10042981" y="3293781"/>
             <a:ext cx="498160" cy="335159"/>
           </a:xfrm>
           <a:prstGeom prst="rect">
@@ -10094,7 +10008,7 @@
           <a:p>
             <a:pPr algn="ctr"/>
             <a:r>
-              <a:rPr lang="en-US" dirty="0" smtClean="0"/>
+              <a:rPr lang="en-US" dirty="0"/>
               <a:t>2.2 </a:t>
             </a:r>
             <a:endParaRPr lang="de-DE" dirty="0"/>
@@ -10109,7 +10023,7 @@
         </p:nvSpPr>
         <p:spPr>
           <a:xfrm>
-            <a:off x="10935179" y="3296403"/>
+            <a:off x="10567441" y="3295471"/>
             <a:ext cx="476146" cy="335159"/>
           </a:xfrm>
           <a:prstGeom prst="rect">
@@ -10144,7 +10058,7 @@
           <a:p>
             <a:pPr algn="ctr"/>
             <a:r>
-              <a:rPr lang="en-US" dirty="0" smtClean="0"/>
+              <a:rPr lang="en-US" dirty="0"/>
               <a:t>2.5</a:t>
             </a:r>
             <a:endParaRPr lang="de-DE" dirty="0"/>
@@ -10159,7 +10073,7 @@
         </p:nvSpPr>
         <p:spPr>
           <a:xfrm>
-            <a:off x="7800705" y="3675152"/>
+            <a:off x="7486724" y="3682436"/>
             <a:ext cx="1796895" cy="335159"/>
           </a:xfrm>
           <a:prstGeom prst="rect">
@@ -10196,7 +10110,7 @@
           <a:p>
             <a:pPr algn="ctr"/>
             <a:r>
-              <a:rPr lang="en-US" dirty="0" smtClean="0"/>
+              <a:rPr lang="en-US" dirty="0"/>
               <a:t>Require.js</a:t>
             </a:r>
             <a:endParaRPr lang="de-DE" dirty="0"/>
@@ -10211,8 +10125,8 @@
         </p:nvSpPr>
         <p:spPr>
           <a:xfrm>
-            <a:off x="9628698" y="3675722"/>
-            <a:ext cx="2518347" cy="335159"/>
+            <a:off x="9348117" y="3667168"/>
+            <a:ext cx="2798921" cy="335159"/>
           </a:xfrm>
           <a:prstGeom prst="rect">
             <a:avLst/>
@@ -10248,7 +10162,7 @@
           <a:p>
             <a:pPr algn="ctr"/>
             <a:r>
-              <a:rPr lang="en-US" dirty="0" err="1" smtClean="0"/>
+              <a:rPr lang="en-US" dirty="0" err="1"/>
               <a:t>WebPack</a:t>
             </a:r>
             <a:endParaRPr lang="de-DE" dirty="0"/>
@@ -10298,7 +10212,7 @@
         </p:nvSpPr>
         <p:spPr>
           <a:xfrm>
-            <a:off x="10507574" y="6428499"/>
+            <a:off x="9685294" y="6443211"/>
             <a:ext cx="652743" cy="369332"/>
           </a:xfrm>
           <a:prstGeom prst="rect">
@@ -10313,7 +10227,7 @@
           <a:lstStyle/>
           <a:p>
             <a:r>
-              <a:rPr lang="en-US" dirty="0" smtClean="0"/>
+              <a:rPr lang="en-US" dirty="0"/>
               <a:t>2017</a:t>
             </a:r>
           </a:p>
@@ -10365,13 +10279,8 @@
             <a:pPr algn="ctr"/>
             <a:r>
               <a:rPr lang="en-US" dirty="0"/>
-              <a:t>Bootstrap </a:t>
-            </a:r>
-            <a:r>
-              <a:rPr lang="en-US" dirty="0" smtClean="0"/>
-              <a:t>4</a:t>
-            </a:r>
-            <a:endParaRPr lang="en-US" dirty="0"/>
+              <a:t>Bootstrap 4</a:t>
+            </a:r>
           </a:p>
         </p:txBody>
       </p:sp>
@@ -10383,8 +10292,8 @@
         </p:nvSpPr>
         <p:spPr>
           <a:xfrm>
-            <a:off x="10571459" y="5564101"/>
-            <a:ext cx="1459414" cy="345233"/>
+            <a:off x="10368358" y="5564101"/>
+            <a:ext cx="874184" cy="345233"/>
           </a:xfrm>
           <a:prstGeom prst="rect">
             <a:avLst/>
@@ -10415,7 +10324,7 @@
           <a:p>
             <a:pPr algn="ctr"/>
             <a:r>
-              <a:rPr lang="en-US" dirty="0" smtClean="0"/>
+              <a:rPr lang="en-US" dirty="0"/>
               <a:t>C# 7.0</a:t>
             </a:r>
           </a:p>
@@ -10429,7 +10338,7 @@
         </p:nvCxnSpPr>
         <p:spPr>
           <a:xfrm>
-            <a:off x="9603722" y="3672523"/>
+            <a:off x="9306911" y="3656849"/>
             <a:ext cx="0" cy="1105944"/>
           </a:xfrm>
           <a:prstGeom prst="line">
@@ -10464,7 +10373,7 @@
         </p:nvSpPr>
         <p:spPr>
           <a:xfrm>
-            <a:off x="11494302" y="6428499"/>
+            <a:off x="10589798" y="6443211"/>
             <a:ext cx="652743" cy="369332"/>
           </a:xfrm>
           <a:prstGeom prst="rect">
@@ -10479,7 +10388,7 @@
           <a:lstStyle/>
           <a:p>
             <a:r>
-              <a:rPr lang="en-US" dirty="0" smtClean="0"/>
+              <a:rPr lang="en-US" dirty="0"/>
               <a:t>2018</a:t>
             </a:r>
           </a:p>
@@ -10493,8 +10402,8 @@
         </p:nvSpPr>
         <p:spPr>
           <a:xfrm>
-            <a:off x="11458936" y="3294713"/>
-            <a:ext cx="688109" cy="335159"/>
+            <a:off x="11074264" y="3293781"/>
+            <a:ext cx="498161" cy="335159"/>
           </a:xfrm>
           <a:prstGeom prst="rect">
             <a:avLst/>
@@ -10528,7 +10437,7 @@
           <a:p>
             <a:pPr algn="ctr"/>
             <a:r>
-              <a:rPr lang="en-US" dirty="0" smtClean="0"/>
+              <a:rPr lang="en-US" dirty="0"/>
               <a:t>3.0</a:t>
             </a:r>
             <a:endParaRPr lang="de-DE" dirty="0"/>
@@ -10543,7 +10452,7 @@
         </p:nvCxnSpPr>
         <p:spPr>
           <a:xfrm>
-            <a:off x="11411324" y="4427634"/>
+            <a:off x="10711192" y="4411021"/>
             <a:ext cx="0" cy="1105944"/>
           </a:xfrm>
           <a:prstGeom prst="line">
@@ -10578,8 +10487,8 @@
         </p:nvSpPr>
         <p:spPr>
           <a:xfrm>
-            <a:off x="11451858" y="4432048"/>
-            <a:ext cx="695188" cy="335159"/>
+            <a:off x="10752622" y="4432048"/>
+            <a:ext cx="1394421" cy="335159"/>
           </a:xfrm>
           <a:prstGeom prst="rect">
             <a:avLst/>
@@ -10613,10 +10522,157 @@
           <a:p>
             <a:pPr algn="ctr"/>
             <a:r>
-              <a:rPr lang="en-US" dirty="0" smtClean="0"/>
-              <a:t>Core</a:t>
+              <a:rPr lang="en-US" dirty="0" err="1"/>
+              <a:t>ASP.Net</a:t>
+            </a:r>
+            <a:r>
+              <a:rPr lang="en-US" dirty="0"/>
+              <a:t> Core</a:t>
             </a:r>
             <a:endParaRPr lang="de-DE" dirty="0"/>
+          </a:p>
+        </p:txBody>
+      </p:sp>
+      <p:sp>
+        <p:nvSpPr>
+          <p:cNvPr id="63" name="TextBox 52">
+            <a:extLst>
+              <a:ext uri="{FF2B5EF4-FFF2-40B4-BE49-F238E27FC236}">
+                <a16:creationId xmlns:a16="http://schemas.microsoft.com/office/drawing/2014/main" id="{E1392EB4-3E5D-4C77-9984-8F65CC83ED6F}"/>
+              </a:ext>
+            </a:extLst>
+          </p:cNvPr>
+          <p:cNvSpPr txBox="1"/>
+          <p:nvPr/>
+        </p:nvSpPr>
+        <p:spPr>
+          <a:xfrm>
+            <a:off x="11494302" y="6443211"/>
+            <a:ext cx="652743" cy="369332"/>
+          </a:xfrm>
+          <a:prstGeom prst="rect">
+            <a:avLst/>
+          </a:prstGeom>
+          <a:noFill/>
+        </p:spPr>
+        <p:txBody>
+          <a:bodyPr wrap="none" rtlCol="0">
+            <a:spAutoFit/>
+          </a:bodyPr>
+          <a:lstStyle/>
+          <a:p>
+            <a:r>
+              <a:rPr lang="en-US" dirty="0"/>
+              <a:t>2019</a:t>
+            </a:r>
+          </a:p>
+        </p:txBody>
+      </p:sp>
+      <p:sp>
+        <p:nvSpPr>
+          <p:cNvPr id="64" name="Rectangle 77">
+            <a:extLst>
+              <a:ext uri="{FF2B5EF4-FFF2-40B4-BE49-F238E27FC236}">
+                <a16:creationId xmlns:a16="http://schemas.microsoft.com/office/drawing/2014/main" id="{8E63432E-809D-4285-A742-E2185413FE17}"/>
+              </a:ext>
+            </a:extLst>
+          </p:cNvPr>
+          <p:cNvSpPr/>
+          <p:nvPr/>
+        </p:nvSpPr>
+        <p:spPr>
+          <a:xfrm>
+            <a:off x="11608916" y="3293780"/>
+            <a:ext cx="530911" cy="335159"/>
+          </a:xfrm>
+          <a:prstGeom prst="rect">
+            <a:avLst/>
+          </a:prstGeom>
+          <a:solidFill>
+            <a:srgbClr val="92D050"/>
+          </a:solidFill>
+          <a:ln>
+            <a:noFill/>
+          </a:ln>
+        </p:spPr>
+        <p:style>
+          <a:lnRef idx="2">
+            <a:schemeClr val="accent1">
+              <a:shade val="50000"/>
+            </a:schemeClr>
+          </a:lnRef>
+          <a:fillRef idx="1">
+            <a:schemeClr val="accent1"/>
+          </a:fillRef>
+          <a:effectRef idx="0">
+            <a:schemeClr val="accent1"/>
+          </a:effectRef>
+          <a:fontRef idx="minor">
+            <a:schemeClr val="lt1"/>
+          </a:fontRef>
+        </p:style>
+        <p:txBody>
+          <a:bodyPr rtlCol="0" anchor="ctr"/>
+          <a:lstStyle/>
+          <a:p>
+            <a:pPr algn="ctr"/>
+            <a:r>
+              <a:rPr lang="en-US" dirty="0"/>
+              <a:t>3.5</a:t>
+            </a:r>
+            <a:endParaRPr lang="de-DE" dirty="0"/>
+          </a:p>
+        </p:txBody>
+      </p:sp>
+      <p:sp>
+        <p:nvSpPr>
+          <p:cNvPr id="65" name="Rectangle 64">
+            <a:extLst>
+              <a:ext uri="{FF2B5EF4-FFF2-40B4-BE49-F238E27FC236}">
+                <a16:creationId xmlns:a16="http://schemas.microsoft.com/office/drawing/2014/main" id="{1F07C6A6-B37F-4CCA-8FCA-1543C58A76E4}"/>
+              </a:ext>
+            </a:extLst>
+          </p:cNvPr>
+          <p:cNvSpPr/>
+          <p:nvPr/>
+        </p:nvSpPr>
+        <p:spPr>
+          <a:xfrm>
+            <a:off x="11274899" y="5571135"/>
+            <a:ext cx="791307" cy="345233"/>
+          </a:xfrm>
+          <a:prstGeom prst="rect">
+            <a:avLst/>
+          </a:prstGeom>
+          <a:ln>
+            <a:noFill/>
+          </a:ln>
+        </p:spPr>
+        <p:style>
+          <a:lnRef idx="2">
+            <a:schemeClr val="accent6">
+              <a:shade val="50000"/>
+            </a:schemeClr>
+          </a:lnRef>
+          <a:fillRef idx="1">
+            <a:schemeClr val="accent6"/>
+          </a:fillRef>
+          <a:effectRef idx="0">
+            <a:schemeClr val="accent6"/>
+          </a:effectRef>
+          <a:fontRef idx="minor">
+            <a:schemeClr val="lt1"/>
+          </a:fontRef>
+        </p:style>
+        <p:txBody>
+          <a:bodyPr rtlCol="0" anchor="ctr"/>
+          <a:lstStyle/>
+          <a:p>
+            <a:pPr algn="ctr"/>
+            <a:r>
+              <a:rPr lang="en-US" dirty="0"/>
+              <a:t>C# 8.0</a:t>
+            </a:r>
           </a:p>
         </p:txBody>
       </p:sp>
@@ -11730,6 +11786,60 @@
                                   </p:childTnLst>
                                 </p:cTn>
                               </p:par>
+                              <p:par>
+                                <p:cTn id="87" presetID="1" presetClass="entr" presetSubtype="0" fill="hold" grpId="0" nodeType="withEffect">
+                                  <p:stCondLst>
+                                    <p:cond delay="0"/>
+                                  </p:stCondLst>
+                                  <p:childTnLst>
+                                    <p:set>
+                                      <p:cBhvr>
+                                        <p:cTn id="88" dur="1" fill="hold">
+                                          <p:stCondLst>
+                                            <p:cond delay="0"/>
+                                          </p:stCondLst>
+                                        </p:cTn>
+                                        <p:tgtEl>
+                                          <p:spTgt spid="64"/>
+                                        </p:tgtEl>
+                                        <p:attrNameLst>
+                                          <p:attrName>style.visibility</p:attrName>
+                                        </p:attrNameLst>
+                                      </p:cBhvr>
+                                      <p:to>
+                                        <p:strVal val="visible"/>
+                                      </p:to>
+                                    </p:set>
+                                  </p:childTnLst>
+                                </p:cTn>
+                              </p:par>
+                              <p:par>
+                                <p:cTn id="89" presetID="1" presetClass="entr" presetSubtype="0" fill="hold" grpId="0" nodeType="withEffect">
+                                  <p:stCondLst>
+                                    <p:cond delay="0"/>
+                                  </p:stCondLst>
+                                  <p:childTnLst>
+                                    <p:set>
+                                      <p:cBhvr>
+                                        <p:cTn id="90" dur="1" fill="hold">
+                                          <p:stCondLst>
+                                            <p:cond delay="0"/>
+                                          </p:stCondLst>
+                                        </p:cTn>
+                                        <p:tgtEl>
+                                          <p:spTgt spid="65"/>
+                                        </p:tgtEl>
+                                        <p:attrNameLst>
+                                          <p:attrName>style.visibility</p:attrName>
+                                        </p:attrNameLst>
+                                      </p:cBhvr>
+                                      <p:to>
+                                        <p:strVal val="visible"/>
+                                      </p:to>
+                                    </p:set>
+                                  </p:childTnLst>
+                                </p:cTn>
+                              </p:par>
                             </p:childTnLst>
                           </p:cTn>
                         </p:par>
@@ -11794,6 +11904,8 @@
       <p:bldP spid="57" grpId="0" animBg="1"/>
       <p:bldP spid="59" grpId="0" animBg="1"/>
       <p:bldP spid="62" grpId="0" animBg="1"/>
+      <p:bldP spid="64" grpId="0" animBg="1"/>
+      <p:bldP spid="65" grpId="0" animBg="1"/>
     </p:bldLst>
   </p:timing>
 </p:sld>
@@ -11839,7 +11951,7 @@
           <a:lstStyle/>
           <a:p>
             <a:r>
-              <a:rPr lang="en-US" dirty="0" smtClean="0">
+              <a:rPr lang="en-US" dirty="0">
                 <a:solidFill>
                   <a:srgbClr val="A0A0A0"/>
                 </a:solidFill>
@@ -11847,12 +11959,6 @@
               </a:rPr>
               <a:t>Entities in the middle</a:t>
             </a:r>
-            <a:endParaRPr lang="en-US" dirty="0">
-              <a:solidFill>
-                <a:srgbClr val="A0A0A0"/>
-              </a:solidFill>
-              <a:latin typeface="Myriad Pro" panose="020B0503030403020204" pitchFamily="34" charset="0"/>
-            </a:endParaRPr>
           </a:p>
         </p:txBody>
       </p:sp>
@@ -11891,17 +11997,16 @@
           <a:p>
             <a:pPr algn="ctr"/>
             <a:r>
-              <a:rPr lang="en-US" dirty="0" smtClean="0"/>
+              <a:rPr lang="en-US" dirty="0"/>
               <a:t>Entities</a:t>
             </a:r>
           </a:p>
           <a:p>
             <a:pPr algn="ctr"/>
             <a:r>
-              <a:rPr lang="en-US" dirty="0" smtClean="0"/>
+              <a:rPr lang="en-US" dirty="0"/>
               <a:t>(C#)</a:t>
             </a:r>
-            <a:endParaRPr lang="en-US" dirty="0"/>
           </a:p>
         </p:txBody>
       </p:sp>
@@ -11940,17 +12045,16 @@
           <a:p>
             <a:pPr algn="ctr"/>
             <a:r>
-              <a:rPr lang="en-US" dirty="0" smtClean="0"/>
+              <a:rPr lang="en-US" dirty="0"/>
               <a:t>Logic</a:t>
             </a:r>
             <a:br>
-              <a:rPr lang="en-US" dirty="0" smtClean="0"/>
+              <a:rPr lang="en-US" dirty="0"/>
             </a:br>
             <a:r>
-              <a:rPr lang="en-US" dirty="0" smtClean="0"/>
+              <a:rPr lang="en-US" dirty="0"/>
               <a:t>(C#)</a:t>
             </a:r>
-            <a:endParaRPr lang="en-US" dirty="0"/>
           </a:p>
         </p:txBody>
       </p:sp>
@@ -11989,17 +12093,16 @@
           <a:p>
             <a:pPr algn="ctr"/>
             <a:r>
-              <a:rPr lang="en-US" dirty="0" smtClean="0"/>
+              <a:rPr lang="en-US" dirty="0"/>
               <a:t>Test Logic/Win/Web</a:t>
             </a:r>
             <a:br>
-              <a:rPr lang="en-US" dirty="0" smtClean="0"/>
+              <a:rPr lang="en-US" dirty="0"/>
             </a:br>
             <a:r>
-              <a:rPr lang="en-US" dirty="0" smtClean="0"/>
+              <a:rPr lang="en-US" dirty="0"/>
               <a:t>(C#)</a:t>
             </a:r>
-            <a:endParaRPr lang="en-US" dirty="0"/>
           </a:p>
         </p:txBody>
       </p:sp>
@@ -12038,17 +12141,16 @@
           <a:p>
             <a:pPr algn="ctr"/>
             <a:r>
-              <a:rPr lang="en-US" dirty="0" smtClean="0"/>
+              <a:rPr lang="en-US" dirty="0"/>
               <a:t>Load</a:t>
             </a:r>
             <a:br>
-              <a:rPr lang="en-US" dirty="0" smtClean="0"/>
+              <a:rPr lang="en-US" dirty="0"/>
             </a:br>
             <a:r>
-              <a:rPr lang="en-US" dirty="0" smtClean="0"/>
+              <a:rPr lang="en-US" dirty="0"/>
               <a:t>(C#)</a:t>
             </a:r>
-            <a:endParaRPr lang="en-US" dirty="0"/>
           </a:p>
         </p:txBody>
       </p:sp>
@@ -12087,17 +12189,16 @@
           <a:p>
             <a:pPr algn="ctr"/>
             <a:r>
-              <a:rPr lang="en-US" dirty="0" smtClean="0"/>
+              <a:rPr lang="en-US" dirty="0"/>
               <a:t>Schema</a:t>
             </a:r>
             <a:br>
-              <a:rPr lang="en-US" dirty="0" smtClean="0"/>
+              <a:rPr lang="en-US" dirty="0"/>
             </a:br>
             <a:r>
-              <a:rPr lang="en-US" dirty="0" smtClean="0"/>
+              <a:rPr lang="en-US" dirty="0"/>
               <a:t>(SQL)</a:t>
             </a:r>
-            <a:endParaRPr lang="en-US" dirty="0"/>
           </a:p>
         </p:txBody>
       </p:sp>
@@ -12136,17 +12237,16 @@
           <a:p>
             <a:pPr algn="ctr"/>
             <a:r>
-              <a:rPr lang="en-US" dirty="0" smtClean="0"/>
+              <a:rPr lang="en-US" dirty="0"/>
               <a:t>Help</a:t>
             </a:r>
             <a:br>
-              <a:rPr lang="en-US" dirty="0" smtClean="0"/>
+              <a:rPr lang="en-US" dirty="0"/>
             </a:br>
             <a:r>
-              <a:rPr lang="en-US" dirty="0" smtClean="0"/>
+              <a:rPr lang="en-US" dirty="0"/>
               <a:t>(XML)</a:t>
             </a:r>
-            <a:endParaRPr lang="en-US" dirty="0"/>
           </a:p>
         </p:txBody>
       </p:sp>
@@ -12185,17 +12285,16 @@
           <a:p>
             <a:pPr algn="ctr"/>
             <a:r>
-              <a:rPr lang="en-US" dirty="0" smtClean="0"/>
+              <a:rPr lang="en-US" dirty="0"/>
               <a:t>Translation</a:t>
             </a:r>
             <a:br>
-              <a:rPr lang="en-US" dirty="0" smtClean="0"/>
+              <a:rPr lang="en-US" dirty="0"/>
             </a:br>
             <a:r>
-              <a:rPr lang="en-US" dirty="0" smtClean="0"/>
+              <a:rPr lang="en-US" dirty="0"/>
               <a:t>(XML and SQL)</a:t>
             </a:r>
-            <a:endParaRPr lang="en-US" dirty="0"/>
           </a:p>
         </p:txBody>
       </p:sp>
@@ -12234,17 +12333,16 @@
           <a:p>
             <a:pPr algn="ctr"/>
             <a:r>
-              <a:rPr lang="en-US" dirty="0" smtClean="0"/>
+              <a:rPr lang="en-US" dirty="0"/>
               <a:t>User Assets</a:t>
             </a:r>
             <a:br>
-              <a:rPr lang="en-US" dirty="0" smtClean="0"/>
+              <a:rPr lang="en-US" dirty="0"/>
             </a:br>
             <a:r>
-              <a:rPr lang="en-US" dirty="0" smtClean="0"/>
+              <a:rPr lang="en-US" dirty="0"/>
               <a:t>(SQL)</a:t>
             </a:r>
-            <a:endParaRPr lang="en-US" dirty="0"/>
           </a:p>
         </p:txBody>
       </p:sp>
@@ -12551,7 +12649,7 @@
           <a:p>
             <a:pPr algn="ctr"/>
             <a:r>
-              <a:rPr lang="en-US" sz="3200" dirty="0" smtClean="0">
+              <a:rPr lang="en-US" sz="3200" dirty="0">
                 <a:solidFill>
                   <a:schemeClr val="accent6"/>
                 </a:solidFill>
@@ -12560,7 +12658,7 @@
               <a:t>Compile-time </a:t>
             </a:r>
             <a:br>
-              <a:rPr lang="en-US" sz="3200" dirty="0" smtClean="0">
+              <a:rPr lang="en-US" sz="3200" dirty="0">
                 <a:solidFill>
                   <a:schemeClr val="accent6"/>
                 </a:solidFill>
@@ -12568,7 +12666,7 @@
               </a:rPr>
             </a:br>
             <a:r>
-              <a:rPr lang="en-US" sz="3200" dirty="0" smtClean="0">
+              <a:rPr lang="en-US" sz="3200" dirty="0">
                 <a:solidFill>
                   <a:schemeClr val="accent6"/>
                 </a:solidFill>
@@ -12577,7 +12675,7 @@
               <a:t>checked </a:t>
             </a:r>
             <a:br>
-              <a:rPr lang="en-US" sz="3200" dirty="0" smtClean="0">
+              <a:rPr lang="en-US" sz="3200" dirty="0">
                 <a:solidFill>
                   <a:schemeClr val="accent6"/>
                 </a:solidFill>
@@ -12585,7 +12683,7 @@
               </a:rPr>
             </a:br>
             <a:r>
-              <a:rPr lang="en-US" sz="3200" dirty="0" smtClean="0">
+              <a:rPr lang="en-US" sz="3200" dirty="0">
                 <a:solidFill>
                   <a:schemeClr val="accent6"/>
                 </a:solidFill>
@@ -12621,7 +12719,7 @@
           <a:p>
             <a:pPr algn="ctr"/>
             <a:r>
-              <a:rPr lang="en-US" sz="3200" dirty="0" smtClean="0">
+              <a:rPr lang="en-US" sz="3200" dirty="0">
                 <a:solidFill>
                   <a:schemeClr val="accent4"/>
                 </a:solidFill>
@@ -12630,7 +12728,7 @@
               <a:t>Generated &amp;</a:t>
             </a:r>
             <a:br>
-              <a:rPr lang="en-US" sz="3200" dirty="0" smtClean="0">
+              <a:rPr lang="en-US" sz="3200" dirty="0">
                 <a:solidFill>
                   <a:schemeClr val="accent4"/>
                 </a:solidFill>
@@ -12638,7 +12736,7 @@
               </a:rPr>
             </a:br>
             <a:r>
-              <a:rPr lang="en-US" sz="3200" dirty="0" smtClean="0">
+              <a:rPr lang="en-US" sz="3200" dirty="0">
                 <a:solidFill>
                   <a:schemeClr val="accent4"/>
                 </a:solidFill>
@@ -12647,7 +12745,7 @@
               <a:t>Synchronized </a:t>
             </a:r>
             <a:br>
-              <a:rPr lang="en-US" sz="3200" dirty="0" smtClean="0">
+              <a:rPr lang="en-US" sz="3200" dirty="0">
                 <a:solidFill>
                   <a:schemeClr val="accent4"/>
                 </a:solidFill>
@@ -12655,7 +12753,7 @@
               </a:rPr>
             </a:br>
             <a:r>
-              <a:rPr lang="en-US" sz="3200" dirty="0" smtClean="0">
+              <a:rPr lang="en-US" sz="3200" dirty="0">
                 <a:solidFill>
                   <a:schemeClr val="accent4"/>
                 </a:solidFill>
@@ -12707,11 +12805,11 @@
           <a:p>
             <a:pPr algn="ctr"/>
             <a:r>
-              <a:rPr lang="en-US" dirty="0" smtClean="0"/>
+              <a:rPr lang="en-US" dirty="0"/>
               <a:t>Web User Interface</a:t>
             </a:r>
             <a:br>
-              <a:rPr lang="en-US" dirty="0" smtClean="0"/>
+              <a:rPr lang="en-US" dirty="0"/>
             </a:br>
             <a:r>
               <a:rPr lang="en-US" dirty="0"/>
@@ -13179,7 +13277,7 @@
           <a:lstStyle/>
           <a:p>
             <a:r>
-              <a:rPr lang="en-US" dirty="0" smtClean="0">
+              <a:rPr lang="en-US" dirty="0">
                 <a:solidFill>
                   <a:srgbClr val="A0A0A0"/>
                 </a:solidFill>
@@ -13187,12 +13285,6 @@
               </a:rPr>
               <a:t>Multilanguage</a:t>
             </a:r>
-            <a:endParaRPr lang="en-US" dirty="0">
-              <a:solidFill>
-                <a:srgbClr val="A0A0A0"/>
-              </a:solidFill>
-              <a:latin typeface="Myriad Pro" panose="020B0503030403020204" pitchFamily="34" charset="0"/>
-            </a:endParaRPr>
           </a:p>
         </p:txBody>
       </p:sp>
@@ -13218,7 +13310,7 @@
           <a:graphicData uri="http://schemas.openxmlformats.org/presentationml/2006/ole">
             <mc:AlternateContent xmlns:mc="http://schemas.openxmlformats.org/markup-compatibility/2006">
               <mc:Choice xmlns:v="urn:schemas-microsoft-com:vml" Requires="v">
-                <p:oleObj spid="_x0000_s8234" r:id="rId3" imgW="8685360" imgH="5917320" progId="">
+                <p:oleObj spid="_x0000_s8236" r:id="rId3" imgW="8685360" imgH="5917320" progId="">
                   <p:embed/>
                 </p:oleObj>
               </mc:Choice>
@@ -13277,7 +13369,7 @@
           <a:p>
             <a:pPr lvl="1"/>
             <a:r>
-              <a:rPr lang="en-US" dirty="0" smtClean="0">
+              <a:rPr lang="en-US" dirty="0">
                 <a:solidFill>
                   <a:srgbClr val="606060"/>
                 </a:solidFill>
@@ -13479,7 +13571,7 @@
             <a:pPr marL="457200" lvl="1" indent="0">
               <a:buNone/>
             </a:pPr>
-            <a:endParaRPr lang="en-US" dirty="0" smtClean="0">
+            <a:endParaRPr lang="en-US" dirty="0">
               <a:solidFill>
                 <a:srgbClr val="606060"/>
               </a:solidFill>
@@ -13678,7 +13770,7 @@
           <a:p>
             <a:pPr lvl="1"/>
             <a:r>
-              <a:rPr lang="en-US" dirty="0" smtClean="0">
+              <a:rPr lang="en-US" dirty="0">
                 <a:solidFill>
                   <a:srgbClr val="606060"/>
                 </a:solidFill>
@@ -13879,7 +13971,7 @@
           <a:p>
             <a:pPr lvl="1"/>
             <a:r>
-              <a:rPr lang="en-US" dirty="0" smtClean="0">
+              <a:rPr lang="en-US" dirty="0">
                 <a:solidFill>
                   <a:srgbClr val="606060"/>
                 </a:solidFill>
@@ -13902,13 +13994,6 @@
   <p:clrMapOvr>
     <a:masterClrMapping/>
   </p:clrMapOvr>
-  <p:timing>
-    <p:tnLst>
-      <p:par>
-        <p:cTn id="1" dur="indefinite" restart="never" nodeType="tmRoot"/>
-      </p:par>
-    </p:tnLst>
-  </p:timing>
 </p:sld>
 </file>
 
@@ -13952,7 +14037,7 @@
           <a:lstStyle/>
           <a:p>
             <a:r>
-              <a:rPr lang="en-US" sz="8000" dirty="0" smtClean="0">
+              <a:rPr lang="en-US" sz="8000" dirty="0">
                 <a:solidFill>
                   <a:srgbClr val="606060"/>
                 </a:solidFill>
@@ -13961,7 +14046,7 @@
               <a:t>signum</a:t>
             </a:r>
             <a:r>
-              <a:rPr lang="en-US" sz="8000" dirty="0" smtClean="0">
+              <a:rPr lang="en-US" sz="8000" dirty="0">
                 <a:solidFill>
                   <a:schemeClr val="bg2">
                     <a:lumMod val="75000"/>
@@ -13972,7 +14057,7 @@
               <a:t>software</a:t>
             </a:r>
             <a:r>
-              <a:rPr lang="en-US" sz="8000" dirty="0" smtClean="0">
+              <a:rPr lang="en-US" sz="8000" dirty="0">
                 <a:solidFill>
                   <a:srgbClr val="606060"/>
                 </a:solidFill>
@@ -13980,12 +14065,6 @@
               </a:rPr>
               <a:t>.com</a:t>
             </a:r>
-            <a:endParaRPr lang="en-US" sz="8000" dirty="0">
-              <a:solidFill>
-                <a:srgbClr val="606060"/>
-              </a:solidFill>
-              <a:latin typeface="Myriad Pro" panose="020B0503030403020204" pitchFamily="34" charset="0"/>
-            </a:endParaRPr>
           </a:p>
         </p:txBody>
       </p:sp>
@@ -13999,8 +14078,8 @@
         </p:nvSpPr>
         <p:spPr>
           <a:xfrm>
-            <a:off x="857459" y="2893071"/>
-            <a:ext cx="4509349" cy="733692"/>
+            <a:off x="823564" y="2986110"/>
+            <a:ext cx="4509349" cy="640653"/>
           </a:xfrm>
           <a:prstGeom prst="rect">
             <a:avLst/>
@@ -14032,7 +14111,7 @@
           <a:p>
             <a:pPr algn="l"/>
             <a:r>
-              <a:rPr lang="en-US" sz="4800" dirty="0" smtClean="0">
+              <a:rPr lang="en-US" sz="3200" dirty="0">
                 <a:solidFill>
                   <a:srgbClr val="A0A0A0"/>
                 </a:solidFill>
@@ -14040,7 +14119,7 @@
               </a:rPr>
               <a:t>1. Signum Framework</a:t>
             </a:r>
-            <a:endParaRPr lang="en-US" sz="4400" dirty="0">
+            <a:endParaRPr lang="en-US" sz="2800" dirty="0">
               <a:solidFill>
                 <a:srgbClr val="A0A0A0"/>
               </a:solidFill>
@@ -14074,19 +14153,12 @@
               <a:rPr lang="en-US" dirty="0">
                 <a:hlinkClick r:id="rId2"/>
               </a:rPr>
-              <a:t>https://</a:t>
-            </a:r>
-            <a:r>
-              <a:rPr lang="en-US" dirty="0" smtClean="0">
-                <a:hlinkClick r:id="rId2"/>
-              </a:rPr>
-              <a:t>github.com/signumsoftware/extensions</a:t>
-            </a:r>
-            <a:r>
-              <a:rPr lang="en-US" dirty="0" smtClean="0"/>
+              <a:t>https://github.com/signumsoftware/extensions</a:t>
+            </a:r>
+            <a:r>
+              <a:rPr lang="en-US" dirty="0"/>
               <a:t> </a:t>
             </a:r>
-            <a:endParaRPr lang="en-US" dirty="0"/>
           </a:p>
         </p:txBody>
       </p:sp>
@@ -14115,19 +14187,12 @@
               <a:rPr lang="en-US" dirty="0">
                 <a:hlinkClick r:id="rId3"/>
               </a:rPr>
-              <a:t>http://</a:t>
-            </a:r>
-            <a:r>
-              <a:rPr lang="en-US" dirty="0" smtClean="0">
-                <a:hlinkClick r:id="rId3"/>
-              </a:rPr>
-              <a:t>www.signumsoftware.com/en/DuplicateApplication</a:t>
-            </a:r>
-            <a:r>
-              <a:rPr lang="en-US" dirty="0" smtClean="0"/>
+              <a:t>http://www.signumsoftware.com/en/DuplicateApplication</a:t>
+            </a:r>
+            <a:r>
+              <a:rPr lang="en-US" dirty="0"/>
               <a:t> </a:t>
             </a:r>
-            <a:endParaRPr lang="en-US" dirty="0"/>
           </a:p>
         </p:txBody>
       </p:sp>
@@ -14156,13 +14221,7 @@
               <a:rPr lang="en-US" dirty="0">
                 <a:hlinkClick r:id="rId4"/>
               </a:rPr>
-              <a:t>https://github.com/signumsoftware/docs http://</a:t>
-            </a:r>
-            <a:r>
-              <a:rPr lang="en-US" dirty="0" smtClean="0">
-                <a:hlinkClick r:id="rId4"/>
-              </a:rPr>
-              <a:t>www.signumsoftware.com/Documentation</a:t>
+              <a:t>https://github.com/signumsoftware/docs http://www.signumsoftware.com/Documentation</a:t>
             </a:r>
             <a:endParaRPr lang="en-US" dirty="0"/>
           </a:p>
@@ -14210,30 +14269,29 @@
         </p:nvSpPr>
         <p:spPr>
           <a:xfrm>
-            <a:off x="6257355" y="2893071"/>
-            <a:ext cx="3570208" cy="830997"/>
+            <a:off x="6095999" y="3092042"/>
+            <a:ext cx="3419526" cy="535531"/>
           </a:xfrm>
           <a:prstGeom prst="rect">
             <a:avLst/>
           </a:prstGeom>
         </p:spPr>
         <p:txBody>
-          <a:bodyPr wrap="none">
-            <a:spAutoFit/>
+          <a:bodyPr vert="horz" lIns="91440" tIns="45720" rIns="91440" bIns="45720" rtlCol="0" anchor="b">
+            <a:noAutofit/>
           </a:bodyPr>
           <a:lstStyle/>
           <a:p>
-            <a:r>
-              <a:rPr lang="en-US" sz="4800" dirty="0">
-                <a:solidFill>
-                  <a:srgbClr val="A0A0A0"/>
-                </a:solidFill>
-                <a:latin typeface="Myriad Pro" panose="020B0503030403020204" pitchFamily="34" charset="0"/>
-              </a:rPr>
-              <a:t>3. </a:t>
-            </a:r>
-            <a:r>
-              <a:rPr lang="en-US" sz="4800" dirty="0" smtClean="0">
+            <a:pPr>
+              <a:lnSpc>
+                <a:spcPct val="90000"/>
+              </a:lnSpc>
+              <a:spcBef>
+                <a:spcPct val="0"/>
+              </a:spcBef>
+            </a:pPr>
+            <a:r>
+              <a:rPr lang="en-US" sz="3200" dirty="0">
                 <a:solidFill>
                   <a:srgbClr val="A0A0A0"/>
                 </a:solidFill>
@@ -14241,16 +14299,8 @@
                 <a:ea typeface="+mj-ea"/>
                 <a:cs typeface="+mj-cs"/>
               </a:rPr>
-              <a:t>Documentation</a:t>
-            </a:r>
-            <a:endParaRPr lang="en-US" sz="4800" dirty="0">
-              <a:solidFill>
-                <a:srgbClr val="A0A0A0"/>
-              </a:solidFill>
-              <a:latin typeface="Myriad Pro" panose="020B0503030403020204" pitchFamily="34" charset="0"/>
-              <a:ea typeface="+mj-ea"/>
-              <a:cs typeface="+mj-cs"/>
-            </a:endParaRPr>
+              <a:t>3. Documentation</a:t>
+            </a:r>
           </a:p>
         </p:txBody>
       </p:sp>
@@ -14262,25 +14312,35 @@
         </p:nvSpPr>
         <p:spPr>
           <a:xfrm>
-            <a:off x="6164655" y="4293900"/>
-            <a:ext cx="4195379" cy="830997"/>
+            <a:off x="6164655" y="4465457"/>
+            <a:ext cx="3943131" cy="535531"/>
           </a:xfrm>
           <a:prstGeom prst="rect">
             <a:avLst/>
           </a:prstGeom>
         </p:spPr>
         <p:txBody>
-          <a:bodyPr wrap="none">
-            <a:spAutoFit/>
+          <a:bodyPr vert="horz" lIns="91440" tIns="45720" rIns="91440" bIns="45720" rtlCol="0" anchor="b">
+            <a:noAutofit/>
           </a:bodyPr>
           <a:lstStyle/>
           <a:p>
-            <a:r>
-              <a:rPr lang="en-US" sz="4800" dirty="0">
+            <a:pPr>
+              <a:lnSpc>
+                <a:spcPct val="90000"/>
+              </a:lnSpc>
+              <a:spcBef>
+                <a:spcPct val="0"/>
+              </a:spcBef>
+            </a:pPr>
+            <a:r>
+              <a:rPr lang="en-US" sz="3200" dirty="0">
                 <a:solidFill>
                   <a:srgbClr val="A0A0A0"/>
                 </a:solidFill>
                 <a:latin typeface="Myriad Pro" panose="020B0503030403020204" pitchFamily="34" charset="0"/>
+                <a:ea typeface="+mj-ea"/>
+                <a:cs typeface="+mj-cs"/>
               </a:rPr>
               <a:t>4. Create Application</a:t>
             </a:r>
@@ -14295,43 +14355,38 @@
         </p:nvSpPr>
         <p:spPr>
           <a:xfrm>
-            <a:off x="857459" y="4293900"/>
-            <a:ext cx="4412901" cy="830997"/>
+            <a:off x="871789" y="4462026"/>
+            <a:ext cx="4412901" cy="535531"/>
           </a:xfrm>
           <a:prstGeom prst="rect">
             <a:avLst/>
           </a:prstGeom>
         </p:spPr>
         <p:txBody>
-          <a:bodyPr wrap="square">
-            <a:spAutoFit/>
+          <a:bodyPr vert="horz" lIns="91440" tIns="45720" rIns="91440" bIns="45720" rtlCol="0" anchor="b">
+            <a:noAutofit/>
           </a:bodyPr>
           <a:lstStyle/>
           <a:p>
-            <a:r>
-              <a:rPr lang="en-US" sz="4800" dirty="0" smtClean="0">
+            <a:pPr>
+              <a:lnSpc>
+                <a:spcPct val="90000"/>
+              </a:lnSpc>
+              <a:spcBef>
+                <a:spcPct val="0"/>
+              </a:spcBef>
+            </a:pPr>
+            <a:r>
+              <a:rPr lang="en-US" sz="3200" dirty="0">
                 <a:solidFill>
                   <a:srgbClr val="A0A0A0"/>
                 </a:solidFill>
                 <a:latin typeface="Myriad Pro" panose="020B0503030403020204" pitchFamily="34" charset="0"/>
+                <a:ea typeface="+mj-ea"/>
+                <a:cs typeface="+mj-cs"/>
               </a:rPr>
-              <a:t>2</a:t>
-            </a:r>
-            <a:r>
-              <a:rPr lang="en-US" sz="4800" dirty="0">
-                <a:solidFill>
-                  <a:srgbClr val="A0A0A0"/>
-                </a:solidFill>
-                <a:latin typeface="Myriad Pro" panose="020B0503030403020204" pitchFamily="34" charset="0"/>
-              </a:rPr>
-              <a:t>. Signum Extensions</a:t>
-            </a:r>
-            <a:endParaRPr lang="en-US" sz="4400" dirty="0">
-              <a:solidFill>
-                <a:srgbClr val="A0A0A0"/>
-              </a:solidFill>
-              <a:latin typeface="Myriad Pro" panose="020B0503030403020204" pitchFamily="34" charset="0"/>
-            </a:endParaRPr>
+              <a:t>2. Signum Extensions</a:t>
+            </a:r>
           </a:p>
         </p:txBody>
       </p:sp>
@@ -14345,13 +14400,6 @@
   <p:clrMapOvr>
     <a:masterClrMapping/>
   </p:clrMapOvr>
-  <p:timing>
-    <p:tnLst>
-      <p:par>
-        <p:cTn id="1" dur="indefinite" restart="never" nodeType="tmRoot"/>
-      </p:par>
-    </p:tnLst>
-  </p:timing>
 </p:sld>
 </file>
 
@@ -14394,7 +14442,7 @@
           <a:graphicData uri="http://schemas.openxmlformats.org/presentationml/2006/ole">
             <mc:AlternateContent xmlns:mc="http://schemas.openxmlformats.org/markup-compatibility/2006">
               <mc:Choice xmlns:v="urn:schemas-microsoft-com:vml" Requires="v">
-                <p:oleObj spid="_x0000_s15395" r:id="rId3" imgW="10856880" imgH="12533040" progId="">
+                <p:oleObj spid="_x0000_s15397" r:id="rId3" imgW="10856880" imgH="12533040" progId="">
                   <p:embed/>
                 </p:oleObj>
               </mc:Choice>
@@ -14452,7 +14500,7 @@
           <a:lstStyle/>
           <a:p>
             <a:r>
-              <a:rPr lang="en-US" sz="13800" dirty="0" err="1" smtClean="0">
+              <a:rPr lang="en-US" sz="13800" dirty="0" err="1">
                 <a:solidFill>
                   <a:srgbClr val="606060"/>
                 </a:solidFill>
@@ -14493,7 +14541,7 @@
           <a:p>
             <a:pPr algn="l"/>
             <a:r>
-              <a:rPr lang="en-US" sz="2000" dirty="0" smtClean="0">
+              <a:rPr lang="en-US" sz="2000" dirty="0">
                 <a:solidFill>
                   <a:schemeClr val="bg1">
                     <a:lumMod val="50000"/>
@@ -14507,7 +14555,7 @@
           <a:p>
             <a:pPr algn="l"/>
             <a:r>
-              <a:rPr lang="en-US" sz="2000" dirty="0" smtClean="0">
+              <a:rPr lang="en-US" sz="2000" dirty="0">
                 <a:solidFill>
                   <a:schemeClr val="bg1">
                     <a:lumMod val="50000"/>
@@ -14517,14 +14565,6 @@
               </a:rPr>
               <a:t>olmo@signumsoftware.com</a:t>
             </a:r>
-            <a:endParaRPr lang="en-US" sz="2000" dirty="0">
-              <a:solidFill>
-                <a:schemeClr val="bg1">
-                  <a:lumMod val="50000"/>
-                </a:schemeClr>
-              </a:solidFill>
-              <a:latin typeface="Myriad Pro" panose="020B0503030403020204" pitchFamily="34" charset="0"/>
-            </a:endParaRPr>
           </a:p>
         </p:txBody>
       </p:sp>
@@ -14570,7 +14610,7 @@
           </a:lstStyle>
           <a:p>
             <a:r>
-              <a:rPr lang="en-US" sz="4800" dirty="0" smtClean="0">
+              <a:rPr lang="en-US" sz="4800" dirty="0">
                 <a:solidFill>
                   <a:srgbClr val="A0A0A0"/>
                 </a:solidFill>
@@ -14597,13 +14637,6 @@
   <p:clrMapOvr>
     <a:masterClrMapping/>
   </p:clrMapOvr>
-  <p:timing>
-    <p:tnLst>
-      <p:par>
-        <p:cTn id="1" dur="indefinite" restart="never" nodeType="tmRoot"/>
-      </p:par>
-    </p:tnLst>
-  </p:timing>
 </p:sld>
 </file>
 
@@ -14674,13 +14707,8 @@
             </a:r>
             <a:r>
               <a:rPr lang="es-ES" dirty="0"/>
-              <a:t> </a:t>
-            </a:r>
-            <a:r>
-              <a:rPr lang="es-ES" dirty="0" smtClean="0"/>
-              <a:t>Framework</a:t>
-            </a:r>
-            <a:endParaRPr lang="es-ES" dirty="0"/>
+              <a:t> Framework</a:t>
+            </a:r>
           </a:p>
         </p:txBody>
       </p:sp>
@@ -14807,7 +14835,7 @@
               </a:lnSpc>
             </a:pPr>
             <a:r>
-              <a:rPr lang="en-US" sz="3600" dirty="0" smtClean="0">
+              <a:rPr lang="en-US" sz="3600" dirty="0">
                 <a:solidFill>
                   <a:schemeClr val="tx1"/>
                 </a:solidFill>
@@ -14816,7 +14844,7 @@
               <a:t>Complete Solution </a:t>
             </a:r>
             <a:r>
-              <a:rPr lang="en-US" sz="2800" dirty="0" smtClean="0">
+              <a:rPr lang="en-US" sz="2800" dirty="0">
                 <a:solidFill>
                   <a:schemeClr val="bg1">
                     <a:lumMod val="50000"/>
@@ -14826,7 +14854,7 @@
               </a:rPr>
               <a:t>25+ reusable modules</a:t>
             </a:r>
-            <a:endParaRPr lang="en-US" sz="3600" dirty="0" smtClean="0"/>
+            <a:endParaRPr lang="en-US" sz="3600" dirty="0"/>
           </a:p>
           <a:p>
             <a:pPr>
@@ -14835,7 +14863,7 @@
               </a:lnSpc>
             </a:pPr>
             <a:r>
-              <a:rPr lang="en-US" sz="3600" dirty="0" smtClean="0">
+              <a:rPr lang="en-US" sz="3600" dirty="0">
                 <a:solidFill>
                   <a:schemeClr val="tx1"/>
                 </a:solidFill>
@@ -14844,7 +14872,7 @@
               <a:t>High Productivity </a:t>
             </a:r>
             <a:r>
-              <a:rPr lang="en-US" sz="2800" dirty="0" smtClean="0">
+              <a:rPr lang="en-US" sz="2800" dirty="0">
                 <a:solidFill>
                   <a:schemeClr val="bg1">
                     <a:lumMod val="50000"/>
@@ -14862,7 +14890,7 @@
               </a:lnSpc>
             </a:pPr>
             <a:r>
-              <a:rPr lang="en-US" sz="3600" dirty="0" smtClean="0">
+              <a:rPr lang="en-US" sz="3600" dirty="0">
                 <a:solidFill>
                   <a:schemeClr val="tx1"/>
                 </a:solidFill>
@@ -14871,7 +14899,7 @@
               <a:t>Simple Business Logic </a:t>
             </a:r>
             <a:r>
-              <a:rPr lang="en-US" sz="2800" dirty="0" smtClean="0">
+              <a:rPr lang="en-US" sz="2800" dirty="0">
                 <a:solidFill>
                   <a:schemeClr val="bg1">
                     <a:lumMod val="50000"/>
@@ -14889,7 +14917,7 @@
               </a:lnSpc>
             </a:pPr>
             <a:r>
-              <a:rPr lang="en-US" sz="3600" dirty="0" smtClean="0">
+              <a:rPr lang="en-US" sz="3600" dirty="0">
                 <a:solidFill>
                   <a:schemeClr val="tx1"/>
                 </a:solidFill>
@@ -14898,7 +14926,7 @@
               <a:t>Interchangeable Developers </a:t>
             </a:r>
             <a:r>
-              <a:rPr lang="en-US" sz="2800" dirty="0" smtClean="0">
+              <a:rPr lang="en-US" sz="2800" dirty="0">
                 <a:solidFill>
                   <a:schemeClr val="bg1">
                     <a:lumMod val="50000"/>
@@ -14908,14 +14936,6 @@
               </a:rPr>
               <a:t>Homogenous Architecture</a:t>
             </a:r>
-            <a:endParaRPr lang="en-US" sz="2800" dirty="0">
-              <a:solidFill>
-                <a:schemeClr val="bg1">
-                  <a:lumMod val="50000"/>
-                </a:schemeClr>
-              </a:solidFill>
-              <a:sym typeface="Wingdings" panose="05000000000000000000" pitchFamily="2" charset="2"/>
-            </a:endParaRPr>
           </a:p>
         </p:txBody>
       </p:sp>
@@ -14925,9 +14945,7 @@
           <p:cNvGraphicFramePr>
             <a:graphicFrameLocks noChangeAspect="1"/>
           </p:cNvGraphicFramePr>
-          <p:nvPr>
-            <p:extLst/>
-          </p:nvPr>
+          <p:nvPr/>
         </p:nvGraphicFramePr>
         <p:xfrm>
           <a:off x="1005524" y="3033070"/>
@@ -14937,7 +14955,7 @@
           <a:graphicData uri="http://schemas.openxmlformats.org/presentationml/2006/ole">
             <mc:AlternateContent xmlns:mc="http://schemas.openxmlformats.org/markup-compatibility/2006">
               <mc:Choice xmlns:v="urn:schemas-microsoft-com:vml" Requires="v">
-                <p:oleObj spid="_x0000_s16446" r:id="rId3" imgW="3250440" imgH="3263400" progId="">
+                <p:oleObj spid="_x0000_s16454" r:id="rId3" imgW="3250440" imgH="3263400" progId="">
                   <p:embed/>
                 </p:oleObj>
               </mc:Choice>
@@ -14978,9 +14996,7 @@
           <p:cNvGraphicFramePr>
             <a:graphicFrameLocks noChangeAspect="1"/>
           </p:cNvGraphicFramePr>
-          <p:nvPr>
-            <p:extLst/>
-          </p:nvPr>
+          <p:nvPr/>
         </p:nvGraphicFramePr>
         <p:xfrm>
           <a:off x="1017671" y="4132613"/>
@@ -14990,7 +15006,7 @@
           <a:graphicData uri="http://schemas.openxmlformats.org/presentationml/2006/ole">
             <mc:AlternateContent xmlns:mc="http://schemas.openxmlformats.org/markup-compatibility/2006">
               <mc:Choice xmlns:v="urn:schemas-microsoft-com:vml" Requires="v">
-                <p:oleObj spid="_x0000_s16447" r:id="rId5" imgW="3060000" imgH="3072960" progId="">
+                <p:oleObj spid="_x0000_s16455" r:id="rId5" imgW="3060000" imgH="3072960" progId="">
                   <p:embed/>
                 </p:oleObj>
               </mc:Choice>
@@ -15031,9 +15047,7 @@
           <p:cNvGraphicFramePr>
             <a:graphicFrameLocks noChangeAspect="1"/>
           </p:cNvGraphicFramePr>
-          <p:nvPr>
-            <p:extLst/>
-          </p:nvPr>
+          <p:nvPr/>
         </p:nvGraphicFramePr>
         <p:xfrm>
           <a:off x="1015474" y="1878630"/>
@@ -15043,7 +15057,7 @@
           <a:graphicData uri="http://schemas.openxmlformats.org/presentationml/2006/ole">
             <mc:AlternateContent xmlns:mc="http://schemas.openxmlformats.org/markup-compatibility/2006">
               <mc:Choice xmlns:v="urn:schemas-microsoft-com:vml" Requires="v">
-                <p:oleObj spid="_x0000_s16448" r:id="rId7" imgW="3314160" imgH="3072960" progId="">
+                <p:oleObj spid="_x0000_s16456" r:id="rId7" imgW="3314160" imgH="3072960" progId="">
                   <p:embed/>
                 </p:oleObj>
               </mc:Choice>
@@ -15084,9 +15098,7 @@
           <p:cNvGraphicFramePr>
             <a:graphicFrameLocks noChangeAspect="1"/>
           </p:cNvGraphicFramePr>
-          <p:nvPr>
-            <p:extLst/>
-          </p:nvPr>
+          <p:nvPr/>
         </p:nvGraphicFramePr>
         <p:xfrm>
           <a:off x="1015474" y="5207931"/>
@@ -15096,7 +15108,7 @@
           <a:graphicData uri="http://schemas.openxmlformats.org/presentationml/2006/ole">
             <mc:AlternateContent xmlns:mc="http://schemas.openxmlformats.org/markup-compatibility/2006">
               <mc:Choice xmlns:v="urn:schemas-microsoft-com:vml" Requires="v">
-                <p:oleObj spid="_x0000_s16449" r:id="rId9" imgW="3060000" imgH="3072960" progId="">
+                <p:oleObj spid="_x0000_s16457" r:id="rId9" imgW="3060000" imgH="3072960" progId="">
                   <p:embed/>
                 </p:oleObj>
               </mc:Choice>
@@ -15521,7 +15533,7 @@
           <a:lstStyle/>
           <a:p>
             <a:r>
-              <a:rPr lang="en-US" dirty="0" smtClean="0">
+              <a:rPr lang="en-US" dirty="0">
                 <a:solidFill>
                   <a:srgbClr val="A0A0A0"/>
                 </a:solidFill>
@@ -15529,12 +15541,6 @@
               </a:rPr>
               <a:t>History</a:t>
             </a:r>
-            <a:endParaRPr lang="en-US" dirty="0">
-              <a:solidFill>
-                <a:srgbClr val="A0A0A0"/>
-              </a:solidFill>
-              <a:latin typeface="Myriad Pro" panose="020B0503030403020204" pitchFamily="34" charset="0"/>
-            </a:endParaRPr>
           </a:p>
         </p:txBody>
       </p:sp>
@@ -15546,8 +15552,8 @@
         </p:nvSpPr>
         <p:spPr>
           <a:xfrm>
-            <a:off x="156470" y="1355105"/>
-            <a:ext cx="1403525" cy="600164"/>
+            <a:off x="348206" y="1010768"/>
+            <a:ext cx="1402322" cy="938719"/>
           </a:xfrm>
           <a:prstGeom prst="rect">
             <a:avLst/>
@@ -15575,28 +15581,49 @@
           <a:lstStyle/>
           <a:p>
             <a:r>
-              <a:rPr lang="en-US" sz="1100" dirty="0" smtClean="0"/>
+              <a:rPr lang="en-US" sz="1100" b="1" dirty="0"/>
               <a:t>Previous Engine</a:t>
             </a:r>
           </a:p>
           <a:p>
-            <a:pPr marL="285750" indent="-285750">
+            <a:pPr marL="169863" indent="-169863">
               <a:buFont typeface="Arial" panose="020B0604020202020204" pitchFamily="34" charset="0"/>
               <a:buChar char="•"/>
             </a:pPr>
             <a:r>
-              <a:rPr lang="en-US" sz="1100" dirty="0" smtClean="0"/>
+              <a:rPr lang="en-US" sz="1100" dirty="0"/>
               <a:t>ORM </a:t>
             </a:r>
           </a:p>
           <a:p>
-            <a:pPr marL="285750" indent="-285750">
+            <a:pPr marL="169863" indent="-169863">
               <a:buFont typeface="Arial" panose="020B0604020202020204" pitchFamily="34" charset="0"/>
               <a:buChar char="•"/>
             </a:pPr>
             <a:r>
-              <a:rPr lang="en-US" sz="1100" dirty="0" err="1" smtClean="0"/>
+              <a:rPr lang="en-US" sz="1100" dirty="0" err="1"/>
               <a:t>VisualBasic</a:t>
+            </a:r>
+            <a:endParaRPr lang="en-US" sz="1100" dirty="0"/>
+          </a:p>
+          <a:p>
+            <a:pPr marL="169863" indent="-169863">
+              <a:buFont typeface="Arial" panose="020B0604020202020204" pitchFamily="34" charset="0"/>
+              <a:buChar char="•"/>
+            </a:pPr>
+            <a:r>
+              <a:rPr lang="en-US" sz="1100" dirty="0"/>
+              <a:t>XML Screens</a:t>
+            </a:r>
+          </a:p>
+          <a:p>
+            <a:pPr marL="169863" indent="-169863">
+              <a:buFont typeface="Arial" panose="020B0604020202020204" pitchFamily="34" charset="0"/>
+              <a:buChar char="•"/>
+            </a:pPr>
+            <a:r>
+              <a:rPr lang="en-US" sz="1100" dirty="0"/>
+              <a:t>Operations</a:t>
             </a:r>
             <a:endParaRPr lang="en-US" sz="1100" dirty="0">
               <a:solidFill>
@@ -15608,14 +15635,14 @@
       </p:sp>
       <p:sp>
         <p:nvSpPr>
-          <p:cNvPr id="7" name="TextBox 6"/>
+          <p:cNvPr id="10" name="TextBox 9"/>
           <p:cNvSpPr txBox="1"/>
           <p:nvPr/>
         </p:nvSpPr>
         <p:spPr>
           <a:xfrm>
-            <a:off x="1562302" y="1355105"/>
-            <a:ext cx="1647140" cy="600164"/>
+            <a:off x="2550571" y="1010768"/>
+            <a:ext cx="1689098" cy="938719"/>
           </a:xfrm>
           <a:prstGeom prst="rect">
             <a:avLst/>
@@ -15643,42 +15670,66 @@
           <a:lstStyle/>
           <a:p>
             <a:r>
-              <a:rPr lang="en-US" sz="1100" dirty="0" smtClean="0"/>
-              <a:t>Previous Framework</a:t>
-            </a:r>
-          </a:p>
-          <a:p>
-            <a:pPr marL="285750" indent="-285750">
+              <a:rPr lang="en-US" sz="1100" b="1" dirty="0"/>
+              <a:t>SIGNUM FRAMEWORK  </a:t>
+            </a:r>
+          </a:p>
+          <a:p>
+            <a:pPr marL="169863" indent="-169863">
               <a:buFont typeface="Arial" panose="020B0604020202020204" pitchFamily="34" charset="0"/>
               <a:buChar char="•"/>
             </a:pPr>
             <a:r>
-              <a:rPr lang="en-US" sz="1100" dirty="0" smtClean="0"/>
-              <a:t>XML Screens</a:t>
-            </a:r>
-          </a:p>
-          <a:p>
-            <a:pPr marL="285750" indent="-285750">
+              <a:rPr lang="en-US" sz="1100" dirty="0" err="1"/>
+              <a:t>.Net</a:t>
+            </a:r>
+            <a:r>
+              <a:rPr lang="en-US" sz="1100" dirty="0"/>
+              <a:t> Framework 3.5</a:t>
+            </a:r>
+          </a:p>
+          <a:p>
+            <a:pPr marL="169863" indent="-169863">
               <a:buFont typeface="Arial" panose="020B0604020202020204" pitchFamily="34" charset="0"/>
               <a:buChar char="•"/>
             </a:pPr>
             <a:r>
-              <a:rPr lang="en-US" sz="1100" dirty="0" smtClean="0"/>
-              <a:t>Operations</a:t>
+              <a:rPr lang="en-US" sz="1100" dirty="0"/>
+              <a:t>ORM with LINQ</a:t>
+            </a:r>
+          </a:p>
+          <a:p>
+            <a:pPr marL="169863" indent="-169863">
+              <a:buFont typeface="Arial" panose="020B0604020202020204" pitchFamily="34" charset="0"/>
+              <a:buChar char="•"/>
+            </a:pPr>
+            <a:r>
+              <a:rPr lang="en-US" sz="1100" dirty="0"/>
+              <a:t>WPF</a:t>
+            </a:r>
+          </a:p>
+          <a:p>
+            <a:pPr marL="169863" indent="-169863">
+              <a:buFont typeface="Arial" panose="020B0604020202020204" pitchFamily="34" charset="0"/>
+              <a:buChar char="•"/>
+            </a:pPr>
+            <a:r>
+              <a:rPr lang="en-US" sz="1100" dirty="0"/>
+              <a:t>Schema Sync</a:t>
             </a:r>
           </a:p>
         </p:txBody>
       </p:sp>
       <p:sp>
         <p:nvSpPr>
-          <p:cNvPr id="10" name="TextBox 9"/>
+          <p:cNvPr id="12" name="TextBox 11"/>
           <p:cNvSpPr txBox="1"/>
           <p:nvPr/>
         </p:nvSpPr>
         <p:spPr>
           <a:xfrm>
-            <a:off x="3216209" y="1016992"/>
-            <a:ext cx="1862304" cy="938719"/>
+            <a:off x="4246460" y="1010768"/>
+            <a:ext cx="1695865" cy="938719"/>
           </a:xfrm>
           <a:prstGeom prst="rect">
             <a:avLst/>
@@ -15705,68 +15756,76 @@
           </a:bodyPr>
           <a:lstStyle/>
           <a:p>
-            <a:r>
-              <a:rPr lang="en-US" sz="1100" dirty="0" smtClean="0"/>
-              <a:t>SIGNUM FRAMEWORK 1.0 </a:t>
-            </a:r>
-          </a:p>
-          <a:p>
-            <a:pPr marL="285750" indent="-285750">
+            <a:pPr marL="169863" indent="-169863">
               <a:buFont typeface="Arial" panose="020B0604020202020204" pitchFamily="34" charset="0"/>
               <a:buChar char="•"/>
             </a:pPr>
             <a:r>
-              <a:rPr lang="en-US" sz="1100" dirty="0" err="1" smtClean="0"/>
+              <a:rPr lang="en-US" sz="1100" dirty="0" err="1"/>
               <a:t>.Net</a:t>
             </a:r>
             <a:r>
-              <a:rPr lang="en-US" sz="1100" dirty="0" smtClean="0"/>
-              <a:t> Framework 3.5</a:t>
-            </a:r>
-          </a:p>
-          <a:p>
-            <a:pPr marL="285750" indent="-285750">
+              <a:rPr lang="en-US" sz="1100" dirty="0"/>
+              <a:t> Framework 4.0</a:t>
+            </a:r>
+          </a:p>
+          <a:p>
+            <a:pPr marL="169863" indent="-169863">
               <a:buFont typeface="Arial" panose="020B0604020202020204" pitchFamily="34" charset="0"/>
               <a:buChar char="•"/>
             </a:pPr>
             <a:r>
-              <a:rPr lang="en-US" sz="1100" dirty="0" smtClean="0"/>
-              <a:t>ORM with LINQ</a:t>
-            </a:r>
-          </a:p>
-          <a:p>
-            <a:pPr marL="285750" indent="-285750">
+              <a:rPr lang="en-US" sz="1100" dirty="0" err="1"/>
+              <a:t>ASP.Net</a:t>
+            </a:r>
+            <a:r>
+              <a:rPr lang="en-US" sz="1100" dirty="0"/>
+              <a:t> MVC 2</a:t>
+            </a:r>
+          </a:p>
+          <a:p>
+            <a:pPr marL="169863" indent="-169863">
               <a:buFont typeface="Arial" panose="020B0604020202020204" pitchFamily="34" charset="0"/>
               <a:buChar char="•"/>
             </a:pPr>
             <a:r>
-              <a:rPr lang="en-US" sz="1100" dirty="0"/>
-              <a:t>WPF</a:t>
-            </a:r>
-          </a:p>
-          <a:p>
-            <a:pPr marL="285750" indent="-285750">
+              <a:rPr lang="en-US" sz="1100" dirty="0" err="1"/>
+              <a:t>Signum.Web</a:t>
+            </a:r>
+            <a:endParaRPr lang="en-US" sz="1100" dirty="0"/>
+          </a:p>
+          <a:p>
+            <a:pPr marL="169863" indent="-169863">
               <a:buFont typeface="Arial" panose="020B0604020202020204" pitchFamily="34" charset="0"/>
               <a:buChar char="•"/>
             </a:pPr>
             <a:r>
-              <a:rPr lang="en-US" sz="1100" dirty="0" smtClean="0"/>
-              <a:t>Schema Sync</a:t>
-            </a:r>
-            <a:endParaRPr lang="en-US" sz="1100" dirty="0"/>
+              <a:rPr lang="en-US" sz="1100" dirty="0"/>
+              <a:t>New Windows look</a:t>
+            </a:r>
+          </a:p>
+          <a:p>
+            <a:pPr marL="169863" indent="-169863">
+              <a:buFont typeface="Arial" panose="020B0604020202020204" pitchFamily="34" charset="0"/>
+              <a:buChar char="•"/>
+            </a:pPr>
+            <a:r>
+              <a:rPr lang="en-US" sz="1100" dirty="0"/>
+              <a:t>Correlated sub queries</a:t>
+            </a:r>
           </a:p>
         </p:txBody>
       </p:sp>
       <p:sp>
         <p:nvSpPr>
-          <p:cNvPr id="12" name="TextBox 11"/>
+          <p:cNvPr id="14" name="TextBox 13"/>
           <p:cNvSpPr txBox="1"/>
           <p:nvPr/>
         </p:nvSpPr>
         <p:spPr>
           <a:xfrm>
-            <a:off x="5078513" y="832325"/>
-            <a:ext cx="1896876" cy="1107996"/>
+            <a:off x="5935534" y="1000569"/>
+            <a:ext cx="1402322" cy="938719"/>
           </a:xfrm>
           <a:prstGeom prst="rect">
             <a:avLst/>
@@ -15793,82 +15852,62 @@
           </a:bodyPr>
           <a:lstStyle/>
           <a:p>
-            <a:r>
-              <a:rPr lang="en-US" sz="1100" dirty="0" smtClean="0"/>
-              <a:t>SIGNUM FRAMEWORK 2.0 </a:t>
-            </a:r>
-          </a:p>
-          <a:p>
-            <a:pPr marL="285750" indent="-285750">
+            <a:pPr marL="169863" indent="-169863">
               <a:buFont typeface="Arial" panose="020B0604020202020204" pitchFamily="34" charset="0"/>
               <a:buChar char="•"/>
             </a:pPr>
             <a:r>
-              <a:rPr lang="en-US" sz="1100" dirty="0" err="1" smtClean="0"/>
-              <a:t>.Net</a:t>
-            </a:r>
-            <a:r>
-              <a:rPr lang="en-US" sz="1100" dirty="0" smtClean="0"/>
-              <a:t> Framework 4.0</a:t>
-            </a:r>
-          </a:p>
-          <a:p>
-            <a:pPr marL="285750" indent="-285750">
+              <a:rPr lang="en-US" sz="1100" dirty="0" err="1"/>
+              <a:t>ASP.Net</a:t>
+            </a:r>
+            <a:r>
+              <a:rPr lang="en-US" sz="1100" dirty="0"/>
+              <a:t> MVC 3</a:t>
+            </a:r>
+          </a:p>
+          <a:p>
+            <a:pPr marL="169863" indent="-169863">
               <a:buFont typeface="Arial" panose="020B0604020202020204" pitchFamily="34" charset="0"/>
               <a:buChar char="•"/>
             </a:pPr>
             <a:r>
-              <a:rPr lang="en-US" sz="1100" dirty="0" err="1" smtClean="0"/>
-              <a:t>ASP.Net</a:t>
-            </a:r>
-            <a:r>
-              <a:rPr lang="en-US" sz="1100" dirty="0" smtClean="0"/>
-              <a:t> MVC 2</a:t>
-            </a:r>
-          </a:p>
-          <a:p>
-            <a:pPr marL="285750" indent="-285750">
+              <a:rPr lang="en-US" sz="1100" dirty="0"/>
+              <a:t>Operations</a:t>
+            </a:r>
+          </a:p>
+          <a:p>
+            <a:pPr marL="169863" indent="-169863">
               <a:buFont typeface="Arial" panose="020B0604020202020204" pitchFamily="34" charset="0"/>
               <a:buChar char="•"/>
             </a:pPr>
             <a:r>
-              <a:rPr lang="en-US" sz="1100" dirty="0" err="1" smtClean="0"/>
-              <a:t>Signum.Web</a:t>
-            </a:r>
-            <a:endParaRPr lang="en-US" sz="1100" dirty="0" smtClean="0"/>
-          </a:p>
-          <a:p>
-            <a:pPr marL="285750" indent="-285750">
+              <a:rPr lang="en-US" sz="1100" dirty="0" err="1"/>
+              <a:t>UnsafeDelete</a:t>
+            </a:r>
+            <a:endParaRPr lang="en-US" sz="1100" dirty="0"/>
+          </a:p>
+          <a:p>
+            <a:pPr marL="169863" indent="-169863">
               <a:buFont typeface="Arial" panose="020B0604020202020204" pitchFamily="34" charset="0"/>
               <a:buChar char="•"/>
             </a:pPr>
             <a:r>
-              <a:rPr lang="en-US" sz="1100" dirty="0" smtClean="0"/>
-              <a:t>New Windows look</a:t>
-            </a:r>
-          </a:p>
-          <a:p>
-            <a:pPr marL="285750" indent="-285750">
-              <a:buFont typeface="Arial" panose="020B0604020202020204" pitchFamily="34" charset="0"/>
-              <a:buChar char="•"/>
-            </a:pPr>
-            <a:r>
-              <a:rPr lang="en-US" sz="1100" dirty="0" smtClean="0"/>
-              <a:t>Correlated sub queries</a:t>
+              <a:rPr lang="en-US" sz="1100" dirty="0"/>
+              <a:t>Collections in Search Control</a:t>
             </a:r>
           </a:p>
         </p:txBody>
       </p:sp>
       <p:sp>
         <p:nvSpPr>
-          <p:cNvPr id="14" name="TextBox 13"/>
+          <p:cNvPr id="15" name="TextBox 14"/>
           <p:cNvSpPr txBox="1"/>
           <p:nvPr/>
         </p:nvSpPr>
         <p:spPr>
           <a:xfrm>
-            <a:off x="6975390" y="832324"/>
-            <a:ext cx="1791798" cy="1107996"/>
+            <a:off x="7339865" y="662781"/>
+            <a:ext cx="1584059" cy="1277273"/>
           </a:xfrm>
           <a:prstGeom prst="rect">
             <a:avLst/>
@@ -15895,68 +15934,101 @@
           </a:bodyPr>
           <a:lstStyle/>
           <a:p>
-            <a:r>
-              <a:rPr lang="en-US" sz="1100" dirty="0" smtClean="0"/>
-              <a:t>SIGNUM FRAMEWORK 3.0 </a:t>
-            </a:r>
-          </a:p>
-          <a:p>
-            <a:pPr marL="285750" indent="-285750">
+            <a:pPr marL="169863" indent="-169863">
               <a:buFont typeface="Arial" panose="020B0604020202020204" pitchFamily="34" charset="0"/>
               <a:buChar char="•"/>
             </a:pPr>
             <a:r>
-              <a:rPr lang="en-US" sz="1100" dirty="0" err="1" smtClean="0"/>
-              <a:t>ASP.Net</a:t>
-            </a:r>
-            <a:r>
-              <a:rPr lang="en-US" sz="1100" dirty="0" smtClean="0"/>
-              <a:t> MVC 3</a:t>
-            </a:r>
-          </a:p>
-          <a:p>
-            <a:pPr marL="285750" indent="-285750">
+              <a:rPr lang="en-US" sz="1100" dirty="0" err="1"/>
+              <a:t>.Net</a:t>
+            </a:r>
+            <a:r>
+              <a:rPr lang="en-US" sz="1100" dirty="0"/>
+              <a:t> Framework 4.5</a:t>
+            </a:r>
+          </a:p>
+          <a:p>
+            <a:pPr marL="169863" indent="-169863">
               <a:buFont typeface="Arial" panose="020B0604020202020204" pitchFamily="34" charset="0"/>
               <a:buChar char="•"/>
             </a:pPr>
             <a:r>
-              <a:rPr lang="en-US" sz="1100" dirty="0" smtClean="0"/>
-              <a:t>Operations</a:t>
-            </a:r>
-          </a:p>
-          <a:p>
-            <a:pPr marL="285750" indent="-285750">
+              <a:rPr lang="en-US" sz="1100" dirty="0" err="1"/>
+              <a:t>ASP.Net</a:t>
+            </a:r>
+            <a:r>
+              <a:rPr lang="en-US" sz="1100" dirty="0"/>
+              <a:t> MVC 5</a:t>
+            </a:r>
+          </a:p>
+          <a:p>
+            <a:pPr marL="169863" indent="-169863">
               <a:buFont typeface="Arial" panose="020B0604020202020204" pitchFamily="34" charset="0"/>
               <a:buChar char="•"/>
             </a:pPr>
             <a:r>
-              <a:rPr lang="en-US" sz="1100" dirty="0" err="1" smtClean="0"/>
-              <a:t>UnsafeDelete</a:t>
-            </a:r>
-            <a:endParaRPr lang="en-US" sz="1100" dirty="0" smtClean="0"/>
-          </a:p>
-          <a:p>
-            <a:pPr marL="285750" indent="-285750">
+              <a:rPr lang="en-US" sz="1100" b="1" dirty="0" err="1"/>
+              <a:t>TypeScript</a:t>
+            </a:r>
+            <a:endParaRPr lang="en-US" sz="1100" b="1" dirty="0"/>
+          </a:p>
+          <a:p>
+            <a:pPr marL="169863" indent="-169863">
               <a:buFont typeface="Arial" panose="020B0604020202020204" pitchFamily="34" charset="0"/>
               <a:buChar char="•"/>
             </a:pPr>
             <a:r>
-              <a:rPr lang="en-US" sz="1100" dirty="0" smtClean="0"/>
-              <a:t>Collections in Search Control</a:t>
+              <a:rPr lang="en-US" sz="1100" dirty="0"/>
+              <a:t>Bootstrap</a:t>
+            </a:r>
+          </a:p>
+          <a:p>
+            <a:pPr marL="169863" indent="-169863">
+              <a:buFont typeface="Arial" panose="020B0604020202020204" pitchFamily="34" charset="0"/>
+              <a:buChar char="•"/>
+            </a:pPr>
+            <a:r>
+              <a:rPr lang="en-US" sz="1100" dirty="0"/>
+              <a:t>Symbols</a:t>
+            </a:r>
+          </a:p>
+          <a:p>
+            <a:pPr marL="169863" indent="-169863">
+              <a:buFont typeface="Arial" panose="020B0604020202020204" pitchFamily="34" charset="0"/>
+              <a:buChar char="•"/>
+            </a:pPr>
+            <a:r>
+              <a:rPr lang="en-US" sz="1100" dirty="0" err="1"/>
+              <a:t>Mixins</a:t>
+            </a:r>
+            <a:endParaRPr lang="en-US" sz="1100" dirty="0"/>
+          </a:p>
+          <a:p>
+            <a:pPr marL="169863" indent="-169863">
+              <a:buFont typeface="Arial" panose="020B0604020202020204" pitchFamily="34" charset="0"/>
+              <a:buChar char="•"/>
+            </a:pPr>
+            <a:r>
+              <a:rPr lang="en-US" sz="1100" dirty="0" err="1"/>
+              <a:t>UnsafeInsert</a:t>
+            </a:r>
+            <a:r>
+              <a:rPr lang="en-US" sz="1100" dirty="0"/>
+              <a:t>/Update</a:t>
             </a:r>
           </a:p>
         </p:txBody>
       </p:sp>
       <p:sp>
         <p:nvSpPr>
-          <p:cNvPr id="15" name="TextBox 14"/>
+          <p:cNvPr id="13" name="TextBox 12"/>
           <p:cNvSpPr txBox="1"/>
           <p:nvPr/>
         </p:nvSpPr>
         <p:spPr>
           <a:xfrm>
-            <a:off x="8773979" y="324493"/>
-            <a:ext cx="1695865" cy="1615827"/>
+            <a:off x="2749457" y="5310581"/>
+            <a:ext cx="1390511" cy="600164"/>
           </a:xfrm>
           <a:prstGeom prst="rect">
             <a:avLst/>
@@ -15983,115 +16055,47 @@
           </a:bodyPr>
           <a:lstStyle/>
           <a:p>
-            <a:r>
-              <a:rPr lang="en-US" sz="1100" dirty="0" smtClean="0"/>
-              <a:t>SIGNUM FRAMEWORK 4.0 </a:t>
-            </a:r>
-          </a:p>
-          <a:p>
-            <a:pPr marL="285750" indent="-285750">
+            <a:pPr marL="169863" indent="-169863">
               <a:buFont typeface="Arial" panose="020B0604020202020204" pitchFamily="34" charset="0"/>
               <a:buChar char="•"/>
             </a:pPr>
             <a:r>
-              <a:rPr lang="en-US" sz="1100" dirty="0" err="1" smtClean="0"/>
-              <a:t>.Net</a:t>
-            </a:r>
-            <a:r>
-              <a:rPr lang="en-US" sz="1100" dirty="0" smtClean="0"/>
-              <a:t> Framework 4.5</a:t>
-            </a:r>
-          </a:p>
-          <a:p>
-            <a:pPr marL="285750" indent="-285750">
+              <a:rPr lang="en-US" sz="1100" dirty="0"/>
+              <a:t>Authorization</a:t>
+            </a:r>
+          </a:p>
+          <a:p>
+            <a:pPr marL="169863" indent="-169863">
               <a:buFont typeface="Arial" panose="020B0604020202020204" pitchFamily="34" charset="0"/>
               <a:buChar char="•"/>
             </a:pPr>
             <a:r>
-              <a:rPr lang="en-US" sz="1100" dirty="0" err="1" smtClean="0"/>
-              <a:t>ASP.Net</a:t>
-            </a:r>
-            <a:r>
-              <a:rPr lang="en-US" sz="1100" dirty="0" smtClean="0"/>
-              <a:t> MVC 5</a:t>
-            </a:r>
-          </a:p>
-          <a:p>
-            <a:pPr marL="285750" indent="-285750">
+              <a:rPr lang="en-US" sz="1100" dirty="0"/>
+              <a:t>Operations</a:t>
+            </a:r>
+          </a:p>
+          <a:p>
+            <a:pPr marL="169863" indent="-169863">
               <a:buFont typeface="Arial" panose="020B0604020202020204" pitchFamily="34" charset="0"/>
               <a:buChar char="•"/>
             </a:pPr>
             <a:r>
-              <a:rPr lang="en-US" sz="1100" dirty="0" err="1" smtClean="0"/>
-              <a:t>TypeScript</a:t>
-            </a:r>
-            <a:endParaRPr lang="en-US" sz="1100" dirty="0"/>
-          </a:p>
-          <a:p>
-            <a:pPr marL="285750" indent="-285750">
-              <a:buFont typeface="Arial" panose="020B0604020202020204" pitchFamily="34" charset="0"/>
-              <a:buChar char="•"/>
-            </a:pPr>
-            <a:r>
-              <a:rPr lang="en-US" sz="1100" dirty="0" smtClean="0"/>
-              <a:t>Bootstrap</a:t>
-            </a:r>
-          </a:p>
-          <a:p>
-            <a:pPr marL="285750" indent="-285750">
-              <a:buFont typeface="Arial" panose="020B0604020202020204" pitchFamily="34" charset="0"/>
-              <a:buChar char="•"/>
-            </a:pPr>
-            <a:r>
-              <a:rPr lang="en-US" sz="1100" dirty="0" smtClean="0"/>
-              <a:t>Symbols</a:t>
-            </a:r>
-          </a:p>
-          <a:p>
-            <a:pPr marL="285750" indent="-285750">
-              <a:buFont typeface="Arial" panose="020B0604020202020204" pitchFamily="34" charset="0"/>
-              <a:buChar char="•"/>
-            </a:pPr>
-            <a:r>
-              <a:rPr lang="en-US" sz="1100" dirty="0" err="1" smtClean="0"/>
-              <a:t>Mixins</a:t>
-            </a:r>
-            <a:endParaRPr lang="en-US" sz="1100" dirty="0" smtClean="0"/>
-          </a:p>
-          <a:p>
-            <a:pPr marL="285750" indent="-285750">
-              <a:buFont typeface="Arial" panose="020B0604020202020204" pitchFamily="34" charset="0"/>
-              <a:buChar char="•"/>
-            </a:pPr>
-            <a:r>
-              <a:rPr lang="en-US" sz="1100" dirty="0" err="1" smtClean="0"/>
-              <a:t>UnsafeInsert</a:t>
-            </a:r>
-            <a:endParaRPr lang="en-US" sz="1100" dirty="0" smtClean="0"/>
-          </a:p>
-          <a:p>
-            <a:pPr marL="285750" indent="-285750">
-              <a:buFont typeface="Arial" panose="020B0604020202020204" pitchFamily="34" charset="0"/>
-              <a:buChar char="•"/>
-            </a:pPr>
-            <a:r>
-              <a:rPr lang="en-US" sz="1100" dirty="0" err="1" smtClean="0"/>
-              <a:t>UnsafeUpdate</a:t>
-            </a:r>
-            <a:endParaRPr lang="en-US" sz="1100" dirty="0"/>
+              <a:rPr lang="en-US" sz="1100" dirty="0"/>
+              <a:t>Excel reports</a:t>
+            </a:r>
           </a:p>
         </p:txBody>
       </p:sp>
       <p:sp>
         <p:nvSpPr>
-          <p:cNvPr id="13" name="TextBox 12"/>
+          <p:cNvPr id="16" name="TextBox 15"/>
           <p:cNvSpPr txBox="1"/>
           <p:nvPr/>
         </p:nvSpPr>
         <p:spPr>
           <a:xfrm>
-            <a:off x="3376986" y="5292118"/>
-            <a:ext cx="1540750" cy="646331"/>
+            <a:off x="4139968" y="5295959"/>
+            <a:ext cx="1298775" cy="769441"/>
           </a:xfrm>
           <a:prstGeom prst="rect">
             <a:avLst/>
@@ -16118,48 +16122,61 @@
           </a:bodyPr>
           <a:lstStyle/>
           <a:p>
-            <a:pPr marL="285750" indent="-285750">
+            <a:pPr marL="169863" indent="-169863">
               <a:buFont typeface="Arial" panose="020B0604020202020204" pitchFamily="34" charset="0"/>
               <a:buChar char="•"/>
             </a:pPr>
             <a:r>
-              <a:rPr lang="en-US" sz="1200" dirty="0" smtClean="0"/>
-              <a:t>Authorization</a:t>
-            </a:r>
-          </a:p>
-          <a:p>
-            <a:pPr marL="285750" indent="-285750">
+              <a:rPr lang="en-US" sz="1100" dirty="0"/>
+              <a:t>Files</a:t>
+            </a:r>
+          </a:p>
+          <a:p>
+            <a:pPr marL="169863" indent="-169863">
               <a:buFont typeface="Arial" panose="020B0604020202020204" pitchFamily="34" charset="0"/>
               <a:buChar char="•"/>
             </a:pPr>
             <a:r>
-              <a:rPr lang="en-US" sz="1200" dirty="0" smtClean="0"/>
-              <a:t>Operations</a:t>
-            </a:r>
-          </a:p>
-          <a:p>
-            <a:pPr marL="285750" indent="-285750">
+              <a:rPr lang="en-US" sz="1100" dirty="0"/>
+              <a:t>Processes</a:t>
+            </a:r>
+          </a:p>
+          <a:p>
+            <a:pPr marL="169863" indent="-169863">
               <a:buFont typeface="Arial" panose="020B0604020202020204" pitchFamily="34" charset="0"/>
               <a:buChar char="•"/>
             </a:pPr>
             <a:r>
-              <a:rPr lang="en-US" sz="1200" dirty="0" smtClean="0"/>
-              <a:t>Excel reports</a:t>
-            </a:r>
-            <a:endParaRPr lang="en-US" sz="1200" dirty="0"/>
+              <a:rPr lang="en-US" sz="1100" dirty="0"/>
+              <a:t>Scheduler</a:t>
+            </a:r>
+          </a:p>
+          <a:p>
+            <a:pPr marL="169863" indent="-169863">
+              <a:buFont typeface="Arial" panose="020B0604020202020204" pitchFamily="34" charset="0"/>
+              <a:buChar char="•"/>
+            </a:pPr>
+            <a:r>
+              <a:rPr lang="en-US" sz="1100" dirty="0" err="1"/>
+              <a:t>Auth</a:t>
+            </a:r>
+            <a:r>
+              <a:rPr lang="en-US" sz="1100" dirty="0"/>
+              <a:t> 2.0</a:t>
+            </a:r>
           </a:p>
         </p:txBody>
       </p:sp>
       <p:sp>
         <p:nvSpPr>
-          <p:cNvPr id="16" name="TextBox 15"/>
+          <p:cNvPr id="17" name="TextBox 16"/>
           <p:cNvSpPr txBox="1"/>
           <p:nvPr/>
         </p:nvSpPr>
         <p:spPr>
           <a:xfrm>
-            <a:off x="4917736" y="5278737"/>
-            <a:ext cx="1446084" cy="830997"/>
+            <a:off x="5445519" y="5299434"/>
+            <a:ext cx="1298775" cy="769441"/>
           </a:xfrm>
           <a:prstGeom prst="rect">
             <a:avLst/>
@@ -16186,61 +16203,57 @@
           </a:bodyPr>
           <a:lstStyle/>
           <a:p>
-            <a:pPr marL="285750" indent="-285750">
+            <a:pPr marL="169863" indent="-169863">
               <a:buFont typeface="Arial" panose="020B0604020202020204" pitchFamily="34" charset="0"/>
               <a:buChar char="•"/>
             </a:pPr>
             <a:r>
-              <a:rPr lang="en-US" sz="1200" dirty="0" smtClean="0"/>
-              <a:t>Files</a:t>
-            </a:r>
-          </a:p>
-          <a:p>
-            <a:pPr marL="285750" indent="-285750">
+              <a:rPr lang="en-US" sz="1100" dirty="0"/>
+              <a:t>User Queries</a:t>
+            </a:r>
+          </a:p>
+          <a:p>
+            <a:pPr marL="169863" indent="-169863">
               <a:buFont typeface="Arial" panose="020B0604020202020204" pitchFamily="34" charset="0"/>
               <a:buChar char="•"/>
             </a:pPr>
             <a:r>
-              <a:rPr lang="en-US" sz="1200" dirty="0" smtClean="0"/>
-              <a:t>Processes</a:t>
-            </a:r>
-          </a:p>
-          <a:p>
-            <a:pPr marL="285750" indent="-285750">
+              <a:rPr lang="en-US" sz="1100" dirty="0"/>
+              <a:t>User Charts</a:t>
+            </a:r>
+          </a:p>
+          <a:p>
+            <a:pPr marL="169863" indent="-169863">
               <a:buFont typeface="Arial" panose="020B0604020202020204" pitchFamily="34" charset="0"/>
               <a:buChar char="•"/>
             </a:pPr>
             <a:r>
-              <a:rPr lang="en-US" sz="1200" dirty="0" smtClean="0"/>
-              <a:t>Scheduler</a:t>
-            </a:r>
-          </a:p>
-          <a:p>
-            <a:pPr marL="285750" indent="-285750">
+              <a:rPr lang="en-US" sz="1100" dirty="0"/>
+              <a:t>Dashboards</a:t>
+            </a:r>
+          </a:p>
+          <a:p>
+            <a:pPr marL="169863" indent="-169863">
               <a:buFont typeface="Arial" panose="020B0604020202020204" pitchFamily="34" charset="0"/>
               <a:buChar char="•"/>
             </a:pPr>
             <a:r>
-              <a:rPr lang="en-US" sz="1200" dirty="0" err="1" smtClean="0"/>
-              <a:t>Auth</a:t>
-            </a:r>
-            <a:r>
-              <a:rPr lang="en-US" sz="1200" dirty="0" smtClean="0"/>
-              <a:t> 2.0</a:t>
+              <a:rPr lang="en-US" sz="1100" dirty="0"/>
+              <a:t>Mailing</a:t>
             </a:r>
           </a:p>
         </p:txBody>
       </p:sp>
       <p:sp>
         <p:nvSpPr>
-          <p:cNvPr id="17" name="TextBox 16"/>
+          <p:cNvPr id="18" name="TextBox 17"/>
           <p:cNvSpPr txBox="1"/>
           <p:nvPr/>
         </p:nvSpPr>
         <p:spPr>
           <a:xfrm>
-            <a:off x="6366750" y="5277496"/>
-            <a:ext cx="1540750" cy="830997"/>
+            <a:off x="6738690" y="5301616"/>
+            <a:ext cx="1216262" cy="938719"/>
           </a:xfrm>
           <a:prstGeom prst="rect">
             <a:avLst/>
@@ -16267,57 +16280,67 @@
           </a:bodyPr>
           <a:lstStyle/>
           <a:p>
-            <a:pPr marL="285750" indent="-285750">
+            <a:pPr marL="169863" indent="-169863">
               <a:buFont typeface="Arial" panose="020B0604020202020204" pitchFamily="34" charset="0"/>
               <a:buChar char="•"/>
             </a:pPr>
             <a:r>
-              <a:rPr lang="en-US" sz="1200" dirty="0" smtClean="0"/>
-              <a:t>User Queries</a:t>
-            </a:r>
-          </a:p>
-          <a:p>
-            <a:pPr marL="285750" indent="-285750">
+              <a:rPr lang="en-US" sz="1100" dirty="0"/>
+              <a:t>Cache</a:t>
+            </a:r>
+          </a:p>
+          <a:p>
+            <a:pPr marL="169863" indent="-169863">
               <a:buFont typeface="Arial" panose="020B0604020202020204" pitchFamily="34" charset="0"/>
               <a:buChar char="•"/>
             </a:pPr>
             <a:r>
-              <a:rPr lang="en-US" sz="1200" dirty="0" smtClean="0"/>
-              <a:t>User Charts</a:t>
-            </a:r>
-          </a:p>
-          <a:p>
-            <a:pPr marL="285750" indent="-285750">
+              <a:rPr lang="en-US" sz="1100" dirty="0"/>
+              <a:t>Profiler</a:t>
+            </a:r>
+          </a:p>
+          <a:p>
+            <a:pPr marL="169863" indent="-169863">
               <a:buFont typeface="Arial" panose="020B0604020202020204" pitchFamily="34" charset="0"/>
               <a:buChar char="•"/>
             </a:pPr>
             <a:r>
-              <a:rPr lang="en-US" sz="1200" dirty="0" smtClean="0"/>
-              <a:t>Dashboards</a:t>
-            </a:r>
-          </a:p>
-          <a:p>
-            <a:pPr marL="285750" indent="-285750">
+              <a:rPr lang="en-US" sz="1100" dirty="0"/>
+              <a:t>SMS</a:t>
+            </a:r>
+          </a:p>
+          <a:p>
+            <a:pPr marL="169863" indent="-169863">
               <a:buFont typeface="Arial" panose="020B0604020202020204" pitchFamily="34" charset="0"/>
               <a:buChar char="•"/>
             </a:pPr>
             <a:r>
-              <a:rPr lang="en-US" sz="1200" dirty="0" smtClean="0"/>
-              <a:t>Mailing</a:t>
+              <a:rPr lang="en-US" sz="1100" dirty="0"/>
+              <a:t>Disconnected</a:t>
+            </a:r>
+          </a:p>
+          <a:p>
+            <a:pPr marL="169863" indent="-169863">
+              <a:buFont typeface="Arial" panose="020B0604020202020204" pitchFamily="34" charset="0"/>
+              <a:buChar char="•"/>
+            </a:pPr>
+            <a:r>
+              <a:rPr lang="en-US" sz="1100" dirty="0"/>
+              <a:t>Charts 2.0</a:t>
             </a:r>
           </a:p>
         </p:txBody>
       </p:sp>
       <p:sp>
         <p:nvSpPr>
-          <p:cNvPr id="18" name="TextBox 17"/>
+          <p:cNvPr id="20" name="TextBox 19"/>
           <p:cNvSpPr txBox="1"/>
           <p:nvPr/>
         </p:nvSpPr>
         <p:spPr>
           <a:xfrm>
-            <a:off x="7912095" y="5277496"/>
-            <a:ext cx="1462830" cy="1015663"/>
+            <a:off x="7954952" y="5301616"/>
+            <a:ext cx="1216262" cy="938719"/>
           </a:xfrm>
           <a:prstGeom prst="rect">
             <a:avLst/>
@@ -16344,67 +16367,174 @@
           </a:bodyPr>
           <a:lstStyle/>
           <a:p>
-            <a:pPr marL="285750" indent="-285750">
+            <a:pPr marL="169863" indent="-169863">
               <a:buFont typeface="Arial" panose="020B0604020202020204" pitchFamily="34" charset="0"/>
               <a:buChar char="•"/>
             </a:pPr>
             <a:r>
-              <a:rPr lang="en-US" sz="1200" dirty="0" smtClean="0"/>
-              <a:t>Cache</a:t>
-            </a:r>
-          </a:p>
-          <a:p>
-            <a:pPr marL="285750" indent="-285750">
+              <a:rPr lang="en-US" sz="1100" dirty="0" err="1"/>
+              <a:t>Omnibox</a:t>
+            </a:r>
+            <a:endParaRPr lang="en-US" sz="1100" dirty="0"/>
+          </a:p>
+          <a:p>
+            <a:pPr marL="169863" indent="-169863">
               <a:buFont typeface="Arial" panose="020B0604020202020204" pitchFamily="34" charset="0"/>
               <a:buChar char="•"/>
             </a:pPr>
             <a:r>
-              <a:rPr lang="en-US" sz="1200" dirty="0" smtClean="0"/>
-              <a:t>Profiler</a:t>
-            </a:r>
-          </a:p>
-          <a:p>
-            <a:pPr marL="285750" indent="-285750">
+              <a:rPr lang="en-US" sz="1100" dirty="0"/>
+              <a:t>Translation</a:t>
+            </a:r>
+          </a:p>
+          <a:p>
+            <a:pPr marL="169863" indent="-169863">
               <a:buFont typeface="Arial" panose="020B0604020202020204" pitchFamily="34" charset="0"/>
               <a:buChar char="•"/>
             </a:pPr>
             <a:r>
-              <a:rPr lang="en-US" sz="1200" dirty="0" smtClean="0"/>
-              <a:t>SMS</a:t>
-            </a:r>
-          </a:p>
-          <a:p>
-            <a:pPr marL="285750" indent="-285750">
+              <a:rPr lang="en-US" sz="1100" dirty="0"/>
+              <a:t>Isolation</a:t>
+            </a:r>
+          </a:p>
+          <a:p>
+            <a:pPr marL="169863" indent="-169863">
               <a:buFont typeface="Arial" panose="020B0604020202020204" pitchFamily="34" charset="0"/>
               <a:buChar char="•"/>
             </a:pPr>
             <a:r>
-              <a:rPr lang="en-US" sz="1200" dirty="0" smtClean="0"/>
-              <a:t>Disconnected</a:t>
-            </a:r>
-          </a:p>
-          <a:p>
-            <a:pPr marL="285750" indent="-285750">
+              <a:rPr lang="en-US" sz="1100" dirty="0"/>
+              <a:t>UI Testing</a:t>
+            </a:r>
+          </a:p>
+          <a:p>
+            <a:pPr marL="169863" indent="-169863">
               <a:buFont typeface="Arial" panose="020B0604020202020204" pitchFamily="34" charset="0"/>
               <a:buChar char="•"/>
             </a:pPr>
             <a:r>
-              <a:rPr lang="en-US" sz="1200" dirty="0" smtClean="0"/>
-              <a:t>Charts 2.0</a:t>
+              <a:rPr lang="en-US" sz="1100" dirty="0"/>
+              <a:t>Diffs</a:t>
             </a:r>
           </a:p>
         </p:txBody>
       </p:sp>
       <p:sp>
         <p:nvSpPr>
-          <p:cNvPr id="20" name="TextBox 19"/>
+          <p:cNvPr id="21" name="TextBox 20"/>
           <p:cNvSpPr txBox="1"/>
           <p:nvPr/>
         </p:nvSpPr>
         <p:spPr>
           <a:xfrm>
-            <a:off x="9374927" y="5277496"/>
-            <a:ext cx="1216262" cy="1015663"/>
+            <a:off x="8928388" y="486183"/>
+            <a:ext cx="1621251" cy="1446550"/>
+          </a:xfrm>
+          <a:prstGeom prst="rect">
+            <a:avLst/>
+          </a:prstGeom>
+          <a:ln w="19050"/>
+        </p:spPr>
+        <p:style>
+          <a:lnRef idx="2">
+            <a:schemeClr val="accent6"/>
+          </a:lnRef>
+          <a:fillRef idx="1">
+            <a:schemeClr val="lt1"/>
+          </a:fillRef>
+          <a:effectRef idx="0">
+            <a:schemeClr val="accent6"/>
+          </a:effectRef>
+          <a:fontRef idx="minor">
+            <a:schemeClr val="dk1"/>
+          </a:fontRef>
+        </p:style>
+        <p:txBody>
+          <a:bodyPr wrap="square" rtlCol="0">
+            <a:spAutoFit/>
+          </a:bodyPr>
+          <a:lstStyle>
+            <a:defPPr>
+              <a:defRPr lang="en-US"/>
+            </a:defPPr>
+            <a:lvl1pPr marL="285750" indent="-285750">
+              <a:buFont typeface="Arial" panose="020B0604020202020204" pitchFamily="34" charset="0"/>
+              <a:buChar char="•"/>
+              <a:defRPr sz="1100"/>
+            </a:lvl1pPr>
+          </a:lstStyle>
+          <a:p>
+            <a:pPr marL="169863" indent="-169863"/>
+            <a:r>
+              <a:rPr lang="en-US" dirty="0" err="1"/>
+              <a:t>.Net</a:t>
+            </a:r>
+            <a:r>
+              <a:rPr lang="en-US" dirty="0"/>
+              <a:t> Framework 4.6</a:t>
+            </a:r>
+          </a:p>
+          <a:p>
+            <a:pPr marL="169863" indent="-169863"/>
+            <a:r>
+              <a:rPr lang="en-US" b="1" dirty="0"/>
+              <a:t>React</a:t>
+            </a:r>
+          </a:p>
+          <a:p>
+            <a:pPr marL="169863" indent="-169863"/>
+            <a:r>
+              <a:rPr lang="en-US" dirty="0" err="1"/>
+              <a:t>Signum.TSGenerator</a:t>
+            </a:r>
+            <a:endParaRPr lang="en-US" dirty="0"/>
+          </a:p>
+          <a:p>
+            <a:pPr marL="169863" indent="-169863"/>
+            <a:r>
+              <a:rPr lang="en-US" dirty="0" err="1"/>
+              <a:t>Web.API</a:t>
+            </a:r>
+            <a:endParaRPr lang="en-US" dirty="0"/>
+          </a:p>
+          <a:p>
+            <a:pPr marL="169863" indent="-169863"/>
+            <a:r>
+              <a:rPr lang="en-US" dirty="0"/>
+              <a:t>Typescript No-</a:t>
+            </a:r>
+            <a:r>
+              <a:rPr lang="en-US" dirty="0" err="1"/>
+              <a:t>nullable</a:t>
+            </a:r>
+            <a:endParaRPr lang="en-US" dirty="0"/>
+          </a:p>
+          <a:p>
+            <a:pPr marL="169863" indent="-169863"/>
+            <a:r>
+              <a:rPr lang="en-US" dirty="0"/>
+              <a:t>React Bootstrap</a:t>
+            </a:r>
+          </a:p>
+          <a:p>
+            <a:pPr marL="169863" indent="-169863"/>
+            <a:r>
+              <a:rPr lang="en-US" dirty="0"/>
+              <a:t>Bootstrap 4</a:t>
+            </a:r>
+          </a:p>
+        </p:txBody>
+      </p:sp>
+      <p:sp>
+        <p:nvSpPr>
+          <p:cNvPr id="22" name="TextBox 21"/>
+          <p:cNvSpPr txBox="1"/>
+          <p:nvPr/>
+        </p:nvSpPr>
+        <p:spPr>
+          <a:xfrm>
+            <a:off x="9165610" y="5292651"/>
+            <a:ext cx="1384029" cy="938719"/>
           </a:xfrm>
           <a:prstGeom prst="rect">
             <a:avLst/>
@@ -16431,61 +16561,68 @@
           </a:bodyPr>
           <a:lstStyle/>
           <a:p>
-            <a:pPr marL="285750" indent="-285750">
+            <a:pPr marL="169863" indent="-169863">
               <a:buFont typeface="Arial" panose="020B0604020202020204" pitchFamily="34" charset="0"/>
               <a:buChar char="•"/>
             </a:pPr>
             <a:r>
-              <a:rPr lang="en-US" sz="1200" dirty="0" err="1" smtClean="0"/>
-              <a:t>Omnibox</a:t>
-            </a:r>
-            <a:endParaRPr lang="en-US" sz="1200" dirty="0" smtClean="0"/>
-          </a:p>
-          <a:p>
-            <a:pPr marL="285750" indent="-285750">
+              <a:rPr lang="en-US" sz="1100" dirty="0"/>
+              <a:t>Migrations</a:t>
+            </a:r>
+          </a:p>
+          <a:p>
+            <a:pPr marL="169863" indent="-169863">
               <a:buFont typeface="Arial" panose="020B0604020202020204" pitchFamily="34" charset="0"/>
               <a:buChar char="•"/>
             </a:pPr>
             <a:r>
-              <a:rPr lang="en-US" sz="1200" dirty="0" smtClean="0"/>
-              <a:t>Translation</a:t>
-            </a:r>
-          </a:p>
-          <a:p>
-            <a:pPr marL="285750" indent="-285750">
+              <a:rPr lang="en-US" sz="1100" dirty="0" err="1"/>
+              <a:t>WordTemplates</a:t>
+            </a:r>
+            <a:endParaRPr lang="en-US" sz="1100" dirty="0"/>
+          </a:p>
+          <a:p>
+            <a:pPr marL="169863" indent="-169863">
               <a:buFont typeface="Arial" panose="020B0604020202020204" pitchFamily="34" charset="0"/>
               <a:buChar char="•"/>
             </a:pPr>
             <a:r>
-              <a:rPr lang="en-US" sz="1200" dirty="0" smtClean="0"/>
-              <a:t>Isolation</a:t>
-            </a:r>
-          </a:p>
-          <a:p>
-            <a:pPr marL="285750" indent="-285750">
+              <a:rPr lang="en-US" sz="1100" dirty="0"/>
+              <a:t>Dynamic</a:t>
+            </a:r>
+          </a:p>
+          <a:p>
+            <a:pPr marL="169863" indent="-169863">
               <a:buFont typeface="Arial" panose="020B0604020202020204" pitchFamily="34" charset="0"/>
               <a:buChar char="•"/>
             </a:pPr>
             <a:r>
-              <a:rPr lang="en-US" sz="1200" dirty="0" smtClean="0"/>
-              <a:t>UI Testing</a:t>
-            </a:r>
-          </a:p>
-          <a:p>
-            <a:pPr marL="285750" indent="-285750">
+              <a:rPr lang="en-US" sz="1100" dirty="0"/>
+              <a:t>Workflow</a:t>
+            </a:r>
+          </a:p>
+          <a:p>
+            <a:pPr marL="169863" indent="-169863">
               <a:buFont typeface="Arial" panose="020B0604020202020204" pitchFamily="34" charset="0"/>
               <a:buChar char="•"/>
             </a:pPr>
             <a:r>
-              <a:rPr lang="en-US" sz="1200" dirty="0" smtClean="0"/>
-              <a:t>Diffs</a:t>
-            </a:r>
+              <a:rPr lang="en-US" sz="1100" dirty="0" err="1"/>
+              <a:t>RestLog</a:t>
+            </a:r>
+            <a:endParaRPr lang="en-US" sz="1100" dirty="0"/>
           </a:p>
         </p:txBody>
       </p:sp>
       <p:pic>
         <p:nvPicPr>
-          <p:cNvPr id="4" name="Picture 3"/>
+          <p:cNvPr id="8" name="Picture 7">
+            <a:extLst>
+              <a:ext uri="{FF2B5EF4-FFF2-40B4-BE49-F238E27FC236}">
+                <a16:creationId xmlns:a16="http://schemas.microsoft.com/office/drawing/2014/main" id="{F8DCF298-4B2D-433E-9F58-BBEA85B18C15}"/>
+              </a:ext>
+            </a:extLst>
+          </p:cNvPr>
           <p:cNvPicPr>
             <a:picLocks noChangeAspect="1"/>
           </p:cNvPicPr>
@@ -16499,8 +16636,8 @@
         </p:blipFill>
         <p:spPr>
           <a:xfrm>
-            <a:off x="1373623" y="2019835"/>
-            <a:ext cx="10687329" cy="1504288"/>
+            <a:off x="475129" y="1968651"/>
+            <a:ext cx="11587917" cy="1615828"/>
           </a:xfrm>
           <a:prstGeom prst="rect">
             <a:avLst/>
@@ -16509,14 +16646,216 @@
       </p:pic>
       <p:sp>
         <p:nvSpPr>
-          <p:cNvPr id="21" name="TextBox 20"/>
+          <p:cNvPr id="23" name="TextBox 22">
+            <a:extLst>
+              <a:ext uri="{FF2B5EF4-FFF2-40B4-BE49-F238E27FC236}">
+                <a16:creationId xmlns:a16="http://schemas.microsoft.com/office/drawing/2014/main" id="{35464140-8B66-459B-BF2C-909CC86CB391}"/>
+              </a:ext>
+            </a:extLst>
+          </p:cNvPr>
           <p:cNvSpPr txBox="1"/>
           <p:nvPr/>
         </p:nvSpPr>
         <p:spPr>
           <a:xfrm>
-            <a:off x="10469844" y="168210"/>
-            <a:ext cx="1584058" cy="1785104"/>
+            <a:off x="10549639" y="485576"/>
+            <a:ext cx="1532008" cy="1446550"/>
+          </a:xfrm>
+          <a:prstGeom prst="rect">
+            <a:avLst/>
+          </a:prstGeom>
+          <a:ln w="19050"/>
+        </p:spPr>
+        <p:style>
+          <a:lnRef idx="2">
+            <a:schemeClr val="accent6"/>
+          </a:lnRef>
+          <a:fillRef idx="1">
+            <a:schemeClr val="lt1"/>
+          </a:fillRef>
+          <a:effectRef idx="0">
+            <a:schemeClr val="accent6"/>
+          </a:effectRef>
+          <a:fontRef idx="minor">
+            <a:schemeClr val="dk1"/>
+          </a:fontRef>
+        </p:style>
+        <p:txBody>
+          <a:bodyPr wrap="square" rtlCol="0">
+            <a:spAutoFit/>
+          </a:bodyPr>
+          <a:lstStyle>
+            <a:defPPr>
+              <a:defRPr lang="en-US"/>
+            </a:defPPr>
+            <a:lvl1pPr marL="285750" indent="-285750">
+              <a:buFont typeface="Arial" panose="020B0604020202020204" pitchFamily="34" charset="0"/>
+              <a:buChar char="•"/>
+              <a:defRPr sz="1100"/>
+            </a:lvl1pPr>
+          </a:lstStyle>
+          <a:p>
+            <a:pPr marL="169863" indent="-169863"/>
+            <a:r>
+              <a:rPr lang="en-US" dirty="0" err="1"/>
+              <a:t>.Net</a:t>
+            </a:r>
+            <a:r>
+              <a:rPr lang="en-US" dirty="0"/>
+              <a:t> Core 2.2</a:t>
+            </a:r>
+          </a:p>
+          <a:p>
+            <a:pPr marL="169863" indent="-169863"/>
+            <a:r>
+              <a:rPr lang="en-US" dirty="0"/>
+              <a:t>C# 8 Not-Nullable</a:t>
+            </a:r>
+          </a:p>
+          <a:p>
+            <a:pPr marL="169863" indent="-169863"/>
+            <a:r>
+              <a:rPr lang="en-US" dirty="0"/>
+              <a:t>React Hooks</a:t>
+            </a:r>
+          </a:p>
+          <a:p>
+            <a:pPr marL="169863" indent="-169863"/>
+            <a:r>
+              <a:rPr lang="en-US" dirty="0"/>
+              <a:t>Pinned Filters</a:t>
+            </a:r>
+          </a:p>
+          <a:p>
+            <a:pPr marL="169863" indent="-169863"/>
+            <a:r>
+              <a:rPr lang="en-US" dirty="0" err="1"/>
+              <a:t>Signum.Analyzer</a:t>
+            </a:r>
+            <a:endParaRPr lang="en-US" dirty="0"/>
+          </a:p>
+          <a:p>
+            <a:pPr marL="169863" indent="-169863"/>
+            <a:r>
+              <a:rPr lang="en-US" dirty="0" err="1"/>
+              <a:t>Signum.MSBuildTask</a:t>
+            </a:r>
+            <a:endParaRPr lang="en-US" dirty="0"/>
+          </a:p>
+          <a:p>
+            <a:pPr marL="169863" indent="-169863"/>
+            <a:r>
+              <a:rPr lang="en-US" dirty="0" err="1"/>
+              <a:t>AutoExpressionField</a:t>
+            </a:r>
+            <a:endParaRPr lang="en-US" dirty="0"/>
+          </a:p>
+          <a:p>
+            <a:pPr marL="169863" indent="-169863"/>
+            <a:r>
+              <a:rPr lang="en-US" dirty="0"/>
+              <a:t>(</a:t>
+            </a:r>
+            <a:r>
+              <a:rPr lang="en-US" dirty="0" err="1"/>
+              <a:t>.Net</a:t>
+            </a:r>
+            <a:r>
+              <a:rPr lang="en-US" dirty="0"/>
+              <a:t> Core 3.0)</a:t>
+            </a:r>
+          </a:p>
+        </p:txBody>
+      </p:sp>
+      <p:sp>
+        <p:nvSpPr>
+          <p:cNvPr id="9" name="Rectangle 8">
+            <a:extLst>
+              <a:ext uri="{FF2B5EF4-FFF2-40B4-BE49-F238E27FC236}">
+                <a16:creationId xmlns:a16="http://schemas.microsoft.com/office/drawing/2014/main" id="{D9F7B864-A968-4E23-A10C-31B4EDE19BDA}"/>
+              </a:ext>
+            </a:extLst>
+          </p:cNvPr>
+          <p:cNvSpPr/>
+          <p:nvPr/>
+        </p:nvSpPr>
+        <p:spPr>
+          <a:xfrm>
+            <a:off x="4336768" y="3244334"/>
+            <a:ext cx="3518464" cy="369332"/>
+          </a:xfrm>
+          <a:prstGeom prst="rect">
+            <a:avLst/>
+          </a:prstGeom>
+        </p:spPr>
+        <p:txBody>
+          <a:bodyPr wrap="none">
+            <a:spAutoFit/>
+          </a:bodyPr>
+          <a:lstStyle/>
+          <a:p>
+            <a:pPr marL="169863" indent="-169863"/>
+            <a:r>
+              <a:rPr lang="en-US" dirty="0"/>
+              <a:t>Windows / </a:t>
+            </a:r>
+            <a:r>
+              <a:rPr lang="en-US" dirty="0" err="1"/>
+              <a:t>AzureAD</a:t>
+            </a:r>
+            <a:r>
+              <a:rPr lang="en-US" dirty="0"/>
+              <a:t> Authentication</a:t>
+            </a:r>
+          </a:p>
+        </p:txBody>
+      </p:sp>
+      <p:pic>
+        <p:nvPicPr>
+          <p:cNvPr id="11" name="Picture 10">
+            <a:extLst>
+              <a:ext uri="{FF2B5EF4-FFF2-40B4-BE49-F238E27FC236}">
+                <a16:creationId xmlns:a16="http://schemas.microsoft.com/office/drawing/2014/main" id="{3295E094-A8CF-4AF8-ABEA-D9749AC528AA}"/>
+              </a:ext>
+            </a:extLst>
+          </p:cNvPr>
+          <p:cNvPicPr>
+            <a:picLocks noChangeAspect="1"/>
+          </p:cNvPicPr>
+          <p:nvPr/>
+        </p:nvPicPr>
+        <p:blipFill>
+          <a:blip r:embed="rId3"/>
+          <a:stretch>
+            <a:fillRect/>
+          </a:stretch>
+        </p:blipFill>
+        <p:spPr>
+          <a:xfrm>
+            <a:off x="2296524" y="3632305"/>
+            <a:ext cx="9766522" cy="1615828"/>
+          </a:xfrm>
+          <a:prstGeom prst="rect">
+            <a:avLst/>
+          </a:prstGeom>
+        </p:spPr>
+      </p:pic>
+      <p:sp>
+        <p:nvSpPr>
+          <p:cNvPr id="24" name="TextBox 23">
+            <a:extLst>
+              <a:ext uri="{FF2B5EF4-FFF2-40B4-BE49-F238E27FC236}">
+                <a16:creationId xmlns:a16="http://schemas.microsoft.com/office/drawing/2014/main" id="{95261C74-A53F-48F7-9291-B807ABE4B190}"/>
+              </a:ext>
+            </a:extLst>
+          </p:cNvPr>
+          <p:cNvSpPr txBox="1"/>
+          <p:nvPr/>
+        </p:nvSpPr>
+        <p:spPr>
+          <a:xfrm>
+            <a:off x="10549639" y="5292651"/>
+            <a:ext cx="1559687" cy="1107996"/>
           </a:xfrm>
           <a:prstGeom prst="rect">
             <a:avLst/>
@@ -16543,221 +16882,43 @@
           </a:bodyPr>
           <a:lstStyle/>
           <a:p>
-            <a:r>
-              <a:rPr lang="en-US" sz="1100" dirty="0" smtClean="0"/>
-              <a:t>SIGNUM FRAMEWORK 5 </a:t>
-            </a:r>
-          </a:p>
-          <a:p>
-            <a:pPr marL="285750" indent="-285750">
+            <a:pPr marL="169863" indent="-169863">
               <a:buFont typeface="Arial" panose="020B0604020202020204" pitchFamily="34" charset="0"/>
               <a:buChar char="•"/>
             </a:pPr>
             <a:r>
-              <a:rPr lang="en-US" sz="1100" dirty="0" err="1" smtClean="0"/>
-              <a:t>.Net</a:t>
-            </a:r>
-            <a:r>
-              <a:rPr lang="en-US" sz="1100" dirty="0" smtClean="0"/>
-              <a:t> Framework 4.6</a:t>
-            </a:r>
-          </a:p>
-          <a:p>
-            <a:pPr marL="285750" indent="-285750">
+              <a:rPr lang="en-US" sz="1100" dirty="0"/>
+              <a:t>Predictor CNTK</a:t>
+            </a:r>
+          </a:p>
+          <a:p>
+            <a:pPr marL="169863" indent="-169863">
               <a:buFont typeface="Arial" panose="020B0604020202020204" pitchFamily="34" charset="0"/>
               <a:buChar char="•"/>
             </a:pPr>
             <a:r>
-              <a:rPr lang="en-US" sz="1100" dirty="0" smtClean="0"/>
-              <a:t>React</a:t>
-            </a:r>
-          </a:p>
-          <a:p>
-            <a:pPr marL="285750" indent="-285750">
+              <a:rPr lang="en-US" sz="1100" dirty="0"/>
+              <a:t>Animated Charts</a:t>
+            </a:r>
+          </a:p>
+          <a:p>
+            <a:pPr marL="169863" indent="-169863">
               <a:buFont typeface="Arial" panose="020B0604020202020204" pitchFamily="34" charset="0"/>
               <a:buChar char="•"/>
             </a:pPr>
             <a:r>
-              <a:rPr lang="en-US" sz="1100" dirty="0" err="1" smtClean="0"/>
-              <a:t>Web.API</a:t>
-            </a:r>
-            <a:endParaRPr lang="en-US" sz="1100" dirty="0" smtClean="0"/>
-          </a:p>
-          <a:p>
-            <a:pPr marL="285750" indent="-285750">
+              <a:rPr lang="en-US" sz="1100" dirty="0"/>
+              <a:t>Interactive Dashboards</a:t>
+            </a:r>
+          </a:p>
+          <a:p>
+            <a:pPr marL="169863" indent="-169863">
               <a:buFont typeface="Arial" panose="020B0604020202020204" pitchFamily="34" charset="0"/>
               <a:buChar char="•"/>
             </a:pPr>
             <a:r>
-              <a:rPr lang="en-US" sz="1100" dirty="0" smtClean="0"/>
-              <a:t>Typescript No-</a:t>
-            </a:r>
-            <a:r>
-              <a:rPr lang="en-US" sz="1100" dirty="0" err="1" smtClean="0"/>
-              <a:t>nullable</a:t>
-            </a:r>
-            <a:endParaRPr lang="en-US" sz="1100" dirty="0" smtClean="0"/>
-          </a:p>
-          <a:p>
-            <a:pPr marL="285750" indent="-285750">
-              <a:buFont typeface="Arial" panose="020B0604020202020204" pitchFamily="34" charset="0"/>
-              <a:buChar char="•"/>
-            </a:pPr>
-            <a:r>
-              <a:rPr lang="en-US" sz="1100" dirty="0" smtClean="0"/>
-              <a:t>React Bootstrap</a:t>
-            </a:r>
-          </a:p>
-          <a:p>
-            <a:pPr marL="285750" indent="-285750">
-              <a:buFont typeface="Arial" panose="020B0604020202020204" pitchFamily="34" charset="0"/>
-              <a:buChar char="•"/>
-            </a:pPr>
-            <a:r>
-              <a:rPr lang="en-US" sz="1100" dirty="0" smtClean="0"/>
-              <a:t>(Bootstrap 4)</a:t>
-            </a:r>
-          </a:p>
-          <a:p>
-            <a:pPr marL="285750" indent="-285750">
-              <a:buFont typeface="Arial" panose="020B0604020202020204" pitchFamily="34" charset="0"/>
-              <a:buChar char="•"/>
-            </a:pPr>
-            <a:r>
-              <a:rPr lang="en-US" sz="1100" dirty="0" smtClean="0"/>
-              <a:t>(</a:t>
-            </a:r>
-            <a:r>
-              <a:rPr lang="en-US" sz="1100" dirty="0" err="1" smtClean="0"/>
-              <a:t>.Net</a:t>
-            </a:r>
-            <a:r>
-              <a:rPr lang="en-US" sz="1100" dirty="0" smtClean="0"/>
-              <a:t> Core)</a:t>
-            </a:r>
-            <a:endParaRPr lang="en-US" sz="1100" dirty="0"/>
-          </a:p>
-        </p:txBody>
-      </p:sp>
-      <p:pic>
-        <p:nvPicPr>
-          <p:cNvPr id="5" name="Picture 4"/>
-          <p:cNvPicPr>
-            <a:picLocks noChangeAspect="1"/>
-          </p:cNvPicPr>
-          <p:nvPr/>
-        </p:nvPicPr>
-        <p:blipFill>
-          <a:blip r:embed="rId3"/>
-          <a:stretch>
-            <a:fillRect/>
-          </a:stretch>
-        </p:blipFill>
-        <p:spPr>
-          <a:xfrm>
-            <a:off x="3209442" y="3618283"/>
-            <a:ext cx="8844743" cy="1550431"/>
-          </a:xfrm>
-          <a:prstGeom prst="rect">
-            <a:avLst/>
-          </a:prstGeom>
-        </p:spPr>
-      </p:pic>
-      <p:sp>
-        <p:nvSpPr>
-          <p:cNvPr id="22" name="TextBox 21"/>
-          <p:cNvSpPr txBox="1"/>
-          <p:nvPr/>
-        </p:nvSpPr>
-        <p:spPr>
-          <a:xfrm>
-            <a:off x="10591188" y="5277496"/>
-            <a:ext cx="1471858" cy="1200329"/>
-          </a:xfrm>
-          <a:prstGeom prst="rect">
-            <a:avLst/>
-          </a:prstGeom>
-          <a:ln w="19050"/>
-        </p:spPr>
-        <p:style>
-          <a:lnRef idx="2">
-            <a:schemeClr val="accent6"/>
-          </a:lnRef>
-          <a:fillRef idx="1">
-            <a:schemeClr val="lt1"/>
-          </a:fillRef>
-          <a:effectRef idx="0">
-            <a:schemeClr val="accent6"/>
-          </a:effectRef>
-          <a:fontRef idx="minor">
-            <a:schemeClr val="dk1"/>
-          </a:fontRef>
-        </p:style>
-        <p:txBody>
-          <a:bodyPr wrap="square" rtlCol="0">
-            <a:spAutoFit/>
-          </a:bodyPr>
-          <a:lstStyle/>
-          <a:p>
-            <a:pPr marL="285750" indent="-285750">
-              <a:buFont typeface="Arial" panose="020B0604020202020204" pitchFamily="34" charset="0"/>
-              <a:buChar char="•"/>
-            </a:pPr>
-            <a:r>
-              <a:rPr lang="en-US" sz="1200" dirty="0" smtClean="0"/>
-              <a:t>Migrations</a:t>
-            </a:r>
-          </a:p>
-          <a:p>
-            <a:pPr marL="285750" indent="-285750">
-              <a:buFont typeface="Arial" panose="020B0604020202020204" pitchFamily="34" charset="0"/>
-              <a:buChar char="•"/>
-            </a:pPr>
-            <a:r>
-              <a:rPr lang="en-US" sz="1200" dirty="0" err="1" smtClean="0"/>
-              <a:t>WordTemplates</a:t>
-            </a:r>
-            <a:endParaRPr lang="en-US" sz="1200" dirty="0" smtClean="0"/>
-          </a:p>
-          <a:p>
-            <a:pPr marL="285750" indent="-285750">
-              <a:buFont typeface="Arial" panose="020B0604020202020204" pitchFamily="34" charset="0"/>
-              <a:buChar char="•"/>
-            </a:pPr>
-            <a:r>
-              <a:rPr lang="en-US" sz="1200" dirty="0" smtClean="0"/>
-              <a:t>Dynamic</a:t>
-            </a:r>
-          </a:p>
-          <a:p>
-            <a:pPr marL="285750" indent="-285750">
-              <a:buFont typeface="Arial" panose="020B0604020202020204" pitchFamily="34" charset="0"/>
-              <a:buChar char="•"/>
-            </a:pPr>
-            <a:r>
-              <a:rPr lang="en-US" sz="1200" dirty="0" smtClean="0"/>
-              <a:t>Workflow</a:t>
-            </a:r>
-          </a:p>
-          <a:p>
-            <a:pPr marL="285750" indent="-285750">
-              <a:buFont typeface="Arial" panose="020B0604020202020204" pitchFamily="34" charset="0"/>
-              <a:buChar char="•"/>
-            </a:pPr>
-            <a:r>
-              <a:rPr lang="en-US" sz="1200" dirty="0" err="1" smtClean="0"/>
-              <a:t>RestLog</a:t>
-            </a:r>
-            <a:endParaRPr lang="en-US" sz="1200" dirty="0" smtClean="0"/>
-          </a:p>
-          <a:p>
-            <a:pPr marL="285750" indent="-285750">
-              <a:buFont typeface="Arial" panose="020B0604020202020204" pitchFamily="34" charset="0"/>
-              <a:buChar char="•"/>
-            </a:pPr>
-            <a:r>
-              <a:rPr lang="en-US" sz="1200" dirty="0" smtClean="0"/>
-              <a:t>(Predictor)</a:t>
+              <a:rPr lang="en-US" sz="1100" dirty="0"/>
+              <a:t>Windows / Azure AD Authentication</a:t>
             </a:r>
           </a:p>
         </p:txBody>
@@ -16772,13 +16933,6 @@
   <p:clrMapOvr>
     <a:masterClrMapping/>
   </p:clrMapOvr>
-  <p:timing>
-    <p:tnLst>
-      <p:par>
-        <p:cTn id="1" dur="indefinite" restart="never" nodeType="tmRoot"/>
-      </p:par>
-    </p:tnLst>
-  </p:timing>
 </p:sld>
 </file>
 
@@ -16842,7 +16996,7 @@
           <a:p>
             <a:pPr algn="r"/>
             <a:r>
-              <a:rPr lang="en-US" dirty="0" smtClean="0">
+              <a:rPr lang="en-US" dirty="0">
                 <a:solidFill>
                   <a:srgbClr val="A0A0A0"/>
                 </a:solidFill>
@@ -16850,12 +17004,6 @@
               </a:rPr>
               <a:t>Technical Framework</a:t>
             </a:r>
-            <a:endParaRPr lang="en-US" dirty="0">
-              <a:solidFill>
-                <a:srgbClr val="A0A0A0"/>
-              </a:solidFill>
-              <a:latin typeface="Myriad Pro" panose="020B0503030403020204" pitchFamily="34" charset="0"/>
-            </a:endParaRPr>
           </a:p>
         </p:txBody>
       </p:sp>
@@ -16901,7 +17049,7 @@
           </a:lstStyle>
           <a:p>
             <a:r>
-              <a:rPr lang="en-US" dirty="0" smtClean="0">
+              <a:rPr lang="en-US" dirty="0">
                 <a:solidFill>
                   <a:srgbClr val="A0A0A0"/>
                 </a:solidFill>
@@ -16909,12 +17057,6 @@
               </a:rPr>
               <a:t>Application Platform</a:t>
             </a:r>
-            <a:endParaRPr lang="en-US" dirty="0">
-              <a:solidFill>
-                <a:srgbClr val="A0A0A0"/>
-              </a:solidFill>
-              <a:latin typeface="Myriad Pro" panose="020B0503030403020204" pitchFamily="34" charset="0"/>
-            </a:endParaRPr>
           </a:p>
         </p:txBody>
       </p:sp>
@@ -16941,14 +17083,14 @@
           <a:lstStyle/>
           <a:p>
             <a:r>
-              <a:rPr lang="en-US" dirty="0" smtClean="0"/>
+              <a:rPr lang="en-US" dirty="0"/>
               <a:t>Fully Featured</a:t>
             </a:r>
             <a:br>
-              <a:rPr lang="en-US" dirty="0" smtClean="0"/>
+              <a:rPr lang="en-US" dirty="0"/>
             </a:br>
             <a:r>
-              <a:rPr lang="en-US" dirty="0" smtClean="0"/>
+              <a:rPr lang="en-US" dirty="0"/>
               <a:t>Custom code is a ‘plugin’</a:t>
             </a:r>
           </a:p>
@@ -16978,14 +17120,14 @@
           <a:p>
             <a:pPr algn="r"/>
             <a:r>
-              <a:rPr lang="en-US" dirty="0" smtClean="0"/>
+              <a:rPr lang="en-US" dirty="0"/>
               <a:t>Flexibility to Move</a:t>
             </a:r>
           </a:p>
           <a:p>
             <a:pPr algn="r"/>
             <a:r>
-              <a:rPr lang="en-US" dirty="0" smtClean="0"/>
+              <a:rPr lang="en-US" dirty="0"/>
               <a:t>Complete Control</a:t>
             </a:r>
           </a:p>
@@ -17227,7 +17369,7 @@
               <a:defRPr/>
             </a:pPr>
             <a:r>
-              <a:rPr kumimoji="0" lang="en-US" sz="2000" i="0" u="none" strike="noStrike" kern="1200" normalizeH="0" baseline="0" noProof="0" dirty="0" smtClean="0">
+              <a:rPr kumimoji="0" lang="en-US" sz="2000" i="0" u="none" strike="noStrike" kern="1200" normalizeH="0" baseline="0" noProof="0" dirty="0">
                 <a:ln w="0"/>
                 <a:effectLst>
                   <a:outerShdw blurRad="38100" dist="19050" dir="2700000" algn="tl" rotWithShape="0">
@@ -17245,7 +17387,7 @@
               <a:t>Technical</a:t>
             </a:r>
             <a:r>
-              <a:rPr kumimoji="0" lang="en-US" sz="2000" i="0" u="none" strike="noStrike" kern="1200" normalizeH="0" noProof="0" dirty="0" smtClean="0">
+              <a:rPr kumimoji="0" lang="en-US" sz="2000" i="0" u="none" strike="noStrike" kern="1200" normalizeH="0" noProof="0" dirty="0">
                 <a:ln w="0"/>
                 <a:effectLst>
                   <a:outerShdw blurRad="38100" dist="19050" dir="2700000" algn="tl" rotWithShape="0">
@@ -17263,7 +17405,7 @@
               <a:t> </a:t>
             </a:r>
             <a:br>
-              <a:rPr kumimoji="0" lang="en-US" sz="2000" i="0" u="none" strike="noStrike" kern="1200" normalizeH="0" noProof="0" dirty="0" smtClean="0">
+              <a:rPr kumimoji="0" lang="en-US" sz="2000" i="0" u="none" strike="noStrike" kern="1200" normalizeH="0" noProof="0" dirty="0">
                 <a:ln w="0"/>
                 <a:effectLst>
                   <a:outerShdw blurRad="38100" dist="19050" dir="2700000" algn="tl" rotWithShape="0">
@@ -17280,7 +17422,7 @@
               </a:rPr>
             </a:br>
             <a:r>
-              <a:rPr kumimoji="0" lang="en-US" sz="2000" i="0" u="none" strike="noStrike" kern="1200" normalizeH="0" noProof="0" dirty="0" smtClean="0">
+              <a:rPr kumimoji="0" lang="en-US" sz="2000" i="0" u="none" strike="noStrike" kern="1200" normalizeH="0" noProof="0" dirty="0">
                 <a:ln w="0"/>
                 <a:effectLst>
                   <a:outerShdw blurRad="38100" dist="19050" dir="2700000" algn="tl" rotWithShape="0">
@@ -17699,9 +17841,7 @@
           <p:cNvGraphicFramePr>
             <a:graphicFrameLocks noChangeAspect="1"/>
           </p:cNvGraphicFramePr>
-          <p:nvPr>
-            <p:extLst/>
-          </p:nvPr>
+          <p:nvPr/>
         </p:nvGraphicFramePr>
         <p:xfrm>
           <a:off x="5197992" y="3979760"/>
@@ -17711,7 +17851,7 @@
           <a:graphicData uri="http://schemas.openxmlformats.org/presentationml/2006/ole">
             <mc:AlternateContent xmlns:mc="http://schemas.openxmlformats.org/markup-compatibility/2006">
               <mc:Choice xmlns:v="urn:schemas-microsoft-com:vml" Requires="v">
-                <p:oleObj spid="_x0000_s18454" r:id="rId18" imgW="10856880" imgH="12533040" progId="">
+                <p:oleObj spid="_x0000_s18457" r:id="rId18" imgW="10856880" imgH="12533040" progId="">
                   <p:embed/>
                 </p:oleObj>
               </mc:Choice>
@@ -17788,7 +17928,7 @@
           </a:lstStyle>
           <a:p>
             <a:r>
-              <a:rPr lang="en-US" sz="4800" dirty="0" err="1" smtClean="0">
+              <a:rPr lang="en-US" sz="4800" dirty="0" err="1">
                 <a:solidFill>
                   <a:srgbClr val="606060"/>
                 </a:solidFill>
@@ -17816,7 +17956,7 @@
         <p:spPr>
           <a:xfrm>
             <a:off x="5571191" y="6528841"/>
-            <a:ext cx="1635965" cy="334342"/>
+            <a:ext cx="2354658" cy="334342"/>
           </a:xfrm>
           <a:prstGeom prst="rect">
             <a:avLst/>
@@ -17847,7 +17987,7 @@
           </a:lstStyle>
           <a:p>
             <a:r>
-              <a:rPr lang="en-US" sz="2000" dirty="0" smtClean="0">
+              <a:rPr lang="en-US" sz="2000" dirty="0">
                 <a:solidFill>
                   <a:srgbClr val="A0A0A0"/>
                 </a:solidFill>
@@ -17935,7 +18075,7 @@
               <a:defRPr/>
             </a:pPr>
             <a:r>
-              <a:rPr kumimoji="0" lang="en-US" sz="2000" i="0" u="none" strike="noStrike" kern="1200" normalizeH="0" baseline="0" noProof="0" dirty="0" smtClean="0">
+              <a:rPr kumimoji="0" lang="en-US" sz="2000" i="0" u="none" strike="noStrike" kern="1200" normalizeH="0" baseline="0" noProof="0" dirty="0">
                 <a:ln w="0"/>
                 <a:effectLst>
                   <a:outerShdw blurRad="38100" dist="19050" dir="2700000" algn="tl" rotWithShape="0">
@@ -17952,21 +18092,6 @@
               </a:rPr>
               <a:t>Complete Solutions</a:t>
             </a:r>
-            <a:endParaRPr kumimoji="0" lang="en-US" sz="2000" i="0" u="none" strike="noStrike" kern="1200" normalizeH="0" baseline="0" noProof="0" dirty="0">
-              <a:ln w="0"/>
-              <a:effectLst>
-                <a:outerShdw blurRad="38100" dist="19050" dir="2700000" algn="tl" rotWithShape="0">
-                  <a:schemeClr val="dk1">
-                    <a:alpha val="40000"/>
-                  </a:schemeClr>
-                </a:outerShdw>
-              </a:effectLst>
-              <a:uLnTx/>
-              <a:uFillTx/>
-              <a:latin typeface="+mj-lt"/>
-              <a:ea typeface="+mn-ea"/>
-              <a:cs typeface="Arial" charset="0"/>
-            </a:endParaRPr>
           </a:p>
         </p:txBody>
       </p:sp>
@@ -18926,7 +19051,7 @@
           <a:lstStyle/>
           <a:p>
             <a:r>
-              <a:rPr lang="en-US" dirty="0" smtClean="0">
+              <a:rPr lang="en-US" dirty="0">
                 <a:solidFill>
                   <a:srgbClr val="A0A0A0"/>
                 </a:solidFill>
@@ -18934,12 +19059,6 @@
               </a:rPr>
               <a:t>Traditional Architecture</a:t>
             </a:r>
-            <a:endParaRPr lang="en-US" dirty="0">
-              <a:solidFill>
-                <a:srgbClr val="A0A0A0"/>
-              </a:solidFill>
-              <a:latin typeface="Myriad Pro" panose="020B0503030403020204" pitchFamily="34" charset="0"/>
-            </a:endParaRPr>
           </a:p>
         </p:txBody>
       </p:sp>
@@ -18984,10 +19103,9 @@
           <a:p>
             <a:pPr algn="ctr"/>
             <a:r>
-              <a:rPr lang="en-US" dirty="0" smtClean="0"/>
+              <a:rPr lang="en-US" dirty="0"/>
               <a:t>Database</a:t>
             </a:r>
-            <a:endParaRPr lang="en-US" dirty="0"/>
           </a:p>
         </p:txBody>
       </p:sp>
@@ -19032,10 +19150,9 @@
           <a:p>
             <a:pPr algn="ctr"/>
             <a:r>
-              <a:rPr lang="en-US" dirty="0" smtClean="0"/>
+              <a:rPr lang="en-US" dirty="0"/>
               <a:t>Data Access Layer / Repositories</a:t>
             </a:r>
-            <a:endParaRPr lang="en-US" dirty="0"/>
           </a:p>
         </p:txBody>
       </p:sp>
@@ -19080,10 +19197,9 @@
           <a:p>
             <a:pPr algn="ctr"/>
             <a:r>
-              <a:rPr lang="en-US" dirty="0" smtClean="0"/>
+              <a:rPr lang="en-US" dirty="0"/>
               <a:t>Controllers</a:t>
             </a:r>
-            <a:endParaRPr lang="en-US" dirty="0"/>
           </a:p>
         </p:txBody>
       </p:sp>
@@ -19130,10 +19246,9 @@
           <a:p>
             <a:pPr algn="ctr"/>
             <a:r>
-              <a:rPr lang="en-US" dirty="0" smtClean="0"/>
+              <a:rPr lang="en-US" dirty="0"/>
               <a:t>Views</a:t>
             </a:r>
-            <a:endParaRPr lang="en-US" dirty="0"/>
           </a:p>
         </p:txBody>
       </p:sp>
@@ -19178,10 +19293,9 @@
           <a:p>
             <a:pPr algn="ctr"/>
             <a:r>
-              <a:rPr lang="en-US" dirty="0" smtClean="0"/>
+              <a:rPr lang="en-US" dirty="0"/>
               <a:t>Services</a:t>
             </a:r>
-            <a:endParaRPr lang="en-US" dirty="0"/>
           </a:p>
         </p:txBody>
       </p:sp>
@@ -19226,7 +19340,7 @@
           <a:p>
             <a:pPr algn="ctr"/>
             <a:r>
-              <a:rPr lang="en-US" dirty="0" err="1" smtClean="0"/>
+              <a:rPr lang="en-US" dirty="0" err="1"/>
               <a:t>ViewModel</a:t>
             </a:r>
             <a:endParaRPr lang="en-US" dirty="0"/>
@@ -19276,10 +19390,9 @@
           <a:p>
             <a:pPr algn="ctr"/>
             <a:r>
-              <a:rPr lang="en-US" dirty="0" smtClean="0"/>
+              <a:rPr lang="en-US" dirty="0"/>
               <a:t>View</a:t>
             </a:r>
-            <a:endParaRPr lang="en-US" dirty="0"/>
           </a:p>
         </p:txBody>
       </p:sp>
@@ -19326,10 +19439,9 @@
           <a:p>
             <a:pPr algn="ctr"/>
             <a:r>
-              <a:rPr lang="en-US" dirty="0" smtClean="0"/>
+              <a:rPr lang="en-US" dirty="0"/>
               <a:t>Scripts</a:t>
             </a:r>
-            <a:endParaRPr lang="en-US" dirty="0"/>
           </a:p>
         </p:txBody>
       </p:sp>
@@ -19368,10 +19480,9 @@
           <a:p>
             <a:pPr algn="ctr"/>
             <a:r>
-              <a:rPr lang="en-US" dirty="0" smtClean="0"/>
+              <a:rPr lang="en-US" dirty="0"/>
               <a:t>jQuery</a:t>
             </a:r>
-            <a:endParaRPr lang="en-US" dirty="0"/>
           </a:p>
         </p:txBody>
       </p:sp>
@@ -19410,10 +19521,9 @@
           <a:p>
             <a:pPr algn="ctr"/>
             <a:r>
-              <a:rPr lang="en-US" dirty="0" smtClean="0"/>
+              <a:rPr lang="en-US" dirty="0"/>
               <a:t>Bootstrap</a:t>
             </a:r>
-            <a:endParaRPr lang="en-US" dirty="0"/>
           </a:p>
         </p:txBody>
       </p:sp>
@@ -19452,7 +19562,7 @@
           <a:p>
             <a:pPr algn="ctr"/>
             <a:r>
-              <a:rPr lang="en-US" dirty="0" err="1" smtClean="0"/>
+              <a:rPr lang="en-US" dirty="0" err="1"/>
               <a:t>IoC</a:t>
             </a:r>
             <a:endParaRPr lang="en-US" dirty="0"/>
@@ -19494,10 +19604,9 @@
           <a:p>
             <a:pPr algn="ctr"/>
             <a:r>
-              <a:rPr lang="en-US" dirty="0" smtClean="0"/>
+              <a:rPr lang="en-US" dirty="0"/>
               <a:t>MVVM</a:t>
             </a:r>
-            <a:endParaRPr lang="en-US" dirty="0"/>
           </a:p>
         </p:txBody>
       </p:sp>
@@ -19536,7 +19645,7 @@
           <a:p>
             <a:pPr algn="ctr"/>
             <a:r>
-              <a:rPr lang="en-US" dirty="0" err="1" smtClean="0"/>
+              <a:rPr lang="en-US" dirty="0" err="1"/>
               <a:t>Telerik</a:t>
             </a:r>
             <a:endParaRPr lang="en-US" dirty="0"/>
@@ -19578,10 +19687,9 @@
           <a:p>
             <a:pPr algn="ctr"/>
             <a:r>
-              <a:rPr lang="en-US" dirty="0" smtClean="0"/>
+              <a:rPr lang="en-US" dirty="0"/>
               <a:t>Entity Framework</a:t>
             </a:r>
-            <a:endParaRPr lang="en-US" dirty="0"/>
           </a:p>
         </p:txBody>
       </p:sp>
@@ -19620,7 +19728,7 @@
           <a:p>
             <a:pPr algn="ctr"/>
             <a:r>
-              <a:rPr lang="en-US" dirty="0" err="1" smtClean="0"/>
+              <a:rPr lang="en-US" dirty="0" err="1"/>
               <a:t>NLog</a:t>
             </a:r>
             <a:endParaRPr lang="en-US" dirty="0"/>
@@ -19662,10 +19770,9 @@
           <a:p>
             <a:pPr algn="ctr"/>
             <a:r>
-              <a:rPr lang="en-US" dirty="0" smtClean="0"/>
+              <a:rPr lang="en-US" dirty="0"/>
               <a:t>MVC</a:t>
             </a:r>
-            <a:endParaRPr lang="en-US" dirty="0"/>
           </a:p>
         </p:txBody>
       </p:sp>
@@ -19710,10 +19817,9 @@
           <a:p>
             <a:pPr algn="ctr"/>
             <a:r>
-              <a:rPr lang="en-US" dirty="0" smtClean="0"/>
+              <a:rPr lang="en-US" dirty="0"/>
               <a:t>DTO</a:t>
             </a:r>
-            <a:endParaRPr lang="en-US" dirty="0"/>
           </a:p>
         </p:txBody>
       </p:sp>
@@ -19740,10 +19846,9 @@
           <a:lstStyle/>
           <a:p>
             <a:r>
-              <a:rPr lang="en-US" dirty="0" smtClean="0"/>
+              <a:rPr lang="en-US" dirty="0"/>
               <a:t>Web application</a:t>
             </a:r>
-            <a:endParaRPr lang="en-US" dirty="0"/>
           </a:p>
         </p:txBody>
       </p:sp>
@@ -19771,13 +19876,8 @@
           <a:p>
             <a:r>
               <a:rPr lang="en-US" dirty="0"/>
-              <a:t>S</a:t>
-            </a:r>
-            <a:r>
-              <a:rPr lang="en-US" dirty="0" smtClean="0"/>
-              <a:t>ingle Page application</a:t>
-            </a:r>
-            <a:endParaRPr lang="en-US" dirty="0"/>
+              <a:t>Single Page application</a:t>
+            </a:r>
           </a:p>
         </p:txBody>
       </p:sp>
@@ -19804,10 +19904,9 @@
           <a:lstStyle/>
           <a:p>
             <a:r>
-              <a:rPr lang="en-US" dirty="0" smtClean="0"/>
+              <a:rPr lang="en-US" dirty="0"/>
               <a:t>Client Application</a:t>
             </a:r>
-            <a:endParaRPr lang="en-US" dirty="0"/>
           </a:p>
         </p:txBody>
       </p:sp>
@@ -19854,10 +19953,9 @@
           <a:p>
             <a:pPr algn="ctr"/>
             <a:r>
-              <a:rPr lang="en-US" dirty="0" smtClean="0"/>
+              <a:rPr lang="en-US" dirty="0"/>
               <a:t>View</a:t>
             </a:r>
-            <a:endParaRPr lang="en-US" dirty="0"/>
           </a:p>
         </p:txBody>
       </p:sp>
@@ -19896,10 +19994,9 @@
           <a:p>
             <a:pPr algn="ctr"/>
             <a:r>
-              <a:rPr lang="en-US" dirty="0" smtClean="0"/>
+              <a:rPr lang="en-US" dirty="0"/>
               <a:t>React</a:t>
             </a:r>
-            <a:endParaRPr lang="en-US" dirty="0"/>
           </a:p>
         </p:txBody>
       </p:sp>
@@ -19946,10 +20043,9 @@
           <a:p>
             <a:pPr algn="ctr"/>
             <a:r>
-              <a:rPr lang="en-US" dirty="0" smtClean="0"/>
+              <a:rPr lang="en-US" dirty="0"/>
               <a:t>Dispatcher</a:t>
             </a:r>
-            <a:endParaRPr lang="en-US" dirty="0"/>
           </a:p>
         </p:txBody>
       </p:sp>
@@ -19994,10 +20090,9 @@
           <a:p>
             <a:pPr algn="ctr"/>
             <a:r>
-              <a:rPr lang="en-US" dirty="0" smtClean="0"/>
+              <a:rPr lang="en-US" dirty="0"/>
               <a:t>Controllers</a:t>
             </a:r>
-            <a:endParaRPr lang="en-US" dirty="0"/>
           </a:p>
         </p:txBody>
       </p:sp>
@@ -20036,7 +20131,7 @@
           <a:p>
             <a:pPr algn="ctr"/>
             <a:r>
-              <a:rPr lang="en-US" dirty="0" err="1" smtClean="0"/>
+              <a:rPr lang="en-US" dirty="0" err="1"/>
               <a:t>Web.API</a:t>
             </a:r>
             <a:endParaRPr lang="en-US" dirty="0"/>
@@ -20078,10 +20173,9 @@
           <a:p>
             <a:pPr algn="ctr"/>
             <a:r>
-              <a:rPr lang="en-US" dirty="0" smtClean="0"/>
+              <a:rPr lang="en-US" dirty="0"/>
               <a:t>Redux</a:t>
             </a:r>
-            <a:endParaRPr lang="en-US" dirty="0"/>
           </a:p>
         </p:txBody>
       </p:sp>
@@ -20876,7 +20970,7 @@
           <a:lstStyle/>
           <a:p>
             <a:r>
-              <a:rPr lang="en-US" dirty="0" smtClean="0">
+              <a:rPr lang="en-US" dirty="0">
                 <a:solidFill>
                   <a:srgbClr val="A0A0A0"/>
                 </a:solidFill>
@@ -20884,12 +20978,6 @@
               </a:rPr>
               <a:t>Vertical Modules</a:t>
             </a:r>
-            <a:endParaRPr lang="en-US" dirty="0">
-              <a:solidFill>
-                <a:srgbClr val="A0A0A0"/>
-              </a:solidFill>
-              <a:latin typeface="Myriad Pro" panose="020B0503030403020204" pitchFamily="34" charset="0"/>
-            </a:endParaRPr>
           </a:p>
         </p:txBody>
       </p:sp>
@@ -20917,10 +21005,9 @@
           <a:p>
             <a:pPr algn="ctr"/>
             <a:r>
-              <a:rPr lang="en-US" sz="2400" dirty="0" smtClean="0"/>
+              <a:rPr lang="en-US" sz="2400" dirty="0"/>
               <a:t>Authorization</a:t>
             </a:r>
-            <a:endParaRPr lang="en-US" sz="2400" dirty="0"/>
           </a:p>
         </p:txBody>
       </p:sp>
@@ -20948,10 +21035,9 @@
           <a:p>
             <a:pPr algn="ctr"/>
             <a:r>
-              <a:rPr lang="en-US" sz="2400" dirty="0" smtClean="0"/>
+              <a:rPr lang="en-US" sz="2400" dirty="0"/>
               <a:t>Invoices</a:t>
             </a:r>
-            <a:endParaRPr lang="en-US" sz="2400" dirty="0"/>
           </a:p>
         </p:txBody>
       </p:sp>
@@ -20979,10 +21065,9 @@
           <a:p>
             <a:pPr algn="ctr"/>
             <a:r>
-              <a:rPr lang="en-US" sz="2400" dirty="0" smtClean="0"/>
+              <a:rPr lang="en-US" sz="2400" dirty="0"/>
               <a:t>Production</a:t>
             </a:r>
-            <a:endParaRPr lang="en-US" sz="2400" dirty="0"/>
           </a:p>
         </p:txBody>
       </p:sp>
@@ -21055,10 +21140,9 @@
               <a:p>
                 <a:pPr algn="ctr"/>
                 <a:r>
-                  <a:rPr lang="en-US" dirty="0" smtClean="0"/>
+                  <a:rPr lang="en-US" dirty="0"/>
                   <a:t>Database</a:t>
                 </a:r>
-                <a:endParaRPr lang="en-US" dirty="0"/>
               </a:p>
             </p:txBody>
           </p:sp>
@@ -21103,10 +21187,9 @@
               <a:p>
                 <a:pPr algn="ctr"/>
                 <a:r>
-                  <a:rPr lang="en-US" dirty="0" smtClean="0"/>
+                  <a:rPr lang="en-US" dirty="0"/>
                   <a:t>Business Logic</a:t>
                 </a:r>
-                <a:endParaRPr lang="en-US" dirty="0"/>
               </a:p>
             </p:txBody>
           </p:sp>
@@ -21151,10 +21234,9 @@
               <a:p>
                 <a:pPr algn="ctr"/>
                 <a:r>
-                  <a:rPr lang="en-US" dirty="0" smtClean="0"/>
+                  <a:rPr lang="en-US" dirty="0"/>
                   <a:t>Client</a:t>
                 </a:r>
-                <a:endParaRPr lang="en-US" dirty="0"/>
               </a:p>
             </p:txBody>
           </p:sp>
@@ -21201,7 +21283,7 @@
               <a:p>
                 <a:pPr algn="ctr"/>
                 <a:r>
-                  <a:rPr lang="en-US" dirty="0" err="1" smtClean="0"/>
+                  <a:rPr lang="en-US" dirty="0" err="1"/>
                   <a:t>ViewModel</a:t>
                 </a:r>
                 <a:endParaRPr lang="en-US" dirty="0"/>
@@ -21249,10 +21331,9 @@
               <a:p>
                 <a:pPr algn="ctr"/>
                 <a:r>
-                  <a:rPr lang="en-US" dirty="0" smtClean="0"/>
+                  <a:rPr lang="en-US" dirty="0"/>
                   <a:t>View</a:t>
                 </a:r>
-                <a:endParaRPr lang="en-US" dirty="0"/>
               </a:p>
             </p:txBody>
           </p:sp>
@@ -21297,10 +21378,9 @@
               <a:p>
                 <a:pPr algn="ctr"/>
                 <a:r>
-                  <a:rPr lang="en-US" dirty="0" smtClean="0"/>
+                  <a:rPr lang="en-US" dirty="0"/>
                   <a:t>Entities</a:t>
                 </a:r>
-                <a:endParaRPr lang="en-US" dirty="0"/>
               </a:p>
             </p:txBody>
           </p:sp>
@@ -21394,10 +21474,9 @@
             <a:p>
               <a:pPr algn="ctr"/>
               <a:r>
-                <a:rPr lang="en-US" dirty="0" smtClean="0"/>
+                <a:rPr lang="en-US" dirty="0"/>
                 <a:t>Controllers</a:t>
               </a:r>
-              <a:endParaRPr lang="en-US" dirty="0"/>
             </a:p>
           </p:txBody>
         </p:sp>
@@ -21471,10 +21550,9 @@
               <a:p>
                 <a:pPr algn="ctr"/>
                 <a:r>
-                  <a:rPr lang="en-US" dirty="0" smtClean="0"/>
+                  <a:rPr lang="en-US" dirty="0"/>
                   <a:t>Database</a:t>
                 </a:r>
-                <a:endParaRPr lang="en-US" dirty="0"/>
               </a:p>
             </p:txBody>
           </p:sp>
@@ -21519,10 +21597,9 @@
               <a:p>
                 <a:pPr algn="ctr"/>
                 <a:r>
-                  <a:rPr lang="en-US" dirty="0" smtClean="0"/>
+                  <a:rPr lang="en-US" dirty="0"/>
                   <a:t>Business Logic</a:t>
                 </a:r>
-                <a:endParaRPr lang="en-US" dirty="0"/>
               </a:p>
             </p:txBody>
           </p:sp>
@@ -21567,10 +21644,9 @@
               <a:p>
                 <a:pPr algn="ctr"/>
                 <a:r>
-                  <a:rPr lang="en-US" dirty="0" smtClean="0"/>
+                  <a:rPr lang="en-US" dirty="0"/>
                   <a:t>Client</a:t>
                 </a:r>
-                <a:endParaRPr lang="en-US" dirty="0"/>
               </a:p>
             </p:txBody>
           </p:sp>
@@ -21617,7 +21693,7 @@
               <a:p>
                 <a:pPr algn="ctr"/>
                 <a:r>
-                  <a:rPr lang="en-US" dirty="0" err="1" smtClean="0"/>
+                  <a:rPr lang="en-US" dirty="0" err="1"/>
                   <a:t>ViewModel</a:t>
                 </a:r>
                 <a:endParaRPr lang="en-US" dirty="0"/>
@@ -21665,10 +21741,9 @@
               <a:p>
                 <a:pPr algn="ctr"/>
                 <a:r>
-                  <a:rPr lang="en-US" dirty="0" smtClean="0"/>
+                  <a:rPr lang="en-US" dirty="0"/>
                   <a:t>View</a:t>
                 </a:r>
-                <a:endParaRPr lang="en-US" dirty="0"/>
               </a:p>
             </p:txBody>
           </p:sp>
@@ -21713,10 +21788,9 @@
               <a:p>
                 <a:pPr algn="ctr"/>
                 <a:r>
-                  <a:rPr lang="en-US" dirty="0" smtClean="0"/>
+                  <a:rPr lang="en-US" dirty="0"/>
                   <a:t>Entities</a:t>
                 </a:r>
-                <a:endParaRPr lang="en-US" dirty="0"/>
               </a:p>
             </p:txBody>
           </p:sp>
@@ -21810,10 +21884,9 @@
             <a:p>
               <a:pPr algn="ctr"/>
               <a:r>
-                <a:rPr lang="en-US" dirty="0" smtClean="0"/>
+                <a:rPr lang="en-US" dirty="0"/>
                 <a:t>Controllers</a:t>
               </a:r>
-              <a:endParaRPr lang="en-US" dirty="0"/>
             </a:p>
           </p:txBody>
         </p:sp>
@@ -21887,10 +21960,9 @@
               <a:p>
                 <a:pPr algn="ctr"/>
                 <a:r>
-                  <a:rPr lang="en-US" dirty="0" smtClean="0"/>
+                  <a:rPr lang="en-US" dirty="0"/>
                   <a:t>Database</a:t>
                 </a:r>
-                <a:endParaRPr lang="en-US" dirty="0"/>
               </a:p>
             </p:txBody>
           </p:sp>
@@ -21935,10 +22007,9 @@
               <a:p>
                 <a:pPr algn="ctr"/>
                 <a:r>
-                  <a:rPr lang="en-US" dirty="0" smtClean="0"/>
+                  <a:rPr lang="en-US" dirty="0"/>
                   <a:t>Business Logic</a:t>
                 </a:r>
-                <a:endParaRPr lang="en-US" dirty="0"/>
               </a:p>
             </p:txBody>
           </p:sp>
@@ -22032,7 +22103,7 @@
               <a:p>
                 <a:pPr algn="ctr"/>
                 <a:r>
-                  <a:rPr lang="en-US" dirty="0" err="1" smtClean="0"/>
+                  <a:rPr lang="en-US" dirty="0" err="1"/>
                   <a:t>ViewModel</a:t>
                 </a:r>
                 <a:endParaRPr lang="en-US" dirty="0"/>
@@ -22080,10 +22151,9 @@
               <a:p>
                 <a:pPr algn="ctr"/>
                 <a:r>
-                  <a:rPr lang="en-US" dirty="0" smtClean="0"/>
+                  <a:rPr lang="en-US" dirty="0"/>
                   <a:t>View</a:t>
                 </a:r>
-                <a:endParaRPr lang="en-US" dirty="0"/>
               </a:p>
             </p:txBody>
           </p:sp>
@@ -22128,10 +22198,9 @@
               <a:p>
                 <a:pPr algn="ctr"/>
                 <a:r>
-                  <a:rPr lang="en-US" dirty="0" smtClean="0"/>
+                  <a:rPr lang="en-US" dirty="0"/>
                   <a:t>Entities</a:t>
                 </a:r>
-                <a:endParaRPr lang="en-US" dirty="0"/>
               </a:p>
             </p:txBody>
           </p:sp>
@@ -22225,10 +22294,9 @@
             <a:p>
               <a:pPr algn="ctr"/>
               <a:r>
-                <a:rPr lang="en-US" dirty="0" smtClean="0"/>
+                <a:rPr lang="en-US" dirty="0"/>
                 <a:t>Controllers</a:t>
               </a:r>
-              <a:endParaRPr lang="en-US" dirty="0"/>
             </a:p>
           </p:txBody>
         </p:sp>
@@ -22824,11 +22892,11 @@
           <a:p>
             <a:pPr algn="ctr"/>
             <a:r>
-              <a:rPr lang="en-US" dirty="0" smtClean="0"/>
+              <a:rPr lang="en-US" dirty="0"/>
               <a:t>Entity </a:t>
             </a:r>
             <a:r>
-              <a:rPr lang="en-US" dirty="0" err="1" smtClean="0"/>
+              <a:rPr lang="en-US" dirty="0" err="1"/>
               <a:t>Framwork</a:t>
             </a:r>
             <a:endParaRPr lang="en-US" dirty="0"/>
@@ -22876,15 +22944,15 @@
           <a:p>
             <a:pPr algn="ctr"/>
             <a:r>
-              <a:rPr lang="en-US" dirty="0" err="1" smtClean="0"/>
+              <a:rPr lang="en-US" dirty="0" err="1"/>
               <a:t>ASP.Net</a:t>
             </a:r>
             <a:r>
-              <a:rPr lang="en-US" dirty="0" smtClean="0"/>
+              <a:rPr lang="en-US" dirty="0"/>
               <a:t> </a:t>
             </a:r>
             <a:r>
-              <a:rPr lang="en-US" dirty="0" err="1" smtClean="0"/>
+              <a:rPr lang="en-US" dirty="0" err="1"/>
               <a:t>Web.API</a:t>
             </a:r>
             <a:endParaRPr lang="en-US" dirty="0"/>
@@ -22935,10 +23003,9 @@
           <a:p>
             <a:pPr algn="ctr"/>
             <a:r>
-              <a:rPr lang="en-US" dirty="0" smtClean="0"/>
+              <a:rPr lang="en-US" dirty="0"/>
               <a:t>Typescript</a:t>
             </a:r>
-            <a:endParaRPr lang="en-US" dirty="0"/>
           </a:p>
         </p:txBody>
       </p:sp>
@@ -22983,10 +23050,9 @@
           <a:p>
             <a:pPr algn="ctr"/>
             <a:r>
-              <a:rPr lang="en-US" dirty="0" smtClean="0"/>
+              <a:rPr lang="en-US" dirty="0"/>
               <a:t>System</a:t>
             </a:r>
-            <a:endParaRPr lang="en-US" dirty="0"/>
           </a:p>
         </p:txBody>
       </p:sp>
@@ -23034,10 +23100,9 @@
           <a:p>
             <a:pPr algn="ctr"/>
             <a:r>
-              <a:rPr lang="en-US" dirty="0" smtClean="0"/>
+              <a:rPr lang="en-US" dirty="0"/>
               <a:t>Bootstrap</a:t>
             </a:r>
-            <a:endParaRPr lang="en-US" dirty="0"/>
           </a:p>
         </p:txBody>
       </p:sp>
@@ -23085,10 +23150,9 @@
           <a:p>
             <a:pPr algn="ctr"/>
             <a:r>
-              <a:rPr lang="en-US" dirty="0" smtClean="0"/>
+              <a:rPr lang="en-US" dirty="0"/>
               <a:t>React</a:t>
             </a:r>
-            <a:endParaRPr lang="en-US" dirty="0"/>
           </a:p>
         </p:txBody>
       </p:sp>
@@ -23130,17 +23194,16 @@
           <a:p>
             <a:pPr algn="ctr"/>
             <a:r>
-              <a:rPr lang="en-US" dirty="0" smtClean="0"/>
+              <a:rPr lang="en-US" dirty="0"/>
               <a:t>Signum</a:t>
             </a:r>
             <a:br>
-              <a:rPr lang="en-US" dirty="0" smtClean="0"/>
+              <a:rPr lang="en-US" dirty="0"/>
             </a:br>
             <a:r>
-              <a:rPr lang="en-US" dirty="0" smtClean="0"/>
+              <a:rPr lang="en-US" dirty="0"/>
               <a:t>Windows</a:t>
             </a:r>
-            <a:endParaRPr lang="en-US" dirty="0"/>
           </a:p>
         </p:txBody>
       </p:sp>
@@ -23185,17 +23248,16 @@
           <a:p>
             <a:pPr algn="ctr"/>
             <a:r>
-              <a:rPr lang="en-US" dirty="0" smtClean="0"/>
+              <a:rPr lang="en-US" dirty="0"/>
               <a:t>Signum</a:t>
             </a:r>
             <a:br>
-              <a:rPr lang="en-US" dirty="0" smtClean="0"/>
+              <a:rPr lang="en-US" dirty="0"/>
             </a:br>
             <a:r>
-              <a:rPr lang="en-US" dirty="0" smtClean="0"/>
+              <a:rPr lang="en-US" dirty="0"/>
               <a:t>Entities &amp; Services</a:t>
             </a:r>
-            <a:endParaRPr lang="en-US" dirty="0"/>
           </a:p>
         </p:txBody>
       </p:sp>
@@ -23240,17 +23302,16 @@
           <a:p>
             <a:pPr algn="ctr"/>
             <a:r>
-              <a:rPr lang="en-US" dirty="0" smtClean="0"/>
+              <a:rPr lang="en-US" dirty="0"/>
               <a:t>Signum</a:t>
             </a:r>
             <a:br>
-              <a:rPr lang="en-US" dirty="0" smtClean="0"/>
+              <a:rPr lang="en-US" dirty="0"/>
             </a:br>
             <a:r>
-              <a:rPr lang="en-US" dirty="0" smtClean="0"/>
+              <a:rPr lang="en-US" dirty="0"/>
               <a:t>Engine</a:t>
             </a:r>
-            <a:endParaRPr lang="en-US" dirty="0"/>
           </a:p>
         </p:txBody>
       </p:sp>
@@ -23295,17 +23356,16 @@
           <a:p>
             <a:pPr algn="ctr"/>
             <a:r>
-              <a:rPr lang="en-US" dirty="0" smtClean="0"/>
+              <a:rPr lang="en-US" dirty="0"/>
               <a:t>Signum</a:t>
             </a:r>
             <a:br>
-              <a:rPr lang="en-US" dirty="0" smtClean="0"/>
+              <a:rPr lang="en-US" dirty="0"/>
             </a:br>
             <a:r>
-              <a:rPr lang="en-US" dirty="0" smtClean="0"/>
+              <a:rPr lang="en-US" dirty="0"/>
               <a:t>Utilities</a:t>
             </a:r>
-            <a:endParaRPr lang="en-US" dirty="0"/>
           </a:p>
         </p:txBody>
       </p:sp>
@@ -23350,17 +23410,16 @@
           <a:p>
             <a:pPr algn="ctr"/>
             <a:r>
-              <a:rPr lang="en-US" dirty="0" smtClean="0"/>
+              <a:rPr lang="en-US" dirty="0"/>
               <a:t>Signum</a:t>
             </a:r>
             <a:br>
-              <a:rPr lang="en-US" dirty="0" smtClean="0"/>
+              <a:rPr lang="en-US" dirty="0"/>
             </a:br>
             <a:r>
-              <a:rPr lang="en-US" dirty="0" smtClean="0"/>
+              <a:rPr lang="en-US" dirty="0"/>
               <a:t>React</a:t>
             </a:r>
-            <a:endParaRPr lang="en-US" dirty="0"/>
           </a:p>
         </p:txBody>
       </p:sp>
@@ -23403,7 +23462,7 @@
           <a:p>
             <a:pPr algn="ctr"/>
             <a:r>
-              <a:rPr lang="en-US" dirty="0" err="1" smtClean="0"/>
+              <a:rPr lang="en-US" dirty="0" err="1"/>
               <a:t>Authoriztion</a:t>
             </a:r>
             <a:endParaRPr lang="en-US" dirty="0"/>
@@ -23449,10 +23508,9 @@
           <a:p>
             <a:pPr algn="ctr"/>
             <a:r>
-              <a:rPr lang="en-US" dirty="0" smtClean="0"/>
+              <a:rPr lang="en-US" dirty="0"/>
               <a:t>Disconnected</a:t>
             </a:r>
-            <a:endParaRPr lang="en-US" dirty="0"/>
           </a:p>
         </p:txBody>
       </p:sp>
@@ -23495,10 +23553,9 @@
           <a:p>
             <a:pPr algn="ctr"/>
             <a:r>
-              <a:rPr lang="en-US" dirty="0" smtClean="0"/>
+              <a:rPr lang="en-US" dirty="0"/>
               <a:t>Isolation</a:t>
             </a:r>
-            <a:endParaRPr lang="en-US" dirty="0"/>
           </a:p>
         </p:txBody>
       </p:sp>
@@ -23541,10 +23598,9 @@
           <a:p>
             <a:pPr algn="ctr"/>
             <a:r>
-              <a:rPr lang="en-US" dirty="0" smtClean="0"/>
+              <a:rPr lang="en-US" dirty="0"/>
               <a:t>Charting</a:t>
             </a:r>
-            <a:endParaRPr lang="en-US" dirty="0"/>
           </a:p>
         </p:txBody>
       </p:sp>
@@ -23587,10 +23643,9 @@
           <a:p>
             <a:pPr algn="ctr"/>
             <a:r>
-              <a:rPr lang="en-US" dirty="0" smtClean="0"/>
+              <a:rPr lang="en-US" dirty="0"/>
               <a:t>User Queries</a:t>
             </a:r>
-            <a:endParaRPr lang="en-US" dirty="0"/>
           </a:p>
         </p:txBody>
       </p:sp>
@@ -23633,10 +23688,9 @@
           <a:p>
             <a:pPr algn="ctr"/>
             <a:r>
-              <a:rPr lang="en-US" dirty="0" smtClean="0"/>
+              <a:rPr lang="en-US" dirty="0"/>
               <a:t>Dashboard</a:t>
             </a:r>
-            <a:endParaRPr lang="en-US" dirty="0"/>
           </a:p>
         </p:txBody>
       </p:sp>
@@ -23679,7 +23733,7 @@
           <a:p>
             <a:pPr algn="ctr"/>
             <a:r>
-              <a:rPr lang="en-US" dirty="0" err="1" smtClean="0"/>
+              <a:rPr lang="en-US" dirty="0" err="1"/>
               <a:t>Omnibox</a:t>
             </a:r>
             <a:endParaRPr lang="en-US" dirty="0"/>
@@ -23725,10 +23779,9 @@
           <a:p>
             <a:pPr algn="ctr"/>
             <a:r>
-              <a:rPr lang="en-US" dirty="0" smtClean="0"/>
+              <a:rPr lang="en-US" dirty="0"/>
               <a:t>Excel</a:t>
             </a:r>
-            <a:endParaRPr lang="en-US" dirty="0"/>
           </a:p>
         </p:txBody>
       </p:sp>
@@ -23771,10 +23824,9 @@
           <a:p>
             <a:pPr algn="ctr"/>
             <a:r>
-              <a:rPr lang="en-US" dirty="0" smtClean="0"/>
+              <a:rPr lang="en-US" dirty="0"/>
               <a:t>Profiler</a:t>
             </a:r>
-            <a:endParaRPr lang="en-US" dirty="0"/>
           </a:p>
         </p:txBody>
       </p:sp>
@@ -23817,10 +23869,9 @@
           <a:p>
             <a:pPr algn="ctr"/>
             <a:r>
-              <a:rPr lang="en-US" dirty="0" smtClean="0"/>
+              <a:rPr lang="en-US" dirty="0"/>
               <a:t>Files</a:t>
             </a:r>
-            <a:endParaRPr lang="en-US" dirty="0"/>
           </a:p>
         </p:txBody>
       </p:sp>
@@ -23863,10 +23914,9 @@
           <a:p>
             <a:pPr algn="ctr"/>
             <a:r>
-              <a:rPr lang="en-US" dirty="0" smtClean="0"/>
+              <a:rPr lang="en-US" dirty="0"/>
               <a:t>Processes</a:t>
             </a:r>
-            <a:endParaRPr lang="en-US" dirty="0"/>
           </a:p>
         </p:txBody>
       </p:sp>
@@ -23909,10 +23959,9 @@
           <a:p>
             <a:pPr algn="ctr"/>
             <a:r>
-              <a:rPr lang="en-US" dirty="0" smtClean="0"/>
+              <a:rPr lang="en-US" dirty="0"/>
               <a:t>Scheduler</a:t>
             </a:r>
-            <a:endParaRPr lang="en-US" dirty="0"/>
           </a:p>
         </p:txBody>
       </p:sp>
@@ -23955,10 +24004,9 @@
           <a:p>
             <a:pPr algn="ctr"/>
             <a:r>
-              <a:rPr lang="en-US" dirty="0" smtClean="0"/>
+              <a:rPr lang="en-US" dirty="0"/>
               <a:t>Mailing</a:t>
             </a:r>
-            <a:endParaRPr lang="en-US" dirty="0"/>
           </a:p>
         </p:txBody>
       </p:sp>
@@ -24001,10 +24049,9 @@
           <a:p>
             <a:pPr algn="ctr"/>
             <a:r>
-              <a:rPr lang="en-US" dirty="0" smtClean="0"/>
+              <a:rPr lang="en-US" dirty="0"/>
               <a:t>SMS</a:t>
             </a:r>
-            <a:endParaRPr lang="en-US" dirty="0"/>
           </a:p>
         </p:txBody>
       </p:sp>
@@ -24047,10 +24094,9 @@
           <a:p>
             <a:pPr algn="ctr"/>
             <a:r>
-              <a:rPr lang="en-US" dirty="0" smtClean="0"/>
+              <a:rPr lang="en-US" dirty="0"/>
               <a:t>Notes</a:t>
             </a:r>
-            <a:endParaRPr lang="en-US" dirty="0"/>
           </a:p>
         </p:txBody>
       </p:sp>
@@ -24093,10 +24139,9 @@
           <a:p>
             <a:pPr algn="ctr"/>
             <a:r>
-              <a:rPr lang="en-US" dirty="0" smtClean="0"/>
+              <a:rPr lang="en-US" dirty="0"/>
               <a:t>Alerts</a:t>
             </a:r>
-            <a:endParaRPr lang="en-US" dirty="0"/>
           </a:p>
         </p:txBody>
       </p:sp>
@@ -24139,7 +24184,7 @@
           <a:p>
             <a:pPr algn="ctr"/>
             <a:r>
-              <a:rPr lang="en-US" dirty="0" smtClean="0"/>
+              <a:rPr lang="en-US" dirty="0"/>
               <a:t>Help</a:t>
             </a:r>
           </a:p>
@@ -24184,10 +24229,10 @@
           <a:p>
             <a:pPr algn="ctr"/>
             <a:r>
-              <a:rPr lang="en-US" dirty="0" err="1" smtClean="0"/>
+              <a:rPr lang="en-US" dirty="0" err="1"/>
               <a:t>UIAutomation</a:t>
             </a:r>
-            <a:endParaRPr lang="en-US" dirty="0" smtClean="0"/>
+            <a:endParaRPr lang="en-US" dirty="0"/>
           </a:p>
         </p:txBody>
       </p:sp>
@@ -24230,7 +24275,7 @@
           <a:p>
             <a:pPr algn="ctr"/>
             <a:r>
-              <a:rPr lang="en-US" dirty="0" smtClean="0"/>
+              <a:rPr lang="en-US" dirty="0"/>
               <a:t>Selenium</a:t>
             </a:r>
           </a:p>
@@ -24275,10 +24320,9 @@
           <a:p>
             <a:pPr algn="ctr"/>
             <a:r>
-              <a:rPr lang="en-US" dirty="0" smtClean="0"/>
+              <a:rPr lang="en-US" dirty="0"/>
               <a:t>Cache</a:t>
             </a:r>
-            <a:endParaRPr lang="en-US" dirty="0"/>
           </a:p>
         </p:txBody>
       </p:sp>
@@ -24321,7 +24365,7 @@
           <a:p>
             <a:pPr algn="ctr"/>
             <a:r>
-              <a:rPr lang="en-US" dirty="0" err="1" smtClean="0"/>
+              <a:rPr lang="en-US" dirty="0" err="1"/>
               <a:t>AccessControl</a:t>
             </a:r>
             <a:endParaRPr lang="en-US" dirty="0"/>
@@ -24367,10 +24411,9 @@
           <a:p>
             <a:pPr algn="ctr"/>
             <a:r>
-              <a:rPr lang="en-US" dirty="0" smtClean="0"/>
+              <a:rPr lang="en-US" dirty="0"/>
               <a:t>Clients</a:t>
             </a:r>
-            <a:endParaRPr lang="en-US" dirty="0"/>
           </a:p>
         </p:txBody>
       </p:sp>
@@ -24413,10 +24456,9 @@
           <a:p>
             <a:pPr algn="ctr"/>
             <a:r>
-              <a:rPr lang="en-US" dirty="0" smtClean="0"/>
+              <a:rPr lang="en-US" dirty="0"/>
               <a:t>Orders</a:t>
             </a:r>
-            <a:endParaRPr lang="en-US" dirty="0"/>
           </a:p>
         </p:txBody>
       </p:sp>
@@ -24459,10 +24501,9 @@
           <a:p>
             <a:pPr algn="ctr"/>
             <a:r>
-              <a:rPr lang="en-US" dirty="0" smtClean="0"/>
+              <a:rPr lang="en-US" dirty="0"/>
               <a:t>Contracts</a:t>
             </a:r>
-            <a:endParaRPr lang="en-US" dirty="0"/>
           </a:p>
         </p:txBody>
       </p:sp>
@@ -24505,10 +24546,9 @@
           <a:p>
             <a:pPr algn="ctr"/>
             <a:r>
-              <a:rPr lang="en-US" dirty="0" smtClean="0"/>
+              <a:rPr lang="en-US" dirty="0"/>
               <a:t>Payments</a:t>
             </a:r>
-            <a:endParaRPr lang="en-US" dirty="0"/>
           </a:p>
         </p:txBody>
       </p:sp>
@@ -24551,10 +24591,9 @@
           <a:p>
             <a:pPr algn="ctr"/>
             <a:r>
-              <a:rPr lang="en-US" dirty="0" smtClean="0"/>
+              <a:rPr lang="en-US" dirty="0"/>
               <a:t>Price Lists</a:t>
             </a:r>
-            <a:endParaRPr lang="en-US" dirty="0"/>
           </a:p>
         </p:txBody>
       </p:sp>
@@ -24597,10 +24636,9 @@
           <a:p>
             <a:pPr algn="ctr"/>
             <a:r>
-              <a:rPr lang="en-US" dirty="0" smtClean="0"/>
+              <a:rPr lang="en-US" dirty="0"/>
               <a:t>Suppliers</a:t>
             </a:r>
-            <a:endParaRPr lang="en-US" dirty="0"/>
           </a:p>
         </p:txBody>
       </p:sp>
@@ -24643,10 +24681,9 @@
           <a:p>
             <a:pPr algn="ctr"/>
             <a:r>
-              <a:rPr lang="en-US" dirty="0" smtClean="0"/>
+              <a:rPr lang="en-US" dirty="0"/>
               <a:t>Taxes</a:t>
             </a:r>
-            <a:endParaRPr lang="en-US" dirty="0"/>
           </a:p>
         </p:txBody>
       </p:sp>
@@ -24689,10 +24726,9 @@
           <a:p>
             <a:pPr algn="ctr"/>
             <a:r>
-              <a:rPr lang="en-US" dirty="0" smtClean="0"/>
+              <a:rPr lang="en-US" dirty="0"/>
               <a:t>Availability</a:t>
             </a:r>
-            <a:endParaRPr lang="en-US" dirty="0"/>
           </a:p>
         </p:txBody>
       </p:sp>
@@ -24735,10 +24771,9 @@
           <a:p>
             <a:pPr algn="ctr"/>
             <a:r>
-              <a:rPr lang="en-US" dirty="0" smtClean="0"/>
+              <a:rPr lang="en-US" dirty="0"/>
               <a:t>Banks</a:t>
             </a:r>
-            <a:endParaRPr lang="en-US" dirty="0"/>
           </a:p>
         </p:txBody>
       </p:sp>
@@ -24781,10 +24816,9 @@
           <a:p>
             <a:pPr algn="ctr"/>
             <a:r>
-              <a:rPr lang="en-US" dirty="0" smtClean="0"/>
+              <a:rPr lang="en-US" dirty="0"/>
               <a:t>Companies</a:t>
             </a:r>
-            <a:endParaRPr lang="en-US" dirty="0"/>
           </a:p>
         </p:txBody>
       </p:sp>
@@ -24827,10 +24861,9 @@
           <a:p>
             <a:pPr algn="ctr"/>
             <a:r>
-              <a:rPr lang="en-US" dirty="0" smtClean="0"/>
+              <a:rPr lang="en-US" dirty="0"/>
               <a:t>Costs</a:t>
             </a:r>
-            <a:endParaRPr lang="en-US" dirty="0"/>
           </a:p>
         </p:txBody>
       </p:sp>
@@ -24873,7 +24906,7 @@
           <a:p>
             <a:pPr algn="ctr"/>
             <a:r>
-              <a:rPr lang="en-US" dirty="0" err="1" smtClean="0"/>
+              <a:rPr lang="en-US" dirty="0" err="1"/>
               <a:t>Doc.Input</a:t>
             </a:r>
             <a:endParaRPr lang="en-US" dirty="0"/>
@@ -24919,10 +24952,9 @@
           <a:p>
             <a:pPr algn="ctr"/>
             <a:r>
-              <a:rPr lang="en-US" dirty="0" smtClean="0"/>
+              <a:rPr lang="en-US" dirty="0"/>
               <a:t>Products</a:t>
             </a:r>
-            <a:endParaRPr lang="en-US" dirty="0"/>
           </a:p>
         </p:txBody>
       </p:sp>
@@ -24965,10 +24997,9 @@
           <a:p>
             <a:pPr algn="ctr"/>
             <a:r>
-              <a:rPr lang="en-US" dirty="0" smtClean="0"/>
+              <a:rPr lang="en-US" dirty="0"/>
               <a:t>Reports</a:t>
             </a:r>
-            <a:endParaRPr lang="en-US" dirty="0"/>
           </a:p>
         </p:txBody>
       </p:sp>
@@ -25011,10 +25042,9 @@
           <a:p>
             <a:pPr algn="ctr"/>
             <a:r>
-              <a:rPr lang="en-US" dirty="0" smtClean="0"/>
+              <a:rPr lang="en-US" dirty="0"/>
               <a:t>Checkout</a:t>
             </a:r>
-            <a:endParaRPr lang="en-US" dirty="0"/>
           </a:p>
         </p:txBody>
       </p:sp>
@@ -25057,7 +25087,7 @@
           <a:p>
             <a:pPr algn="ctr"/>
             <a:r>
-              <a:rPr lang="en-US" dirty="0" smtClean="0"/>
+              <a:rPr lang="en-US" dirty="0"/>
               <a:t>Invoices</a:t>
             </a:r>
           </a:p>
@@ -25102,7 +25132,7 @@
           <a:p>
             <a:pPr algn="ctr"/>
             <a:r>
-              <a:rPr lang="en-US" dirty="0" smtClean="0"/>
+              <a:rPr lang="en-US" dirty="0"/>
               <a:t>Stock…</a:t>
             </a:r>
           </a:p>
@@ -25147,7 +25177,7 @@
           <a:p>
             <a:pPr algn="ctr"/>
             <a:r>
-              <a:rPr lang="en-US" dirty="0" smtClean="0"/>
+              <a:rPr lang="en-US" dirty="0"/>
               <a:t>….</a:t>
             </a:r>
           </a:p>
@@ -25192,10 +25222,9 @@
           <a:p>
             <a:pPr algn="ctr"/>
             <a:r>
-              <a:rPr lang="en-US" dirty="0" smtClean="0"/>
+              <a:rPr lang="en-US" dirty="0"/>
               <a:t>Addresses</a:t>
             </a:r>
-            <a:endParaRPr lang="en-US" dirty="0"/>
           </a:p>
         </p:txBody>
       </p:sp>
@@ -25223,18 +25252,13 @@
           <a:p>
             <a:pPr algn="r"/>
             <a:r>
-              <a:rPr lang="en-US" sz="2400" b="1" dirty="0" smtClean="0">
+              <a:rPr lang="en-US" sz="2400" b="1" dirty="0">
                 <a:solidFill>
                   <a:schemeClr val="accent1"/>
                 </a:solidFill>
               </a:rPr>
               <a:t>.NET Framework</a:t>
             </a:r>
-            <a:endParaRPr lang="en-US" sz="2400" b="1" dirty="0">
-              <a:solidFill>
-                <a:schemeClr val="accent1"/>
-              </a:solidFill>
-            </a:endParaRPr>
           </a:p>
         </p:txBody>
       </p:sp>
@@ -25262,7 +25286,7 @@
           <a:p>
             <a:pPr algn="r"/>
             <a:r>
-              <a:rPr lang="en-US" sz="2400" b="1" dirty="0" smtClean="0">
+              <a:rPr lang="en-US" sz="2400" b="1" dirty="0">
                 <a:solidFill>
                   <a:schemeClr val="accent6"/>
                 </a:solidFill>
@@ -25270,25 +25294,20 @@
               <a:t>Signum </a:t>
             </a:r>
             <a:br>
-              <a:rPr lang="en-US" sz="2400" b="1" dirty="0" smtClean="0">
+              <a:rPr lang="en-US" sz="2400" b="1" dirty="0">
                 <a:solidFill>
                   <a:schemeClr val="accent6"/>
                 </a:solidFill>
               </a:rPr>
             </a:br>
             <a:r>
-              <a:rPr lang="en-US" sz="2400" b="1" dirty="0" smtClean="0">
+              <a:rPr lang="en-US" sz="2400" b="1" dirty="0">
                 <a:solidFill>
                   <a:schemeClr val="accent6"/>
                 </a:solidFill>
               </a:rPr>
               <a:t>Framework</a:t>
             </a:r>
-            <a:endParaRPr lang="en-US" sz="2400" b="1" dirty="0">
-              <a:solidFill>
-                <a:schemeClr val="accent6"/>
-              </a:solidFill>
-            </a:endParaRPr>
           </a:p>
         </p:txBody>
       </p:sp>
@@ -25316,7 +25335,7 @@
           <a:p>
             <a:pPr algn="r"/>
             <a:r>
-              <a:rPr lang="en-US" sz="2400" b="1" dirty="0" smtClean="0">
+              <a:rPr lang="en-US" sz="2400" b="1" dirty="0">
                 <a:solidFill>
                   <a:srgbClr val="FFAA01"/>
                 </a:solidFill>
@@ -25324,25 +25343,20 @@
               <a:t>Signum </a:t>
             </a:r>
             <a:br>
-              <a:rPr lang="en-US" sz="2400" b="1" dirty="0" smtClean="0">
+              <a:rPr lang="en-US" sz="2400" b="1" dirty="0">
                 <a:solidFill>
                   <a:srgbClr val="FFAA01"/>
                 </a:solidFill>
               </a:rPr>
             </a:br>
             <a:r>
-              <a:rPr lang="en-US" sz="2400" b="1" dirty="0" smtClean="0">
+              <a:rPr lang="en-US" sz="2400" b="1" dirty="0">
                 <a:solidFill>
                   <a:srgbClr val="FFAA01"/>
                 </a:solidFill>
               </a:rPr>
               <a:t>Extensions</a:t>
             </a:r>
-            <a:endParaRPr lang="en-US" sz="2400" b="1" dirty="0">
-              <a:solidFill>
-                <a:srgbClr val="FFAA01"/>
-              </a:solidFill>
-            </a:endParaRPr>
           </a:p>
         </p:txBody>
       </p:sp>
@@ -25370,7 +25384,7 @@
           <a:p>
             <a:pPr algn="r"/>
             <a:r>
-              <a:rPr lang="en-US" sz="2400" b="1" dirty="0" smtClean="0">
+              <a:rPr lang="en-US" sz="2400" b="1" dirty="0">
                 <a:solidFill>
                   <a:schemeClr val="accent2"/>
                 </a:solidFill>
@@ -25378,25 +25392,20 @@
               <a:t>Signum </a:t>
             </a:r>
             <a:br>
-              <a:rPr lang="en-US" sz="2400" b="1" dirty="0" smtClean="0">
+              <a:rPr lang="en-US" sz="2400" b="1" dirty="0">
                 <a:solidFill>
                   <a:schemeClr val="accent2"/>
                 </a:solidFill>
               </a:rPr>
             </a:br>
             <a:r>
-              <a:rPr lang="en-US" sz="2400" b="1" dirty="0" smtClean="0">
+              <a:rPr lang="en-US" sz="2400" b="1" dirty="0">
                 <a:solidFill>
                   <a:schemeClr val="accent2"/>
                 </a:solidFill>
               </a:rPr>
               <a:t>Business</a:t>
             </a:r>
-            <a:endParaRPr lang="en-US" sz="2400" b="1" dirty="0">
-              <a:solidFill>
-                <a:schemeClr val="accent2"/>
-              </a:solidFill>
-            </a:endParaRPr>
           </a:p>
         </p:txBody>
       </p:sp>
@@ -25424,7 +25433,7 @@
           <a:p>
             <a:pPr algn="r"/>
             <a:r>
-              <a:rPr lang="en-US" sz="2400" b="1" dirty="0" smtClean="0">
+              <a:rPr lang="en-US" sz="2400" b="1" dirty="0">
                 <a:solidFill>
                   <a:schemeClr val="accent1">
                     <a:lumMod val="60000"/>
@@ -25434,14 +25443,6 @@
               </a:rPr>
               <a:t>web libraries</a:t>
             </a:r>
-            <a:endParaRPr lang="en-US" sz="2400" b="1" dirty="0">
-              <a:solidFill>
-                <a:schemeClr val="accent1">
-                  <a:lumMod val="60000"/>
-                  <a:lumOff val="40000"/>
-                </a:schemeClr>
-              </a:solidFill>
-            </a:endParaRPr>
           </a:p>
         </p:txBody>
       </p:sp>
@@ -25483,18 +25484,13 @@
             <a:p>
               <a:pPr algn="r"/>
               <a:r>
-                <a:rPr lang="en-US" sz="2400" b="1" dirty="0" smtClean="0">
+                <a:rPr lang="en-US" sz="2400" b="1" dirty="0">
                   <a:solidFill>
                     <a:srgbClr val="9C5BCD"/>
                   </a:solidFill>
                 </a:rPr>
                 <a:t>Your Application</a:t>
               </a:r>
-              <a:endParaRPr lang="en-US" sz="2400" b="1" dirty="0">
-                <a:solidFill>
-                  <a:srgbClr val="9C5BCD"/>
-                </a:solidFill>
-              </a:endParaRPr>
             </a:p>
           </p:txBody>
         </p:sp>
@@ -25757,18 +25753,13 @@
             <a:p>
               <a:pPr algn="r"/>
               <a:r>
-                <a:rPr lang="en-US" sz="2400" b="1" dirty="0" smtClean="0">
+                <a:rPr lang="en-US" sz="2400" b="1" dirty="0">
                   <a:solidFill>
                     <a:srgbClr val="9C5BCD"/>
                   </a:solidFill>
                 </a:rPr>
                 <a:t>Your Application</a:t>
               </a:r>
-              <a:endParaRPr lang="en-US" sz="2400" b="1" dirty="0">
-                <a:solidFill>
-                  <a:srgbClr val="9C5BCD"/>
-                </a:solidFill>
-              </a:endParaRPr>
             </a:p>
           </p:txBody>
         </p:sp>
@@ -26031,18 +26022,13 @@
             <a:p>
               <a:pPr algn="r"/>
               <a:r>
-                <a:rPr lang="en-US" sz="2400" b="1" dirty="0" smtClean="0">
+                <a:rPr lang="en-US" sz="2400" b="1" dirty="0">
                   <a:solidFill>
                     <a:srgbClr val="9C5BCD"/>
                   </a:solidFill>
                 </a:rPr>
                 <a:t>Your Application</a:t>
               </a:r>
-              <a:endParaRPr lang="en-US" sz="2400" b="1" dirty="0">
-                <a:solidFill>
-                  <a:srgbClr val="9C5BCD"/>
-                </a:solidFill>
-              </a:endParaRPr>
             </a:p>
           </p:txBody>
         </p:sp>
@@ -26305,18 +26291,13 @@
             <a:p>
               <a:pPr algn="r"/>
               <a:r>
-                <a:rPr lang="en-US" sz="2400" b="1" dirty="0" smtClean="0">
+                <a:rPr lang="en-US" sz="2400" b="1" dirty="0">
                   <a:solidFill>
                     <a:srgbClr val="9C5BCD"/>
                   </a:solidFill>
                 </a:rPr>
                 <a:t>Your Application</a:t>
               </a:r>
-              <a:endParaRPr lang="en-US" sz="2400" b="1" dirty="0">
-                <a:solidFill>
-                  <a:srgbClr val="9C5BCD"/>
-                </a:solidFill>
-              </a:endParaRPr>
             </a:p>
           </p:txBody>
         </p:sp>
@@ -26403,18 +26384,13 @@
             <a:p>
               <a:pPr algn="r"/>
               <a:r>
-                <a:rPr lang="en-US" sz="2400" b="1" dirty="0" smtClean="0">
+                <a:rPr lang="en-US" sz="2400" b="1" dirty="0">
                   <a:solidFill>
                     <a:srgbClr val="9C5BCD"/>
                   </a:solidFill>
                 </a:rPr>
                 <a:t>Your Application</a:t>
               </a:r>
-              <a:endParaRPr lang="en-US" sz="2400" b="1" dirty="0">
-                <a:solidFill>
-                  <a:srgbClr val="9C5BCD"/>
-                </a:solidFill>
-              </a:endParaRPr>
             </a:p>
           </p:txBody>
         </p:sp>
@@ -26504,10 +26480,9 @@
           <a:p>
             <a:pPr algn="ctr"/>
             <a:r>
-              <a:rPr lang="en-US" dirty="0" smtClean="0"/>
+              <a:rPr lang="en-US" dirty="0"/>
               <a:t>WPF</a:t>
             </a:r>
-            <a:endParaRPr lang="en-US" dirty="0"/>
           </a:p>
         </p:txBody>
       </p:sp>
@@ -26555,10 +26530,9 @@
           <a:p>
             <a:pPr algn="ctr"/>
             <a:r>
-              <a:rPr lang="en-US" dirty="0" smtClean="0"/>
+              <a:rPr lang="en-US" dirty="0"/>
               <a:t>D3.js</a:t>
             </a:r>
-            <a:endParaRPr lang="en-US" dirty="0"/>
           </a:p>
         </p:txBody>
       </p:sp>
@@ -26606,7 +26580,7 @@
           <a:p>
             <a:pPr algn="ctr"/>
             <a:r>
-              <a:rPr lang="en-US" dirty="0" err="1" smtClean="0"/>
+              <a:rPr lang="en-US" dirty="0" err="1"/>
               <a:t>JSON.Net</a:t>
             </a:r>
             <a:endParaRPr lang="en-US" dirty="0"/>
@@ -26657,10 +26631,9 @@
           <a:p>
             <a:pPr algn="ctr"/>
             <a:r>
-              <a:rPr lang="en-US" dirty="0" smtClean="0"/>
+              <a:rPr lang="en-US" dirty="0"/>
               <a:t>…</a:t>
             </a:r>
-            <a:endParaRPr lang="en-US" dirty="0"/>
           </a:p>
         </p:txBody>
       </p:sp>
@@ -28424,7 +28397,7 @@
           <a:lstStyle/>
           <a:p>
             <a:r>
-              <a:rPr lang="en-US" dirty="0" smtClean="0">
+              <a:rPr lang="en-US" dirty="0">
                 <a:solidFill>
                   <a:srgbClr val="A0A0A0"/>
                 </a:solidFill>
@@ -28499,7 +28472,7 @@
               <a:tabLst/>
             </a:pPr>
             <a:r>
-              <a:rPr kumimoji="0" lang="en-US" altLang="en-US" sz="1100" b="0" i="0" u="none" strike="noStrike" cap="none" normalizeH="0" baseline="0" dirty="0" smtClean="0">
+              <a:rPr kumimoji="0" lang="en-US" altLang="en-US" sz="1100" b="0" i="0" u="none" strike="noStrike" cap="none" normalizeH="0" baseline="0" dirty="0">
                 <a:ln>
                   <a:noFill/>
                 </a:ln>
@@ -28513,7 +28486,7 @@
               <a:t>class</a:t>
             </a:r>
             <a:r>
-              <a:rPr kumimoji="0" lang="en-US" altLang="en-US" sz="1100" b="0" i="0" u="none" strike="noStrike" cap="none" normalizeH="0" baseline="0" dirty="0" smtClean="0">
+              <a:rPr kumimoji="0" lang="en-US" altLang="en-US" sz="1100" b="0" i="0" u="none" strike="noStrike" cap="none" normalizeH="0" baseline="0" dirty="0">
                 <a:ln>
                   <a:noFill/>
                 </a:ln>
@@ -28527,7 +28500,7 @@
               <a:t> </a:t>
             </a:r>
             <a:r>
-              <a:rPr kumimoji="0" lang="en-US" altLang="en-US" sz="1100" b="0" i="0" u="none" strike="noStrike" cap="none" normalizeH="0" baseline="0" dirty="0" smtClean="0">
+              <a:rPr kumimoji="0" lang="en-US" altLang="en-US" sz="1100" b="0" i="0" u="none" strike="noStrike" cap="none" normalizeH="0" baseline="0" dirty="0">
                 <a:ln>
                   <a:noFill/>
                 </a:ln>
@@ -28540,22 +28513,8 @@
               </a:rPr>
               <a:t>Order</a:t>
             </a:r>
-            <a:r>
-              <a:rPr kumimoji="0" lang="en-US" altLang="en-US" sz="1100" b="0" i="0" u="none" strike="noStrike" cap="none" normalizeH="0" baseline="0" dirty="0" smtClean="0">
-                <a:ln>
-                  <a:noFill/>
-                </a:ln>
-                <a:solidFill>
-                  <a:srgbClr val="000000"/>
-                </a:solidFill>
-                <a:effectLst/>
-                <a:latin typeface="Consolas" panose="020B0609020204030204" pitchFamily="49" charset="0"/>
-                <a:cs typeface="Consolas" panose="020B0609020204030204" pitchFamily="49" charset="0"/>
-              </a:rPr>
-              <a:t/>
-            </a:r>
             <a:br>
-              <a:rPr kumimoji="0" lang="en-US" altLang="en-US" sz="1100" b="0" i="0" u="none" strike="noStrike" cap="none" normalizeH="0" baseline="0" dirty="0" smtClean="0">
+              <a:rPr kumimoji="0" lang="en-US" altLang="en-US" sz="1100" b="0" i="0" u="none" strike="noStrike" cap="none" normalizeH="0" baseline="0" dirty="0">
                 <a:ln>
                   <a:noFill/>
                 </a:ln>
@@ -28568,7 +28527,7 @@
               </a:rPr>
             </a:br>
             <a:r>
-              <a:rPr kumimoji="0" lang="en-US" altLang="en-US" sz="1100" b="0" i="0" u="none" strike="noStrike" cap="none" normalizeH="0" baseline="0" dirty="0" smtClean="0">
+              <a:rPr kumimoji="0" lang="en-US" altLang="en-US" sz="1100" b="0" i="0" u="none" strike="noStrike" cap="none" normalizeH="0" baseline="0" dirty="0">
                 <a:ln>
                   <a:noFill/>
                 </a:ln>
@@ -28582,7 +28541,7 @@
               <a:t>{     </a:t>
             </a:r>
             <a:br>
-              <a:rPr kumimoji="0" lang="en-US" altLang="en-US" sz="1100" b="0" i="0" u="none" strike="noStrike" cap="none" normalizeH="0" baseline="0" dirty="0" smtClean="0">
+              <a:rPr kumimoji="0" lang="en-US" altLang="en-US" sz="1100" b="0" i="0" u="none" strike="noStrike" cap="none" normalizeH="0" baseline="0" dirty="0">
                 <a:ln>
                   <a:noFill/>
                 </a:ln>
@@ -28595,7 +28554,7 @@
               </a:rPr>
             </a:br>
             <a:r>
-              <a:rPr kumimoji="0" lang="en-US" altLang="en-US" sz="1100" b="0" i="0" u="none" strike="noStrike" cap="none" normalizeH="0" baseline="0" dirty="0" smtClean="0">
+              <a:rPr kumimoji="0" lang="en-US" altLang="en-US" sz="1100" b="0" i="0" u="none" strike="noStrike" cap="none" normalizeH="0" baseline="0" dirty="0">
                 <a:ln>
                   <a:noFill/>
                 </a:ln>
@@ -28609,7 +28568,7 @@
               <a:t>   </a:t>
             </a:r>
             <a:r>
-              <a:rPr kumimoji="0" lang="en-US" altLang="en-US" sz="1100" b="0" i="0" u="none" strike="noStrike" cap="none" normalizeH="0" baseline="0" dirty="0" smtClean="0">
+              <a:rPr kumimoji="0" lang="en-US" altLang="en-US" sz="1100" b="0" i="0" u="none" strike="noStrike" cap="none" normalizeH="0" baseline="0" dirty="0">
                 <a:ln>
                   <a:noFill/>
                 </a:ln>
@@ -28623,7 +28582,7 @@
               <a:t>public</a:t>
             </a:r>
             <a:r>
-              <a:rPr kumimoji="0" lang="en-US" altLang="en-US" sz="1100" b="0" i="0" u="none" strike="noStrike" cap="none" normalizeH="0" baseline="0" dirty="0" smtClean="0">
+              <a:rPr kumimoji="0" lang="en-US" altLang="en-US" sz="1100" b="0" i="0" u="none" strike="noStrike" cap="none" normalizeH="0" baseline="0" dirty="0">
                 <a:ln>
                   <a:noFill/>
                 </a:ln>
@@ -28637,7 +28596,7 @@
               <a:t> </a:t>
             </a:r>
             <a:r>
-              <a:rPr kumimoji="0" lang="en-US" altLang="en-US" sz="1100" b="0" i="0" u="none" strike="noStrike" cap="none" normalizeH="0" baseline="0" dirty="0" err="1" smtClean="0">
+              <a:rPr kumimoji="0" lang="en-US" altLang="en-US" sz="1100" b="0" i="0" u="none" strike="noStrike" cap="none" normalizeH="0" baseline="0" dirty="0" err="1">
                 <a:ln>
                   <a:noFill/>
                 </a:ln>
@@ -28651,7 +28610,7 @@
               <a:t>EntityRef</a:t>
             </a:r>
             <a:r>
-              <a:rPr kumimoji="0" lang="en-US" altLang="en-US" sz="1100" b="0" i="0" u="none" strike="noStrike" cap="none" normalizeH="0" baseline="0" dirty="0" smtClean="0">
+              <a:rPr kumimoji="0" lang="en-US" altLang="en-US" sz="1100" b="0" i="0" u="none" strike="noStrike" cap="none" normalizeH="0" baseline="0" dirty="0">
                 <a:ln>
                   <a:noFill/>
                 </a:ln>
@@ -28665,7 +28624,7 @@
               <a:t>&lt;</a:t>
             </a:r>
             <a:r>
-              <a:rPr kumimoji="0" lang="en-US" altLang="en-US" sz="1100" b="0" i="0" u="none" strike="noStrike" cap="none" normalizeH="0" baseline="0" dirty="0" smtClean="0">
+              <a:rPr kumimoji="0" lang="en-US" altLang="en-US" sz="1100" b="0" i="0" u="none" strike="noStrike" cap="none" normalizeH="0" baseline="0" dirty="0">
                 <a:ln>
                   <a:noFill/>
                 </a:ln>
@@ -28679,7 +28638,7 @@
               <a:t>Customer</a:t>
             </a:r>
             <a:r>
-              <a:rPr kumimoji="0" lang="en-US" altLang="en-US" sz="1100" b="0" i="0" u="none" strike="noStrike" cap="none" normalizeH="0" baseline="0" dirty="0" smtClean="0">
+              <a:rPr kumimoji="0" lang="en-US" altLang="en-US" sz="1100" b="0" i="0" u="none" strike="noStrike" cap="none" normalizeH="0" baseline="0" dirty="0">
                 <a:ln>
                   <a:noFill/>
                 </a:ln>
@@ -28693,7 +28652,7 @@
               <a:t>&gt; Customer; </a:t>
             </a:r>
             <a:br>
-              <a:rPr kumimoji="0" lang="en-US" altLang="en-US" sz="1100" b="0" i="0" u="none" strike="noStrike" cap="none" normalizeH="0" baseline="0" dirty="0" smtClean="0">
+              <a:rPr kumimoji="0" lang="en-US" altLang="en-US" sz="1100" b="0" i="0" u="none" strike="noStrike" cap="none" normalizeH="0" baseline="0" dirty="0">
                 <a:ln>
                   <a:noFill/>
                 </a:ln>
@@ -28706,7 +28665,7 @@
               </a:rPr>
             </a:br>
             <a:r>
-              <a:rPr kumimoji="0" lang="en-US" altLang="en-US" sz="1100" b="0" i="0" u="none" strike="noStrike" cap="none" normalizeH="0" baseline="0" dirty="0" smtClean="0">
+              <a:rPr kumimoji="0" lang="en-US" altLang="en-US" sz="1100" b="0" i="0" u="none" strike="noStrike" cap="none" normalizeH="0" baseline="0" dirty="0">
                 <a:ln>
                   <a:noFill/>
                 </a:ln>
@@ -28719,7 +28678,7 @@
               </a:rPr>
               <a:t>}</a:t>
             </a:r>
-            <a:endParaRPr kumimoji="0" lang="en-US" altLang="en-US" sz="2800" b="0" i="0" u="none" strike="noStrike" cap="none" normalizeH="0" baseline="0" dirty="0" smtClean="0">
+            <a:endParaRPr kumimoji="0" lang="en-US" altLang="en-US" sz="2800" b="0" i="0" u="none" strike="noStrike" cap="none" normalizeH="0" baseline="0" dirty="0">
               <a:ln>
                 <a:noFill/>
               </a:ln>
@@ -28790,7 +28749,7 @@
               <a:tabLst/>
             </a:pPr>
             <a:r>
-              <a:rPr kumimoji="0" lang="en-US" altLang="en-US" sz="1100" b="0" i="0" u="none" strike="noStrike" cap="none" normalizeH="0" baseline="0" dirty="0" smtClean="0">
+              <a:rPr kumimoji="0" lang="en-US" altLang="en-US" sz="1100" b="0" i="0" u="none" strike="noStrike" cap="none" normalizeH="0" baseline="0" dirty="0">
                 <a:ln>
                   <a:noFill/>
                 </a:ln>
@@ -28804,7 +28763,7 @@
               <a:t>class</a:t>
             </a:r>
             <a:r>
-              <a:rPr kumimoji="0" lang="en-US" altLang="en-US" sz="1100" b="0" i="0" u="none" strike="noStrike" cap="none" normalizeH="0" baseline="0" dirty="0" smtClean="0">
+              <a:rPr kumimoji="0" lang="en-US" altLang="en-US" sz="1100" b="0" i="0" u="none" strike="noStrike" cap="none" normalizeH="0" baseline="0" dirty="0">
                 <a:ln>
                   <a:noFill/>
                 </a:ln>
@@ -28818,7 +28777,7 @@
               <a:t> </a:t>
             </a:r>
             <a:r>
-              <a:rPr kumimoji="0" lang="en-US" altLang="en-US" sz="1100" b="0" i="0" u="none" strike="noStrike" cap="none" normalizeH="0" baseline="0" dirty="0" smtClean="0">
+              <a:rPr kumimoji="0" lang="en-US" altLang="en-US" sz="1100" b="0" i="0" u="none" strike="noStrike" cap="none" normalizeH="0" baseline="0" dirty="0">
                 <a:ln>
                   <a:noFill/>
                 </a:ln>
@@ -28832,7 +28791,7 @@
               <a:t>Customer</a:t>
             </a:r>
             <a:r>
-              <a:rPr kumimoji="0" lang="en-US" altLang="en-US" sz="1100" b="0" i="0" u="none" strike="noStrike" cap="none" normalizeH="0" baseline="0" dirty="0" smtClean="0">
+              <a:rPr kumimoji="0" lang="en-US" altLang="en-US" sz="1100" b="0" i="0" u="none" strike="noStrike" cap="none" normalizeH="0" baseline="0" dirty="0">
                 <a:ln>
                   <a:noFill/>
                 </a:ln>
@@ -28846,7 +28805,7 @@
               <a:t>     </a:t>
             </a:r>
             <a:br>
-              <a:rPr kumimoji="0" lang="en-US" altLang="en-US" sz="1100" b="0" i="0" u="none" strike="noStrike" cap="none" normalizeH="0" baseline="0" dirty="0" smtClean="0">
+              <a:rPr kumimoji="0" lang="en-US" altLang="en-US" sz="1100" b="0" i="0" u="none" strike="noStrike" cap="none" normalizeH="0" baseline="0" dirty="0">
                 <a:ln>
                   <a:noFill/>
                 </a:ln>
@@ -28859,7 +28818,7 @@
               </a:rPr>
             </a:br>
             <a:r>
-              <a:rPr kumimoji="0" lang="en-US" altLang="en-US" sz="1100" b="0" i="0" u="none" strike="noStrike" cap="none" normalizeH="0" baseline="0" dirty="0" smtClean="0">
+              <a:rPr kumimoji="0" lang="en-US" altLang="en-US" sz="1100" b="0" i="0" u="none" strike="noStrike" cap="none" normalizeH="0" baseline="0" dirty="0">
                 <a:ln>
                   <a:noFill/>
                 </a:ln>
@@ -28873,7 +28832,7 @@
               <a:t>{         </a:t>
             </a:r>
             <a:br>
-              <a:rPr kumimoji="0" lang="en-US" altLang="en-US" sz="1100" b="0" i="0" u="none" strike="noStrike" cap="none" normalizeH="0" baseline="0" dirty="0" smtClean="0">
+              <a:rPr kumimoji="0" lang="en-US" altLang="en-US" sz="1100" b="0" i="0" u="none" strike="noStrike" cap="none" normalizeH="0" baseline="0" dirty="0">
                 <a:ln>
                   <a:noFill/>
                 </a:ln>
@@ -28886,7 +28845,7 @@
               </a:rPr>
             </a:br>
             <a:r>
-              <a:rPr kumimoji="0" lang="en-US" altLang="en-US" sz="1100" b="0" i="0" u="none" strike="noStrike" cap="none" normalizeH="0" baseline="0" dirty="0" smtClean="0">
+              <a:rPr kumimoji="0" lang="en-US" altLang="en-US" sz="1100" b="0" i="0" u="none" strike="noStrike" cap="none" normalizeH="0" baseline="0" dirty="0">
                 <a:ln>
                   <a:noFill/>
                 </a:ln>
@@ -28900,7 +28859,7 @@
               <a:t>     </a:t>
             </a:r>
             <a:r>
-              <a:rPr kumimoji="0" lang="en-US" altLang="en-US" sz="1100" b="0" i="0" u="none" strike="noStrike" cap="none" normalizeH="0" baseline="0" dirty="0" smtClean="0">
+              <a:rPr kumimoji="0" lang="en-US" altLang="en-US" sz="1100" b="0" i="0" u="none" strike="noStrike" cap="none" normalizeH="0" baseline="0" dirty="0">
                 <a:ln>
                   <a:noFill/>
                 </a:ln>
@@ -28914,7 +28873,7 @@
               <a:t>public</a:t>
             </a:r>
             <a:r>
-              <a:rPr kumimoji="0" lang="en-US" altLang="en-US" sz="1100" b="0" i="0" u="none" strike="noStrike" cap="none" normalizeH="0" baseline="0" dirty="0" smtClean="0">
+              <a:rPr kumimoji="0" lang="en-US" altLang="en-US" sz="1100" b="0" i="0" u="none" strike="noStrike" cap="none" normalizeH="0" baseline="0" dirty="0">
                 <a:ln>
                   <a:noFill/>
                 </a:ln>
@@ -28928,7 +28887,7 @@
               <a:t> </a:t>
             </a:r>
             <a:r>
-              <a:rPr kumimoji="0" lang="en-US" altLang="en-US" sz="1100" b="0" i="0" u="none" strike="noStrike" cap="none" normalizeH="0" baseline="0" dirty="0" err="1" smtClean="0">
+              <a:rPr kumimoji="0" lang="en-US" altLang="en-US" sz="1100" b="0" i="0" u="none" strike="noStrike" cap="none" normalizeH="0" baseline="0" dirty="0" err="1">
                 <a:ln>
                   <a:noFill/>
                 </a:ln>
@@ -28942,7 +28901,7 @@
               <a:t>EntitySet</a:t>
             </a:r>
             <a:r>
-              <a:rPr kumimoji="0" lang="en-US" altLang="en-US" sz="1100" b="0" i="0" u="none" strike="noStrike" cap="none" normalizeH="0" baseline="0" dirty="0" smtClean="0">
+              <a:rPr kumimoji="0" lang="en-US" altLang="en-US" sz="1100" b="0" i="0" u="none" strike="noStrike" cap="none" normalizeH="0" baseline="0" dirty="0">
                 <a:ln>
                   <a:noFill/>
                 </a:ln>
@@ -28956,7 +28915,7 @@
               <a:t>&lt;</a:t>
             </a:r>
             <a:r>
-              <a:rPr kumimoji="0" lang="en-US" altLang="en-US" sz="1100" b="0" i="0" u="none" strike="noStrike" cap="none" normalizeH="0" baseline="0" dirty="0" smtClean="0">
+              <a:rPr kumimoji="0" lang="en-US" altLang="en-US" sz="1100" b="0" i="0" u="none" strike="noStrike" cap="none" normalizeH="0" baseline="0" dirty="0">
                 <a:ln>
                   <a:noFill/>
                 </a:ln>
@@ -28970,7 +28929,7 @@
               <a:t>Order</a:t>
             </a:r>
             <a:r>
-              <a:rPr kumimoji="0" lang="en-US" altLang="en-US" sz="1100" b="0" i="0" u="none" strike="noStrike" cap="none" normalizeH="0" baseline="0" dirty="0" smtClean="0">
+              <a:rPr kumimoji="0" lang="en-US" altLang="en-US" sz="1100" b="0" i="0" u="none" strike="noStrike" cap="none" normalizeH="0" baseline="0" dirty="0">
                 <a:ln>
                   <a:noFill/>
                 </a:ln>
@@ -28984,7 +28943,7 @@
               <a:t>&gt; Orders;</a:t>
             </a:r>
             <a:br>
-              <a:rPr kumimoji="0" lang="en-US" altLang="en-US" sz="1100" b="0" i="0" u="none" strike="noStrike" cap="none" normalizeH="0" baseline="0" dirty="0" smtClean="0">
+              <a:rPr kumimoji="0" lang="en-US" altLang="en-US" sz="1100" b="0" i="0" u="none" strike="noStrike" cap="none" normalizeH="0" baseline="0" dirty="0">
                 <a:ln>
                   <a:noFill/>
                 </a:ln>
@@ -28997,7 +28956,7 @@
               </a:rPr>
             </a:br>
             <a:r>
-              <a:rPr kumimoji="0" lang="en-US" altLang="en-US" sz="1100" b="0" i="0" u="none" strike="noStrike" cap="none" normalizeH="0" baseline="0" dirty="0" smtClean="0">
+              <a:rPr kumimoji="0" lang="en-US" altLang="en-US" sz="1100" b="0" i="0" u="none" strike="noStrike" cap="none" normalizeH="0" baseline="0" dirty="0">
                 <a:ln>
                   <a:noFill/>
                 </a:ln>
@@ -29010,7 +28969,7 @@
               </a:rPr>
               <a:t>}</a:t>
             </a:r>
-            <a:endParaRPr kumimoji="0" lang="en-US" altLang="en-US" sz="2800" b="0" i="0" u="none" strike="noStrike" cap="none" normalizeH="0" baseline="0" dirty="0" smtClean="0">
+            <a:endParaRPr kumimoji="0" lang="en-US" altLang="en-US" sz="2800" b="0" i="0" u="none" strike="noStrike" cap="none" normalizeH="0" baseline="0" dirty="0">
               <a:ln>
                 <a:noFill/>
               </a:ln>
@@ -29081,7 +29040,7 @@
               <a:tabLst/>
             </a:pPr>
             <a:r>
-              <a:rPr kumimoji="0" lang="en-US" altLang="en-US" sz="1100" b="0" i="0" u="none" strike="noStrike" cap="none" normalizeH="0" baseline="0" dirty="0" smtClean="0">
+              <a:rPr kumimoji="0" lang="en-US" altLang="en-US" sz="1100" b="0" i="0" u="none" strike="noStrike" cap="none" normalizeH="0" baseline="0" dirty="0">
                 <a:ln>
                   <a:noFill/>
                 </a:ln>
@@ -29095,7 +29054,7 @@
               <a:t>public</a:t>
             </a:r>
             <a:r>
-              <a:rPr kumimoji="0" lang="en-US" altLang="en-US" sz="1100" b="0" i="0" u="none" strike="noStrike" cap="none" normalizeH="0" baseline="0" dirty="0" smtClean="0">
+              <a:rPr kumimoji="0" lang="en-US" altLang="en-US" sz="1100" b="0" i="0" u="none" strike="noStrike" cap="none" normalizeH="0" baseline="0" dirty="0">
                 <a:ln>
                   <a:noFill/>
                 </a:ln>
@@ -29109,7 +29068,7 @@
               <a:t> </a:t>
             </a:r>
             <a:r>
-              <a:rPr kumimoji="0" lang="en-US" altLang="en-US" sz="1100" b="0" i="0" u="none" strike="noStrike" cap="none" normalizeH="0" baseline="0" dirty="0" smtClean="0">
+              <a:rPr kumimoji="0" lang="en-US" altLang="en-US" sz="1100" b="0" i="0" u="none" strike="noStrike" cap="none" normalizeH="0" baseline="0" dirty="0">
                 <a:ln>
                   <a:noFill/>
                 </a:ln>
@@ -29123,7 +29082,7 @@
               <a:t>class</a:t>
             </a:r>
             <a:r>
-              <a:rPr kumimoji="0" lang="en-US" altLang="en-US" sz="1100" b="0" i="0" u="none" strike="noStrike" cap="none" normalizeH="0" baseline="0" dirty="0" smtClean="0">
+              <a:rPr kumimoji="0" lang="en-US" altLang="en-US" sz="1100" b="0" i="0" u="none" strike="noStrike" cap="none" normalizeH="0" baseline="0" dirty="0">
                 <a:ln>
                   <a:noFill/>
                 </a:ln>
@@ -29137,7 +29096,7 @@
               <a:t> </a:t>
             </a:r>
             <a:r>
-              <a:rPr kumimoji="0" lang="en-US" altLang="en-US" sz="1100" b="0" i="0" u="none" strike="noStrike" cap="none" normalizeH="0" baseline="0" dirty="0" err="1" smtClean="0">
+              <a:rPr kumimoji="0" lang="en-US" altLang="en-US" sz="1100" b="0" i="0" u="none" strike="noStrike" cap="none" normalizeH="0" baseline="0" dirty="0" err="1">
                 <a:ln>
                   <a:noFill/>
                 </a:ln>
@@ -29151,7 +29110,7 @@
               <a:t>MyDataContext</a:t>
             </a:r>
             <a:r>
-              <a:rPr kumimoji="0" lang="en-US" altLang="en-US" sz="1100" b="0" i="0" u="none" strike="noStrike" cap="none" normalizeH="0" baseline="0" dirty="0" smtClean="0">
+              <a:rPr kumimoji="0" lang="en-US" altLang="en-US" sz="1100" b="0" i="0" u="none" strike="noStrike" cap="none" normalizeH="0" baseline="0" dirty="0">
                 <a:ln>
                   <a:noFill/>
                 </a:ln>
@@ -29165,7 +29124,7 @@
               <a:t> </a:t>
             </a:r>
             <a:br>
-              <a:rPr kumimoji="0" lang="en-US" altLang="en-US" sz="1100" b="0" i="0" u="none" strike="noStrike" cap="none" normalizeH="0" baseline="0" dirty="0" smtClean="0">
+              <a:rPr kumimoji="0" lang="en-US" altLang="en-US" sz="1100" b="0" i="0" u="none" strike="noStrike" cap="none" normalizeH="0" baseline="0" dirty="0">
                 <a:ln>
                   <a:noFill/>
                 </a:ln>
@@ -29178,7 +29137,7 @@
               </a:rPr>
             </a:br>
             <a:r>
-              <a:rPr kumimoji="0" lang="en-US" altLang="en-US" sz="1100" b="0" i="0" u="none" strike="noStrike" cap="none" normalizeH="0" baseline="0" dirty="0" smtClean="0">
+              <a:rPr kumimoji="0" lang="en-US" altLang="en-US" sz="1100" b="0" i="0" u="none" strike="noStrike" cap="none" normalizeH="0" baseline="0" dirty="0">
                 <a:ln>
                   <a:noFill/>
                 </a:ln>
@@ -29192,7 +29151,7 @@
               <a:t>{     </a:t>
             </a:r>
             <a:br>
-              <a:rPr kumimoji="0" lang="en-US" altLang="en-US" sz="1100" b="0" i="0" u="none" strike="noStrike" cap="none" normalizeH="0" baseline="0" dirty="0" smtClean="0">
+              <a:rPr kumimoji="0" lang="en-US" altLang="en-US" sz="1100" b="0" i="0" u="none" strike="noStrike" cap="none" normalizeH="0" baseline="0" dirty="0">
                 <a:ln>
                   <a:noFill/>
                 </a:ln>
@@ -29205,7 +29164,7 @@
               </a:rPr>
             </a:br>
             <a:r>
-              <a:rPr kumimoji="0" lang="en-US" altLang="en-US" sz="1100" b="0" i="0" u="none" strike="noStrike" cap="none" normalizeH="0" dirty="0" smtClean="0">
+              <a:rPr kumimoji="0" lang="en-US" altLang="en-US" sz="1100" b="0" i="0" u="none" strike="noStrike" cap="none" normalizeH="0" dirty="0">
                 <a:ln>
                   <a:noFill/>
                 </a:ln>
@@ -29219,7 +29178,7 @@
               <a:t>   </a:t>
             </a:r>
             <a:r>
-              <a:rPr kumimoji="0" lang="en-US" altLang="en-US" sz="1100" b="0" i="0" u="none" strike="noStrike" cap="none" normalizeH="0" baseline="0" dirty="0" smtClean="0">
+              <a:rPr kumimoji="0" lang="en-US" altLang="en-US" sz="1100" b="0" i="0" u="none" strike="noStrike" cap="none" normalizeH="0" baseline="0" dirty="0">
                 <a:ln>
                   <a:noFill/>
                 </a:ln>
@@ -29233,7 +29192,7 @@
               <a:t>public</a:t>
             </a:r>
             <a:r>
-              <a:rPr kumimoji="0" lang="en-US" altLang="en-US" sz="1100" b="0" i="0" u="none" strike="noStrike" cap="none" normalizeH="0" baseline="0" dirty="0" smtClean="0">
+              <a:rPr kumimoji="0" lang="en-US" altLang="en-US" sz="1100" b="0" i="0" u="none" strike="noStrike" cap="none" normalizeH="0" baseline="0" dirty="0">
                 <a:ln>
                   <a:noFill/>
                 </a:ln>
@@ -29247,7 +29206,7 @@
               <a:t> </a:t>
             </a:r>
             <a:r>
-              <a:rPr kumimoji="0" lang="en-US" altLang="en-US" sz="1100" b="0" i="0" u="none" strike="noStrike" cap="none" normalizeH="0" baseline="0" dirty="0" err="1" smtClean="0">
+              <a:rPr kumimoji="0" lang="en-US" altLang="en-US" sz="1100" b="0" i="0" u="none" strike="noStrike" cap="none" normalizeH="0" baseline="0" dirty="0" err="1">
                 <a:ln>
                   <a:noFill/>
                 </a:ln>
@@ -29261,7 +29220,7 @@
               <a:t>DbSet</a:t>
             </a:r>
             <a:r>
-              <a:rPr kumimoji="0" lang="en-US" altLang="en-US" sz="1100" b="0" i="0" u="none" strike="noStrike" cap="none" normalizeH="0" baseline="0" dirty="0" smtClean="0">
+              <a:rPr kumimoji="0" lang="en-US" altLang="en-US" sz="1100" b="0" i="0" u="none" strike="noStrike" cap="none" normalizeH="0" baseline="0" dirty="0">
                 <a:ln>
                   <a:noFill/>
                 </a:ln>
@@ -29275,7 +29234,7 @@
               <a:t>&lt;</a:t>
             </a:r>
             <a:r>
-              <a:rPr kumimoji="0" lang="en-US" altLang="en-US" sz="1100" b="0" i="0" u="none" strike="noStrike" cap="none" normalizeH="0" baseline="0" dirty="0" smtClean="0">
+              <a:rPr kumimoji="0" lang="en-US" altLang="en-US" sz="1100" b="0" i="0" u="none" strike="noStrike" cap="none" normalizeH="0" baseline="0" dirty="0">
                 <a:ln>
                   <a:noFill/>
                 </a:ln>
@@ -29289,7 +29248,7 @@
               <a:t>Order</a:t>
             </a:r>
             <a:r>
-              <a:rPr kumimoji="0" lang="en-US" altLang="en-US" sz="1100" b="0" i="0" u="none" strike="noStrike" cap="none" normalizeH="0" baseline="0" dirty="0" smtClean="0">
+              <a:rPr kumimoji="0" lang="en-US" altLang="en-US" sz="1100" b="0" i="0" u="none" strike="noStrike" cap="none" normalizeH="0" baseline="0" dirty="0">
                 <a:ln>
                   <a:noFill/>
                 </a:ln>
@@ -29303,7 +29262,7 @@
               <a:t>&gt; Orders;     </a:t>
             </a:r>
             <a:br>
-              <a:rPr kumimoji="0" lang="en-US" altLang="en-US" sz="1100" b="0" i="0" u="none" strike="noStrike" cap="none" normalizeH="0" baseline="0" dirty="0" smtClean="0">
+              <a:rPr kumimoji="0" lang="en-US" altLang="en-US" sz="1100" b="0" i="0" u="none" strike="noStrike" cap="none" normalizeH="0" baseline="0" dirty="0">
                 <a:ln>
                   <a:noFill/>
                 </a:ln>
@@ -29316,7 +29275,7 @@
               </a:rPr>
             </a:br>
             <a:r>
-              <a:rPr kumimoji="0" lang="en-US" altLang="en-US" sz="1100" b="0" i="0" u="none" strike="noStrike" cap="none" normalizeH="0" dirty="0" smtClean="0">
+              <a:rPr kumimoji="0" lang="en-US" altLang="en-US" sz="1100" b="0" i="0" u="none" strike="noStrike" cap="none" normalizeH="0" dirty="0">
                 <a:ln>
                   <a:noFill/>
                 </a:ln>
@@ -29330,7 +29289,7 @@
               <a:t>   </a:t>
             </a:r>
             <a:r>
-              <a:rPr kumimoji="0" lang="en-US" altLang="en-US" sz="1100" b="0" i="0" u="none" strike="noStrike" cap="none" normalizeH="0" baseline="0" dirty="0" smtClean="0">
+              <a:rPr kumimoji="0" lang="en-US" altLang="en-US" sz="1100" b="0" i="0" u="none" strike="noStrike" cap="none" normalizeH="0" baseline="0" dirty="0">
                 <a:ln>
                   <a:noFill/>
                 </a:ln>
@@ -29344,7 +29303,7 @@
               <a:t>public</a:t>
             </a:r>
             <a:r>
-              <a:rPr kumimoji="0" lang="en-US" altLang="en-US" sz="1100" b="0" i="0" u="none" strike="noStrike" cap="none" normalizeH="0" baseline="0" dirty="0" smtClean="0">
+              <a:rPr kumimoji="0" lang="en-US" altLang="en-US" sz="1100" b="0" i="0" u="none" strike="noStrike" cap="none" normalizeH="0" baseline="0" dirty="0">
                 <a:ln>
                   <a:noFill/>
                 </a:ln>
@@ -29358,7 +29317,7 @@
               <a:t> </a:t>
             </a:r>
             <a:r>
-              <a:rPr kumimoji="0" lang="en-US" altLang="en-US" sz="1100" b="0" i="0" u="none" strike="noStrike" cap="none" normalizeH="0" baseline="0" dirty="0" err="1" smtClean="0">
+              <a:rPr kumimoji="0" lang="en-US" altLang="en-US" sz="1100" b="0" i="0" u="none" strike="noStrike" cap="none" normalizeH="0" baseline="0" dirty="0" err="1">
                 <a:ln>
                   <a:noFill/>
                 </a:ln>
@@ -29372,7 +29331,7 @@
               <a:t>DbSet</a:t>
             </a:r>
             <a:r>
-              <a:rPr kumimoji="0" lang="en-US" altLang="en-US" sz="1100" b="0" i="0" u="none" strike="noStrike" cap="none" normalizeH="0" baseline="0" dirty="0" smtClean="0">
+              <a:rPr kumimoji="0" lang="en-US" altLang="en-US" sz="1100" b="0" i="0" u="none" strike="noStrike" cap="none" normalizeH="0" baseline="0" dirty="0">
                 <a:ln>
                   <a:noFill/>
                 </a:ln>
@@ -29386,7 +29345,7 @@
               <a:t>&lt;</a:t>
             </a:r>
             <a:r>
-              <a:rPr kumimoji="0" lang="en-US" altLang="en-US" sz="1100" b="0" i="0" u="none" strike="noStrike" cap="none" normalizeH="0" baseline="0" dirty="0" smtClean="0">
+              <a:rPr kumimoji="0" lang="en-US" altLang="en-US" sz="1100" b="0" i="0" u="none" strike="noStrike" cap="none" normalizeH="0" baseline="0" dirty="0">
                 <a:ln>
                   <a:noFill/>
                 </a:ln>
@@ -29400,7 +29359,7 @@
               <a:t>Customer</a:t>
             </a:r>
             <a:r>
-              <a:rPr kumimoji="0" lang="en-US" altLang="en-US" sz="1100" b="0" i="0" u="none" strike="noStrike" cap="none" normalizeH="0" baseline="0" dirty="0" smtClean="0">
+              <a:rPr kumimoji="0" lang="en-US" altLang="en-US" sz="1100" b="0" i="0" u="none" strike="noStrike" cap="none" normalizeH="0" baseline="0" dirty="0">
                 <a:ln>
                   <a:noFill/>
                 </a:ln>
@@ -29414,7 +29373,7 @@
               <a:t>&gt; Customers; </a:t>
             </a:r>
             <a:br>
-              <a:rPr kumimoji="0" lang="en-US" altLang="en-US" sz="1100" b="0" i="0" u="none" strike="noStrike" cap="none" normalizeH="0" baseline="0" dirty="0" smtClean="0">
+              <a:rPr kumimoji="0" lang="en-US" altLang="en-US" sz="1100" b="0" i="0" u="none" strike="noStrike" cap="none" normalizeH="0" baseline="0" dirty="0">
                 <a:ln>
                   <a:noFill/>
                 </a:ln>
@@ -29427,7 +29386,7 @@
               </a:rPr>
             </a:br>
             <a:r>
-              <a:rPr kumimoji="0" lang="en-US" altLang="en-US" sz="1100" b="0" i="0" u="none" strike="noStrike" cap="none" normalizeH="0" baseline="0" dirty="0" smtClean="0">
+              <a:rPr kumimoji="0" lang="en-US" altLang="en-US" sz="1100" b="0" i="0" u="none" strike="noStrike" cap="none" normalizeH="0" baseline="0" dirty="0">
                 <a:ln>
                   <a:noFill/>
                 </a:ln>
@@ -29440,7 +29399,7 @@
               </a:rPr>
               <a:t>}</a:t>
             </a:r>
-            <a:endParaRPr kumimoji="0" lang="en-US" altLang="en-US" sz="2800" b="0" i="0" u="none" strike="noStrike" cap="none" normalizeH="0" baseline="0" dirty="0" smtClean="0">
+            <a:endParaRPr kumimoji="0" lang="en-US" altLang="en-US" sz="2800" b="0" i="0" u="none" strike="noStrike" cap="none" normalizeH="0" baseline="0" dirty="0">
               <a:ln>
                 <a:noFill/>
               </a:ln>
@@ -29511,7 +29470,7 @@
               <a:tabLst/>
             </a:pPr>
             <a:r>
-              <a:rPr kumimoji="0" lang="en-US" altLang="en-US" sz="1100" b="0" i="0" u="none" strike="noStrike" cap="none" normalizeH="0" baseline="0" dirty="0" smtClean="0">
+              <a:rPr kumimoji="0" lang="en-US" altLang="en-US" sz="1100" b="0" i="0" u="none" strike="noStrike" cap="none" normalizeH="0" baseline="0" dirty="0">
                 <a:ln>
                   <a:noFill/>
                 </a:ln>
@@ -29525,7 +29484,7 @@
               <a:t>using</a:t>
             </a:r>
             <a:r>
-              <a:rPr kumimoji="0" lang="en-US" altLang="en-US" sz="1100" b="0" i="0" u="none" strike="noStrike" cap="none" normalizeH="0" baseline="0" dirty="0" smtClean="0">
+              <a:rPr kumimoji="0" lang="en-US" altLang="en-US" sz="1100" b="0" i="0" u="none" strike="noStrike" cap="none" normalizeH="0" baseline="0" dirty="0">
                 <a:ln>
                   <a:noFill/>
                 </a:ln>
@@ -29539,7 +29498,7 @@
               <a:t> (</a:t>
             </a:r>
             <a:r>
-              <a:rPr kumimoji="0" lang="en-US" altLang="en-US" sz="1100" b="0" i="0" u="none" strike="noStrike" cap="none" normalizeH="0" baseline="0" dirty="0" err="1" smtClean="0">
+              <a:rPr kumimoji="0" lang="en-US" altLang="en-US" sz="1100" b="0" i="0" u="none" strike="noStrike" cap="none" normalizeH="0" baseline="0" dirty="0" err="1">
                 <a:ln>
                   <a:noFill/>
                 </a:ln>
@@ -29553,7 +29512,7 @@
               <a:t>var</a:t>
             </a:r>
             <a:r>
-              <a:rPr kumimoji="0" lang="en-US" altLang="en-US" sz="1100" b="0" i="0" u="none" strike="noStrike" cap="none" normalizeH="0" baseline="0" dirty="0" smtClean="0">
+              <a:rPr kumimoji="0" lang="en-US" altLang="en-US" sz="1100" b="0" i="0" u="none" strike="noStrike" cap="none" normalizeH="0" baseline="0" dirty="0">
                 <a:ln>
                   <a:noFill/>
                 </a:ln>
@@ -29567,7 +29526,7 @@
               <a:t> </a:t>
             </a:r>
             <a:r>
-              <a:rPr kumimoji="0" lang="en-US" altLang="en-US" sz="1100" b="0" i="0" u="none" strike="noStrike" cap="none" normalizeH="0" baseline="0" dirty="0" err="1" smtClean="0">
+              <a:rPr kumimoji="0" lang="en-US" altLang="en-US" sz="1100" b="0" i="0" u="none" strike="noStrike" cap="none" normalizeH="0" baseline="0" dirty="0" err="1">
                 <a:ln>
                   <a:noFill/>
                 </a:ln>
@@ -29581,7 +29540,7 @@
               <a:t>db</a:t>
             </a:r>
             <a:r>
-              <a:rPr kumimoji="0" lang="en-US" altLang="en-US" sz="1100" b="0" i="0" u="none" strike="noStrike" cap="none" normalizeH="0" baseline="0" dirty="0" smtClean="0">
+              <a:rPr kumimoji="0" lang="en-US" altLang="en-US" sz="1100" b="0" i="0" u="none" strike="noStrike" cap="none" normalizeH="0" baseline="0" dirty="0">
                 <a:ln>
                   <a:noFill/>
                 </a:ln>
@@ -29595,7 +29554,7 @@
               <a:t> = </a:t>
             </a:r>
             <a:r>
-              <a:rPr kumimoji="0" lang="en-US" altLang="en-US" sz="1100" b="0" i="0" u="none" strike="noStrike" cap="none" normalizeH="0" baseline="0" dirty="0" smtClean="0">
+              <a:rPr kumimoji="0" lang="en-US" altLang="en-US" sz="1100" b="0" i="0" u="none" strike="noStrike" cap="none" normalizeH="0" baseline="0" dirty="0">
                 <a:ln>
                   <a:noFill/>
                 </a:ln>
@@ -29609,7 +29568,7 @@
               <a:t>new</a:t>
             </a:r>
             <a:r>
-              <a:rPr kumimoji="0" lang="en-US" altLang="en-US" sz="1100" b="0" i="0" u="none" strike="noStrike" cap="none" normalizeH="0" baseline="0" dirty="0" smtClean="0">
+              <a:rPr kumimoji="0" lang="en-US" altLang="en-US" sz="1100" b="0" i="0" u="none" strike="noStrike" cap="none" normalizeH="0" baseline="0" dirty="0">
                 <a:ln>
                   <a:noFill/>
                 </a:ln>
@@ -29623,7 +29582,7 @@
               <a:t> </a:t>
             </a:r>
             <a:r>
-              <a:rPr kumimoji="0" lang="en-US" altLang="en-US" sz="1100" b="0" i="0" u="none" strike="noStrike" cap="none" normalizeH="0" baseline="0" dirty="0" err="1" smtClean="0">
+              <a:rPr kumimoji="0" lang="en-US" altLang="en-US" sz="1100" b="0" i="0" u="none" strike="noStrike" cap="none" normalizeH="0" baseline="0" dirty="0" err="1">
                 <a:ln>
                   <a:noFill/>
                 </a:ln>
@@ -29637,7 +29596,7 @@
               <a:t>MyDataContext</a:t>
             </a:r>
             <a:r>
-              <a:rPr kumimoji="0" lang="en-US" altLang="en-US" sz="1100" b="0" i="0" u="none" strike="noStrike" cap="none" normalizeH="0" baseline="0" dirty="0" smtClean="0">
+              <a:rPr kumimoji="0" lang="en-US" altLang="en-US" sz="1100" b="0" i="0" u="none" strike="noStrike" cap="none" normalizeH="0" baseline="0" dirty="0">
                 <a:ln>
                   <a:noFill/>
                 </a:ln>
@@ -29651,7 +29610,7 @@
               <a:t>()) </a:t>
             </a:r>
             <a:br>
-              <a:rPr kumimoji="0" lang="en-US" altLang="en-US" sz="1100" b="0" i="0" u="none" strike="noStrike" cap="none" normalizeH="0" baseline="0" dirty="0" smtClean="0">
+              <a:rPr kumimoji="0" lang="en-US" altLang="en-US" sz="1100" b="0" i="0" u="none" strike="noStrike" cap="none" normalizeH="0" baseline="0" dirty="0">
                 <a:ln>
                   <a:noFill/>
                 </a:ln>
@@ -29664,7 +29623,7 @@
               </a:rPr>
             </a:br>
             <a:r>
-              <a:rPr kumimoji="0" lang="en-US" altLang="en-US" sz="1100" b="0" i="0" u="none" strike="noStrike" cap="none" normalizeH="0" baseline="0" dirty="0" smtClean="0">
+              <a:rPr kumimoji="0" lang="en-US" altLang="en-US" sz="1100" b="0" i="0" u="none" strike="noStrike" cap="none" normalizeH="0" baseline="0" dirty="0">
                 <a:ln>
                   <a:noFill/>
                 </a:ln>
@@ -29678,7 +29637,7 @@
               <a:t>{     </a:t>
             </a:r>
             <a:br>
-              <a:rPr kumimoji="0" lang="en-US" altLang="en-US" sz="1100" b="0" i="0" u="none" strike="noStrike" cap="none" normalizeH="0" baseline="0" dirty="0" smtClean="0">
+              <a:rPr kumimoji="0" lang="en-US" altLang="en-US" sz="1100" b="0" i="0" u="none" strike="noStrike" cap="none" normalizeH="0" baseline="0" dirty="0">
                 <a:ln>
                   <a:noFill/>
                 </a:ln>
@@ -29691,7 +29650,7 @@
               </a:rPr>
             </a:br>
             <a:r>
-              <a:rPr kumimoji="0" lang="en-US" altLang="en-US" sz="1100" b="0" i="0" u="none" strike="noStrike" cap="none" normalizeH="0" baseline="0" dirty="0" smtClean="0">
+              <a:rPr kumimoji="0" lang="en-US" altLang="en-US" sz="1100" b="0" i="0" u="none" strike="noStrike" cap="none" normalizeH="0" baseline="0" dirty="0">
                 <a:ln>
                   <a:noFill/>
                 </a:ln>
@@ -29705,7 +29664,7 @@
               <a:t>     </a:t>
             </a:r>
             <a:r>
-              <a:rPr kumimoji="0" lang="en-US" altLang="en-US" sz="1100" b="0" i="0" u="none" strike="noStrike" cap="none" normalizeH="0" baseline="0" dirty="0" err="1" smtClean="0">
+              <a:rPr kumimoji="0" lang="en-US" altLang="en-US" sz="1100" b="0" i="0" u="none" strike="noStrike" cap="none" normalizeH="0" baseline="0" dirty="0" err="1">
                 <a:ln>
                   <a:noFill/>
                 </a:ln>
@@ -29719,7 +29678,7 @@
               <a:t>db.Customers.Where</a:t>
             </a:r>
             <a:r>
-              <a:rPr kumimoji="0" lang="en-US" altLang="en-US" sz="1100" b="0" i="0" u="none" strike="noStrike" cap="none" normalizeH="0" baseline="0" dirty="0" smtClean="0">
+              <a:rPr kumimoji="0" lang="en-US" altLang="en-US" sz="1100" b="0" i="0" u="none" strike="noStrike" cap="none" normalizeH="0" baseline="0" dirty="0">
                 <a:ln>
                   <a:noFill/>
                 </a:ln>
@@ -29733,7 +29692,7 @@
               <a:t>(c=&gt;</a:t>
             </a:r>
             <a:r>
-              <a:rPr kumimoji="0" lang="en-US" altLang="en-US" sz="1100" b="0" i="0" u="none" strike="noStrike" cap="none" normalizeH="0" baseline="0" dirty="0" err="1" smtClean="0">
+              <a:rPr kumimoji="0" lang="en-US" altLang="en-US" sz="1100" b="0" i="0" u="none" strike="noStrike" cap="none" normalizeH="0" baseline="0" dirty="0" err="1">
                 <a:ln>
                   <a:noFill/>
                 </a:ln>
@@ -29747,7 +29706,7 @@
               <a:t>c.Name</a:t>
             </a:r>
             <a:r>
-              <a:rPr kumimoji="0" lang="en-US" altLang="en-US" sz="1100" b="0" i="0" u="none" strike="noStrike" cap="none" normalizeH="0" baseline="0" dirty="0" smtClean="0">
+              <a:rPr kumimoji="0" lang="en-US" altLang="en-US" sz="1100" b="0" i="0" u="none" strike="noStrike" cap="none" normalizeH="0" baseline="0" dirty="0">
                 <a:ln>
                   <a:noFill/>
                 </a:ln>
@@ -29761,7 +29720,7 @@
               <a:t> = </a:t>
             </a:r>
             <a:r>
-              <a:rPr kumimoji="0" lang="en-US" altLang="en-US" sz="1100" b="0" i="0" u="none" strike="noStrike" cap="none" normalizeH="0" baseline="0" dirty="0" smtClean="0">
+              <a:rPr kumimoji="0" lang="en-US" altLang="en-US" sz="1100" b="0" i="0" u="none" strike="noStrike" cap="none" normalizeH="0" baseline="0" dirty="0">
                 <a:ln>
                   <a:noFill/>
                 </a:ln>
@@ -29775,7 +29734,7 @@
               <a:t>"John"</a:t>
             </a:r>
             <a:r>
-              <a:rPr kumimoji="0" lang="en-US" altLang="en-US" sz="1100" b="0" i="0" u="none" strike="noStrike" cap="none" normalizeH="0" baseline="0" dirty="0" smtClean="0">
+              <a:rPr kumimoji="0" lang="en-US" altLang="en-US" sz="1100" b="0" i="0" u="none" strike="noStrike" cap="none" normalizeH="0" baseline="0" dirty="0">
                 <a:ln>
                   <a:noFill/>
                 </a:ln>
@@ -29789,7 +29748,7 @@
               <a:t>); </a:t>
             </a:r>
             <a:br>
-              <a:rPr kumimoji="0" lang="en-US" altLang="en-US" sz="1100" b="0" i="0" u="none" strike="noStrike" cap="none" normalizeH="0" baseline="0" dirty="0" smtClean="0">
+              <a:rPr kumimoji="0" lang="en-US" altLang="en-US" sz="1100" b="0" i="0" u="none" strike="noStrike" cap="none" normalizeH="0" baseline="0" dirty="0">
                 <a:ln>
                   <a:noFill/>
                 </a:ln>
@@ -29802,7 +29761,7 @@
               </a:rPr>
             </a:br>
             <a:r>
-              <a:rPr kumimoji="0" lang="en-US" altLang="en-US" sz="1100" b="0" i="0" u="none" strike="noStrike" cap="none" normalizeH="0" baseline="0" dirty="0" smtClean="0">
+              <a:rPr kumimoji="0" lang="en-US" altLang="en-US" sz="1100" b="0" i="0" u="none" strike="noStrike" cap="none" normalizeH="0" baseline="0" dirty="0">
                 <a:ln>
                   <a:noFill/>
                 </a:ln>
@@ -29815,7 +29774,7 @@
               </a:rPr>
               <a:t>}</a:t>
             </a:r>
-            <a:endParaRPr kumimoji="0" lang="en-US" altLang="en-US" sz="2800" b="0" i="0" u="none" strike="noStrike" cap="none" normalizeH="0" baseline="0" dirty="0" smtClean="0">
+            <a:endParaRPr kumimoji="0" lang="en-US" altLang="en-US" sz="2800" b="0" i="0" u="none" strike="noStrike" cap="none" normalizeH="0" baseline="0" dirty="0">
               <a:ln>
                 <a:noFill/>
               </a:ln>
@@ -29886,7 +29845,7 @@
               <a:tabLst/>
             </a:pPr>
             <a:r>
-              <a:rPr kumimoji="0" lang="en-US" altLang="en-US" sz="1100" b="0" i="0" u="none" strike="noStrike" cap="none" normalizeH="0" baseline="0" dirty="0" smtClean="0">
+              <a:rPr kumimoji="0" lang="en-US" altLang="en-US" sz="1100" b="0" i="0" u="none" strike="noStrike" cap="none" normalizeH="0" baseline="0" dirty="0">
                 <a:ln>
                   <a:noFill/>
                 </a:ln>
@@ -29900,7 +29859,7 @@
               <a:t>using</a:t>
             </a:r>
             <a:r>
-              <a:rPr kumimoji="0" lang="en-US" altLang="en-US" sz="1100" b="0" i="0" u="none" strike="noStrike" cap="none" normalizeH="0" baseline="0" dirty="0" smtClean="0">
+              <a:rPr kumimoji="0" lang="en-US" altLang="en-US" sz="1100" b="0" i="0" u="none" strike="noStrike" cap="none" normalizeH="0" baseline="0" dirty="0">
                 <a:ln>
                   <a:noFill/>
                 </a:ln>
@@ -29914,7 +29873,7 @@
               <a:t> (</a:t>
             </a:r>
             <a:r>
-              <a:rPr kumimoji="0" lang="en-US" altLang="en-US" sz="1100" b="0" i="0" u="none" strike="noStrike" cap="none" normalizeH="0" baseline="0" dirty="0" err="1" smtClean="0">
+              <a:rPr kumimoji="0" lang="en-US" altLang="en-US" sz="1100" b="0" i="0" u="none" strike="noStrike" cap="none" normalizeH="0" baseline="0" dirty="0" err="1">
                 <a:ln>
                   <a:noFill/>
                 </a:ln>
@@ -29928,7 +29887,7 @@
               <a:t>var</a:t>
             </a:r>
             <a:r>
-              <a:rPr kumimoji="0" lang="en-US" altLang="en-US" sz="1100" b="0" i="0" u="none" strike="noStrike" cap="none" normalizeH="0" baseline="0" dirty="0" smtClean="0">
+              <a:rPr kumimoji="0" lang="en-US" altLang="en-US" sz="1100" b="0" i="0" u="none" strike="noStrike" cap="none" normalizeH="0" baseline="0" dirty="0">
                 <a:ln>
                   <a:noFill/>
                 </a:ln>
@@ -29942,7 +29901,7 @@
               <a:t> </a:t>
             </a:r>
             <a:r>
-              <a:rPr kumimoji="0" lang="en-US" altLang="en-US" sz="1100" b="0" i="0" u="none" strike="noStrike" cap="none" normalizeH="0" baseline="0" dirty="0" err="1" smtClean="0">
+              <a:rPr kumimoji="0" lang="en-US" altLang="en-US" sz="1100" b="0" i="0" u="none" strike="noStrike" cap="none" normalizeH="0" baseline="0" dirty="0" err="1">
                 <a:ln>
                   <a:noFill/>
                 </a:ln>
@@ -29956,7 +29915,7 @@
               <a:t>db</a:t>
             </a:r>
             <a:r>
-              <a:rPr kumimoji="0" lang="en-US" altLang="en-US" sz="1100" b="0" i="0" u="none" strike="noStrike" cap="none" normalizeH="0" baseline="0" dirty="0" smtClean="0">
+              <a:rPr kumimoji="0" lang="en-US" altLang="en-US" sz="1100" b="0" i="0" u="none" strike="noStrike" cap="none" normalizeH="0" baseline="0" dirty="0">
                 <a:ln>
                   <a:noFill/>
                 </a:ln>
@@ -29970,7 +29929,7 @@
               <a:t> = </a:t>
             </a:r>
             <a:r>
-              <a:rPr kumimoji="0" lang="en-US" altLang="en-US" sz="1100" b="0" i="0" u="none" strike="noStrike" cap="none" normalizeH="0" baseline="0" dirty="0" smtClean="0">
+              <a:rPr kumimoji="0" lang="en-US" altLang="en-US" sz="1100" b="0" i="0" u="none" strike="noStrike" cap="none" normalizeH="0" baseline="0" dirty="0">
                 <a:ln>
                   <a:noFill/>
                 </a:ln>
@@ -29984,7 +29943,7 @@
               <a:t>new</a:t>
             </a:r>
             <a:r>
-              <a:rPr kumimoji="0" lang="en-US" altLang="en-US" sz="1100" b="0" i="0" u="none" strike="noStrike" cap="none" normalizeH="0" baseline="0" dirty="0" smtClean="0">
+              <a:rPr kumimoji="0" lang="en-US" altLang="en-US" sz="1100" b="0" i="0" u="none" strike="noStrike" cap="none" normalizeH="0" baseline="0" dirty="0">
                 <a:ln>
                   <a:noFill/>
                 </a:ln>
@@ -29998,7 +29957,7 @@
               <a:t> </a:t>
             </a:r>
             <a:r>
-              <a:rPr kumimoji="0" lang="en-US" altLang="en-US" sz="1100" b="0" i="0" u="none" strike="noStrike" cap="none" normalizeH="0" baseline="0" dirty="0" err="1" smtClean="0">
+              <a:rPr kumimoji="0" lang="en-US" altLang="en-US" sz="1100" b="0" i="0" u="none" strike="noStrike" cap="none" normalizeH="0" baseline="0" dirty="0" err="1">
                 <a:ln>
                   <a:noFill/>
                 </a:ln>
@@ -30012,7 +29971,7 @@
               <a:t>MyDataContext</a:t>
             </a:r>
             <a:r>
-              <a:rPr kumimoji="0" lang="en-US" altLang="en-US" sz="1100" b="0" i="0" u="none" strike="noStrike" cap="none" normalizeH="0" baseline="0" dirty="0" smtClean="0">
+              <a:rPr kumimoji="0" lang="en-US" altLang="en-US" sz="1100" b="0" i="0" u="none" strike="noStrike" cap="none" normalizeH="0" baseline="0" dirty="0">
                 <a:ln>
                   <a:noFill/>
                 </a:ln>
@@ -30026,7 +29985,7 @@
               <a:t>())</a:t>
             </a:r>
             <a:br>
-              <a:rPr kumimoji="0" lang="en-US" altLang="en-US" sz="1100" b="0" i="0" u="none" strike="noStrike" cap="none" normalizeH="0" baseline="0" dirty="0" smtClean="0">
+              <a:rPr kumimoji="0" lang="en-US" altLang="en-US" sz="1100" b="0" i="0" u="none" strike="noStrike" cap="none" normalizeH="0" baseline="0" dirty="0">
                 <a:ln>
                   <a:noFill/>
                 </a:ln>
@@ -30039,7 +29998,7 @@
               </a:rPr>
             </a:br>
             <a:r>
-              <a:rPr kumimoji="0" lang="en-US" altLang="en-US" sz="1100" b="0" i="0" u="none" strike="noStrike" cap="none" normalizeH="0" baseline="0" dirty="0" smtClean="0">
+              <a:rPr kumimoji="0" lang="en-US" altLang="en-US" sz="1100" b="0" i="0" u="none" strike="noStrike" cap="none" normalizeH="0" baseline="0" dirty="0">
                 <a:ln>
                   <a:noFill/>
                 </a:ln>
@@ -30053,7 +30012,7 @@
               <a:t>{     </a:t>
             </a:r>
             <a:br>
-              <a:rPr kumimoji="0" lang="en-US" altLang="en-US" sz="1100" b="0" i="0" u="none" strike="noStrike" cap="none" normalizeH="0" baseline="0" dirty="0" smtClean="0">
+              <a:rPr kumimoji="0" lang="en-US" altLang="en-US" sz="1100" b="0" i="0" u="none" strike="noStrike" cap="none" normalizeH="0" baseline="0" dirty="0">
                 <a:ln>
                   <a:noFill/>
                 </a:ln>
@@ -30066,7 +30025,7 @@
               </a:rPr>
             </a:br>
             <a:r>
-              <a:rPr kumimoji="0" lang="en-US" altLang="en-US" sz="1100" b="0" i="0" u="none" strike="noStrike" cap="none" normalizeH="0" baseline="0" dirty="0" smtClean="0">
+              <a:rPr kumimoji="0" lang="en-US" altLang="en-US" sz="1100" b="0" i="0" u="none" strike="noStrike" cap="none" normalizeH="0" baseline="0" dirty="0">
                 <a:ln>
                   <a:noFill/>
                 </a:ln>
@@ -30080,7 +30039,7 @@
               <a:t>   </a:t>
             </a:r>
             <a:r>
-              <a:rPr kumimoji="0" lang="en-US" altLang="en-US" sz="1100" b="0" i="0" u="none" strike="noStrike" cap="none" normalizeH="0" baseline="0" dirty="0" err="1" smtClean="0">
+              <a:rPr kumimoji="0" lang="en-US" altLang="en-US" sz="1100" b="0" i="0" u="none" strike="noStrike" cap="none" normalizeH="0" baseline="0" dirty="0" err="1">
                 <a:ln>
                   <a:noFill/>
                 </a:ln>
@@ -30094,7 +30053,7 @@
               <a:t>db.Orders.Where</a:t>
             </a:r>
             <a:r>
-              <a:rPr kumimoji="0" lang="en-US" altLang="en-US" sz="1100" b="0" i="0" u="none" strike="noStrike" cap="none" normalizeH="0" baseline="0" dirty="0" smtClean="0">
+              <a:rPr kumimoji="0" lang="en-US" altLang="en-US" sz="1100" b="0" i="0" u="none" strike="noStrike" cap="none" normalizeH="0" baseline="0" dirty="0">
                 <a:ln>
                   <a:noFill/>
                 </a:ln>
@@ -30108,7 +30067,7 @@
               <a:t>(c =&gt; </a:t>
             </a:r>
             <a:r>
-              <a:rPr kumimoji="0" lang="en-US" altLang="en-US" sz="1100" b="0" i="0" u="none" strike="noStrike" cap="none" normalizeH="0" baseline="0" dirty="0" err="1" smtClean="0">
+              <a:rPr kumimoji="0" lang="en-US" altLang="en-US" sz="1100" b="0" i="0" u="none" strike="noStrike" cap="none" normalizeH="0" baseline="0" dirty="0" err="1">
                 <a:ln>
                   <a:noFill/>
                 </a:ln>
@@ -30122,7 +30081,7 @@
               <a:t>c.Customer.Name</a:t>
             </a:r>
             <a:r>
-              <a:rPr kumimoji="0" lang="en-US" altLang="en-US" sz="1100" b="0" i="0" u="none" strike="noStrike" cap="none" normalizeH="0" baseline="0" dirty="0" smtClean="0">
+              <a:rPr kumimoji="0" lang="en-US" altLang="en-US" sz="1100" b="0" i="0" u="none" strike="noStrike" cap="none" normalizeH="0" baseline="0" dirty="0">
                 <a:ln>
                   <a:noFill/>
                 </a:ln>
@@ -30136,7 +30095,7 @@
               <a:t> = </a:t>
             </a:r>
             <a:r>
-              <a:rPr kumimoji="0" lang="en-US" altLang="en-US" sz="1100" b="0" i="0" u="none" strike="noStrike" cap="none" normalizeH="0" baseline="0" dirty="0" smtClean="0">
+              <a:rPr kumimoji="0" lang="en-US" altLang="en-US" sz="1100" b="0" i="0" u="none" strike="noStrike" cap="none" normalizeH="0" baseline="0" dirty="0">
                 <a:ln>
                   <a:noFill/>
                 </a:ln>
@@ -30150,7 +30109,7 @@
               <a:t>"John"</a:t>
             </a:r>
             <a:r>
-              <a:rPr kumimoji="0" lang="en-US" altLang="en-US" sz="1100" b="0" i="0" u="none" strike="noStrike" cap="none" normalizeH="0" baseline="0" dirty="0" smtClean="0">
+              <a:rPr kumimoji="0" lang="en-US" altLang="en-US" sz="1100" b="0" i="0" u="none" strike="noStrike" cap="none" normalizeH="0" baseline="0" dirty="0">
                 <a:ln>
                   <a:noFill/>
                 </a:ln>
@@ -30164,7 +30123,7 @@
               <a:t>); </a:t>
             </a:r>
             <a:br>
-              <a:rPr kumimoji="0" lang="en-US" altLang="en-US" sz="1100" b="0" i="0" u="none" strike="noStrike" cap="none" normalizeH="0" baseline="0" dirty="0" smtClean="0">
+              <a:rPr kumimoji="0" lang="en-US" altLang="en-US" sz="1100" b="0" i="0" u="none" strike="noStrike" cap="none" normalizeH="0" baseline="0" dirty="0">
                 <a:ln>
                   <a:noFill/>
                 </a:ln>
@@ -30177,7 +30136,7 @@
               </a:rPr>
             </a:br>
             <a:r>
-              <a:rPr kumimoji="0" lang="en-US" altLang="en-US" sz="1100" b="0" i="0" u="none" strike="noStrike" cap="none" normalizeH="0" baseline="0" dirty="0" smtClean="0">
+              <a:rPr kumimoji="0" lang="en-US" altLang="en-US" sz="1100" b="0" i="0" u="none" strike="noStrike" cap="none" normalizeH="0" baseline="0" dirty="0">
                 <a:ln>
                   <a:noFill/>
                 </a:ln>
@@ -30190,7 +30149,7 @@
               </a:rPr>
               <a:t>}</a:t>
             </a:r>
-            <a:endParaRPr kumimoji="0" lang="en-US" altLang="en-US" sz="1100" b="0" i="0" u="none" strike="noStrike" cap="none" normalizeH="0" baseline="0" dirty="0" smtClean="0">
+            <a:endParaRPr kumimoji="0" lang="en-US" altLang="en-US" sz="1100" b="0" i="0" u="none" strike="noStrike" cap="none" normalizeH="0" baseline="0" dirty="0">
               <a:ln>
                 <a:noFill/>
               </a:ln>
@@ -30381,7 +30340,7 @@
           <a:lstStyle/>
           <a:p>
             <a:r>
-              <a:rPr lang="en-US" sz="3200" dirty="0" smtClean="0">
+              <a:rPr lang="en-US" sz="3200" dirty="0">
                 <a:solidFill>
                   <a:srgbClr val="FF0000"/>
                 </a:solidFill>
@@ -30390,7 +30349,7 @@
               <a:t>Modular </a:t>
             </a:r>
             <a:r>
-              <a:rPr lang="en-US" sz="3200" dirty="0" smtClean="0">
+              <a:rPr lang="en-US" sz="3200" dirty="0">
                 <a:solidFill>
                   <a:srgbClr val="FF0000"/>
                 </a:solidFill>
@@ -30929,7 +30888,7 @@
           <a:lstStyle/>
           <a:p>
             <a:r>
-              <a:rPr lang="en-US" dirty="0" smtClean="0">
+              <a:rPr lang="en-US" dirty="0">
                 <a:solidFill>
                   <a:srgbClr val="A0A0A0"/>
                 </a:solidFill>
@@ -31040,7 +30999,7 @@
               <a:tabLst/>
             </a:pPr>
             <a:r>
-              <a:rPr kumimoji="0" lang="en-US" altLang="en-US" sz="1100" b="0" i="0" u="none" strike="noStrike" cap="none" normalizeH="0" baseline="0" dirty="0" err="1" smtClean="0">
+              <a:rPr kumimoji="0" lang="en-US" altLang="en-US" sz="1100" b="0" i="0" u="none" strike="noStrike" cap="none" normalizeH="0" baseline="0" dirty="0" err="1">
                 <a:ln>
                   <a:noFill/>
                 </a:ln>
@@ -31054,7 +31013,7 @@
               <a:t>SchemaBuilder</a:t>
             </a:r>
             <a:r>
-              <a:rPr kumimoji="0" lang="en-US" altLang="en-US" sz="1100" b="0" i="0" u="none" strike="noStrike" cap="none" normalizeH="0" baseline="0" dirty="0" smtClean="0">
+              <a:rPr kumimoji="0" lang="en-US" altLang="en-US" sz="1100" b="0" i="0" u="none" strike="noStrike" cap="none" normalizeH="0" baseline="0" dirty="0">
                 <a:ln>
                   <a:noFill/>
                 </a:ln>
@@ -31068,7 +31027,7 @@
               <a:t> </a:t>
             </a:r>
             <a:r>
-              <a:rPr kumimoji="0" lang="en-US" altLang="en-US" sz="1100" b="0" i="0" u="none" strike="noStrike" cap="none" normalizeH="0" baseline="0" dirty="0" err="1" smtClean="0">
+              <a:rPr kumimoji="0" lang="en-US" altLang="en-US" sz="1100" b="0" i="0" u="none" strike="noStrike" cap="none" normalizeH="0" baseline="0" dirty="0" err="1">
                 <a:ln>
                   <a:noFill/>
                 </a:ln>
@@ -31082,7 +31041,7 @@
               <a:t>sb</a:t>
             </a:r>
             <a:r>
-              <a:rPr kumimoji="0" lang="en-US" altLang="en-US" sz="1100" b="0" i="0" u="none" strike="noStrike" cap="none" normalizeH="0" baseline="0" dirty="0" smtClean="0">
+              <a:rPr kumimoji="0" lang="en-US" altLang="en-US" sz="1100" b="0" i="0" u="none" strike="noStrike" cap="none" normalizeH="0" baseline="0" dirty="0">
                 <a:ln>
                   <a:noFill/>
                 </a:ln>
@@ -31096,7 +31055,7 @@
               <a:t> = </a:t>
             </a:r>
             <a:r>
-              <a:rPr kumimoji="0" lang="en-US" altLang="en-US" sz="1100" b="0" i="0" u="none" strike="noStrike" cap="none" normalizeH="0" baseline="0" dirty="0" smtClean="0">
+              <a:rPr kumimoji="0" lang="en-US" altLang="en-US" sz="1100" b="0" i="0" u="none" strike="noStrike" cap="none" normalizeH="0" baseline="0" dirty="0">
                 <a:ln>
                   <a:noFill/>
                 </a:ln>
@@ -31110,7 +31069,7 @@
               <a:t>new</a:t>
             </a:r>
             <a:r>
-              <a:rPr kumimoji="0" lang="en-US" altLang="en-US" sz="1100" b="0" i="0" u="none" strike="noStrike" cap="none" normalizeH="0" baseline="0" dirty="0" smtClean="0">
+              <a:rPr kumimoji="0" lang="en-US" altLang="en-US" sz="1100" b="0" i="0" u="none" strike="noStrike" cap="none" normalizeH="0" baseline="0" dirty="0">
                 <a:ln>
                   <a:noFill/>
                 </a:ln>
@@ -31124,7 +31083,7 @@
               <a:t> </a:t>
             </a:r>
             <a:r>
-              <a:rPr kumimoji="0" lang="en-US" altLang="en-US" sz="1100" b="0" i="0" u="none" strike="noStrike" cap="none" normalizeH="0" baseline="0" dirty="0" err="1" smtClean="0">
+              <a:rPr kumimoji="0" lang="en-US" altLang="en-US" sz="1100" b="0" i="0" u="none" strike="noStrike" cap="none" normalizeH="0" baseline="0" dirty="0" err="1">
                 <a:ln>
                   <a:noFill/>
                 </a:ln>
@@ -31138,7 +31097,7 @@
               <a:t>SchemaBuilder</a:t>
             </a:r>
             <a:r>
-              <a:rPr kumimoji="0" lang="en-US" altLang="en-US" sz="1100" b="0" i="0" u="none" strike="noStrike" cap="none" normalizeH="0" baseline="0" dirty="0" smtClean="0">
+              <a:rPr kumimoji="0" lang="en-US" altLang="en-US" sz="1100" b="0" i="0" u="none" strike="noStrike" cap="none" normalizeH="0" baseline="0" dirty="0">
                 <a:ln>
                   <a:noFill/>
                 </a:ln>
@@ -31151,7 +31110,7 @@
               </a:rPr>
               <a:t>();</a:t>
             </a:r>
-            <a:endParaRPr kumimoji="0" lang="en-US" altLang="en-US" sz="1100" b="0" i="0" u="none" strike="noStrike" cap="none" normalizeH="0" baseline="0" dirty="0" smtClean="0">
+            <a:endParaRPr kumimoji="0" lang="en-US" altLang="en-US" sz="1100" b="0" i="0" u="none" strike="noStrike" cap="none" normalizeH="0" baseline="0" dirty="0">
               <a:ln>
                 <a:noFill/>
               </a:ln>
@@ -31222,7 +31181,7 @@
               <a:tabLst/>
             </a:pPr>
             <a:r>
-              <a:rPr kumimoji="0" lang="en-US" altLang="en-US" sz="1100" b="0" i="0" u="none" strike="noStrike" cap="none" normalizeH="0" baseline="0" dirty="0" err="1" smtClean="0">
+              <a:rPr kumimoji="0" lang="en-US" altLang="en-US" sz="1100" b="0" i="0" u="none" strike="noStrike" cap="none" normalizeH="0" baseline="0" dirty="0" err="1">
                 <a:ln>
                   <a:noFill/>
                 </a:ln>
@@ -31236,7 +31195,7 @@
               <a:t>Database</a:t>
             </a:r>
             <a:r>
-              <a:rPr kumimoji="0" lang="en-US" altLang="en-US" sz="1100" b="0" i="0" u="none" strike="noStrike" cap="none" normalizeH="0" baseline="0" dirty="0" err="1" smtClean="0">
+              <a:rPr kumimoji="0" lang="en-US" altLang="en-US" sz="1100" b="0" i="0" u="none" strike="noStrike" cap="none" normalizeH="0" baseline="0" dirty="0" err="1">
                 <a:ln>
                   <a:noFill/>
                 </a:ln>
@@ -31250,7 +31209,7 @@
               <a:t>.Query</a:t>
             </a:r>
             <a:r>
-              <a:rPr kumimoji="0" lang="en-US" altLang="en-US" sz="1100" b="0" i="0" u="none" strike="noStrike" cap="none" normalizeH="0" baseline="0" dirty="0" smtClean="0">
+              <a:rPr kumimoji="0" lang="en-US" altLang="en-US" sz="1100" b="0" i="0" u="none" strike="noStrike" cap="none" normalizeH="0" baseline="0" dirty="0">
                 <a:ln>
                   <a:noFill/>
                 </a:ln>
@@ -31264,7 +31223,7 @@
               <a:t>&lt;</a:t>
             </a:r>
             <a:r>
-              <a:rPr kumimoji="0" lang="en-US" altLang="en-US" sz="1100" b="0" i="0" u="none" strike="noStrike" cap="none" normalizeH="0" baseline="0" dirty="0" smtClean="0">
+              <a:rPr kumimoji="0" lang="en-US" altLang="en-US" sz="1100" b="0" i="0" u="none" strike="noStrike" cap="none" normalizeH="0" baseline="0" dirty="0">
                 <a:ln>
                   <a:noFill/>
                 </a:ln>
@@ -31278,7 +31237,7 @@
               <a:t>Customer</a:t>
             </a:r>
             <a:r>
-              <a:rPr kumimoji="0" lang="en-US" altLang="en-US" sz="1100" b="0" i="0" u="none" strike="noStrike" cap="none" normalizeH="0" baseline="0" dirty="0" smtClean="0">
+              <a:rPr kumimoji="0" lang="en-US" altLang="en-US" sz="1100" b="0" i="0" u="none" strike="noStrike" cap="none" normalizeH="0" baseline="0" dirty="0">
                 <a:ln>
                   <a:noFill/>
                 </a:ln>
@@ -31292,7 +31251,7 @@
               <a:t>&gt;().Where(c=&gt;</a:t>
             </a:r>
             <a:r>
-              <a:rPr kumimoji="0" lang="en-US" altLang="en-US" sz="1100" b="0" i="0" u="none" strike="noStrike" cap="none" normalizeH="0" baseline="0" dirty="0" err="1" smtClean="0">
+              <a:rPr kumimoji="0" lang="en-US" altLang="en-US" sz="1100" b="0" i="0" u="none" strike="noStrike" cap="none" normalizeH="0" baseline="0" dirty="0" err="1">
                 <a:ln>
                   <a:noFill/>
                 </a:ln>
@@ -31306,7 +31265,7 @@
               <a:t>c.Name</a:t>
             </a:r>
             <a:r>
-              <a:rPr kumimoji="0" lang="en-US" altLang="en-US" sz="1100" b="0" i="0" u="none" strike="noStrike" cap="none" normalizeH="0" baseline="0" dirty="0" smtClean="0">
+              <a:rPr kumimoji="0" lang="en-US" altLang="en-US" sz="1100" b="0" i="0" u="none" strike="noStrike" cap="none" normalizeH="0" baseline="0" dirty="0">
                 <a:ln>
                   <a:noFill/>
                 </a:ln>
@@ -31320,7 +31279,7 @@
               <a:t> = </a:t>
             </a:r>
             <a:r>
-              <a:rPr kumimoji="0" lang="en-US" altLang="en-US" sz="1100" b="0" i="0" u="none" strike="noStrike" cap="none" normalizeH="0" baseline="0" dirty="0" smtClean="0">
+              <a:rPr kumimoji="0" lang="en-US" altLang="en-US" sz="1100" b="0" i="0" u="none" strike="noStrike" cap="none" normalizeH="0" baseline="0" dirty="0">
                 <a:ln>
                   <a:noFill/>
                 </a:ln>
@@ -31334,7 +31293,7 @@
               <a:t>"John"</a:t>
             </a:r>
             <a:r>
-              <a:rPr kumimoji="0" lang="en-US" altLang="en-US" sz="1100" b="0" i="0" u="none" strike="noStrike" cap="none" normalizeH="0" baseline="0" dirty="0" smtClean="0">
+              <a:rPr kumimoji="0" lang="en-US" altLang="en-US" sz="1100" b="0" i="0" u="none" strike="noStrike" cap="none" normalizeH="0" baseline="0" dirty="0">
                 <a:ln>
                   <a:noFill/>
                 </a:ln>
@@ -31347,7 +31306,7 @@
               </a:rPr>
               <a:t>); </a:t>
             </a:r>
-            <a:endParaRPr kumimoji="0" lang="en-US" altLang="en-US" sz="1100" b="0" i="0" u="none" strike="noStrike" cap="none" normalizeH="0" baseline="0" dirty="0" smtClean="0">
+            <a:endParaRPr kumimoji="0" lang="en-US" altLang="en-US" sz="1100" b="0" i="0" u="none" strike="noStrike" cap="none" normalizeH="0" baseline="0" dirty="0">
               <a:ln>
                 <a:noFill/>
               </a:ln>
@@ -31418,7 +31377,7 @@
               <a:tabLst/>
             </a:pPr>
             <a:r>
-              <a:rPr kumimoji="0" lang="en-US" altLang="en-US" sz="1100" b="0" i="0" u="none" strike="noStrike" cap="none" normalizeH="0" baseline="0" dirty="0" err="1" smtClean="0">
+              <a:rPr kumimoji="0" lang="en-US" altLang="en-US" sz="1100" b="0" i="0" u="none" strike="noStrike" cap="none" normalizeH="0" baseline="0" dirty="0" err="1">
                 <a:ln>
                   <a:noFill/>
                 </a:ln>
@@ -31432,7 +31391,7 @@
               <a:t>Database</a:t>
             </a:r>
             <a:r>
-              <a:rPr kumimoji="0" lang="en-US" altLang="en-US" sz="1100" b="0" i="0" u="none" strike="noStrike" cap="none" normalizeH="0" baseline="0" dirty="0" err="1" smtClean="0">
+              <a:rPr kumimoji="0" lang="en-US" altLang="en-US" sz="1100" b="0" i="0" u="none" strike="noStrike" cap="none" normalizeH="0" baseline="0" dirty="0" err="1">
                 <a:ln>
                   <a:noFill/>
                 </a:ln>
@@ -31446,7 +31405,7 @@
               <a:t>.Query</a:t>
             </a:r>
             <a:r>
-              <a:rPr kumimoji="0" lang="en-US" altLang="en-US" sz="1100" b="0" i="0" u="none" strike="noStrike" cap="none" normalizeH="0" baseline="0" dirty="0" smtClean="0">
+              <a:rPr kumimoji="0" lang="en-US" altLang="en-US" sz="1100" b="0" i="0" u="none" strike="noStrike" cap="none" normalizeH="0" baseline="0" dirty="0">
                 <a:ln>
                   <a:noFill/>
                 </a:ln>
@@ -31460,7 +31419,7 @@
               <a:t>&lt;</a:t>
             </a:r>
             <a:r>
-              <a:rPr kumimoji="0" lang="en-US" altLang="en-US" sz="1100" b="0" i="0" u="none" strike="noStrike" cap="none" normalizeH="0" baseline="0" dirty="0" smtClean="0">
+              <a:rPr kumimoji="0" lang="en-US" altLang="en-US" sz="1100" b="0" i="0" u="none" strike="noStrike" cap="none" normalizeH="0" baseline="0" dirty="0">
                 <a:ln>
                   <a:noFill/>
                 </a:ln>
@@ -31474,7 +31433,7 @@
               <a:t>Order</a:t>
             </a:r>
             <a:r>
-              <a:rPr kumimoji="0" lang="en-US" altLang="en-US" sz="1100" b="0" i="0" u="none" strike="noStrike" cap="none" normalizeH="0" baseline="0" dirty="0" smtClean="0">
+              <a:rPr kumimoji="0" lang="en-US" altLang="en-US" sz="1100" b="0" i="0" u="none" strike="noStrike" cap="none" normalizeH="0" baseline="0" dirty="0">
                 <a:ln>
                   <a:noFill/>
                 </a:ln>
@@ -31488,7 +31447,7 @@
               <a:t>&gt;().Where(c =&gt; </a:t>
             </a:r>
             <a:r>
-              <a:rPr kumimoji="0" lang="en-US" altLang="en-US" sz="1100" b="0" i="0" u="none" strike="noStrike" cap="none" normalizeH="0" baseline="0" dirty="0" err="1" smtClean="0">
+              <a:rPr kumimoji="0" lang="en-US" altLang="en-US" sz="1100" b="0" i="0" u="none" strike="noStrike" cap="none" normalizeH="0" baseline="0" dirty="0" err="1">
                 <a:ln>
                   <a:noFill/>
                 </a:ln>
@@ -31502,7 +31461,7 @@
               <a:t>c.Customer.Name</a:t>
             </a:r>
             <a:r>
-              <a:rPr kumimoji="0" lang="en-US" altLang="en-US" sz="1100" b="0" i="0" u="none" strike="noStrike" cap="none" normalizeH="0" baseline="0" dirty="0" smtClean="0">
+              <a:rPr kumimoji="0" lang="en-US" altLang="en-US" sz="1100" b="0" i="0" u="none" strike="noStrike" cap="none" normalizeH="0" baseline="0" dirty="0">
                 <a:ln>
                   <a:noFill/>
                 </a:ln>
@@ -31516,7 +31475,7 @@
               <a:t> = </a:t>
             </a:r>
             <a:r>
-              <a:rPr kumimoji="0" lang="en-US" altLang="en-US" sz="1100" b="0" i="0" u="none" strike="noStrike" cap="none" normalizeH="0" baseline="0" dirty="0" smtClean="0">
+              <a:rPr kumimoji="0" lang="en-US" altLang="en-US" sz="1100" b="0" i="0" u="none" strike="noStrike" cap="none" normalizeH="0" baseline="0" dirty="0">
                 <a:ln>
                   <a:noFill/>
                 </a:ln>
@@ -31530,7 +31489,7 @@
               <a:t>"John"</a:t>
             </a:r>
             <a:r>
-              <a:rPr kumimoji="0" lang="en-US" altLang="en-US" sz="1100" b="0" i="0" u="none" strike="noStrike" cap="none" normalizeH="0" baseline="0" dirty="0" smtClean="0">
+              <a:rPr kumimoji="0" lang="en-US" altLang="en-US" sz="1100" b="0" i="0" u="none" strike="noStrike" cap="none" normalizeH="0" baseline="0" dirty="0">
                 <a:ln>
                   <a:noFill/>
                 </a:ln>
@@ -31543,7 +31502,7 @@
               </a:rPr>
               <a:t>); </a:t>
             </a:r>
-            <a:endParaRPr kumimoji="0" lang="en-US" altLang="en-US" sz="1100" b="0" i="0" u="none" strike="noStrike" cap="none" normalizeH="0" baseline="0" dirty="0" smtClean="0">
+            <a:endParaRPr kumimoji="0" lang="en-US" altLang="en-US" sz="1100" b="0" i="0" u="none" strike="noStrike" cap="none" normalizeH="0" baseline="0" dirty="0">
               <a:ln>
                 <a:noFill/>
               </a:ln>
@@ -31566,8 +31525,8 @@
         </p:nvSpPr>
         <p:spPr bwMode="auto">
           <a:xfrm>
-            <a:off x="524688" y="5429727"/>
-            <a:ext cx="5064037" cy="923330"/>
+            <a:off x="524688" y="5637476"/>
+            <a:ext cx="5492935" cy="507831"/>
           </a:xfrm>
           <a:prstGeom prst="rect">
             <a:avLst/>
@@ -31597,24 +31556,95 @@
           </a:bodyPr>
           <a:lstStyle/>
           <a:p>
-            <a:pPr marL="0" marR="0" lvl="0" indent="0" algn="l" defTabSz="914400" rtl="0" eaLnBrk="0" fontAlgn="base" latinLnBrk="0" hangingPunct="0">
-              <a:lnSpc>
-                <a:spcPct val="100000"/>
-              </a:lnSpc>
+            <a:pPr lvl="0" eaLnBrk="0" fontAlgn="base" hangingPunct="0">
               <a:spcBef>
                 <a:spcPct val="0"/>
               </a:spcBef>
               <a:spcAft>
                 <a:spcPct val="0"/>
               </a:spcAft>
-              <a:buClrTx/>
-              <a:buSzTx/>
-              <a:buFontTx/>
-              <a:buNone/>
-              <a:tabLst/>
             </a:pPr>
             <a:r>
-              <a:rPr kumimoji="0" lang="en-US" altLang="en-US" sz="900" b="0" i="0" u="none" strike="noStrike" cap="none" normalizeH="0" baseline="0" dirty="0" smtClean="0">
+              <a:rPr lang="en-US" altLang="en-US" sz="900" dirty="0">
+                <a:solidFill>
+                  <a:schemeClr val="tx1"/>
+                </a:solidFill>
+                <a:latin typeface="Consolas" panose="020B0609020204030204" pitchFamily="49" charset="0"/>
+                <a:cs typeface="Consolas" panose="020B0609020204030204" pitchFamily="49" charset="0"/>
+              </a:rPr>
+              <a:t>[</a:t>
+            </a:r>
+            <a:r>
+              <a:rPr kumimoji="0" lang="en-US" altLang="en-US" sz="900" b="0" i="0" u="none" strike="noStrike" cap="none" normalizeH="0" baseline="0" dirty="0" err="1">
+                <a:ln>
+                  <a:noFill/>
+                </a:ln>
+                <a:solidFill>
+                  <a:srgbClr val="2B91AF"/>
+                </a:solidFill>
+                <a:effectLst/>
+                <a:latin typeface="Consolas" panose="020B0609020204030204" pitchFamily="49" charset="0"/>
+                <a:cs typeface="Consolas" panose="020B0609020204030204" pitchFamily="49" charset="0"/>
+              </a:rPr>
+              <a:t>AutoExpressionField</a:t>
+            </a:r>
+            <a:r>
+              <a:rPr kumimoji="0" lang="en-US" altLang="en-US" sz="900" b="0" i="0" u="none" strike="noStrike" cap="none" normalizeH="0" baseline="0" dirty="0">
+                <a:ln>
+                  <a:noFill/>
+                </a:ln>
+                <a:solidFill>
+                  <a:schemeClr val="tx1"/>
+                </a:solidFill>
+                <a:effectLst/>
+                <a:latin typeface="Consolas" panose="020B0609020204030204" pitchFamily="49" charset="0"/>
+                <a:cs typeface="Consolas" panose="020B0609020204030204" pitchFamily="49" charset="0"/>
+              </a:rPr>
+              <a:t>]</a:t>
+            </a:r>
+            <a:br>
+              <a:rPr kumimoji="0" lang="en-US" altLang="en-US" sz="900" b="0" i="0" u="none" strike="noStrike" cap="none" normalizeH="0" baseline="0" dirty="0">
+                <a:ln>
+                  <a:noFill/>
+                </a:ln>
+                <a:solidFill>
+                  <a:srgbClr val="000000"/>
+                </a:solidFill>
+                <a:effectLst/>
+                <a:latin typeface="Consolas" panose="020B0609020204030204" pitchFamily="49" charset="0"/>
+                <a:cs typeface="Consolas" panose="020B0609020204030204" pitchFamily="49" charset="0"/>
+              </a:rPr>
+            </a:br>
+            <a:r>
+              <a:rPr kumimoji="0" lang="en-US" altLang="en-US" sz="900" b="0" i="0" u="none" strike="noStrike" cap="none" normalizeH="0" baseline="0" dirty="0">
+                <a:ln>
+                  <a:noFill/>
+                </a:ln>
+                <a:solidFill>
+                  <a:srgbClr val="0000FF"/>
+                </a:solidFill>
+                <a:effectLst/>
+                <a:latin typeface="Consolas" panose="020B0609020204030204" pitchFamily="49" charset="0"/>
+                <a:cs typeface="Consolas" panose="020B0609020204030204" pitchFamily="49" charset="0"/>
+              </a:rPr>
+              <a:t>public</a:t>
+            </a:r>
+            <a:r>
+              <a:rPr kumimoji="0" lang="en-US" altLang="en-US" sz="900" b="0" i="0" u="none" strike="noStrike" cap="none" normalizeH="0" baseline="0" dirty="0">
+                <a:ln>
+                  <a:noFill/>
+                </a:ln>
+                <a:solidFill>
+                  <a:srgbClr val="000000"/>
+                </a:solidFill>
+                <a:effectLst/>
+                <a:latin typeface="Consolas" panose="020B0609020204030204" pitchFamily="49" charset="0"/>
+                <a:cs typeface="Consolas" panose="020B0609020204030204" pitchFamily="49" charset="0"/>
+              </a:rPr>
+              <a:t> </a:t>
+            </a:r>
+            <a:r>
+              <a:rPr kumimoji="0" lang="en-US" altLang="en-US" sz="900" b="0" i="0" u="none" strike="noStrike" cap="none" normalizeH="0" baseline="0" dirty="0">
                 <a:ln>
                   <a:noFill/>
                 </a:ln>
@@ -31628,7 +31658,7 @@
               <a:t>static</a:t>
             </a:r>
             <a:r>
-              <a:rPr kumimoji="0" lang="en-US" altLang="en-US" sz="900" b="0" i="0" u="none" strike="noStrike" cap="none" normalizeH="0" baseline="0" dirty="0" smtClean="0">
+              <a:rPr kumimoji="0" lang="en-US" altLang="en-US" sz="900" b="0" i="0" u="none" strike="noStrike" cap="none" normalizeH="0" baseline="0" dirty="0">
                 <a:ln>
                   <a:noFill/>
                 </a:ln>
@@ -31642,21 +31672,21 @@
               <a:t> </a:t>
             </a:r>
             <a:r>
-              <a:rPr kumimoji="0" lang="en-US" altLang="en-US" sz="900" b="0" i="0" u="none" strike="noStrike" cap="none" normalizeH="0" baseline="0" dirty="0" smtClean="0">
+              <a:rPr kumimoji="0" lang="en-US" altLang="en-US" sz="900" b="0" i="0" u="none" strike="noStrike" cap="none" normalizeH="0" baseline="0" dirty="0" err="1">
                 <a:ln>
                   <a:noFill/>
                 </a:ln>
                 <a:solidFill>
-                  <a:srgbClr val="2B91AF"/>
+                  <a:srgbClr val="27C9D1"/>
                 </a:solidFill>
                 <a:effectLst/>
                 <a:latin typeface="Consolas" panose="020B0609020204030204" pitchFamily="49" charset="0"/>
                 <a:cs typeface="Consolas" panose="020B0609020204030204" pitchFamily="49" charset="0"/>
               </a:rPr>
-              <a:t>Expression</a:t>
-            </a:r>
-            <a:r>
-              <a:rPr kumimoji="0" lang="en-US" altLang="en-US" sz="900" b="0" i="0" u="none" strike="noStrike" cap="none" normalizeH="0" baseline="0" dirty="0" smtClean="0">
+              <a:t>IQueryable</a:t>
+            </a:r>
+            <a:r>
+              <a:rPr kumimoji="0" lang="en-US" altLang="en-US" sz="900" b="0" i="0" u="none" strike="noStrike" cap="none" normalizeH="0" baseline="0" dirty="0">
                 <a:ln>
                   <a:noFill/>
                 </a:ln>
@@ -31670,21 +31700,21 @@
               <a:t>&lt;</a:t>
             </a:r>
             <a:r>
-              <a:rPr kumimoji="0" lang="en-US" altLang="en-US" sz="900" b="0" i="0" u="none" strike="noStrike" cap="none" normalizeH="0" baseline="0" dirty="0" err="1" smtClean="0">
+              <a:rPr kumimoji="0" lang="en-US" altLang="en-US" sz="900" b="0" i="0" u="none" strike="noStrike" cap="none" normalizeH="0" baseline="0" dirty="0">
                 <a:ln>
                   <a:noFill/>
                 </a:ln>
                 <a:solidFill>
-                  <a:srgbClr val="CE6700"/>
+                  <a:srgbClr val="2B91AF"/>
                 </a:solidFill>
                 <a:effectLst/>
                 <a:latin typeface="Consolas" panose="020B0609020204030204" pitchFamily="49" charset="0"/>
                 <a:cs typeface="Consolas" panose="020B0609020204030204" pitchFamily="49" charset="0"/>
               </a:rPr>
-              <a:t>Func</a:t>
-            </a:r>
-            <a:r>
-              <a:rPr kumimoji="0" lang="en-US" altLang="en-US" sz="900" b="0" i="0" u="none" strike="noStrike" cap="none" normalizeH="0" baseline="0" dirty="0" smtClean="0">
+              <a:t>Order</a:t>
+            </a:r>
+            <a:r>
+              <a:rPr kumimoji="0" lang="en-US" altLang="en-US" sz="900" b="0" i="0" u="none" strike="noStrike" cap="none" normalizeH="0" baseline="0" dirty="0">
                 <a:ln>
                   <a:noFill/>
                 </a:ln>
@@ -31695,10 +31725,38 @@
                 <a:latin typeface="Consolas" panose="020B0609020204030204" pitchFamily="49" charset="0"/>
                 <a:cs typeface="Consolas" panose="020B0609020204030204" pitchFamily="49" charset="0"/>
               </a:rPr>
-              <a:t>&lt;</a:t>
-            </a:r>
-            <a:r>
-              <a:rPr kumimoji="0" lang="en-US" altLang="en-US" sz="900" b="0" i="0" u="none" strike="noStrike" cap="none" normalizeH="0" baseline="0" dirty="0" smtClean="0">
+              <a:t>&gt; Orders(</a:t>
+            </a:r>
+            <a:r>
+              <a:rPr kumimoji="0" lang="en-US" altLang="en-US" sz="900" b="0" i="0" u="none" strike="noStrike" cap="none" normalizeH="0" baseline="0" dirty="0">
+                <a:ln>
+                  <a:noFill/>
+                </a:ln>
+                <a:solidFill>
+                  <a:srgbClr val="0000FF"/>
+                </a:solidFill>
+                <a:effectLst/>
+                <a:latin typeface="Consolas" panose="020B0609020204030204" pitchFamily="49" charset="0"/>
+                <a:cs typeface="Consolas" panose="020B0609020204030204" pitchFamily="49" charset="0"/>
+              </a:rPr>
+              <a:t>this</a:t>
+            </a:r>
+            <a:r>
+              <a:rPr kumimoji="0" lang="en-US" altLang="en-US" sz="900" b="0" i="0" u="none" strike="noStrike" cap="none" normalizeH="0" baseline="0" dirty="0">
+                <a:ln>
+                  <a:noFill/>
+                </a:ln>
+                <a:solidFill>
+                  <a:srgbClr val="000000"/>
+                </a:solidFill>
+                <a:effectLst/>
+                <a:latin typeface="Consolas" panose="020B0609020204030204" pitchFamily="49" charset="0"/>
+                <a:cs typeface="Consolas" panose="020B0609020204030204" pitchFamily="49" charset="0"/>
+              </a:rPr>
+              <a:t> </a:t>
+            </a:r>
+            <a:r>
+              <a:rPr kumimoji="0" lang="en-US" altLang="en-US" sz="900" b="0" i="0" u="none" strike="noStrike" cap="none" normalizeH="0" baseline="0" dirty="0">
                 <a:ln>
                   <a:noFill/>
                 </a:ln>
@@ -31712,7 +31770,7 @@
               <a:t>Customer</a:t>
             </a:r>
             <a:r>
-              <a:rPr kumimoji="0" lang="en-US" altLang="en-US" sz="900" b="0" i="0" u="none" strike="noStrike" cap="none" normalizeH="0" baseline="0" dirty="0" smtClean="0">
+              <a:rPr kumimoji="0" lang="en-US" altLang="en-US" sz="900" b="0" i="0" u="none" strike="noStrike" cap="none" normalizeH="0" baseline="0" dirty="0">
                 <a:ln>
                   <a:noFill/>
                 </a:ln>
@@ -31723,94 +31781,10 @@
                 <a:latin typeface="Consolas" panose="020B0609020204030204" pitchFamily="49" charset="0"/>
                 <a:cs typeface="Consolas" panose="020B0609020204030204" pitchFamily="49" charset="0"/>
               </a:rPr>
-              <a:t>, </a:t>
-            </a:r>
-            <a:r>
-              <a:rPr kumimoji="0" lang="en-US" altLang="en-US" sz="900" b="0" i="0" u="none" strike="noStrike" cap="none" normalizeH="0" baseline="0" dirty="0" err="1" smtClean="0">
-                <a:ln>
-                  <a:noFill/>
-                </a:ln>
-                <a:solidFill>
-                  <a:srgbClr val="27C9D1"/>
-                </a:solidFill>
-                <a:effectLst/>
-                <a:latin typeface="Consolas" panose="020B0609020204030204" pitchFamily="49" charset="0"/>
-                <a:cs typeface="Consolas" panose="020B0609020204030204" pitchFamily="49" charset="0"/>
-              </a:rPr>
-              <a:t>IQueryable</a:t>
-            </a:r>
-            <a:r>
-              <a:rPr kumimoji="0" lang="en-US" altLang="en-US" sz="900" b="0" i="0" u="none" strike="noStrike" cap="none" normalizeH="0" baseline="0" dirty="0" smtClean="0">
-                <a:ln>
-                  <a:noFill/>
-                </a:ln>
-                <a:solidFill>
-                  <a:srgbClr val="000000"/>
-                </a:solidFill>
-                <a:effectLst/>
-                <a:latin typeface="Consolas" panose="020B0609020204030204" pitchFamily="49" charset="0"/>
-                <a:cs typeface="Consolas" panose="020B0609020204030204" pitchFamily="49" charset="0"/>
-              </a:rPr>
-              <a:t>&lt;</a:t>
-            </a:r>
-            <a:r>
-              <a:rPr kumimoji="0" lang="en-US" altLang="en-US" sz="900" b="0" i="0" u="none" strike="noStrike" cap="none" normalizeH="0" baseline="0" dirty="0" smtClean="0">
-                <a:ln>
-                  <a:noFill/>
-                </a:ln>
-                <a:solidFill>
-                  <a:srgbClr val="2B91AF"/>
-                </a:solidFill>
-                <a:effectLst/>
-                <a:latin typeface="Consolas" panose="020B0609020204030204" pitchFamily="49" charset="0"/>
-                <a:cs typeface="Consolas" panose="020B0609020204030204" pitchFamily="49" charset="0"/>
-              </a:rPr>
-              <a:t>Order</a:t>
-            </a:r>
-            <a:r>
-              <a:rPr kumimoji="0" lang="en-US" altLang="en-US" sz="900" b="0" i="0" u="none" strike="noStrike" cap="none" normalizeH="0" baseline="0" dirty="0" smtClean="0">
-                <a:ln>
-                  <a:noFill/>
-                </a:ln>
-                <a:solidFill>
-                  <a:srgbClr val="000000"/>
-                </a:solidFill>
-                <a:effectLst/>
-                <a:latin typeface="Consolas" panose="020B0609020204030204" pitchFamily="49" charset="0"/>
-                <a:cs typeface="Consolas" panose="020B0609020204030204" pitchFamily="49" charset="0"/>
-              </a:rPr>
-              <a:t>&gt;&gt;&gt; </a:t>
-            </a:r>
-            <a:r>
-              <a:rPr kumimoji="0" lang="en-US" altLang="en-US" sz="900" b="0" i="0" u="none" strike="noStrike" cap="none" normalizeH="0" baseline="0" dirty="0" err="1" smtClean="0">
-                <a:ln>
-                  <a:noFill/>
-                </a:ln>
-                <a:solidFill>
-                  <a:srgbClr val="000000"/>
-                </a:solidFill>
-                <a:effectLst/>
-                <a:latin typeface="Consolas" panose="020B0609020204030204" pitchFamily="49" charset="0"/>
-                <a:cs typeface="Consolas" panose="020B0609020204030204" pitchFamily="49" charset="0"/>
-              </a:rPr>
-              <a:t>OrdersExpression</a:t>
-            </a:r>
-            <a:r>
-              <a:rPr kumimoji="0" lang="en-US" altLang="en-US" sz="900" b="0" i="0" u="none" strike="noStrike" cap="none" normalizeH="0" baseline="0" dirty="0" smtClean="0">
-                <a:ln>
-                  <a:noFill/>
-                </a:ln>
-                <a:solidFill>
-                  <a:srgbClr val="000000"/>
-                </a:solidFill>
-                <a:effectLst/>
-                <a:latin typeface="Consolas" panose="020B0609020204030204" pitchFamily="49" charset="0"/>
-                <a:cs typeface="Consolas" panose="020B0609020204030204" pitchFamily="49" charset="0"/>
-              </a:rPr>
-              <a:t> = </a:t>
+              <a:t> c) </a:t>
             </a:r>
             <a:br>
-              <a:rPr kumimoji="0" lang="en-US" altLang="en-US" sz="900" b="0" i="0" u="none" strike="noStrike" cap="none" normalizeH="0" baseline="0" dirty="0" smtClean="0">
+              <a:rPr kumimoji="0" lang="en-US" altLang="en-US" sz="900" b="0" i="0" u="none" strike="noStrike" cap="none" normalizeH="0" baseline="0" dirty="0">
                 <a:ln>
                   <a:noFill/>
                 </a:ln>
@@ -31823,7 +31797,7 @@
               </a:rPr>
             </a:br>
             <a:r>
-              <a:rPr kumimoji="0" lang="en-US" altLang="en-US" sz="900" b="0" i="0" u="none" strike="noStrike" cap="none" normalizeH="0" baseline="0" dirty="0" smtClean="0">
+              <a:rPr kumimoji="0" lang="en-US" altLang="en-US" sz="900" b="0" i="0" u="none" strike="noStrike" cap="none" normalizeH="0" dirty="0">
                 <a:ln>
                   <a:noFill/>
                 </a:ln>
@@ -31834,24 +31808,10 @@
                 <a:latin typeface="Consolas" panose="020B0609020204030204" pitchFamily="49" charset="0"/>
                 <a:cs typeface="Consolas" panose="020B0609020204030204" pitchFamily="49" charset="0"/>
               </a:rPr>
-              <a:t>   c =&gt; </a:t>
-            </a:r>
-            <a:r>
-              <a:rPr kumimoji="0" lang="en-US" altLang="en-US" sz="900" b="0" i="0" u="none" strike="noStrike" cap="none" normalizeH="0" baseline="0" dirty="0" err="1" smtClean="0">
-                <a:ln>
-                  <a:noFill/>
-                </a:ln>
-                <a:solidFill>
-                  <a:srgbClr val="2B91AF"/>
-                </a:solidFill>
-                <a:effectLst/>
-                <a:latin typeface="Consolas" panose="020B0609020204030204" pitchFamily="49" charset="0"/>
-                <a:cs typeface="Consolas" panose="020B0609020204030204" pitchFamily="49" charset="0"/>
-              </a:rPr>
-              <a:t>Database</a:t>
-            </a:r>
-            <a:r>
-              <a:rPr kumimoji="0" lang="en-US" altLang="en-US" sz="900" b="0" i="0" u="none" strike="noStrike" cap="none" normalizeH="0" baseline="0" dirty="0" err="1" smtClean="0">
+              <a:t>    </a:t>
+            </a:r>
+            <a:r>
+              <a:rPr kumimoji="0" lang="en-US" altLang="en-US" sz="900" b="0" i="0" u="none" strike="noStrike" cap="none" normalizeH="0" baseline="0" dirty="0">
                 <a:ln>
                   <a:noFill/>
                 </a:ln>
@@ -31862,10 +31822,10 @@
                 <a:latin typeface="Consolas" panose="020B0609020204030204" pitchFamily="49" charset="0"/>
                 <a:cs typeface="Consolas" panose="020B0609020204030204" pitchFamily="49" charset="0"/>
               </a:rPr>
-              <a:t>.Query</a:t>
-            </a:r>
-            <a:r>
-              <a:rPr kumimoji="0" lang="en-US" altLang="en-US" sz="900" b="0" i="0" u="none" strike="noStrike" cap="none" normalizeH="0" baseline="0" dirty="0" smtClean="0">
+              <a:t>=&gt; </a:t>
+            </a:r>
+            <a:r>
+              <a:rPr kumimoji="0" lang="en-US" altLang="en-US" sz="900" b="0" i="0" u="none" strike="noStrike" cap="none" normalizeH="0" baseline="0" dirty="0" err="1">
                 <a:ln>
                   <a:noFill/>
                 </a:ln>
@@ -31876,24 +31836,10 @@
                 <a:latin typeface="Consolas" panose="020B0609020204030204" pitchFamily="49" charset="0"/>
                 <a:cs typeface="Consolas" panose="020B0609020204030204" pitchFamily="49" charset="0"/>
               </a:rPr>
-              <a:t>&lt;</a:t>
-            </a:r>
-            <a:r>
-              <a:rPr kumimoji="0" lang="en-US" altLang="en-US" sz="900" b="0" i="0" u="none" strike="noStrike" cap="none" normalizeH="0" baseline="0" dirty="0" smtClean="0">
-                <a:ln>
-                  <a:noFill/>
-                </a:ln>
-                <a:solidFill>
-                  <a:srgbClr val="2B91AF"/>
-                </a:solidFill>
-                <a:effectLst/>
-                <a:latin typeface="Consolas" panose="020B0609020204030204" pitchFamily="49" charset="0"/>
-                <a:cs typeface="Consolas" panose="020B0609020204030204" pitchFamily="49" charset="0"/>
-              </a:rPr>
-              <a:t>Order</a:t>
-            </a:r>
-            <a:r>
-              <a:rPr kumimoji="0" lang="en-US" altLang="en-US" sz="900" b="0" i="0" u="none" strike="noStrike" cap="none" normalizeH="0" baseline="0" dirty="0" smtClean="0">
+              <a:t>As.Expression</a:t>
+            </a:r>
+            <a:r>
+              <a:rPr kumimoji="0" lang="en-US" altLang="en-US" sz="900" b="0" i="0" u="none" strike="noStrike" cap="none" normalizeH="0" baseline="0" dirty="0">
                 <a:ln>
                   <a:noFill/>
                 </a:ln>
@@ -31904,369 +31850,79 @@
                 <a:latin typeface="Consolas" panose="020B0609020204030204" pitchFamily="49" charset="0"/>
                 <a:cs typeface="Consolas" panose="020B0609020204030204" pitchFamily="49" charset="0"/>
               </a:rPr>
-              <a:t>&gt;().Where(o =&gt; </a:t>
-            </a:r>
-            <a:r>
-              <a:rPr kumimoji="0" lang="en-US" altLang="en-US" sz="900" b="0" i="0" u="none" strike="noStrike" cap="none" normalizeH="0" baseline="0" dirty="0" err="1" smtClean="0">
-                <a:ln>
-                  <a:noFill/>
-                </a:ln>
+              <a:t>(() =&gt; </a:t>
+            </a:r>
+            <a:r>
+              <a:rPr lang="en-US" altLang="en-US" sz="900" dirty="0" err="1">
+                <a:solidFill>
+                  <a:srgbClr val="2B91AF"/>
+                </a:solidFill>
+                <a:latin typeface="Consolas" panose="020B0609020204030204" pitchFamily="49" charset="0"/>
+                <a:cs typeface="Consolas" panose="020B0609020204030204" pitchFamily="49" charset="0"/>
+              </a:rPr>
+              <a:t>Database</a:t>
+            </a:r>
+            <a:r>
+              <a:rPr lang="en-US" altLang="en-US" sz="900" dirty="0" err="1">
                 <a:solidFill>
                   <a:srgbClr val="000000"/>
                 </a:solidFill>
-                <a:effectLst/>
+                <a:latin typeface="Consolas" panose="020B0609020204030204" pitchFamily="49" charset="0"/>
+                <a:cs typeface="Consolas" panose="020B0609020204030204" pitchFamily="49" charset="0"/>
+              </a:rPr>
+              <a:t>.Query</a:t>
+            </a:r>
+            <a:r>
+              <a:rPr lang="en-US" altLang="en-US" sz="900" dirty="0">
+                <a:solidFill>
+                  <a:srgbClr val="000000"/>
+                </a:solidFill>
+                <a:latin typeface="Consolas" panose="020B0609020204030204" pitchFamily="49" charset="0"/>
+                <a:cs typeface="Consolas" panose="020B0609020204030204" pitchFamily="49" charset="0"/>
+              </a:rPr>
+              <a:t>&lt;</a:t>
+            </a:r>
+            <a:r>
+              <a:rPr lang="en-US" altLang="en-US" sz="900" dirty="0">
+                <a:solidFill>
+                  <a:srgbClr val="2B91AF"/>
+                </a:solidFill>
+                <a:latin typeface="Consolas" panose="020B0609020204030204" pitchFamily="49" charset="0"/>
+                <a:cs typeface="Consolas" panose="020B0609020204030204" pitchFamily="49" charset="0"/>
+              </a:rPr>
+              <a:t>Order</a:t>
+            </a:r>
+            <a:r>
+              <a:rPr lang="en-US" altLang="en-US" sz="900" dirty="0">
+                <a:solidFill>
+                  <a:srgbClr val="000000"/>
+                </a:solidFill>
+                <a:latin typeface="Consolas" panose="020B0609020204030204" pitchFamily="49" charset="0"/>
+                <a:cs typeface="Consolas" panose="020B0609020204030204" pitchFamily="49" charset="0"/>
+              </a:rPr>
+              <a:t>&gt;().Where(o =&gt; </a:t>
+            </a:r>
+            <a:r>
+              <a:rPr lang="en-US" altLang="en-US" sz="900" dirty="0" err="1">
+                <a:solidFill>
+                  <a:srgbClr val="000000"/>
+                </a:solidFill>
                 <a:latin typeface="Consolas" panose="020B0609020204030204" pitchFamily="49" charset="0"/>
                 <a:cs typeface="Consolas" panose="020B0609020204030204" pitchFamily="49" charset="0"/>
               </a:rPr>
               <a:t>o.Customer</a:t>
             </a:r>
             <a:r>
-              <a:rPr kumimoji="0" lang="en-US" altLang="en-US" sz="900" b="0" i="0" u="none" strike="noStrike" cap="none" normalizeH="0" baseline="0" dirty="0" smtClean="0">
-                <a:ln>
-                  <a:noFill/>
-                </a:ln>
+              <a:rPr lang="en-US" altLang="en-US" sz="900" dirty="0">
                 <a:solidFill>
                   <a:srgbClr val="000000"/>
                 </a:solidFill>
-                <a:effectLst/>
                 <a:latin typeface="Consolas" panose="020B0609020204030204" pitchFamily="49" charset="0"/>
                 <a:cs typeface="Consolas" panose="020B0609020204030204" pitchFamily="49" charset="0"/>
               </a:rPr>
-              <a:t> == c); </a:t>
-            </a:r>
-            <a:br>
-              <a:rPr kumimoji="0" lang="en-US" altLang="en-US" sz="900" b="0" i="0" u="none" strike="noStrike" cap="none" normalizeH="0" baseline="0" dirty="0" smtClean="0">
-                <a:ln>
-                  <a:noFill/>
-                </a:ln>
-                <a:solidFill>
-                  <a:srgbClr val="000000"/>
-                </a:solidFill>
-                <a:effectLst/>
-                <a:latin typeface="Consolas" panose="020B0609020204030204" pitchFamily="49" charset="0"/>
-                <a:cs typeface="Consolas" panose="020B0609020204030204" pitchFamily="49" charset="0"/>
-              </a:rPr>
-            </a:br>
-            <a:r>
-              <a:rPr kumimoji="0" lang="en-US" altLang="en-US" sz="900" b="0" i="0" u="none" strike="noStrike" cap="none" normalizeH="0" baseline="0" dirty="0" smtClean="0">
-                <a:ln>
-                  <a:noFill/>
-                </a:ln>
-                <a:solidFill>
-                  <a:srgbClr val="0000FF"/>
-                </a:solidFill>
-                <a:effectLst/>
-                <a:latin typeface="Consolas" panose="020B0609020204030204" pitchFamily="49" charset="0"/>
-                <a:cs typeface="Consolas" panose="020B0609020204030204" pitchFamily="49" charset="0"/>
-              </a:rPr>
-              <a:t>public</a:t>
-            </a:r>
-            <a:r>
-              <a:rPr kumimoji="0" lang="en-US" altLang="en-US" sz="900" b="0" i="0" u="none" strike="noStrike" cap="none" normalizeH="0" baseline="0" dirty="0" smtClean="0">
-                <a:ln>
-                  <a:noFill/>
-                </a:ln>
-                <a:solidFill>
-                  <a:srgbClr val="000000"/>
-                </a:solidFill>
-                <a:effectLst/>
-                <a:latin typeface="Consolas" panose="020B0609020204030204" pitchFamily="49" charset="0"/>
-                <a:cs typeface="Consolas" panose="020B0609020204030204" pitchFamily="49" charset="0"/>
-              </a:rPr>
-              <a:t> </a:t>
-            </a:r>
-            <a:r>
-              <a:rPr kumimoji="0" lang="en-US" altLang="en-US" sz="900" b="0" i="0" u="none" strike="noStrike" cap="none" normalizeH="0" baseline="0" dirty="0" smtClean="0">
-                <a:ln>
-                  <a:noFill/>
-                </a:ln>
-                <a:solidFill>
-                  <a:srgbClr val="0000FF"/>
-                </a:solidFill>
-                <a:effectLst/>
-                <a:latin typeface="Consolas" panose="020B0609020204030204" pitchFamily="49" charset="0"/>
-                <a:cs typeface="Consolas" panose="020B0609020204030204" pitchFamily="49" charset="0"/>
-              </a:rPr>
-              <a:t>static</a:t>
-            </a:r>
-            <a:r>
-              <a:rPr kumimoji="0" lang="en-US" altLang="en-US" sz="900" b="0" i="0" u="none" strike="noStrike" cap="none" normalizeH="0" baseline="0" dirty="0" smtClean="0">
-                <a:ln>
-                  <a:noFill/>
-                </a:ln>
-                <a:solidFill>
-                  <a:srgbClr val="000000"/>
-                </a:solidFill>
-                <a:effectLst/>
-                <a:latin typeface="Consolas" panose="020B0609020204030204" pitchFamily="49" charset="0"/>
-                <a:cs typeface="Consolas" panose="020B0609020204030204" pitchFamily="49" charset="0"/>
-              </a:rPr>
-              <a:t> </a:t>
-            </a:r>
-            <a:r>
-              <a:rPr kumimoji="0" lang="en-US" altLang="en-US" sz="900" b="0" i="0" u="none" strike="noStrike" cap="none" normalizeH="0" baseline="0" dirty="0" err="1" smtClean="0">
-                <a:ln>
-                  <a:noFill/>
-                </a:ln>
-                <a:solidFill>
-                  <a:srgbClr val="27C9D1"/>
-                </a:solidFill>
-                <a:effectLst/>
-                <a:latin typeface="Consolas" panose="020B0609020204030204" pitchFamily="49" charset="0"/>
-                <a:cs typeface="Consolas" panose="020B0609020204030204" pitchFamily="49" charset="0"/>
-              </a:rPr>
-              <a:t>IQueryable</a:t>
-            </a:r>
-            <a:r>
-              <a:rPr kumimoji="0" lang="en-US" altLang="en-US" sz="900" b="0" i="0" u="none" strike="noStrike" cap="none" normalizeH="0" baseline="0" dirty="0" smtClean="0">
-                <a:ln>
-                  <a:noFill/>
-                </a:ln>
-                <a:solidFill>
-                  <a:srgbClr val="000000"/>
-                </a:solidFill>
-                <a:effectLst/>
-                <a:latin typeface="Consolas" panose="020B0609020204030204" pitchFamily="49" charset="0"/>
-                <a:cs typeface="Consolas" panose="020B0609020204030204" pitchFamily="49" charset="0"/>
-              </a:rPr>
-              <a:t>&lt;</a:t>
-            </a:r>
-            <a:r>
-              <a:rPr kumimoji="0" lang="en-US" altLang="en-US" sz="900" b="0" i="0" u="none" strike="noStrike" cap="none" normalizeH="0" baseline="0" dirty="0" smtClean="0">
-                <a:ln>
-                  <a:noFill/>
-                </a:ln>
-                <a:solidFill>
-                  <a:srgbClr val="2B91AF"/>
-                </a:solidFill>
-                <a:effectLst/>
-                <a:latin typeface="Consolas" panose="020B0609020204030204" pitchFamily="49" charset="0"/>
-                <a:cs typeface="Consolas" panose="020B0609020204030204" pitchFamily="49" charset="0"/>
-              </a:rPr>
-              <a:t>Order</a:t>
-            </a:r>
-            <a:r>
-              <a:rPr kumimoji="0" lang="en-US" altLang="en-US" sz="900" b="0" i="0" u="none" strike="noStrike" cap="none" normalizeH="0" baseline="0" dirty="0" smtClean="0">
-                <a:ln>
-                  <a:noFill/>
-                </a:ln>
-                <a:solidFill>
-                  <a:srgbClr val="000000"/>
-                </a:solidFill>
-                <a:effectLst/>
-                <a:latin typeface="Consolas" panose="020B0609020204030204" pitchFamily="49" charset="0"/>
-                <a:cs typeface="Consolas" panose="020B0609020204030204" pitchFamily="49" charset="0"/>
-              </a:rPr>
-              <a:t>&gt; Orders(</a:t>
-            </a:r>
-            <a:r>
-              <a:rPr kumimoji="0" lang="en-US" altLang="en-US" sz="900" b="0" i="0" u="none" strike="noStrike" cap="none" normalizeH="0" baseline="0" dirty="0" smtClean="0">
-                <a:ln>
-                  <a:noFill/>
-                </a:ln>
-                <a:solidFill>
-                  <a:srgbClr val="0000FF"/>
-                </a:solidFill>
-                <a:effectLst/>
-                <a:latin typeface="Consolas" panose="020B0609020204030204" pitchFamily="49" charset="0"/>
-                <a:cs typeface="Consolas" panose="020B0609020204030204" pitchFamily="49" charset="0"/>
-              </a:rPr>
-              <a:t>this</a:t>
-            </a:r>
-            <a:r>
-              <a:rPr kumimoji="0" lang="en-US" altLang="en-US" sz="900" b="0" i="0" u="none" strike="noStrike" cap="none" normalizeH="0" baseline="0" dirty="0" smtClean="0">
-                <a:ln>
-                  <a:noFill/>
-                </a:ln>
-                <a:solidFill>
-                  <a:srgbClr val="000000"/>
-                </a:solidFill>
-                <a:effectLst/>
-                <a:latin typeface="Consolas" panose="020B0609020204030204" pitchFamily="49" charset="0"/>
-                <a:cs typeface="Consolas" panose="020B0609020204030204" pitchFamily="49" charset="0"/>
-              </a:rPr>
-              <a:t> </a:t>
-            </a:r>
-            <a:r>
-              <a:rPr kumimoji="0" lang="en-US" altLang="en-US" sz="900" b="0" i="0" u="none" strike="noStrike" cap="none" normalizeH="0" baseline="0" dirty="0" smtClean="0">
-                <a:ln>
-                  <a:noFill/>
-                </a:ln>
-                <a:solidFill>
-                  <a:srgbClr val="2B91AF"/>
-                </a:solidFill>
-                <a:effectLst/>
-                <a:latin typeface="Consolas" panose="020B0609020204030204" pitchFamily="49" charset="0"/>
-                <a:cs typeface="Consolas" panose="020B0609020204030204" pitchFamily="49" charset="0"/>
-              </a:rPr>
-              <a:t>Customer</a:t>
-            </a:r>
-            <a:r>
-              <a:rPr kumimoji="0" lang="en-US" altLang="en-US" sz="900" b="0" i="0" u="none" strike="noStrike" cap="none" normalizeH="0" baseline="0" dirty="0" smtClean="0">
-                <a:ln>
-                  <a:noFill/>
-                </a:ln>
-                <a:solidFill>
-                  <a:srgbClr val="000000"/>
-                </a:solidFill>
-                <a:effectLst/>
-                <a:latin typeface="Consolas" panose="020B0609020204030204" pitchFamily="49" charset="0"/>
-                <a:cs typeface="Consolas" panose="020B0609020204030204" pitchFamily="49" charset="0"/>
-              </a:rPr>
-              <a:t> c) </a:t>
-            </a:r>
-            <a:br>
-              <a:rPr kumimoji="0" lang="en-US" altLang="en-US" sz="900" b="0" i="0" u="none" strike="noStrike" cap="none" normalizeH="0" baseline="0" dirty="0" smtClean="0">
-                <a:ln>
-                  <a:noFill/>
-                </a:ln>
-                <a:solidFill>
-                  <a:srgbClr val="000000"/>
-                </a:solidFill>
-                <a:effectLst/>
-                <a:latin typeface="Consolas" panose="020B0609020204030204" pitchFamily="49" charset="0"/>
-                <a:cs typeface="Consolas" panose="020B0609020204030204" pitchFamily="49" charset="0"/>
-              </a:rPr>
-            </a:br>
-            <a:r>
-              <a:rPr kumimoji="0" lang="en-US" altLang="en-US" sz="900" b="0" i="0" u="none" strike="noStrike" cap="none" normalizeH="0" baseline="0" dirty="0" smtClean="0">
-                <a:ln>
-                  <a:noFill/>
-                </a:ln>
-                <a:solidFill>
-                  <a:srgbClr val="000000"/>
-                </a:solidFill>
-                <a:effectLst/>
-                <a:latin typeface="Consolas" panose="020B0609020204030204" pitchFamily="49" charset="0"/>
-                <a:cs typeface="Consolas" panose="020B0609020204030204" pitchFamily="49" charset="0"/>
-              </a:rPr>
-              <a:t>{     </a:t>
-            </a:r>
-            <a:r>
-              <a:rPr kumimoji="0" lang="en-US" altLang="en-US" sz="900" b="0" i="1" u="none" strike="noStrike" cap="none" normalizeH="0" baseline="0" dirty="0" smtClean="0">
-                <a:ln>
-                  <a:noFill/>
-                </a:ln>
-                <a:solidFill>
-                  <a:srgbClr val="000000"/>
-                </a:solidFill>
-                <a:effectLst/>
-                <a:latin typeface="Consolas" panose="020B0609020204030204" pitchFamily="49" charset="0"/>
-                <a:cs typeface="Consolas" panose="020B0609020204030204" pitchFamily="49" charset="0"/>
-              </a:rPr>
-              <a:t/>
-            </a:r>
-            <a:br>
-              <a:rPr kumimoji="0" lang="en-US" altLang="en-US" sz="900" b="0" i="1" u="none" strike="noStrike" cap="none" normalizeH="0" baseline="0" dirty="0" smtClean="0">
-                <a:ln>
-                  <a:noFill/>
-                </a:ln>
-                <a:solidFill>
-                  <a:srgbClr val="000000"/>
-                </a:solidFill>
-                <a:effectLst/>
-                <a:latin typeface="Consolas" panose="020B0609020204030204" pitchFamily="49" charset="0"/>
-                <a:cs typeface="Consolas" panose="020B0609020204030204" pitchFamily="49" charset="0"/>
-              </a:rPr>
-            </a:br>
-            <a:r>
-              <a:rPr kumimoji="0" lang="en-US" altLang="en-US" sz="900" b="0" i="0" u="none" strike="noStrike" cap="none" normalizeH="0" baseline="0" dirty="0" smtClean="0">
-                <a:ln>
-                  <a:noFill/>
-                </a:ln>
-                <a:solidFill>
-                  <a:srgbClr val="000000"/>
-                </a:solidFill>
-                <a:effectLst/>
-                <a:latin typeface="Consolas" panose="020B0609020204030204" pitchFamily="49" charset="0"/>
-                <a:cs typeface="Consolas" panose="020B0609020204030204" pitchFamily="49" charset="0"/>
-              </a:rPr>
-              <a:t>   </a:t>
-            </a:r>
-            <a:r>
-              <a:rPr kumimoji="0" lang="en-US" altLang="en-US" sz="900" b="0" i="0" u="none" strike="noStrike" cap="none" normalizeH="0" baseline="0" dirty="0" smtClean="0">
-                <a:ln>
-                  <a:noFill/>
-                </a:ln>
-                <a:solidFill>
-                  <a:srgbClr val="0000FF"/>
-                </a:solidFill>
-                <a:effectLst/>
-                <a:latin typeface="Consolas" panose="020B0609020204030204" pitchFamily="49" charset="0"/>
-                <a:cs typeface="Consolas" panose="020B0609020204030204" pitchFamily="49" charset="0"/>
-              </a:rPr>
-              <a:t>return</a:t>
-            </a:r>
-            <a:r>
-              <a:rPr kumimoji="0" lang="en-US" altLang="en-US" sz="900" b="0" i="0" u="none" strike="noStrike" cap="none" normalizeH="0" baseline="0" dirty="0" smtClean="0">
-                <a:ln>
-                  <a:noFill/>
-                </a:ln>
-                <a:solidFill>
-                  <a:srgbClr val="000000"/>
-                </a:solidFill>
-                <a:effectLst/>
-                <a:latin typeface="Consolas" panose="020B0609020204030204" pitchFamily="49" charset="0"/>
-                <a:cs typeface="Consolas" panose="020B0609020204030204" pitchFamily="49" charset="0"/>
-              </a:rPr>
-              <a:t> </a:t>
-            </a:r>
-            <a:r>
-              <a:rPr kumimoji="0" lang="en-US" altLang="en-US" sz="900" b="0" i="0" u="none" strike="noStrike" cap="none" normalizeH="0" baseline="0" dirty="0" err="1" smtClean="0">
-                <a:ln>
-                  <a:noFill/>
-                </a:ln>
-                <a:solidFill>
-                  <a:srgbClr val="000000"/>
-                </a:solidFill>
-                <a:effectLst/>
-                <a:latin typeface="Consolas" panose="020B0609020204030204" pitchFamily="49" charset="0"/>
-                <a:cs typeface="Consolas" panose="020B0609020204030204" pitchFamily="49" charset="0"/>
-              </a:rPr>
-              <a:t>OrdersExpression.Evaluate</a:t>
-            </a:r>
-            <a:r>
-              <a:rPr kumimoji="0" lang="en-US" altLang="en-US" sz="900" b="0" i="0" u="none" strike="noStrike" cap="none" normalizeH="0" baseline="0" dirty="0" smtClean="0">
-                <a:ln>
-                  <a:noFill/>
-                </a:ln>
-                <a:solidFill>
-                  <a:srgbClr val="000000"/>
-                </a:solidFill>
-                <a:effectLst/>
-                <a:latin typeface="Consolas" panose="020B0609020204030204" pitchFamily="49" charset="0"/>
-                <a:cs typeface="Consolas" panose="020B0609020204030204" pitchFamily="49" charset="0"/>
-              </a:rPr>
-              <a:t>(c); </a:t>
-            </a:r>
-            <a:br>
-              <a:rPr kumimoji="0" lang="en-US" altLang="en-US" sz="900" b="0" i="0" u="none" strike="noStrike" cap="none" normalizeH="0" baseline="0" dirty="0" smtClean="0">
-                <a:ln>
-                  <a:noFill/>
-                </a:ln>
-                <a:solidFill>
-                  <a:srgbClr val="000000"/>
-                </a:solidFill>
-                <a:effectLst/>
-                <a:latin typeface="Consolas" panose="020B0609020204030204" pitchFamily="49" charset="0"/>
-                <a:cs typeface="Consolas" panose="020B0609020204030204" pitchFamily="49" charset="0"/>
-              </a:rPr>
-            </a:br>
-            <a:r>
-              <a:rPr kumimoji="0" lang="en-US" altLang="en-US" sz="900" b="0" i="0" u="none" strike="noStrike" cap="none" normalizeH="0" baseline="0" dirty="0" smtClean="0">
-                <a:ln>
-                  <a:noFill/>
-                </a:ln>
-                <a:solidFill>
-                  <a:srgbClr val="000000"/>
-                </a:solidFill>
-                <a:effectLst/>
-                <a:latin typeface="Consolas" panose="020B0609020204030204" pitchFamily="49" charset="0"/>
-                <a:cs typeface="Consolas" panose="020B0609020204030204" pitchFamily="49" charset="0"/>
-              </a:rPr>
-              <a:t>}</a:t>
-            </a:r>
-            <a:endParaRPr kumimoji="0" lang="en-US" altLang="en-US" sz="900" b="0" i="0" u="none" strike="noStrike" cap="none" normalizeH="0" baseline="0" dirty="0" smtClean="0">
+              <a:t> == c));</a:t>
+            </a:r>
+            <a:endParaRPr kumimoji="0" lang="en-US" altLang="en-US" sz="900" b="0" i="0" u="none" strike="noStrike" cap="none" normalizeH="0" baseline="0" dirty="0">
               <a:ln>
                 <a:noFill/>
               </a:ln>
@@ -32337,7 +31993,7 @@
               <a:tabLst/>
             </a:pPr>
             <a:r>
-              <a:rPr kumimoji="0" lang="en-US" altLang="en-US" sz="1100" b="0" i="0" u="none" strike="noStrike" cap="none" normalizeH="0" baseline="0" dirty="0" smtClean="0">
+              <a:rPr kumimoji="0" lang="en-US" altLang="en-US" sz="1100" b="0" i="0" u="none" strike="noStrike" cap="none" normalizeH="0" baseline="0" dirty="0">
                 <a:ln>
                   <a:noFill/>
                 </a:ln>
@@ -32351,7 +32007,7 @@
               <a:t>class</a:t>
             </a:r>
             <a:r>
-              <a:rPr kumimoji="0" lang="en-US" altLang="en-US" sz="1100" b="0" i="0" u="none" strike="noStrike" cap="none" normalizeH="0" baseline="0" dirty="0" smtClean="0">
+              <a:rPr kumimoji="0" lang="en-US" altLang="en-US" sz="1100" b="0" i="0" u="none" strike="noStrike" cap="none" normalizeH="0" baseline="0" dirty="0">
                 <a:ln>
                   <a:noFill/>
                 </a:ln>
@@ -32365,7 +32021,7 @@
               <a:t> </a:t>
             </a:r>
             <a:r>
-              <a:rPr kumimoji="0" lang="en-US" altLang="en-US" sz="1100" b="0" i="0" u="none" strike="noStrike" cap="none" normalizeH="0" baseline="0" dirty="0" smtClean="0">
+              <a:rPr kumimoji="0" lang="en-US" altLang="en-US" sz="1100" b="0" i="0" u="none" strike="noStrike" cap="none" normalizeH="0" baseline="0" dirty="0">
                 <a:ln>
                   <a:noFill/>
                 </a:ln>
@@ -32379,7 +32035,7 @@
               <a:t>Order</a:t>
             </a:r>
             <a:r>
-              <a:rPr kumimoji="0" lang="en-US" altLang="en-US" sz="1100" b="0" i="0" u="none" strike="noStrike" cap="none" normalizeH="0" baseline="0" dirty="0" smtClean="0">
+              <a:rPr kumimoji="0" lang="en-US" altLang="en-US" sz="1100" b="0" i="0" u="none" strike="noStrike" cap="none" normalizeH="0" baseline="0" dirty="0">
                 <a:ln>
                   <a:noFill/>
                 </a:ln>
@@ -32393,7 +32049,7 @@
               <a:t> </a:t>
             </a:r>
             <a:br>
-              <a:rPr kumimoji="0" lang="en-US" altLang="en-US" sz="1100" b="0" i="0" u="none" strike="noStrike" cap="none" normalizeH="0" baseline="0" dirty="0" smtClean="0">
+              <a:rPr kumimoji="0" lang="en-US" altLang="en-US" sz="1100" b="0" i="0" u="none" strike="noStrike" cap="none" normalizeH="0" baseline="0" dirty="0">
                 <a:ln>
                   <a:noFill/>
                 </a:ln>
@@ -32406,7 +32062,7 @@
               </a:rPr>
             </a:br>
             <a:r>
-              <a:rPr kumimoji="0" lang="en-US" altLang="en-US" sz="1100" b="0" i="0" u="none" strike="noStrike" cap="none" normalizeH="0" baseline="0" dirty="0" smtClean="0">
+              <a:rPr kumimoji="0" lang="en-US" altLang="en-US" sz="1100" b="0" i="0" u="none" strike="noStrike" cap="none" normalizeH="0" baseline="0" dirty="0">
                 <a:ln>
                   <a:noFill/>
                 </a:ln>
@@ -32420,7 +32076,7 @@
               <a:t>{     </a:t>
             </a:r>
             <a:br>
-              <a:rPr kumimoji="0" lang="en-US" altLang="en-US" sz="1100" b="0" i="0" u="none" strike="noStrike" cap="none" normalizeH="0" baseline="0" dirty="0" smtClean="0">
+              <a:rPr kumimoji="0" lang="en-US" altLang="en-US" sz="1100" b="0" i="0" u="none" strike="noStrike" cap="none" normalizeH="0" baseline="0" dirty="0">
                 <a:ln>
                   <a:noFill/>
                 </a:ln>
@@ -32433,7 +32089,7 @@
               </a:rPr>
             </a:br>
             <a:r>
-              <a:rPr kumimoji="0" lang="en-US" altLang="en-US" sz="1100" b="0" i="0" u="none" strike="noStrike" cap="none" normalizeH="0" dirty="0" smtClean="0">
+              <a:rPr kumimoji="0" lang="en-US" altLang="en-US" sz="1100" b="0" i="0" u="none" strike="noStrike" cap="none" normalizeH="0" dirty="0">
                 <a:ln>
                   <a:noFill/>
                 </a:ln>
@@ -32447,7 +32103,7 @@
               <a:t>   </a:t>
             </a:r>
             <a:r>
-              <a:rPr kumimoji="0" lang="en-US" altLang="en-US" sz="1100" b="0" i="0" u="none" strike="noStrike" cap="none" normalizeH="0" baseline="0" dirty="0" smtClean="0">
+              <a:rPr kumimoji="0" lang="en-US" altLang="en-US" sz="1100" b="0" i="0" u="none" strike="noStrike" cap="none" normalizeH="0" baseline="0" dirty="0">
                 <a:ln>
                   <a:noFill/>
                 </a:ln>
@@ -32461,7 +32117,7 @@
               <a:t>public</a:t>
             </a:r>
             <a:r>
-              <a:rPr kumimoji="0" lang="en-US" altLang="en-US" sz="1100" b="0" i="0" u="none" strike="noStrike" cap="none" normalizeH="0" baseline="0" dirty="0" smtClean="0">
+              <a:rPr kumimoji="0" lang="en-US" altLang="en-US" sz="1100" b="0" i="0" u="none" strike="noStrike" cap="none" normalizeH="0" baseline="0" dirty="0">
                 <a:ln>
                   <a:noFill/>
                 </a:ln>
@@ -32475,7 +32131,7 @@
               <a:t> </a:t>
             </a:r>
             <a:r>
-              <a:rPr kumimoji="0" lang="en-US" altLang="en-US" sz="1100" b="0" i="0" u="none" strike="noStrike" cap="none" normalizeH="0" baseline="0" dirty="0" smtClean="0">
+              <a:rPr kumimoji="0" lang="en-US" altLang="en-US" sz="1100" b="0" i="0" u="none" strike="noStrike" cap="none" normalizeH="0" baseline="0" dirty="0">
                 <a:ln>
                   <a:noFill/>
                 </a:ln>
@@ -32489,7 +32145,7 @@
               <a:t>Lite</a:t>
             </a:r>
             <a:r>
-              <a:rPr kumimoji="0" lang="en-US" altLang="en-US" sz="1100" b="0" i="0" u="none" strike="noStrike" cap="none" normalizeH="0" baseline="0" dirty="0" smtClean="0">
+              <a:rPr kumimoji="0" lang="en-US" altLang="en-US" sz="1100" b="0" i="0" u="none" strike="noStrike" cap="none" normalizeH="0" baseline="0" dirty="0">
                 <a:ln>
                   <a:noFill/>
                 </a:ln>
@@ -32503,7 +32159,7 @@
               <a:t>&lt;</a:t>
             </a:r>
             <a:r>
-              <a:rPr kumimoji="0" lang="en-US" altLang="en-US" sz="1100" b="0" i="0" u="none" strike="noStrike" cap="none" normalizeH="0" baseline="0" dirty="0" smtClean="0">
+              <a:rPr kumimoji="0" lang="en-US" altLang="en-US" sz="1100" b="0" i="0" u="none" strike="noStrike" cap="none" normalizeH="0" baseline="0" dirty="0">
                 <a:ln>
                   <a:noFill/>
                 </a:ln>
@@ -32517,7 +32173,7 @@
               <a:t>Customer</a:t>
             </a:r>
             <a:r>
-              <a:rPr kumimoji="0" lang="en-US" altLang="en-US" sz="1100" b="0" i="0" u="none" strike="noStrike" cap="none" normalizeH="0" baseline="0" dirty="0" smtClean="0">
+              <a:rPr kumimoji="0" lang="en-US" altLang="en-US" sz="1100" b="0" i="0" u="none" strike="noStrike" cap="none" normalizeH="0" baseline="0" dirty="0">
                 <a:ln>
                   <a:noFill/>
                 </a:ln>
@@ -32531,7 +32187,7 @@
               <a:t>&gt; Customer; </a:t>
             </a:r>
             <a:br>
-              <a:rPr kumimoji="0" lang="en-US" altLang="en-US" sz="1100" b="0" i="0" u="none" strike="noStrike" cap="none" normalizeH="0" baseline="0" dirty="0" smtClean="0">
+              <a:rPr kumimoji="0" lang="en-US" altLang="en-US" sz="1100" b="0" i="0" u="none" strike="noStrike" cap="none" normalizeH="0" baseline="0" dirty="0">
                 <a:ln>
                   <a:noFill/>
                 </a:ln>
@@ -32544,7 +32200,7 @@
               </a:rPr>
             </a:br>
             <a:r>
-              <a:rPr kumimoji="0" lang="en-US" altLang="en-US" sz="1100" b="0" i="0" u="none" strike="noStrike" cap="none" normalizeH="0" baseline="0" dirty="0" smtClean="0">
+              <a:rPr kumimoji="0" lang="en-US" altLang="en-US" sz="1100" b="0" i="0" u="none" strike="noStrike" cap="none" normalizeH="0" baseline="0" dirty="0">
                 <a:ln>
                   <a:noFill/>
                 </a:ln>
@@ -32557,7 +32213,7 @@
               </a:rPr>
               <a:t>}</a:t>
             </a:r>
-            <a:endParaRPr kumimoji="0" lang="en-US" altLang="en-US" sz="1100" b="0" i="0" u="none" strike="noStrike" cap="none" normalizeH="0" baseline="0" dirty="0" smtClean="0">
+            <a:endParaRPr kumimoji="0" lang="en-US" altLang="en-US" sz="1100" b="0" i="0" u="none" strike="noStrike" cap="none" normalizeH="0" baseline="0" dirty="0">
               <a:ln>
                 <a:noFill/>
               </a:ln>
@@ -32628,7 +32284,7 @@
               <a:tabLst/>
             </a:pPr>
             <a:r>
-              <a:rPr kumimoji="0" lang="en-US" altLang="en-US" sz="1100" b="0" i="0" u="none" strike="noStrike" cap="none" normalizeH="0" baseline="0" dirty="0" smtClean="0">
+              <a:rPr kumimoji="0" lang="en-US" altLang="en-US" sz="1100" b="0" i="0" u="none" strike="noStrike" cap="none" normalizeH="0" baseline="0" dirty="0">
                 <a:ln>
                   <a:noFill/>
                 </a:ln>
@@ -32642,7 +32298,7 @@
               <a:t>class</a:t>
             </a:r>
             <a:r>
-              <a:rPr kumimoji="0" lang="en-US" altLang="en-US" sz="1100" b="0" i="0" u="none" strike="noStrike" cap="none" normalizeH="0" baseline="0" dirty="0" smtClean="0">
+              <a:rPr kumimoji="0" lang="en-US" altLang="en-US" sz="1100" b="0" i="0" u="none" strike="noStrike" cap="none" normalizeH="0" baseline="0" dirty="0">
                 <a:ln>
                   <a:noFill/>
                 </a:ln>
@@ -32656,7 +32312,7 @@
               <a:t> </a:t>
             </a:r>
             <a:r>
-              <a:rPr kumimoji="0" lang="en-US" altLang="en-US" sz="1100" b="0" i="0" u="none" strike="noStrike" cap="none" normalizeH="0" baseline="0" dirty="0" smtClean="0">
+              <a:rPr kumimoji="0" lang="en-US" altLang="en-US" sz="1100" b="0" i="0" u="none" strike="noStrike" cap="none" normalizeH="0" baseline="0" dirty="0">
                 <a:ln>
                   <a:noFill/>
                 </a:ln>
@@ -32670,7 +32326,7 @@
               <a:t>Customer</a:t>
             </a:r>
             <a:r>
-              <a:rPr kumimoji="0" lang="en-US" altLang="en-US" sz="1100" b="0" i="0" u="none" strike="noStrike" cap="none" normalizeH="0" baseline="0" dirty="0" smtClean="0">
+              <a:rPr kumimoji="0" lang="en-US" altLang="en-US" sz="1100" b="0" i="0" u="none" strike="noStrike" cap="none" normalizeH="0" baseline="0" dirty="0">
                 <a:ln>
                   <a:noFill/>
                 </a:ln>
@@ -32684,7 +32340,7 @@
               <a:t> </a:t>
             </a:r>
             <a:br>
-              <a:rPr kumimoji="0" lang="en-US" altLang="en-US" sz="1100" b="0" i="0" u="none" strike="noStrike" cap="none" normalizeH="0" baseline="0" dirty="0" smtClean="0">
+              <a:rPr kumimoji="0" lang="en-US" altLang="en-US" sz="1100" b="0" i="0" u="none" strike="noStrike" cap="none" normalizeH="0" baseline="0" dirty="0">
                 <a:ln>
                   <a:noFill/>
                 </a:ln>
@@ -32697,7 +32353,7 @@
               </a:rPr>
             </a:br>
             <a:r>
-              <a:rPr kumimoji="0" lang="en-US" altLang="en-US" sz="1100" b="0" i="0" u="none" strike="noStrike" cap="none" normalizeH="0" baseline="0" dirty="0" smtClean="0">
+              <a:rPr kumimoji="0" lang="en-US" altLang="en-US" sz="1100" b="0" i="0" u="none" strike="noStrike" cap="none" normalizeH="0" baseline="0" dirty="0">
                 <a:ln>
                   <a:noFill/>
                 </a:ln>
@@ -32711,7 +32367,7 @@
               <a:t>{ </a:t>
             </a:r>
             <a:br>
-              <a:rPr kumimoji="0" lang="en-US" altLang="en-US" sz="1100" b="0" i="0" u="none" strike="noStrike" cap="none" normalizeH="0" baseline="0" dirty="0" smtClean="0">
+              <a:rPr kumimoji="0" lang="en-US" altLang="en-US" sz="1100" b="0" i="0" u="none" strike="noStrike" cap="none" normalizeH="0" baseline="0" dirty="0">
                 <a:ln>
                   <a:noFill/>
                 </a:ln>
@@ -32724,7 +32380,7 @@
               </a:rPr>
             </a:br>
             <a:r>
-              <a:rPr kumimoji="0" lang="en-US" altLang="en-US" sz="1100" b="0" i="0" u="none" strike="noStrike" cap="none" normalizeH="0" baseline="0" dirty="0" smtClean="0">
+              <a:rPr kumimoji="0" lang="en-US" altLang="en-US" sz="1100" b="0" i="0" u="none" strike="noStrike" cap="none" normalizeH="0" baseline="0" dirty="0">
                 <a:ln>
                   <a:noFill/>
                 </a:ln>
@@ -32737,7 +32393,7 @@
               </a:rPr>
               <a:t>}</a:t>
             </a:r>
-            <a:endParaRPr kumimoji="0" lang="en-US" altLang="en-US" sz="1100" b="0" i="0" u="none" strike="noStrike" cap="none" normalizeH="0" baseline="0" dirty="0" smtClean="0">
+            <a:endParaRPr kumimoji="0" lang="en-US" altLang="en-US" sz="1100" b="0" i="0" u="none" strike="noStrike" cap="none" normalizeH="0" baseline="0" dirty="0">
               <a:ln>
                 <a:noFill/>
               </a:ln>
@@ -32823,6 +32479,7 @@
         <p:nvCxnSpPr>
           <p:cNvPr id="36" name="Straight Arrow Connector 35"/>
           <p:cNvCxnSpPr>
+            <a:cxnSpLocks/>
             <a:stCxn id="12" idx="0"/>
             <a:endCxn id="13" idx="2"/>
           </p:cNvCxnSpPr>
@@ -32831,7 +32488,7 @@
         <p:spPr>
           <a:xfrm flipH="1" flipV="1">
             <a:off x="3049987" y="4965843"/>
-            <a:ext cx="6720" cy="463884"/>
+            <a:ext cx="221169" cy="671633"/>
           </a:xfrm>
           <a:prstGeom prst="straightConnector1">
             <a:avLst/>
@@ -32859,14 +32516,15 @@
         <p:nvCxnSpPr>
           <p:cNvPr id="39" name="Straight Arrow Connector 38"/>
           <p:cNvCxnSpPr>
+            <a:cxnSpLocks/>
             <a:stCxn id="12" idx="3"/>
           </p:cNvCxnSpPr>
           <p:nvPr/>
         </p:nvCxnSpPr>
         <p:spPr>
           <a:xfrm flipV="1">
-            <a:off x="5588725" y="4825954"/>
-            <a:ext cx="3242295" cy="1065438"/>
+            <a:off x="6017623" y="4825956"/>
+            <a:ext cx="2813397" cy="1065436"/>
           </a:xfrm>
           <a:prstGeom prst="straightConnector1">
             <a:avLst/>
@@ -32934,7 +32592,7 @@
               </a:spcAft>
             </a:pPr>
             <a:r>
-              <a:rPr kumimoji="0" lang="en-US" altLang="en-US" sz="1100" b="0" i="0" u="none" strike="noStrike" cap="none" normalizeH="0" baseline="0" dirty="0" err="1" smtClean="0">
+              <a:rPr kumimoji="0" lang="en-US" altLang="en-US" sz="1100" b="0" i="0" u="none" strike="noStrike" cap="none" normalizeH="0" baseline="0" dirty="0" err="1">
                 <a:ln>
                   <a:noFill/>
                 </a:ln>
@@ -32948,7 +32606,7 @@
               <a:t>sb.Include</a:t>
             </a:r>
             <a:r>
-              <a:rPr kumimoji="0" lang="en-US" altLang="en-US" sz="1100" b="0" i="0" u="none" strike="noStrike" cap="none" normalizeH="0" baseline="0" dirty="0" smtClean="0">
+              <a:rPr kumimoji="0" lang="en-US" altLang="en-US" sz="1100" b="0" i="0" u="none" strike="noStrike" cap="none" normalizeH="0" baseline="0" dirty="0">
                 <a:ln>
                   <a:noFill/>
                 </a:ln>
@@ -32962,7 +32620,7 @@
               <a:t>&lt;</a:t>
             </a:r>
             <a:r>
-              <a:rPr kumimoji="0" lang="en-US" altLang="en-US" sz="1100" b="0" i="0" u="none" strike="noStrike" cap="none" normalizeH="0" baseline="0" dirty="0" smtClean="0">
+              <a:rPr kumimoji="0" lang="en-US" altLang="en-US" sz="1100" b="0" i="0" u="none" strike="noStrike" cap="none" normalizeH="0" baseline="0" dirty="0">
                 <a:ln>
                   <a:noFill/>
                 </a:ln>
@@ -32976,7 +32634,7 @@
               <a:t>Customer</a:t>
             </a:r>
             <a:r>
-              <a:rPr kumimoji="0" lang="en-US" altLang="en-US" sz="1100" b="0" i="0" u="none" strike="noStrike" cap="none" normalizeH="0" baseline="0" dirty="0" smtClean="0">
+              <a:rPr kumimoji="0" lang="en-US" altLang="en-US" sz="1100" b="0" i="0" u="none" strike="noStrike" cap="none" normalizeH="0" baseline="0" dirty="0">
                 <a:ln>
                   <a:noFill/>
                 </a:ln>
@@ -33036,7 +32694,7 @@
               </a:spcAft>
             </a:pPr>
             <a:r>
-              <a:rPr kumimoji="0" lang="en-US" altLang="en-US" sz="1100" b="0" i="0" u="none" strike="noStrike" cap="none" normalizeH="0" baseline="0" dirty="0" err="1" smtClean="0">
+              <a:rPr kumimoji="0" lang="en-US" altLang="en-US" sz="1100" b="0" i="0" u="none" strike="noStrike" cap="none" normalizeH="0" baseline="0" dirty="0" err="1">
                 <a:ln>
                   <a:noFill/>
                 </a:ln>
@@ -33050,7 +32708,7 @@
               <a:t>sb.Include</a:t>
             </a:r>
             <a:r>
-              <a:rPr kumimoji="0" lang="en-US" altLang="en-US" sz="1100" b="0" i="0" u="none" strike="noStrike" cap="none" normalizeH="0" baseline="0" dirty="0" smtClean="0">
+              <a:rPr kumimoji="0" lang="en-US" altLang="en-US" sz="1100" b="0" i="0" u="none" strike="noStrike" cap="none" normalizeH="0" baseline="0" dirty="0">
                 <a:ln>
                   <a:noFill/>
                 </a:ln>
@@ -33064,7 +32722,7 @@
               <a:t>&lt;</a:t>
             </a:r>
             <a:r>
-              <a:rPr kumimoji="0" lang="en-US" altLang="en-US" sz="1100" b="0" i="0" u="none" strike="noStrike" cap="none" normalizeH="0" baseline="0" dirty="0" smtClean="0">
+              <a:rPr kumimoji="0" lang="en-US" altLang="en-US" sz="1100" b="0" i="0" u="none" strike="noStrike" cap="none" normalizeH="0" baseline="0" dirty="0">
                 <a:ln>
                   <a:noFill/>
                 </a:ln>
@@ -33078,7 +32736,7 @@
               <a:t>Order</a:t>
             </a:r>
             <a:r>
-              <a:rPr kumimoji="0" lang="en-US" altLang="en-US" sz="1100" b="0" i="0" u="none" strike="noStrike" cap="none" normalizeH="0" baseline="0" dirty="0" smtClean="0">
+              <a:rPr kumimoji="0" lang="en-US" altLang="en-US" sz="1100" b="0" i="0" u="none" strike="noStrike" cap="none" normalizeH="0" baseline="0" dirty="0">
                 <a:ln>
                   <a:noFill/>
                 </a:ln>
@@ -33091,7 +32749,7 @@
               </a:rPr>
               <a:t>&gt;();</a:t>
             </a:r>
-            <a:endParaRPr kumimoji="0" lang="en-US" altLang="en-US" sz="1100" b="0" i="0" u="none" strike="noStrike" cap="none" normalizeH="0" baseline="0" dirty="0" smtClean="0">
+            <a:endParaRPr kumimoji="0" lang="en-US" altLang="en-US" sz="1100" b="0" i="0" u="none" strike="noStrike" cap="none" normalizeH="0" baseline="0" dirty="0">
               <a:ln>
                 <a:noFill/>
               </a:ln>
@@ -33127,7 +32785,7 @@
           <a:lstStyle/>
           <a:p>
             <a:r>
-              <a:rPr lang="en-US" sz="2400" dirty="0" smtClean="0">
+              <a:rPr lang="en-US" sz="2400" dirty="0">
                 <a:solidFill>
                   <a:schemeClr val="accent6">
                     <a:lumMod val="75000"/>
@@ -33136,13 +32794,6 @@
               </a:rPr>
               <a:t>Customer Module</a:t>
             </a:r>
-            <a:endParaRPr lang="en-US" sz="2400" dirty="0">
-              <a:solidFill>
-                <a:schemeClr val="accent6">
-                  <a:lumMod val="75000"/>
-                </a:schemeClr>
-              </a:solidFill>
-            </a:endParaRPr>
           </a:p>
         </p:txBody>
       </p:sp>
@@ -33169,7 +32820,7 @@
           <a:lstStyle/>
           <a:p>
             <a:r>
-              <a:rPr lang="en-US" sz="2400" dirty="0" smtClean="0">
+              <a:rPr lang="en-US" sz="2400" dirty="0">
                 <a:solidFill>
                   <a:schemeClr val="accent1">
                     <a:lumMod val="75000"/>
@@ -33178,13 +32829,6 @@
               </a:rPr>
               <a:t>Order Module</a:t>
             </a:r>
-            <a:endParaRPr lang="en-US" sz="2400" dirty="0">
-              <a:solidFill>
-                <a:schemeClr val="accent1">
-                  <a:lumMod val="75000"/>
-                </a:schemeClr>
-              </a:solidFill>
-            </a:endParaRPr>
           </a:p>
         </p:txBody>
       </p:sp>
@@ -33210,7 +32854,7 @@
           <a:lstStyle/>
           <a:p>
             <a:r>
-              <a:rPr lang="en-US" sz="3200" dirty="0" smtClean="0">
+              <a:rPr lang="en-US" sz="3200" dirty="0">
                 <a:solidFill>
                   <a:schemeClr val="accent6"/>
                 </a:solidFill>
@@ -33219,7 +32863,7 @@
               <a:t>Modular </a:t>
             </a:r>
             <a:r>
-              <a:rPr lang="en-US" sz="3200" dirty="0" smtClean="0">
+              <a:rPr lang="en-US" sz="3200" dirty="0">
                 <a:solidFill>
                   <a:schemeClr val="accent6"/>
                 </a:solidFill>
